--- a/응용SW기초기술활용.pptx
+++ b/응용SW기초기술활용.pptx
@@ -5,27 +5,36 @@
     <p:sldMasterId id="2147483648" r:id="rId1"/>
   </p:sldMasterIdLst>
   <p:sldIdLst>
-    <p:sldId id="259" r:id="rId2"/>
-    <p:sldId id="260" r:id="rId3"/>
-    <p:sldId id="258" r:id="rId4"/>
+    <p:sldId id="257" r:id="rId2"/>
+    <p:sldId id="259" r:id="rId3"/>
+    <p:sldId id="260" r:id="rId4"/>
+    <p:sldId id="261" r:id="rId5"/>
+    <p:sldId id="262" r:id="rId6"/>
   </p:sldIdLst>
   <p:sldSz cx="18288000" cy="10287000"/>
   <p:notesSz cx="6858000" cy="9144000"/>
   <p:embeddedFontLst>
-    <p:embeddedFont>
-      <p:font typeface="프리젠테이션 5 Medium" charset="-127"/>
-      <p:regular r:id="rId5"/>
-    </p:embeddedFont>
-    <p:embeddedFont>
-      <p:font typeface="프리젠테이션 6 SemiBold" charset="-127"/>
-      <p:bold r:id="rId6"/>
-    </p:embeddedFont>
     <p:embeddedFont>
       <p:font typeface="Calibri" panose="020F0502020204030204" pitchFamily="34" charset="0"/>
       <p:regular r:id="rId7"/>
       <p:bold r:id="rId8"/>
       <p:italic r:id="rId9"/>
       <p:boldItalic r:id="rId10"/>
+    </p:embeddedFont>
+    <p:embeddedFont>
+      <p:font typeface="Montserrat Bold" panose="020B0600000101010101" charset="0"/>
+      <p:bold r:id="rId11"/>
+    </p:embeddedFont>
+    <p:embeddedFont>
+      <p:font typeface="Montserrat Medium" panose="00000600000000000000" pitchFamily="2" charset="0"/>
+      <p:regular r:id="rId12"/>
+      <p:bold r:id="rId13"/>
+      <p:italic r:id="rId14"/>
+    </p:embeddedFont>
+    <p:embeddedFont>
+      <p:font typeface="Montserrat SemiBold" panose="00000700000000000000" pitchFamily="2" charset="0"/>
+      <p:bold r:id="rId15"/>
+      <p:boldItalic r:id="rId16"/>
     </p:embeddedFont>
   </p:embeddedFontLst>
   <p:defaultTextStyle>
@@ -3153,16 +3162,247 @@
           </a:prstGeom>
         </p:spPr>
       </p:pic>
-      <p:sp>
-        <p:nvSpPr>
-          <p:cNvPr id="21" name="TextBox 21"/>
+      <p:pic>
+        <p:nvPicPr>
+          <p:cNvPr id="6" name="Picture 6"/>
+          <p:cNvPicPr>
+            <a:picLocks noChangeAspect="1"/>
+          </p:cNvPicPr>
+          <p:nvPr/>
+        </p:nvPicPr>
+        <p:blipFill>
+          <a:blip r:embed="rId5">
+            <a:alphaModFix amt="50000"/>
+          </a:blip>
+          <a:stretch>
+            <a:fillRect/>
+          </a:stretch>
+        </p:blipFill>
+        <p:spPr>
+          <a:xfrm>
+            <a:off x="9715500" y="5143500"/>
+            <a:ext cx="6946900" cy="12700"/>
+          </a:xfrm>
+          <a:prstGeom prst="rect">
+            <a:avLst/>
+          </a:prstGeom>
+        </p:spPr>
+      </p:pic>
+      <p:pic>
+        <p:nvPicPr>
+          <p:cNvPr id="7" name="Picture 7"/>
+          <p:cNvPicPr>
+            <a:picLocks noChangeAspect="1"/>
+          </p:cNvPicPr>
+          <p:nvPr/>
+        </p:nvPicPr>
+        <p:blipFill>
+          <a:blip r:embed="rId6">
+            <a:alphaModFix amt="56000"/>
+          </a:blip>
+          <a:stretch>
+            <a:fillRect/>
+          </a:stretch>
+        </p:blipFill>
+        <p:spPr>
+          <a:xfrm>
+            <a:off x="1123950" y="7410450"/>
+            <a:ext cx="7531100" cy="1320800"/>
+          </a:xfrm>
+          <a:prstGeom prst="rect">
+            <a:avLst/>
+          </a:prstGeom>
+        </p:spPr>
+      </p:pic>
+      <p:pic>
+        <p:nvPicPr>
+          <p:cNvPr id="8" name="Picture 8"/>
+          <p:cNvPicPr>
+            <a:picLocks noChangeAspect="1"/>
+          </p:cNvPicPr>
+          <p:nvPr/>
+        </p:nvPicPr>
+        <p:blipFill>
+          <a:blip r:embed="rId5">
+            <a:alphaModFix amt="50000"/>
+          </a:blip>
+          <a:stretch>
+            <a:fillRect/>
+          </a:stretch>
+        </p:blipFill>
+        <p:spPr>
+          <a:xfrm>
+            <a:off x="9715500" y="6921500"/>
+            <a:ext cx="6946900" cy="12700"/>
+          </a:xfrm>
+          <a:prstGeom prst="rect">
+            <a:avLst/>
+          </a:prstGeom>
+        </p:spPr>
+      </p:pic>
+      <p:pic>
+        <p:nvPicPr>
+          <p:cNvPr id="9" name="Picture 9"/>
+          <p:cNvPicPr>
+            <a:picLocks noChangeAspect="1"/>
+          </p:cNvPicPr>
+          <p:nvPr/>
+        </p:nvPicPr>
+        <p:blipFill>
+          <a:blip r:embed="rId7"/>
+          <a:stretch>
+            <a:fillRect/>
+          </a:stretch>
+        </p:blipFill>
+        <p:spPr>
+          <a:xfrm>
+            <a:off x="11722100" y="3797300"/>
+            <a:ext cx="190500" cy="190500"/>
+          </a:xfrm>
+          <a:prstGeom prst="rect">
+            <a:avLst/>
+          </a:prstGeom>
+        </p:spPr>
+      </p:pic>
+      <p:pic>
+        <p:nvPicPr>
+          <p:cNvPr id="10" name="Picture 10"/>
+          <p:cNvPicPr>
+            <a:picLocks noChangeAspect="1"/>
+          </p:cNvPicPr>
+          <p:nvPr/>
+        </p:nvPicPr>
+        <p:blipFill>
+          <a:blip r:embed="rId7"/>
+          <a:stretch>
+            <a:fillRect/>
+          </a:stretch>
+        </p:blipFill>
+        <p:spPr>
+          <a:xfrm>
+            <a:off x="11722100" y="4140200"/>
+            <a:ext cx="190500" cy="190500"/>
+          </a:xfrm>
+          <a:prstGeom prst="rect">
+            <a:avLst/>
+          </a:prstGeom>
+        </p:spPr>
+      </p:pic>
+      <p:pic>
+        <p:nvPicPr>
+          <p:cNvPr id="12" name="Picture 12"/>
+          <p:cNvPicPr>
+            <a:picLocks noChangeAspect="1"/>
+          </p:cNvPicPr>
+          <p:nvPr/>
+        </p:nvPicPr>
+        <p:blipFill>
+          <a:blip r:embed="rId7"/>
+          <a:stretch>
+            <a:fillRect/>
+          </a:stretch>
+        </p:blipFill>
+        <p:spPr>
+          <a:xfrm>
+            <a:off x="11722100" y="5448300"/>
+            <a:ext cx="190500" cy="190500"/>
+          </a:xfrm>
+          <a:prstGeom prst="rect">
+            <a:avLst/>
+          </a:prstGeom>
+        </p:spPr>
+      </p:pic>
+      <p:pic>
+        <p:nvPicPr>
+          <p:cNvPr id="13" name="Picture 13"/>
+          <p:cNvPicPr>
+            <a:picLocks noChangeAspect="1"/>
+          </p:cNvPicPr>
+          <p:nvPr/>
+        </p:nvPicPr>
+        <p:blipFill>
+          <a:blip r:embed="rId7"/>
+          <a:stretch>
+            <a:fillRect/>
+          </a:stretch>
+        </p:blipFill>
+        <p:spPr>
+          <a:xfrm>
+            <a:off x="11722100" y="6057900"/>
+            <a:ext cx="190500" cy="190500"/>
+          </a:xfrm>
+          <a:prstGeom prst="rect">
+            <a:avLst/>
+          </a:prstGeom>
+        </p:spPr>
+      </p:pic>
+      <p:pic>
+        <p:nvPicPr>
+          <p:cNvPr id="14" name="Picture 14"/>
+          <p:cNvPicPr>
+            <a:picLocks noChangeAspect="1"/>
+          </p:cNvPicPr>
+          <p:nvPr/>
+        </p:nvPicPr>
+        <p:blipFill>
+          <a:blip r:embed="rId7"/>
+          <a:stretch>
+            <a:fillRect/>
+          </a:stretch>
+        </p:blipFill>
+        <p:spPr>
+          <a:xfrm>
+            <a:off x="11722100" y="6438900"/>
+            <a:ext cx="190500" cy="190500"/>
+          </a:xfrm>
+          <a:prstGeom prst="rect">
+            <a:avLst/>
+          </a:prstGeom>
+        </p:spPr>
+      </p:pic>
+      <p:sp>
+        <p:nvSpPr>
+          <p:cNvPr id="18" name="TextBox 18"/>
           <p:cNvSpPr txBox="1"/>
           <p:nvPr/>
         </p:nvSpPr>
         <p:spPr>
           <a:xfrm>
-            <a:off x="7086600" y="2476500"/>
-            <a:ext cx="3962400" cy="1016000"/>
+            <a:off x="5041900" y="1371600"/>
+            <a:ext cx="8204200" cy="1333500"/>
+          </a:xfrm>
+          <a:prstGeom prst="rect">
+            <a:avLst/>
+          </a:prstGeom>
+        </p:spPr>
+        <p:txBody>
+          <a:bodyPr lIns="0" tIns="0" rIns="0" bIns="0" rtlCol="0" anchor="ctr"/>
+          <a:lstStyle/>
+          <a:p>
+            <a:pPr lvl="0" algn="ctr">
+              <a:lnSpc>
+                <a:spcPct val="83000"/>
+              </a:lnSpc>
+            </a:pPr>
+            <a:endParaRPr lang="en-US" sz="7500" b="0" i="0" u="none" strike="noStrike" spc="-300" dirty="0">
+              <a:solidFill>
+                <a:srgbClr val="000000"/>
+              </a:solidFill>
+              <a:latin typeface="Montserrat Bold"/>
+            </a:endParaRPr>
+          </a:p>
+        </p:txBody>
+      </p:sp>
+      <p:sp>
+        <p:nvSpPr>
+          <p:cNvPr id="19" name="TextBox 19"/>
+          <p:cNvSpPr txBox="1"/>
+          <p:nvPr/>
+        </p:nvSpPr>
+        <p:spPr>
+          <a:xfrm>
+            <a:off x="6832600" y="2616200"/>
+            <a:ext cx="4635500" cy="228600"/>
           </a:xfrm>
           <a:prstGeom prst="rect">
             <a:avLst/>
@@ -3178,101 +3418,573 @@
               </a:lnSpc>
             </a:pPr>
             <a:r>
-              <a:rPr lang="en-US" altLang="ko-KR" sz="5700" spc="-200" dirty="0">
+              <a:rPr lang="en-US" sz="1300" b="0" i="0" u="none" strike="noStrike" spc="100" dirty="0">
+                <a:solidFill>
+                  <a:srgbClr val="000000">
+                    <a:alpha val="21176"/>
+                  </a:srgbClr>
+                </a:solidFill>
+                <a:latin typeface="Montserrat SemiBold"/>
+              </a:rPr>
+              <a:t>Professor </a:t>
+            </a:r>
+            <a:r>
+              <a:rPr lang="en-US" sz="1300" spc="100" dirty="0">
+                <a:solidFill>
+                  <a:srgbClr val="000000">
+                    <a:alpha val="21176"/>
+                  </a:srgbClr>
+                </a:solidFill>
+                <a:latin typeface="Montserrat SemiBold"/>
+              </a:rPr>
+              <a:t>Lecture</a:t>
+            </a:r>
+            <a:endParaRPr lang="en-US" sz="1300" b="0" i="0" u="none" strike="noStrike" spc="100" dirty="0">
+              <a:solidFill>
+                <a:srgbClr val="000000">
+                  <a:alpha val="21176"/>
+                </a:srgbClr>
+              </a:solidFill>
+              <a:latin typeface="Montserrat SemiBold"/>
+            </a:endParaRPr>
+          </a:p>
+        </p:txBody>
+      </p:sp>
+      <p:sp>
+        <p:nvSpPr>
+          <p:cNvPr id="20" name="TextBox 20"/>
+          <p:cNvSpPr txBox="1"/>
+          <p:nvPr/>
+        </p:nvSpPr>
+        <p:spPr>
+          <a:xfrm>
+            <a:off x="558800" y="9753600"/>
+            <a:ext cx="4330700" cy="215900"/>
+          </a:xfrm>
+          <a:prstGeom prst="rect">
+            <a:avLst/>
+          </a:prstGeom>
+        </p:spPr>
+        <p:txBody>
+          <a:bodyPr lIns="0" tIns="0" rIns="0" bIns="0" rtlCol="0" anchor="ctr"/>
+          <a:lstStyle/>
+          <a:p>
+            <a:pPr lvl="0" algn="l">
+              <a:lnSpc>
+                <a:spcPct val="120350"/>
+              </a:lnSpc>
+            </a:pPr>
+            <a:r>
+              <a:rPr lang="en-US" sz="1200" b="0" i="0" u="none" strike="noStrike">
+                <a:solidFill>
+                  <a:srgbClr val="000000">
+                    <a:alpha val="30980"/>
+                  </a:srgbClr>
+                </a:solidFill>
+                <a:latin typeface="Montserrat SemiBold"/>
+              </a:rPr>
+              <a:t>Sample image on page</a:t>
+            </a:r>
+          </a:p>
+        </p:txBody>
+      </p:sp>
+      <p:sp>
+        <p:nvSpPr>
+          <p:cNvPr id="21" name="TextBox 21"/>
+          <p:cNvSpPr txBox="1"/>
+          <p:nvPr/>
+        </p:nvSpPr>
+        <p:spPr>
+          <a:xfrm>
+            <a:off x="11988800" y="3708400"/>
+            <a:ext cx="4864100" cy="1003300"/>
+          </a:xfrm>
+          <a:prstGeom prst="rect">
+            <a:avLst/>
+          </a:prstGeom>
+        </p:spPr>
+        <p:txBody>
+          <a:bodyPr lIns="0" tIns="0" rIns="0" bIns="0" rtlCol="0" anchor="ctr"/>
+          <a:lstStyle/>
+          <a:p>
+            <a:pPr lvl="0" algn="l">
+              <a:lnSpc>
+                <a:spcPct val="112050"/>
+              </a:lnSpc>
+            </a:pPr>
+            <a:r>
+              <a:rPr lang="en-US" sz="1900" spc="-100" dirty="0">
+                <a:solidFill>
+                  <a:srgbClr val="545454"/>
+                </a:solidFill>
+                <a:latin typeface="Montserrat SemiBold"/>
+              </a:rPr>
+              <a:t>HDB: Hierarchical</a:t>
+            </a:r>
+            <a:r>
+              <a:rPr lang="en-US" sz="1900" b="0" i="0" u="none" strike="noStrike" spc="-100" dirty="0">
+                <a:solidFill>
+                  <a:srgbClr val="545454"/>
+                </a:solidFill>
+                <a:latin typeface="Montserrat SemiBold"/>
+              </a:rPr>
+              <a:t> DB</a:t>
+            </a:r>
+          </a:p>
+          <a:p>
+            <a:pPr lvl="0" algn="l">
+              <a:lnSpc>
+                <a:spcPct val="112050"/>
+              </a:lnSpc>
+            </a:pPr>
+            <a:r>
+              <a:rPr lang="ko-KR" altLang="en-US" sz="1900" b="0" i="0" u="none" strike="noStrike" spc="-100" dirty="0">
+                <a:solidFill>
+                  <a:srgbClr val="545454"/>
+                </a:solidFill>
+                <a:latin typeface="Montserrat SemiBold"/>
+              </a:rPr>
+              <a:t>데이터</a:t>
+            </a:r>
+            <a:r>
+              <a:rPr lang="en-US" altLang="ko-KR" sz="1900" b="0" i="0" u="none" strike="noStrike" spc="-100" dirty="0">
+                <a:solidFill>
+                  <a:srgbClr val="545454"/>
+                </a:solidFill>
+                <a:latin typeface="Montserrat SemiBold"/>
+              </a:rPr>
+              <a:t>(Record)</a:t>
+            </a:r>
+            <a:r>
+              <a:rPr lang="ko-KR" altLang="en-US" sz="1900" b="0" i="0" u="none" strike="noStrike" spc="-100" dirty="0">
+                <a:solidFill>
+                  <a:srgbClr val="545454"/>
+                </a:solidFill>
+                <a:latin typeface="Montserrat SemiBold"/>
+              </a:rPr>
+              <a:t>를</a:t>
+            </a:r>
+            <a:r>
+              <a:rPr lang="en-US" altLang="ko-KR" sz="1900" spc="-100" dirty="0">
+                <a:solidFill>
+                  <a:srgbClr val="545454"/>
+                </a:solidFill>
+                <a:latin typeface="Montserrat SemiBold"/>
+              </a:rPr>
+              <a:t> </a:t>
+            </a:r>
+            <a:r>
+              <a:rPr lang="ko-KR" altLang="en-US" sz="1900" spc="-100" dirty="0">
+                <a:solidFill>
+                  <a:srgbClr val="545454"/>
+                </a:solidFill>
+                <a:latin typeface="Montserrat SemiBold"/>
+              </a:rPr>
+              <a:t>상하 종속적 관계로 </a:t>
+            </a:r>
+            <a:r>
+              <a:rPr lang="ko-KR" altLang="en-US" sz="1900" spc="-100" dirty="0" err="1">
+                <a:solidFill>
+                  <a:srgbClr val="545454"/>
+                </a:solidFill>
+                <a:latin typeface="Montserrat SemiBold"/>
+              </a:rPr>
+              <a:t>계층화하여</a:t>
+            </a:r>
+            <a:r>
+              <a:rPr lang="ko-KR" altLang="en-US" sz="1900" spc="-100" dirty="0">
+                <a:solidFill>
+                  <a:srgbClr val="545454"/>
+                </a:solidFill>
+                <a:latin typeface="Montserrat SemiBold"/>
+              </a:rPr>
+              <a:t> 관리하는 데이터 베이스</a:t>
+            </a:r>
+            <a:endParaRPr lang="en-US" sz="1900" b="0" i="0" u="none" strike="noStrike" spc="-100" dirty="0">
+              <a:solidFill>
+                <a:srgbClr val="545454"/>
+              </a:solidFill>
+              <a:latin typeface="Montserrat SemiBold"/>
+            </a:endParaRPr>
+          </a:p>
+        </p:txBody>
+      </p:sp>
+      <p:sp>
+        <p:nvSpPr>
+          <p:cNvPr id="22" name="TextBox 22"/>
+          <p:cNvSpPr txBox="1"/>
+          <p:nvPr/>
+        </p:nvSpPr>
+        <p:spPr>
+          <a:xfrm>
+            <a:off x="11988800" y="5511800"/>
+            <a:ext cx="4864100" cy="1003300"/>
+          </a:xfrm>
+          <a:prstGeom prst="rect">
+            <a:avLst/>
+          </a:prstGeom>
+        </p:spPr>
+        <p:txBody>
+          <a:bodyPr lIns="0" tIns="0" rIns="0" bIns="0" rtlCol="0" anchor="ctr"/>
+          <a:lstStyle/>
+          <a:p>
+            <a:pPr lvl="0" algn="l">
+              <a:lnSpc>
+                <a:spcPct val="112050"/>
+              </a:lnSpc>
+            </a:pPr>
+            <a:r>
+              <a:rPr lang="ko-KR" altLang="en-US" sz="1900" b="0" i="0" u="none" strike="noStrike" spc="-100" dirty="0">
+                <a:solidFill>
+                  <a:srgbClr val="545454"/>
+                </a:solidFill>
+                <a:latin typeface="Montserrat SemiBold"/>
+              </a:rPr>
+              <a:t>한 레코드는 필드로 구성되며 다른 레코드들의 포인터로 구성</a:t>
+            </a:r>
+            <a:endParaRPr lang="en-US" altLang="ko-KR" sz="1900" b="0" i="0" u="none" strike="noStrike" spc="-100" dirty="0">
+              <a:solidFill>
+                <a:srgbClr val="545454"/>
+              </a:solidFill>
+              <a:latin typeface="Montserrat SemiBold"/>
+            </a:endParaRPr>
+          </a:p>
+          <a:p>
+            <a:pPr lvl="0" algn="l">
+              <a:lnSpc>
+                <a:spcPct val="112050"/>
+              </a:lnSpc>
+            </a:pPr>
+            <a:r>
+              <a:rPr lang="ko-KR" altLang="en-US" sz="1900" spc="-100" dirty="0">
+                <a:solidFill>
+                  <a:srgbClr val="545454"/>
+                </a:solidFill>
+                <a:latin typeface="Montserrat SemiBold"/>
+              </a:rPr>
+              <a:t>빠른 접근 속도</a:t>
+            </a:r>
+            <a:endParaRPr lang="en-US" sz="1900" b="0" i="0" u="none" strike="noStrike" spc="-100" dirty="0">
+              <a:solidFill>
+                <a:srgbClr val="545454"/>
+              </a:solidFill>
+              <a:latin typeface="Montserrat SemiBold"/>
+            </a:endParaRPr>
+          </a:p>
+          <a:p>
+            <a:pPr lvl="0" algn="l">
+              <a:lnSpc>
+                <a:spcPct val="112050"/>
+              </a:lnSpc>
+            </a:pPr>
+            <a:r>
+              <a:rPr lang="ko-KR" altLang="en-US" sz="1900" spc="-100" dirty="0">
+                <a:solidFill>
+                  <a:srgbClr val="545454"/>
+                </a:solidFill>
+                <a:latin typeface="Montserrat SemiBold"/>
+              </a:rPr>
+              <a:t>데이터 변화에 대한 유연성 낮음</a:t>
+            </a:r>
+            <a:endParaRPr lang="en-US" sz="1900" b="0" i="0" u="none" strike="noStrike" spc="-100" dirty="0">
+              <a:solidFill>
+                <a:srgbClr val="545454"/>
+              </a:solidFill>
+              <a:latin typeface="Montserrat SemiBold"/>
+            </a:endParaRPr>
+          </a:p>
+        </p:txBody>
+      </p:sp>
+      <p:sp>
+        <p:nvSpPr>
+          <p:cNvPr id="23" name="TextBox 23"/>
+          <p:cNvSpPr txBox="1"/>
+          <p:nvPr/>
+        </p:nvSpPr>
+        <p:spPr>
+          <a:xfrm>
+            <a:off x="11988800" y="7327900"/>
+            <a:ext cx="6159500" cy="1003300"/>
+          </a:xfrm>
+          <a:prstGeom prst="rect">
+            <a:avLst/>
+          </a:prstGeom>
+        </p:spPr>
+        <p:txBody>
+          <a:bodyPr lIns="0" tIns="0" rIns="0" bIns="0" rtlCol="0" anchor="ctr"/>
+          <a:lstStyle/>
+          <a:p>
+            <a:pPr lvl="0" algn="l">
+              <a:lnSpc>
+                <a:spcPct val="112050"/>
+              </a:lnSpc>
+            </a:pPr>
+            <a:endParaRPr lang="en-US" sz="1900" b="0" i="0" u="none" strike="noStrike" spc="-100" dirty="0">
+              <a:solidFill>
+                <a:srgbClr val="545454"/>
+              </a:solidFill>
+              <a:latin typeface="Montserrat SemiBold"/>
+            </a:endParaRPr>
+          </a:p>
+        </p:txBody>
+      </p:sp>
+      <p:sp>
+        <p:nvSpPr>
+          <p:cNvPr id="24" name="TextBox 24"/>
+          <p:cNvSpPr txBox="1"/>
+          <p:nvPr/>
+        </p:nvSpPr>
+        <p:spPr>
+          <a:xfrm>
+            <a:off x="3460750" y="7864021"/>
+            <a:ext cx="3162300" cy="469900"/>
+          </a:xfrm>
+          <a:prstGeom prst="rect">
+            <a:avLst/>
+          </a:prstGeom>
+        </p:spPr>
+        <p:txBody>
+          <a:bodyPr lIns="0" tIns="0" rIns="0" bIns="0" rtlCol="0" anchor="ctr"/>
+          <a:lstStyle/>
+          <a:p>
+            <a:pPr lvl="0" algn="ctr">
+              <a:lnSpc>
+                <a:spcPct val="112050"/>
+              </a:lnSpc>
+            </a:pPr>
+            <a:r>
+              <a:rPr lang="ko-KR" altLang="en-US" sz="2700" b="0" i="0" u="none" strike="noStrike" spc="-200" dirty="0">
+                <a:solidFill>
+                  <a:srgbClr val="FFFFFF"/>
+                </a:solidFill>
+                <a:latin typeface="Montserrat Bold"/>
+              </a:rPr>
+              <a:t>계층형 </a:t>
+            </a:r>
+            <a:r>
+              <a:rPr lang="en-US" altLang="ko-KR" sz="2700" b="0" i="0" u="none" strike="noStrike" spc="-200" dirty="0">
+                <a:solidFill>
+                  <a:srgbClr val="FFFFFF"/>
+                </a:solidFill>
+                <a:latin typeface="Montserrat Bold"/>
+              </a:rPr>
+              <a:t>Database</a:t>
+            </a:r>
+            <a:endParaRPr lang="en-US" sz="2700" b="0" i="0" u="none" strike="noStrike" spc="-200" dirty="0">
+              <a:solidFill>
+                <a:srgbClr val="FFFFFF"/>
+              </a:solidFill>
+              <a:latin typeface="Montserrat Bold"/>
+            </a:endParaRPr>
+          </a:p>
+        </p:txBody>
+      </p:sp>
+      <p:sp>
+        <p:nvSpPr>
+          <p:cNvPr id="27" name="TextBox 27"/>
+          <p:cNvSpPr txBox="1"/>
+          <p:nvPr/>
+        </p:nvSpPr>
+        <p:spPr>
+          <a:xfrm>
+            <a:off x="10299700" y="3911600"/>
+            <a:ext cx="927100" cy="571500"/>
+          </a:xfrm>
+          <a:prstGeom prst="rect">
+            <a:avLst/>
+          </a:prstGeom>
+        </p:spPr>
+        <p:txBody>
+          <a:bodyPr lIns="0" tIns="0" rIns="0" bIns="0" rtlCol="0" anchor="ctr"/>
+          <a:lstStyle/>
+          <a:p>
+            <a:pPr lvl="0" algn="l">
+              <a:lnSpc>
+                <a:spcPct val="112050"/>
+              </a:lnSpc>
+            </a:pPr>
+            <a:r>
+              <a:rPr lang="ko-KR" altLang="en-US" sz="3200" spc="-200" dirty="0">
                 <a:solidFill>
                   <a:srgbClr val="617995"/>
                 </a:solidFill>
-                <a:latin typeface="프리젠테이션 5 Medium" charset="-127"/>
-                <a:ea typeface="프리젠테이션 5 Medium" charset="-127"/>
-              </a:rPr>
-              <a:t>2</a:t>
-            </a:r>
-            <a:r>
-              <a:rPr lang="ko-KR" altLang="en-US" sz="5700" b="0" i="0" u="none" strike="noStrike" spc="-200" dirty="0">
-                <a:solidFill>
-                  <a:srgbClr val="617995"/>
-                </a:solidFill>
-                <a:latin typeface="프리젠테이션 5 Medium" charset="-127"/>
-                <a:ea typeface="프리젠테이션 5 Medium" charset="-127"/>
-              </a:rPr>
-              <a:t>번 문제  </a:t>
-            </a:r>
-            <a:endParaRPr lang="en-US" sz="5700" b="0" i="0" u="none" strike="noStrike" spc="-200" dirty="0">
+                <a:latin typeface="Montserrat SemiBold"/>
+              </a:rPr>
+              <a:t>설명</a:t>
+            </a:r>
+            <a:endParaRPr lang="en-US" sz="3200" b="0" i="0" u="none" strike="noStrike" spc="-200" dirty="0">
               <a:solidFill>
                 <a:srgbClr val="617995"/>
               </a:solidFill>
-              <a:latin typeface="프리젠테이션 5 Medium" charset="-127"/>
-              <a:ea typeface="프리젠테이션 5 Medium" charset="-127"/>
+              <a:latin typeface="Montserrat SemiBold"/>
             </a:endParaRPr>
           </a:p>
         </p:txBody>
       </p:sp>
       <p:sp>
         <p:nvSpPr>
-          <p:cNvPr id="37" name="TextBox 35">
+          <p:cNvPr id="28" name="TextBox 28"/>
+          <p:cNvSpPr txBox="1"/>
+          <p:nvPr/>
+        </p:nvSpPr>
+        <p:spPr>
+          <a:xfrm>
+            <a:off x="10299700" y="5702300"/>
+            <a:ext cx="1016000" cy="571500"/>
+          </a:xfrm>
+          <a:prstGeom prst="rect">
+            <a:avLst/>
+          </a:prstGeom>
+        </p:spPr>
+        <p:txBody>
+          <a:bodyPr lIns="0" tIns="0" rIns="0" bIns="0" rtlCol="0" anchor="ctr"/>
+          <a:lstStyle/>
+          <a:p>
+            <a:pPr lvl="0" algn="l">
+              <a:lnSpc>
+                <a:spcPct val="112050"/>
+              </a:lnSpc>
+            </a:pPr>
+            <a:r>
+              <a:rPr lang="ko-KR" altLang="en-US" sz="3200" b="0" i="0" u="none" strike="noStrike" spc="-200" dirty="0">
+                <a:solidFill>
+                  <a:srgbClr val="617995"/>
+                </a:solidFill>
+                <a:latin typeface="Montserrat SemiBold"/>
+              </a:rPr>
+              <a:t>특징</a:t>
+            </a:r>
+            <a:endParaRPr lang="en-US" sz="3200" b="0" i="0" u="none" strike="noStrike" spc="-200" dirty="0">
+              <a:solidFill>
+                <a:srgbClr val="617995"/>
+              </a:solidFill>
+              <a:latin typeface="Montserrat SemiBold"/>
+            </a:endParaRPr>
+          </a:p>
+        </p:txBody>
+      </p:sp>
+      <p:sp>
+        <p:nvSpPr>
+          <p:cNvPr id="29" name="TextBox 29"/>
+          <p:cNvSpPr txBox="1"/>
+          <p:nvPr/>
+        </p:nvSpPr>
+        <p:spPr>
+          <a:xfrm>
+            <a:off x="9632952" y="7531099"/>
+            <a:ext cx="1822448" cy="1216479"/>
+          </a:xfrm>
+          <a:prstGeom prst="rect">
+            <a:avLst/>
+          </a:prstGeom>
+        </p:spPr>
+        <p:txBody>
+          <a:bodyPr lIns="0" tIns="0" rIns="0" bIns="0" rtlCol="0" anchor="ctr"/>
+          <a:lstStyle/>
+          <a:p>
+            <a:pPr lvl="0" algn="ctr">
+              <a:lnSpc>
+                <a:spcPct val="112050"/>
+              </a:lnSpc>
+            </a:pPr>
+            <a:r>
+              <a:rPr lang="ko-KR" altLang="en-US" sz="3200" spc="-200" dirty="0">
+                <a:solidFill>
+                  <a:srgbClr val="617995"/>
+                </a:solidFill>
+                <a:latin typeface="Montserrat SemiBold"/>
+              </a:rPr>
+              <a:t>관계형과 계층형의 비교</a:t>
+            </a:r>
+            <a:endParaRPr lang="en-US" sz="3200" b="0" i="0" u="none" strike="noStrike" spc="-200" dirty="0">
+              <a:solidFill>
+                <a:srgbClr val="617995"/>
+              </a:solidFill>
+              <a:latin typeface="Montserrat SemiBold"/>
+            </a:endParaRPr>
+          </a:p>
+        </p:txBody>
+      </p:sp>
+      <p:sp>
+        <p:nvSpPr>
+          <p:cNvPr id="30" name="TextBox 30"/>
+          <p:cNvSpPr txBox="1"/>
+          <p:nvPr/>
+        </p:nvSpPr>
+        <p:spPr>
+          <a:xfrm>
+            <a:off x="381000" y="241300"/>
+            <a:ext cx="4318000" cy="228600"/>
+          </a:xfrm>
+          <a:prstGeom prst="rect">
+            <a:avLst/>
+          </a:prstGeom>
+        </p:spPr>
+        <p:txBody>
+          <a:bodyPr lIns="0" tIns="0" rIns="0" bIns="0" rtlCol="0" anchor="ctr"/>
+          <a:lstStyle/>
+          <a:p>
+            <a:pPr lvl="0" algn="l">
+              <a:lnSpc>
+                <a:spcPct val="146910"/>
+              </a:lnSpc>
+            </a:pPr>
+            <a:r>
+              <a:rPr lang="en-US" sz="1300" b="0" i="0" u="none" strike="noStrike" spc="100">
+                <a:solidFill>
+                  <a:srgbClr val="F9F9F9">
+                    <a:alpha val="94118"/>
+                  </a:srgbClr>
+                </a:solidFill>
+                <a:latin typeface="Montserrat SemiBold"/>
+              </a:rPr>
+              <a:t>Mechanical Engineering Lab</a:t>
+            </a:r>
+          </a:p>
+        </p:txBody>
+      </p:sp>
+      <p:sp>
+        <p:nvSpPr>
+          <p:cNvPr id="31" name="TextBox 31"/>
+          <p:cNvSpPr txBox="1"/>
+          <p:nvPr/>
+        </p:nvSpPr>
+        <p:spPr>
+          <a:xfrm>
+            <a:off x="12827000" y="9766300"/>
+            <a:ext cx="4876800" cy="215900"/>
+          </a:xfrm>
+          <a:prstGeom prst="rect">
+            <a:avLst/>
+          </a:prstGeom>
+        </p:spPr>
+        <p:txBody>
+          <a:bodyPr lIns="0" tIns="0" rIns="0" bIns="0" rtlCol="0" anchor="ctr"/>
+          <a:lstStyle/>
+          <a:p>
+            <a:pPr lvl="0" algn="r">
+              <a:lnSpc>
+                <a:spcPct val="146910"/>
+              </a:lnSpc>
+            </a:pPr>
+            <a:r>
+              <a:rPr lang="en-US" sz="1200" b="0" i="0" u="none" strike="noStrike" spc="100">
+                <a:solidFill>
+                  <a:srgbClr val="C5C0BC"/>
+                </a:solidFill>
+                <a:latin typeface="Montserrat SemiBold"/>
+              </a:rPr>
+              <a:t>Mirimiri @miricanvas.com</a:t>
+            </a:r>
+          </a:p>
+        </p:txBody>
+      </p:sp>
+      <p:pic>
+        <p:nvPicPr>
+          <p:cNvPr id="33" name="그림 32">
             <a:extLst>
               <a:ext uri="{FF2B5EF4-FFF2-40B4-BE49-F238E27FC236}">
-                <a16:creationId xmlns:a16="http://schemas.microsoft.com/office/drawing/2014/main" id="{F4FC0E20-B505-49BC-91E3-624B702ECEBF}"/>
-              </a:ext>
-            </a:extLst>
-          </p:cNvPr>
-          <p:cNvSpPr txBox="1"/>
-          <p:nvPr/>
-        </p:nvSpPr>
-        <p:spPr>
-          <a:xfrm>
-            <a:off x="5041900" y="1371600"/>
-            <a:ext cx="8204200" cy="1346200"/>
-          </a:xfrm>
-          <a:prstGeom prst="rect">
-            <a:avLst/>
-          </a:prstGeom>
-        </p:spPr>
-        <p:txBody>
-          <a:bodyPr lIns="0" tIns="0" rIns="0" bIns="0" rtlCol="0" anchor="ctr"/>
-          <a:lstStyle/>
-          <a:p>
-            <a:pPr lvl="0" algn="ctr">
-              <a:lnSpc>
-                <a:spcPct val="83000"/>
-              </a:lnSpc>
-            </a:pPr>
-            <a:r>
-              <a:rPr lang="en-US" sz="7500" b="0" i="0" u="none" strike="noStrike" spc="-300" dirty="0">
-                <a:solidFill>
-                  <a:srgbClr val="000000"/>
-                </a:solidFill>
-                <a:latin typeface="프리젠테이션 6 SemiBold" pitchFamily="2" charset="-127"/>
-                <a:ea typeface="프리젠테이션 6 SemiBold" pitchFamily="2" charset="-127"/>
-              </a:rPr>
-              <a:t>1. Host</a:t>
-            </a:r>
-            <a:r>
-              <a:rPr lang="ko-KR" altLang="en-US" sz="7500" b="0" i="0" u="none" strike="noStrike" spc="-300" dirty="0">
-                <a:solidFill>
-                  <a:srgbClr val="000000"/>
-                </a:solidFill>
-                <a:latin typeface="프리젠테이션 6 SemiBold" pitchFamily="2" charset="-127"/>
-                <a:ea typeface="프리젠테이션 6 SemiBold" pitchFamily="2" charset="-127"/>
-              </a:rPr>
-              <a:t>간 통신</a:t>
-            </a:r>
-            <a:endParaRPr lang="en-US" sz="7500" b="0" i="0" u="none" strike="noStrike" spc="-300" dirty="0">
-              <a:solidFill>
-                <a:srgbClr val="000000"/>
-              </a:solidFill>
-              <a:latin typeface="프리젠테이션 6 SemiBold" pitchFamily="2" charset="-127"/>
-              <a:ea typeface="프리젠테이션 6 SemiBold" pitchFamily="2" charset="-127"/>
-            </a:endParaRPr>
-          </a:p>
-        </p:txBody>
-      </p:sp>
-      <p:pic>
-        <p:nvPicPr>
-          <p:cNvPr id="8" name="그림 7">
-            <a:extLst>
-              <a:ext uri="{FF2B5EF4-FFF2-40B4-BE49-F238E27FC236}">
-                <a16:creationId xmlns:a16="http://schemas.microsoft.com/office/drawing/2014/main" id="{D70D1745-76C3-4847-BB7F-2A64968E9518}"/>
+                <a16:creationId xmlns:a16="http://schemas.microsoft.com/office/drawing/2014/main" id="{2C91E378-D852-4F89-B4CE-E27B3879D7A0}"/>
               </a:ext>
             </a:extLst>
           </p:cNvPr>
@@ -3281,351 +3993,519 @@
           </p:cNvPicPr>
           <p:nvPr/>
         </p:nvPicPr>
-        <p:blipFill rotWithShape="1">
-          <a:blip r:embed="rId5"/>
-          <a:srcRect l="2189" t="7425" r="2189" b="7586"/>
-          <a:stretch/>
+        <p:blipFill>
+          <a:blip r:embed="rId8"/>
+          <a:stretch>
+            <a:fillRect/>
+          </a:stretch>
         </p:blipFill>
         <p:spPr>
           <a:xfrm>
-            <a:off x="4574046" y="3733424"/>
-            <a:ext cx="9294354" cy="4762876"/>
-          </a:xfrm>
-          <a:prstGeom prst="rect">
-            <a:avLst/>
-          </a:prstGeom>
-          <a:ln w="38100">
+            <a:off x="842331" y="3546021"/>
+            <a:ext cx="8093026" cy="3492500"/>
+          </a:xfrm>
+          <a:prstGeom prst="rect">
+            <a:avLst/>
+          </a:prstGeom>
+          <a:solidFill>
+            <a:srgbClr val="FFFFFF">
+              <a:shade val="85000"/>
+            </a:srgbClr>
+          </a:solidFill>
+          <a:ln w="88900" cap="sq">
             <a:solidFill>
-              <a:srgbClr val="617995"/>
+              <a:srgbClr val="FFFFFF"/>
             </a:solidFill>
+            <a:miter lim="800000"/>
           </a:ln>
+          <a:effectLst>
+            <a:outerShdw blurRad="55000" dist="18000" dir="5400000" algn="tl" rotWithShape="0">
+              <a:srgbClr val="000000">
+                <a:alpha val="40000"/>
+              </a:srgbClr>
+            </a:outerShdw>
+          </a:effectLst>
+          <a:scene3d>
+            <a:camera prst="orthographicFront"/>
+            <a:lightRig rig="twoPt" dir="t">
+              <a:rot lat="0" lon="0" rev="7200000"/>
+            </a:lightRig>
+          </a:scene3d>
+          <a:sp3d>
+            <a:bevelT w="25400" h="19050"/>
+            <a:contourClr>
+              <a:srgbClr val="FFFFFF"/>
+            </a:contourClr>
+          </a:sp3d>
         </p:spPr>
       </p:pic>
-      <p:sp>
-        <p:nvSpPr>
-          <p:cNvPr id="30" name="직사각형 29">
+      <p:graphicFrame>
+        <p:nvGraphicFramePr>
+          <p:cNvPr id="34" name="표 34">
             <a:extLst>
               <a:ext uri="{FF2B5EF4-FFF2-40B4-BE49-F238E27FC236}">
-                <a16:creationId xmlns:a16="http://schemas.microsoft.com/office/drawing/2014/main" id="{D712B36D-4E40-4E9D-982F-54EBFF3CED93}"/>
+                <a16:creationId xmlns:a16="http://schemas.microsoft.com/office/drawing/2014/main" id="{F4C0BBD8-B9E1-4613-B105-F2EBF64C72FC}"/>
               </a:ext>
             </a:extLst>
           </p:cNvPr>
-          <p:cNvSpPr/>
-          <p:nvPr/>
-        </p:nvSpPr>
-        <p:spPr>
-          <a:xfrm>
-            <a:off x="8840613" y="6017907"/>
-            <a:ext cx="881903" cy="173935"/>
-          </a:xfrm>
-          <a:prstGeom prst="rect">
-            <a:avLst/>
-          </a:prstGeom>
-          <a:noFill/>
-        </p:spPr>
-        <p:style>
-          <a:lnRef idx="2">
-            <a:schemeClr val="accent1">
-              <a:shade val="50000"/>
-            </a:schemeClr>
-          </a:lnRef>
-          <a:fillRef idx="1">
-            <a:schemeClr val="accent1"/>
-          </a:fillRef>
-          <a:effectRef idx="0">
-            <a:schemeClr val="accent1"/>
-          </a:effectRef>
-          <a:fontRef idx="minor">
-            <a:schemeClr val="lt1"/>
-          </a:fontRef>
-        </p:style>
-        <p:txBody>
-          <a:bodyPr rtlCol="0" anchor="ctr"/>
-          <a:lstStyle/>
-          <a:p>
-            <a:pPr algn="ctr"/>
-            <a:endParaRPr lang="ko-KR" altLang="en-US" dirty="0"/>
-          </a:p>
-        </p:txBody>
-      </p:sp>
-      <p:sp>
-        <p:nvSpPr>
-          <p:cNvPr id="32" name="직사각형 31">
-            <a:extLst>
-              <a:ext uri="{FF2B5EF4-FFF2-40B4-BE49-F238E27FC236}">
-                <a16:creationId xmlns:a16="http://schemas.microsoft.com/office/drawing/2014/main" id="{06D9A0F0-B23B-4357-BBF3-E45DC1CBFF88}"/>
-              </a:ext>
-            </a:extLst>
-          </p:cNvPr>
-          <p:cNvSpPr/>
-          <p:nvPr/>
-        </p:nvSpPr>
-        <p:spPr>
-          <a:xfrm>
-            <a:off x="9046655" y="6796472"/>
-            <a:ext cx="881903" cy="173935"/>
-          </a:xfrm>
-          <a:prstGeom prst="rect">
-            <a:avLst/>
-          </a:prstGeom>
-          <a:noFill/>
-        </p:spPr>
-        <p:style>
-          <a:lnRef idx="2">
-            <a:schemeClr val="accent1">
-              <a:shade val="50000"/>
-            </a:schemeClr>
-          </a:lnRef>
-          <a:fillRef idx="1">
-            <a:schemeClr val="accent1"/>
-          </a:fillRef>
-          <a:effectRef idx="0">
-            <a:schemeClr val="accent1"/>
-          </a:effectRef>
-          <a:fontRef idx="minor">
-            <a:schemeClr val="lt1"/>
-          </a:fontRef>
-        </p:style>
-        <p:txBody>
-          <a:bodyPr rtlCol="0" anchor="ctr"/>
-          <a:lstStyle/>
-          <a:p>
-            <a:pPr algn="ctr"/>
-            <a:endParaRPr lang="ko-KR" altLang="en-US" dirty="0"/>
-          </a:p>
-        </p:txBody>
-      </p:sp>
-      <p:sp>
-        <p:nvSpPr>
-          <p:cNvPr id="33" name="직사각형 32">
-            <a:extLst>
-              <a:ext uri="{FF2B5EF4-FFF2-40B4-BE49-F238E27FC236}">
-                <a16:creationId xmlns:a16="http://schemas.microsoft.com/office/drawing/2014/main" id="{84993B57-E827-4EEB-B6A1-CC3D2A9CEBEC}"/>
-              </a:ext>
-            </a:extLst>
-          </p:cNvPr>
-          <p:cNvSpPr/>
-          <p:nvPr/>
-        </p:nvSpPr>
-        <p:spPr>
-          <a:xfrm>
-            <a:off x="7850646" y="6104874"/>
-            <a:ext cx="881903" cy="173935"/>
-          </a:xfrm>
-          <a:prstGeom prst="rect">
-            <a:avLst/>
-          </a:prstGeom>
-          <a:noFill/>
-        </p:spPr>
-        <p:style>
-          <a:lnRef idx="2">
-            <a:schemeClr val="accent1">
-              <a:shade val="50000"/>
-            </a:schemeClr>
-          </a:lnRef>
-          <a:fillRef idx="1">
-            <a:schemeClr val="accent1"/>
-          </a:fillRef>
-          <a:effectRef idx="0">
-            <a:schemeClr val="accent1"/>
-          </a:effectRef>
-          <a:fontRef idx="minor">
-            <a:schemeClr val="lt1"/>
-          </a:fontRef>
-        </p:style>
-        <p:txBody>
-          <a:bodyPr rtlCol="0" anchor="ctr"/>
-          <a:lstStyle/>
-          <a:p>
-            <a:pPr algn="ctr"/>
-            <a:endParaRPr lang="ko-KR" altLang="en-US" dirty="0"/>
-          </a:p>
-        </p:txBody>
-      </p:sp>
-      <p:sp>
-        <p:nvSpPr>
-          <p:cNvPr id="34" name="직사각형 33">
-            <a:extLst>
-              <a:ext uri="{FF2B5EF4-FFF2-40B4-BE49-F238E27FC236}">
-                <a16:creationId xmlns:a16="http://schemas.microsoft.com/office/drawing/2014/main" id="{27A7EF4C-1CD9-48B4-B630-A06E95F67125}"/>
-              </a:ext>
-            </a:extLst>
-          </p:cNvPr>
-          <p:cNvSpPr/>
-          <p:nvPr/>
-        </p:nvSpPr>
-        <p:spPr>
-          <a:xfrm>
-            <a:off x="7578343" y="6908404"/>
-            <a:ext cx="881903" cy="173935"/>
-          </a:xfrm>
-          <a:prstGeom prst="rect">
-            <a:avLst/>
-          </a:prstGeom>
-          <a:noFill/>
-        </p:spPr>
-        <p:style>
-          <a:lnRef idx="2">
-            <a:schemeClr val="accent1">
-              <a:shade val="50000"/>
-            </a:schemeClr>
-          </a:lnRef>
-          <a:fillRef idx="1">
-            <a:schemeClr val="accent1"/>
-          </a:fillRef>
-          <a:effectRef idx="0">
-            <a:schemeClr val="accent1"/>
-          </a:effectRef>
-          <a:fontRef idx="minor">
-            <a:schemeClr val="lt1"/>
-          </a:fontRef>
-        </p:style>
-        <p:txBody>
-          <a:bodyPr rtlCol="0" anchor="ctr"/>
-          <a:lstStyle/>
-          <a:p>
-            <a:pPr algn="ctr"/>
-            <a:endParaRPr lang="ko-KR" altLang="en-US" dirty="0"/>
-          </a:p>
-        </p:txBody>
-      </p:sp>
-      <p:sp>
-        <p:nvSpPr>
-          <p:cNvPr id="35" name="직사각형 34">
-            <a:extLst>
-              <a:ext uri="{FF2B5EF4-FFF2-40B4-BE49-F238E27FC236}">
-                <a16:creationId xmlns:a16="http://schemas.microsoft.com/office/drawing/2014/main" id="{1450D79A-A97A-4BE2-8B69-59E1FCD95D48}"/>
-              </a:ext>
-            </a:extLst>
-          </p:cNvPr>
-          <p:cNvSpPr/>
-          <p:nvPr/>
-        </p:nvSpPr>
-        <p:spPr>
-          <a:xfrm>
-            <a:off x="7774446" y="7370573"/>
-            <a:ext cx="881903" cy="173935"/>
-          </a:xfrm>
-          <a:prstGeom prst="rect">
-            <a:avLst/>
-          </a:prstGeom>
-          <a:noFill/>
-        </p:spPr>
-        <p:style>
-          <a:lnRef idx="2">
-            <a:schemeClr val="accent1">
-              <a:shade val="50000"/>
-            </a:schemeClr>
-          </a:lnRef>
-          <a:fillRef idx="1">
-            <a:schemeClr val="accent1"/>
-          </a:fillRef>
-          <a:effectRef idx="0">
-            <a:schemeClr val="accent1"/>
-          </a:effectRef>
-          <a:fontRef idx="minor">
-            <a:schemeClr val="lt1"/>
-          </a:fontRef>
-        </p:style>
-        <p:txBody>
-          <a:bodyPr rtlCol="0" anchor="ctr"/>
-          <a:lstStyle/>
-          <a:p>
-            <a:pPr algn="ctr"/>
-            <a:endParaRPr lang="ko-KR" altLang="en-US" dirty="0"/>
-          </a:p>
-        </p:txBody>
-      </p:sp>
-      <p:sp>
-        <p:nvSpPr>
-          <p:cNvPr id="36" name="직사각형 35">
-            <a:extLst>
-              <a:ext uri="{FF2B5EF4-FFF2-40B4-BE49-F238E27FC236}">
-                <a16:creationId xmlns:a16="http://schemas.microsoft.com/office/drawing/2014/main" id="{91D28B43-821C-4457-A989-BADFF91DAC68}"/>
-              </a:ext>
-            </a:extLst>
-          </p:cNvPr>
-          <p:cNvSpPr/>
-          <p:nvPr/>
-        </p:nvSpPr>
-        <p:spPr>
-          <a:xfrm>
-            <a:off x="8780271" y="7292757"/>
-            <a:ext cx="881903" cy="173935"/>
-          </a:xfrm>
-          <a:prstGeom prst="rect">
-            <a:avLst/>
-          </a:prstGeom>
-          <a:noFill/>
-        </p:spPr>
-        <p:style>
-          <a:lnRef idx="2">
-            <a:schemeClr val="accent1">
-              <a:shade val="50000"/>
-            </a:schemeClr>
-          </a:lnRef>
-          <a:fillRef idx="1">
-            <a:schemeClr val="accent1"/>
-          </a:fillRef>
-          <a:effectRef idx="0">
-            <a:schemeClr val="accent1"/>
-          </a:effectRef>
-          <a:fontRef idx="minor">
-            <a:schemeClr val="lt1"/>
-          </a:fontRef>
-        </p:style>
-        <p:txBody>
-          <a:bodyPr rtlCol="0" anchor="ctr"/>
-          <a:lstStyle/>
-          <a:p>
-            <a:pPr algn="ctr"/>
-            <a:endParaRPr lang="ko-KR" altLang="en-US" dirty="0"/>
-          </a:p>
-        </p:txBody>
-      </p:sp>
-      <p:sp>
-        <p:nvSpPr>
-          <p:cNvPr id="38" name="TextBox 21">
-            <a:extLst>
-              <a:ext uri="{FF2B5EF4-FFF2-40B4-BE49-F238E27FC236}">
-                <a16:creationId xmlns:a16="http://schemas.microsoft.com/office/drawing/2014/main" id="{2CBE1616-222C-4A53-9268-20D18BF06CCE}"/>
-              </a:ext>
-            </a:extLst>
-          </p:cNvPr>
-          <p:cNvSpPr txBox="1"/>
-          <p:nvPr/>
-        </p:nvSpPr>
-        <p:spPr>
-          <a:xfrm>
-            <a:off x="5122355" y="8572064"/>
-            <a:ext cx="7848600" cy="1016000"/>
-          </a:xfrm>
-          <a:prstGeom prst="rect">
-            <a:avLst/>
-          </a:prstGeom>
-        </p:spPr>
-        <p:txBody>
-          <a:bodyPr lIns="0" tIns="0" rIns="0" bIns="0" rtlCol="0" anchor="ctr"/>
-          <a:lstStyle/>
-          <a:p>
-            <a:pPr lvl="0" algn="ctr">
-              <a:lnSpc>
-                <a:spcPct val="76360"/>
-              </a:lnSpc>
-            </a:pPr>
-            <a:r>
-              <a:rPr lang="en-US" sz="3600" b="0" i="0" u="none" strike="noStrike" spc="-200" dirty="0">
-                <a:solidFill>
-                  <a:srgbClr val="617995"/>
-                </a:solidFill>
-                <a:latin typeface="프리젠테이션 5 Medium" charset="-127"/>
-                <a:ea typeface="프리젠테이션 5 Medium" charset="-127"/>
-              </a:rPr>
-              <a:t>Inserting Number in each of Router</a:t>
-            </a:r>
-          </a:p>
-        </p:txBody>
-      </p:sp>
+          <p:cNvGraphicFramePr>
+            <a:graphicFrameLocks noGrp="1"/>
+          </p:cNvGraphicFramePr>
+          <p:nvPr>
+            <p:extLst>
+              <p:ext uri="{D42A27DB-BD31-4B8C-83A1-F6EECF244321}">
+                <p14:modId xmlns:p14="http://schemas.microsoft.com/office/powerpoint/2010/main" val="4189543066"/>
+              </p:ext>
+            </p:extLst>
+          </p:nvPr>
+        </p:nvGraphicFramePr>
+        <p:xfrm>
+          <a:off x="11506200" y="7048500"/>
+          <a:ext cx="6489700" cy="2296160"/>
+        </p:xfrm>
+        <a:graphic>
+          <a:graphicData uri="http://schemas.openxmlformats.org/drawingml/2006/table">
+            <a:tbl>
+              <a:tblPr firstRow="1" bandRow="1">
+                <a:tableStyleId>{073A0DAA-6AF3-43AB-8588-CEC1D06C72B9}</a:tableStyleId>
+              </a:tblPr>
+              <a:tblGrid>
+                <a:gridCol w="1229902">
+                  <a:extLst>
+                    <a:ext uri="{9D8B030D-6E8A-4147-A177-3AD203B41FA5}">
+                      <a16:colId xmlns:a16="http://schemas.microsoft.com/office/drawing/2014/main" val="1549118415"/>
+                    </a:ext>
+                  </a:extLst>
+                </a:gridCol>
+                <a:gridCol w="2826160">
+                  <a:extLst>
+                    <a:ext uri="{9D8B030D-6E8A-4147-A177-3AD203B41FA5}">
+                      <a16:colId xmlns:a16="http://schemas.microsoft.com/office/drawing/2014/main" val="1189506024"/>
+                    </a:ext>
+                  </a:extLst>
+                </a:gridCol>
+                <a:gridCol w="2433638">
+                  <a:extLst>
+                    <a:ext uri="{9D8B030D-6E8A-4147-A177-3AD203B41FA5}">
+                      <a16:colId xmlns:a16="http://schemas.microsoft.com/office/drawing/2014/main" val="1574148843"/>
+                    </a:ext>
+                  </a:extLst>
+                </a:gridCol>
+              </a:tblGrid>
+              <a:tr h="0">
+                <a:tc>
+                  <a:txBody>
+                    <a:bodyPr/>
+                    <a:lstStyle/>
+                    <a:p>
+                      <a:pPr algn="ctr" latinLnBrk="1"/>
+                      <a:r>
+                        <a:rPr lang="ko-KR" altLang="en-US" sz="1200" dirty="0"/>
+                        <a:t>특성</a:t>
+                      </a:r>
+                    </a:p>
+                  </a:txBody>
+                  <a:tcPr>
+                    <a:solidFill>
+                      <a:schemeClr val="tx1">
+                        <a:lumMod val="65000"/>
+                        <a:lumOff val="35000"/>
+                      </a:schemeClr>
+                    </a:solidFill>
+                  </a:tcPr>
+                </a:tc>
+                <a:tc>
+                  <a:txBody>
+                    <a:bodyPr/>
+                    <a:lstStyle/>
+                    <a:p>
+                      <a:pPr algn="ctr" latinLnBrk="1"/>
+                      <a:r>
+                        <a:rPr lang="ko-KR" altLang="en-US" sz="1200" dirty="0"/>
+                        <a:t>계층형 데이터 모델</a:t>
+                      </a:r>
+                    </a:p>
+                  </a:txBody>
+                  <a:tcPr>
+                    <a:solidFill>
+                      <a:schemeClr val="tx1">
+                        <a:lumMod val="65000"/>
+                        <a:lumOff val="35000"/>
+                      </a:schemeClr>
+                    </a:solidFill>
+                  </a:tcPr>
+                </a:tc>
+                <a:tc>
+                  <a:txBody>
+                    <a:bodyPr/>
+                    <a:lstStyle/>
+                    <a:p>
+                      <a:pPr algn="ctr" latinLnBrk="1"/>
+                      <a:r>
+                        <a:rPr lang="ko-KR" altLang="en-US" sz="1200" dirty="0"/>
+                        <a:t>관계형 데이터 모델</a:t>
+                      </a:r>
+                    </a:p>
+                  </a:txBody>
+                  <a:tcPr>
+                    <a:solidFill>
+                      <a:schemeClr val="tx1">
+                        <a:lumMod val="65000"/>
+                        <a:lumOff val="35000"/>
+                      </a:schemeClr>
+                    </a:solidFill>
+                  </a:tcPr>
+                </a:tc>
+                <a:extLst>
+                  <a:ext uri="{0D108BD9-81ED-4DB2-BD59-A6C34878D82A}">
+                    <a16:rowId xmlns:a16="http://schemas.microsoft.com/office/drawing/2014/main" val="3633674349"/>
+                  </a:ext>
+                </a:extLst>
+              </a:tr>
+              <a:tr h="370840">
+                <a:tc>
+                  <a:txBody>
+                    <a:bodyPr/>
+                    <a:lstStyle/>
+                    <a:p>
+                      <a:pPr algn="ctr" latinLnBrk="1"/>
+                      <a:r>
+                        <a:rPr lang="ko-KR" altLang="en-US" sz="1100" b="1" dirty="0"/>
+                        <a:t>구조</a:t>
+                      </a:r>
+                    </a:p>
+                  </a:txBody>
+                  <a:tcPr/>
+                </a:tc>
+                <a:tc>
+                  <a:txBody>
+                    <a:bodyPr/>
+                    <a:lstStyle/>
+                    <a:p>
+                      <a:pPr algn="ctr" latinLnBrk="1"/>
+                      <a:r>
+                        <a:rPr lang="en-US" altLang="ko-KR" sz="1100" dirty="0"/>
+                        <a:t>Tree(</a:t>
+                      </a:r>
+                      <a:r>
+                        <a:rPr lang="ko-KR" altLang="en-US" sz="1100" dirty="0"/>
+                        <a:t>부모</a:t>
+                      </a:r>
+                      <a:r>
+                        <a:rPr lang="en-US" altLang="ko-KR" sz="1100" dirty="0"/>
+                        <a:t>-</a:t>
+                      </a:r>
+                      <a:r>
+                        <a:rPr lang="ko-KR" altLang="en-US" sz="1100" dirty="0"/>
+                        <a:t>자식</a:t>
+                      </a:r>
+                      <a:r>
+                        <a:rPr lang="en-US" altLang="ko-KR" sz="1100" dirty="0"/>
+                        <a:t>) </a:t>
+                      </a:r>
+                      <a:r>
+                        <a:rPr lang="ko-KR" altLang="en-US" sz="1100" dirty="0"/>
+                        <a:t>구조</a:t>
+                      </a:r>
+                    </a:p>
+                  </a:txBody>
+                  <a:tcPr/>
+                </a:tc>
+                <a:tc>
+                  <a:txBody>
+                    <a:bodyPr/>
+                    <a:lstStyle/>
+                    <a:p>
+                      <a:pPr algn="ctr" latinLnBrk="1"/>
+                      <a:r>
+                        <a:rPr lang="ko-KR" altLang="en-US" sz="1100" dirty="0"/>
+                        <a:t>테이블</a:t>
+                      </a:r>
+                      <a:r>
+                        <a:rPr lang="en-US" altLang="ko-KR" sz="1100" dirty="0"/>
+                        <a:t>(</a:t>
+                      </a:r>
+                      <a:r>
+                        <a:rPr lang="ko-KR" altLang="en-US" sz="1100" dirty="0"/>
+                        <a:t>행과 열로 구성된</a:t>
+                      </a:r>
+                      <a:r>
+                        <a:rPr lang="en-US" altLang="ko-KR" sz="1100" dirty="0"/>
+                        <a:t>)</a:t>
+                      </a:r>
+                      <a:r>
+                        <a:rPr lang="ko-KR" altLang="en-US" sz="1100" dirty="0"/>
+                        <a:t>구조</a:t>
+                      </a:r>
+                    </a:p>
+                  </a:txBody>
+                  <a:tcPr/>
+                </a:tc>
+                <a:extLst>
+                  <a:ext uri="{0D108BD9-81ED-4DB2-BD59-A6C34878D82A}">
+                    <a16:rowId xmlns:a16="http://schemas.microsoft.com/office/drawing/2014/main" val="3177030288"/>
+                  </a:ext>
+                </a:extLst>
+              </a:tr>
+              <a:tr h="370840">
+                <a:tc>
+                  <a:txBody>
+                    <a:bodyPr/>
+                    <a:lstStyle/>
+                    <a:p>
+                      <a:pPr algn="ctr" latinLnBrk="1"/>
+                      <a:r>
+                        <a:rPr lang="ko-KR" altLang="en-US" sz="1100" b="1" dirty="0"/>
+                        <a:t>관계표현</a:t>
+                      </a:r>
+                    </a:p>
+                  </a:txBody>
+                  <a:tcPr/>
+                </a:tc>
+                <a:tc>
+                  <a:txBody>
+                    <a:bodyPr/>
+                    <a:lstStyle/>
+                    <a:p>
+                      <a:pPr algn="ctr" latinLnBrk="1"/>
+                      <a:r>
+                        <a:rPr lang="ko-KR" altLang="en-US" sz="1100" dirty="0"/>
+                        <a:t>계층적 부모</a:t>
+                      </a:r>
+                      <a:r>
+                        <a:rPr lang="en-US" altLang="ko-KR" sz="1100" dirty="0"/>
+                        <a:t>-</a:t>
+                      </a:r>
+                      <a:r>
+                        <a:rPr lang="ko-KR" altLang="en-US" sz="1100" dirty="0"/>
+                        <a:t>자식 관계</a:t>
+                      </a:r>
+                    </a:p>
+                  </a:txBody>
+                  <a:tcPr/>
+                </a:tc>
+                <a:tc>
+                  <a:txBody>
+                    <a:bodyPr/>
+                    <a:lstStyle/>
+                    <a:p>
+                      <a:pPr algn="ctr" latinLnBrk="1"/>
+                      <a:r>
+                        <a:rPr lang="ko-KR" altLang="en-US" sz="1100" dirty="0"/>
+                        <a:t>외래키를 통한 관계 설정</a:t>
+                      </a:r>
+                      <a:r>
+                        <a:rPr lang="en-US" altLang="ko-KR" sz="1100" dirty="0"/>
+                        <a:t>, </a:t>
+                      </a:r>
+                      <a:r>
+                        <a:rPr lang="ko-KR" altLang="en-US" sz="1100" dirty="0"/>
+                        <a:t>조인으로 유연한 표현</a:t>
+                      </a:r>
+                    </a:p>
+                  </a:txBody>
+                  <a:tcPr/>
+                </a:tc>
+                <a:extLst>
+                  <a:ext uri="{0D108BD9-81ED-4DB2-BD59-A6C34878D82A}">
+                    <a16:rowId xmlns:a16="http://schemas.microsoft.com/office/drawing/2014/main" val="1666054074"/>
+                  </a:ext>
+                </a:extLst>
+              </a:tr>
+              <a:tr h="370840">
+                <a:tc>
+                  <a:txBody>
+                    <a:bodyPr/>
+                    <a:lstStyle/>
+                    <a:p>
+                      <a:pPr algn="ctr" latinLnBrk="1"/>
+                      <a:r>
+                        <a:rPr lang="ko-KR" altLang="en-US" sz="1100" dirty="0"/>
+                        <a:t>무결성</a:t>
+                      </a:r>
+                    </a:p>
+                  </a:txBody>
+                  <a:tcPr/>
+                </a:tc>
+                <a:tc>
+                  <a:txBody>
+                    <a:bodyPr/>
+                    <a:lstStyle/>
+                    <a:p>
+                      <a:pPr algn="ctr" latinLnBrk="1"/>
+                      <a:r>
+                        <a:rPr lang="ko-KR" altLang="en-US" sz="1100" dirty="0"/>
+                        <a:t>제약조건이 없어 무결성 관리 어려움</a:t>
+                      </a:r>
+                    </a:p>
+                  </a:txBody>
+                  <a:tcPr/>
+                </a:tc>
+                <a:tc>
+                  <a:txBody>
+                    <a:bodyPr/>
+                    <a:lstStyle/>
+                    <a:p>
+                      <a:pPr algn="ctr" latinLnBrk="1"/>
+                      <a:r>
+                        <a:rPr lang="en-US" altLang="ko-KR" sz="1100" dirty="0"/>
+                        <a:t>PK, FK</a:t>
+                      </a:r>
+                      <a:r>
+                        <a:rPr lang="ko-KR" altLang="en-US" sz="1100" dirty="0"/>
+                        <a:t>등의 제약조건으로 </a:t>
+                      </a:r>
+                      <a:endParaRPr lang="en-US" altLang="ko-KR" sz="1100" dirty="0"/>
+                    </a:p>
+                    <a:p>
+                      <a:pPr algn="ctr" latinLnBrk="1"/>
+                      <a:r>
+                        <a:rPr lang="ko-KR" altLang="en-US" sz="1100" dirty="0"/>
+                        <a:t>무결성 보장</a:t>
+                      </a:r>
+                    </a:p>
+                  </a:txBody>
+                  <a:tcPr/>
+                </a:tc>
+                <a:extLst>
+                  <a:ext uri="{0D108BD9-81ED-4DB2-BD59-A6C34878D82A}">
+                    <a16:rowId xmlns:a16="http://schemas.microsoft.com/office/drawing/2014/main" val="4098409580"/>
+                  </a:ext>
+                </a:extLst>
+              </a:tr>
+              <a:tr h="370840">
+                <a:tc>
+                  <a:txBody>
+                    <a:bodyPr/>
+                    <a:lstStyle/>
+                    <a:p>
+                      <a:pPr algn="ctr" latinLnBrk="1"/>
+                      <a:r>
+                        <a:rPr lang="ko-KR" altLang="en-US" sz="1100" dirty="0"/>
+                        <a:t>데이터접근방식</a:t>
+                      </a:r>
+                    </a:p>
+                  </a:txBody>
+                  <a:tcPr/>
+                </a:tc>
+                <a:tc>
+                  <a:txBody>
+                    <a:bodyPr/>
+                    <a:lstStyle/>
+                    <a:p>
+                      <a:pPr algn="ctr" latinLnBrk="1"/>
+                      <a:r>
+                        <a:rPr lang="ko-KR" altLang="en-US" sz="1100" dirty="0"/>
+                        <a:t>트리 순회방식</a:t>
+                      </a:r>
+                      <a:r>
+                        <a:rPr lang="en-US" altLang="ko-KR" sz="1100" dirty="0"/>
+                        <a:t>, </a:t>
+                      </a:r>
+                      <a:r>
+                        <a:rPr lang="ko-KR" altLang="en-US" sz="1100" dirty="0"/>
+                        <a:t>루트 노드부터 순차탐색</a:t>
+                      </a:r>
+                    </a:p>
+                  </a:txBody>
+                  <a:tcPr/>
+                </a:tc>
+                <a:tc>
+                  <a:txBody>
+                    <a:bodyPr/>
+                    <a:lstStyle/>
+                    <a:p>
+                      <a:pPr algn="ctr" latinLnBrk="1"/>
+                      <a:r>
+                        <a:rPr lang="en-US" altLang="ko-KR" sz="1100" dirty="0"/>
+                        <a:t>SQL</a:t>
+                      </a:r>
+                      <a:r>
+                        <a:rPr lang="ko-KR" altLang="en-US" sz="1100" dirty="0"/>
+                        <a:t>로 자유로운 데이터 접근</a:t>
+                      </a:r>
+                      <a:r>
+                        <a:rPr lang="en-US" altLang="ko-KR" sz="1100" dirty="0"/>
+                        <a:t>, </a:t>
+                      </a:r>
+                    </a:p>
+                    <a:p>
+                      <a:pPr algn="ctr" latinLnBrk="1"/>
+                      <a:r>
+                        <a:rPr lang="ko-KR" altLang="en-US" sz="1100" dirty="0"/>
+                        <a:t>다양한 검색 지원</a:t>
+                      </a:r>
+                    </a:p>
+                  </a:txBody>
+                  <a:tcPr/>
+                </a:tc>
+                <a:extLst>
+                  <a:ext uri="{0D108BD9-81ED-4DB2-BD59-A6C34878D82A}">
+                    <a16:rowId xmlns:a16="http://schemas.microsoft.com/office/drawing/2014/main" val="1626616693"/>
+                  </a:ext>
+                </a:extLst>
+              </a:tr>
+              <a:tr h="370840">
+                <a:tc>
+                  <a:txBody>
+                    <a:bodyPr/>
+                    <a:lstStyle/>
+                    <a:p>
+                      <a:pPr algn="ctr" latinLnBrk="1"/>
+                      <a:r>
+                        <a:rPr lang="ko-KR" altLang="en-US" sz="1100" dirty="0"/>
+                        <a:t>유연성</a:t>
+                      </a:r>
+                    </a:p>
+                  </a:txBody>
+                  <a:tcPr/>
+                </a:tc>
+                <a:tc>
+                  <a:txBody>
+                    <a:bodyPr/>
+                    <a:lstStyle/>
+                    <a:p>
+                      <a:pPr algn="ctr" latinLnBrk="1"/>
+                      <a:r>
+                        <a:rPr lang="ko-KR" altLang="en-US" sz="1100" dirty="0"/>
+                        <a:t>고정된 구조로 변경이 어려움</a:t>
+                      </a:r>
+                    </a:p>
+                  </a:txBody>
+                  <a:tcPr/>
+                </a:tc>
+                <a:tc>
+                  <a:txBody>
+                    <a:bodyPr/>
+                    <a:lstStyle/>
+                    <a:p>
+                      <a:pPr algn="ctr" latinLnBrk="1"/>
+                      <a:r>
+                        <a:rPr lang="ko-KR" altLang="en-US" sz="1100" dirty="0"/>
+                        <a:t>유연한 구조</a:t>
+                      </a:r>
+                      <a:r>
+                        <a:rPr lang="en-US" altLang="ko-KR" sz="1100" dirty="0"/>
+                        <a:t>, </a:t>
+                      </a:r>
+                      <a:r>
+                        <a:rPr lang="ko-KR" altLang="en-US" sz="1100" dirty="0"/>
+                        <a:t>확장 및 관계 변경 용이</a:t>
+                      </a:r>
+                    </a:p>
+                  </a:txBody>
+                  <a:tcPr/>
+                </a:tc>
+                <a:extLst>
+                  <a:ext uri="{0D108BD9-81ED-4DB2-BD59-A6C34878D82A}">
+                    <a16:rowId xmlns:a16="http://schemas.microsoft.com/office/drawing/2014/main" val="3916999241"/>
+                  </a:ext>
+                </a:extLst>
+              </a:tr>
+            </a:tbl>
+          </a:graphicData>
+        </a:graphic>
+      </p:graphicFrame>
     </p:spTree>
   </p:cSld>
   <p:clrMapOvr>
@@ -3637,6 +4517,14 @@
 <file path=ppt/slides/slide2.xml><?xml version="1.0" encoding="utf-8"?>
 <p:sld xmlns:a="http://schemas.openxmlformats.org/drawingml/2006/main" xmlns:r="http://schemas.openxmlformats.org/officeDocument/2006/relationships" xmlns:p="http://schemas.openxmlformats.org/presentationml/2006/main">
   <p:cSld>
+    <p:bg>
+      <p:bgPr>
+        <a:solidFill>
+          <a:srgbClr val="F9F9F9"/>
+        </a:solidFill>
+        <a:effectLst/>
+      </p:bgPr>
+    </p:bg>
     <p:spTree>
       <p:nvGrpSpPr>
         <p:cNvPr id="1" name=""/>
@@ -3723,163 +4611,35 @@
           </a:prstGeom>
         </p:spPr>
       </p:pic>
-      <p:sp>
-        <p:nvSpPr>
-          <p:cNvPr id="21" name="TextBox 21"/>
-          <p:cNvSpPr txBox="1"/>
-          <p:nvPr/>
-        </p:nvSpPr>
-        <p:spPr>
-          <a:xfrm>
-            <a:off x="7086600" y="2476500"/>
-            <a:ext cx="3962400" cy="1016000"/>
-          </a:xfrm>
-          <a:prstGeom prst="rect">
-            <a:avLst/>
-          </a:prstGeom>
-        </p:spPr>
-        <p:txBody>
-          <a:bodyPr lIns="0" tIns="0" rIns="0" bIns="0" rtlCol="0" anchor="ctr"/>
-          <a:lstStyle/>
-          <a:p>
-            <a:pPr lvl="0" algn="ctr">
-              <a:lnSpc>
-                <a:spcPct val="76360"/>
-              </a:lnSpc>
-            </a:pPr>
-            <a:r>
-              <a:rPr lang="en-US" altLang="ko-KR" sz="5700" spc="-200" dirty="0">
-                <a:solidFill>
-                  <a:srgbClr val="617995"/>
-                </a:solidFill>
-                <a:latin typeface="프리젠테이션 5 Medium" charset="-127"/>
-                <a:ea typeface="프리젠테이션 5 Medium" charset="-127"/>
-              </a:rPr>
-              <a:t>2</a:t>
-            </a:r>
-            <a:r>
-              <a:rPr lang="ko-KR" altLang="en-US" sz="5700" b="0" i="0" u="none" strike="noStrike" spc="-200" dirty="0">
-                <a:solidFill>
-                  <a:srgbClr val="617995"/>
-                </a:solidFill>
-                <a:latin typeface="프리젠테이션 5 Medium" charset="-127"/>
-                <a:ea typeface="프리젠테이션 5 Medium" charset="-127"/>
-              </a:rPr>
-              <a:t>번 문제  </a:t>
-            </a:r>
-            <a:endParaRPr lang="en-US" sz="5700" b="0" i="0" u="none" strike="noStrike" spc="-200" dirty="0">
-              <a:solidFill>
-                <a:srgbClr val="617995"/>
-              </a:solidFill>
-              <a:latin typeface="프리젠테이션 5 Medium" charset="-127"/>
-              <a:ea typeface="프리젠테이션 5 Medium" charset="-127"/>
-            </a:endParaRPr>
-          </a:p>
-        </p:txBody>
-      </p:sp>
-      <p:sp>
-        <p:nvSpPr>
-          <p:cNvPr id="37" name="TextBox 35">
-            <a:extLst>
-              <a:ext uri="{FF2B5EF4-FFF2-40B4-BE49-F238E27FC236}">
-                <a16:creationId xmlns:a16="http://schemas.microsoft.com/office/drawing/2014/main" id="{F4FC0E20-B505-49BC-91E3-624B702ECEBF}"/>
-              </a:ext>
-            </a:extLst>
-          </p:cNvPr>
-          <p:cNvSpPr txBox="1"/>
-          <p:nvPr/>
-        </p:nvSpPr>
-        <p:spPr>
-          <a:xfrm>
-            <a:off x="5041900" y="1371600"/>
-            <a:ext cx="8204200" cy="1346200"/>
-          </a:xfrm>
-          <a:prstGeom prst="rect">
-            <a:avLst/>
-          </a:prstGeom>
-        </p:spPr>
-        <p:txBody>
-          <a:bodyPr lIns="0" tIns="0" rIns="0" bIns="0" rtlCol="0" anchor="ctr"/>
-          <a:lstStyle/>
-          <a:p>
-            <a:pPr lvl="0" algn="ctr">
-              <a:lnSpc>
-                <a:spcPct val="83000"/>
-              </a:lnSpc>
-            </a:pPr>
-            <a:r>
-              <a:rPr lang="en-US" sz="7500" b="0" i="0" u="none" strike="noStrike" spc="-300" dirty="0">
-                <a:solidFill>
-                  <a:srgbClr val="000000"/>
-                </a:solidFill>
-                <a:latin typeface="프리젠테이션 6 SemiBold" pitchFamily="2" charset="-127"/>
-                <a:ea typeface="프리젠테이션 6 SemiBold" pitchFamily="2" charset="-127"/>
-              </a:rPr>
-              <a:t>1. Host</a:t>
-            </a:r>
-            <a:r>
-              <a:rPr lang="ko-KR" altLang="en-US" sz="7500" b="0" i="0" u="none" strike="noStrike" spc="-300" dirty="0">
-                <a:solidFill>
-                  <a:srgbClr val="000000"/>
-                </a:solidFill>
-                <a:latin typeface="프리젠테이션 6 SemiBold" pitchFamily="2" charset="-127"/>
-                <a:ea typeface="프리젠테이션 6 SemiBold" pitchFamily="2" charset="-127"/>
-              </a:rPr>
-              <a:t>간 통신</a:t>
-            </a:r>
-            <a:endParaRPr lang="en-US" sz="7500" b="0" i="0" u="none" strike="noStrike" spc="-300" dirty="0">
-              <a:solidFill>
-                <a:srgbClr val="000000"/>
-              </a:solidFill>
-              <a:latin typeface="프리젠테이션 6 SemiBold" pitchFamily="2" charset="-127"/>
-              <a:ea typeface="프리젠테이션 6 SemiBold" pitchFamily="2" charset="-127"/>
-            </a:endParaRPr>
-          </a:p>
-        </p:txBody>
-      </p:sp>
       <p:pic>
         <p:nvPicPr>
-          <p:cNvPr id="8" name="그림 7">
-            <a:extLst>
-              <a:ext uri="{FF2B5EF4-FFF2-40B4-BE49-F238E27FC236}">
-                <a16:creationId xmlns:a16="http://schemas.microsoft.com/office/drawing/2014/main" id="{D70D1745-76C3-4847-BB7F-2A64968E9518}"/>
-              </a:ext>
-            </a:extLst>
-          </p:cNvPr>
+          <p:cNvPr id="8" name="Picture 8"/>
           <p:cNvPicPr>
             <a:picLocks noChangeAspect="1"/>
           </p:cNvPicPr>
           <p:nvPr/>
         </p:nvPicPr>
-        <p:blipFill rotWithShape="1">
-          <a:blip r:embed="rId5"/>
-          <a:srcRect l="2189" t="7425" r="2189" b="7586"/>
-          <a:stretch/>
+        <p:blipFill>
+          <a:blip r:embed="rId5">
+            <a:alphaModFix amt="43000"/>
+          </a:blip>
+          <a:stretch>
+            <a:fillRect/>
+          </a:stretch>
         </p:blipFill>
         <p:spPr>
           <a:xfrm>
-            <a:off x="4648200" y="3756852"/>
-            <a:ext cx="9294354" cy="4762876"/>
-          </a:xfrm>
-          <a:prstGeom prst="rect">
-            <a:avLst/>
-          </a:prstGeom>
-          <a:ln w="38100">
-            <a:solidFill>
-              <a:srgbClr val="617995"/>
-            </a:solidFill>
-          </a:ln>
+            <a:off x="11298651" y="2857500"/>
+            <a:ext cx="6670694" cy="6120000"/>
+          </a:xfrm>
+          <a:prstGeom prst="rect">
+            <a:avLst/>
+          </a:prstGeom>
         </p:spPr>
       </p:pic>
       <p:pic>
         <p:nvPicPr>
-          <p:cNvPr id="10" name="그림 9">
-            <a:extLst>
-              <a:ext uri="{FF2B5EF4-FFF2-40B4-BE49-F238E27FC236}">
-                <a16:creationId xmlns:a16="http://schemas.microsoft.com/office/drawing/2014/main" id="{40B10445-371F-4A53-B497-FED0B787A8C9}"/>
-              </a:ext>
-            </a:extLst>
-          </p:cNvPr>
+          <p:cNvPr id="11" name="Picture 11"/>
           <p:cNvPicPr>
             <a:picLocks noChangeAspect="1"/>
           </p:cNvPicPr>
@@ -3893,28 +4653,17 @@
         </p:blipFill>
         <p:spPr>
           <a:xfrm>
-            <a:off x="473741" y="6819900"/>
-            <a:ext cx="3838575" cy="2314575"/>
-          </a:xfrm>
-          <a:prstGeom prst="rect">
-            <a:avLst/>
-          </a:prstGeom>
-          <a:ln w="38100">
-            <a:solidFill>
-              <a:srgbClr val="617995"/>
-            </a:solidFill>
-          </a:ln>
+            <a:off x="8318500" y="5257800"/>
+            <a:ext cx="1612900" cy="38100"/>
+          </a:xfrm>
+          <a:prstGeom prst="rect">
+            <a:avLst/>
+          </a:prstGeom>
         </p:spPr>
       </p:pic>
       <p:pic>
         <p:nvPicPr>
-          <p:cNvPr id="12" name="그림 11">
-            <a:extLst>
-              <a:ext uri="{FF2B5EF4-FFF2-40B4-BE49-F238E27FC236}">
-                <a16:creationId xmlns:a16="http://schemas.microsoft.com/office/drawing/2014/main" id="{E7AEC3C0-3883-4DB1-8A5F-B8F09DDBE4BE}"/>
-              </a:ext>
-            </a:extLst>
-          </p:cNvPr>
+          <p:cNvPr id="12" name="Picture 12"/>
           <p:cNvPicPr>
             <a:picLocks noChangeAspect="1"/>
           </p:cNvPicPr>
@@ -3928,25 +4677,1249 @@
         </p:blipFill>
         <p:spPr>
           <a:xfrm>
-            <a:off x="14258560" y="4970463"/>
-            <a:ext cx="3867150" cy="2333625"/>
-          </a:xfrm>
-          <a:prstGeom prst="rect">
-            <a:avLst/>
-          </a:prstGeom>
-          <a:ln w="38100">
-            <a:solidFill>
-              <a:srgbClr val="617995"/>
-            </a:solidFill>
-          </a:ln>
+            <a:off x="8318500" y="6807200"/>
+            <a:ext cx="1612900" cy="38100"/>
+          </a:xfrm>
+          <a:prstGeom prst="rect">
+            <a:avLst/>
+          </a:prstGeom>
         </p:spPr>
       </p:pic>
       <p:pic>
         <p:nvPicPr>
-          <p:cNvPr id="14" name="그림 13">
+          <p:cNvPr id="13" name="Picture 13"/>
+          <p:cNvPicPr>
+            <a:picLocks noChangeAspect="1"/>
+          </p:cNvPicPr>
+          <p:nvPr/>
+        </p:nvPicPr>
+        <p:blipFill>
+          <a:blip r:embed="rId8"/>
+          <a:stretch>
+            <a:fillRect/>
+          </a:stretch>
+        </p:blipFill>
+        <p:spPr>
+          <a:xfrm rot="3120000">
+            <a:off x="7124700" y="4584700"/>
+            <a:ext cx="1231900" cy="12700"/>
+          </a:xfrm>
+          <a:prstGeom prst="rect">
+            <a:avLst/>
+          </a:prstGeom>
+        </p:spPr>
+      </p:pic>
+      <p:pic>
+        <p:nvPicPr>
+          <p:cNvPr id="14" name="Picture 14"/>
+          <p:cNvPicPr>
+            <a:picLocks noChangeAspect="1"/>
+          </p:cNvPicPr>
+          <p:nvPr/>
+        </p:nvPicPr>
+        <p:blipFill>
+          <a:blip r:embed="rId9"/>
+          <a:stretch>
+            <a:fillRect/>
+          </a:stretch>
+        </p:blipFill>
+        <p:spPr>
+          <a:xfrm>
+            <a:off x="7378700" y="6045200"/>
+            <a:ext cx="660400" cy="12700"/>
+          </a:xfrm>
+          <a:prstGeom prst="rect">
+            <a:avLst/>
+          </a:prstGeom>
+        </p:spPr>
+      </p:pic>
+      <p:pic>
+        <p:nvPicPr>
+          <p:cNvPr id="15" name="Picture 15"/>
+          <p:cNvPicPr>
+            <a:picLocks noChangeAspect="1"/>
+          </p:cNvPicPr>
+          <p:nvPr/>
+        </p:nvPicPr>
+        <p:blipFill>
+          <a:blip r:embed="rId10"/>
+          <a:stretch>
+            <a:fillRect/>
+          </a:stretch>
+        </p:blipFill>
+        <p:spPr>
+          <a:xfrm rot="-3120000">
+            <a:off x="7124700" y="7493000"/>
+            <a:ext cx="1231900" cy="12700"/>
+          </a:xfrm>
+          <a:prstGeom prst="rect">
+            <a:avLst/>
+          </a:prstGeom>
+        </p:spPr>
+      </p:pic>
+      <p:pic>
+        <p:nvPicPr>
+          <p:cNvPr id="16" name="Picture 16"/>
+          <p:cNvPicPr>
+            <a:picLocks noChangeAspect="1"/>
+          </p:cNvPicPr>
+          <p:nvPr/>
+        </p:nvPicPr>
+        <p:blipFill>
+          <a:blip r:embed="rId11"/>
+          <a:stretch>
+            <a:fillRect/>
+          </a:stretch>
+        </p:blipFill>
+        <p:spPr>
+          <a:xfrm rot="-3120000">
+            <a:off x="9893300" y="4584700"/>
+            <a:ext cx="1231900" cy="12700"/>
+          </a:xfrm>
+          <a:prstGeom prst="rect">
+            <a:avLst/>
+          </a:prstGeom>
+        </p:spPr>
+      </p:pic>
+      <p:pic>
+        <p:nvPicPr>
+          <p:cNvPr id="17" name="Picture 17"/>
+          <p:cNvPicPr>
+            <a:picLocks noChangeAspect="1"/>
+          </p:cNvPicPr>
+          <p:nvPr/>
+        </p:nvPicPr>
+        <p:blipFill>
+          <a:blip r:embed="rId12"/>
+          <a:stretch>
+            <a:fillRect/>
+          </a:stretch>
+        </p:blipFill>
+        <p:spPr>
+          <a:xfrm>
+            <a:off x="10198100" y="6045200"/>
+            <a:ext cx="660400" cy="12700"/>
+          </a:xfrm>
+          <a:prstGeom prst="rect">
+            <a:avLst/>
+          </a:prstGeom>
+        </p:spPr>
+      </p:pic>
+      <p:pic>
+        <p:nvPicPr>
+          <p:cNvPr id="18" name="Picture 18"/>
+          <p:cNvPicPr>
+            <a:picLocks noChangeAspect="1"/>
+          </p:cNvPicPr>
+          <p:nvPr/>
+        </p:nvPicPr>
+        <p:blipFill>
+          <a:blip r:embed="rId13"/>
+          <a:stretch>
+            <a:fillRect/>
+          </a:stretch>
+        </p:blipFill>
+        <p:spPr>
+          <a:xfrm rot="3120000">
+            <a:off x="9893300" y="7493000"/>
+            <a:ext cx="1231900" cy="12700"/>
+          </a:xfrm>
+          <a:prstGeom prst="rect">
+            <a:avLst/>
+          </a:prstGeom>
+        </p:spPr>
+      </p:pic>
+      <p:sp>
+        <p:nvSpPr>
+          <p:cNvPr id="21" name="TextBox 21"/>
+          <p:cNvSpPr txBox="1"/>
+          <p:nvPr/>
+        </p:nvSpPr>
+        <p:spPr>
+          <a:xfrm>
+            <a:off x="8001000" y="5232400"/>
+            <a:ext cx="2286000" cy="1016000"/>
+          </a:xfrm>
+          <a:prstGeom prst="rect">
+            <a:avLst/>
+          </a:prstGeom>
+        </p:spPr>
+        <p:txBody>
+          <a:bodyPr lIns="0" tIns="0" rIns="0" bIns="0" rtlCol="0" anchor="ctr"/>
+          <a:lstStyle/>
+          <a:p>
+            <a:pPr lvl="0" algn="ctr">
+              <a:lnSpc>
+                <a:spcPct val="76360"/>
+              </a:lnSpc>
+            </a:pPr>
+            <a:r>
+              <a:rPr lang="en-US" sz="5700" spc="-200" dirty="0">
+                <a:solidFill>
+                  <a:srgbClr val="617995"/>
+                </a:solidFill>
+                <a:latin typeface="Montserrat Bold"/>
+              </a:rPr>
+              <a:t>SQL</a:t>
+            </a:r>
+            <a:endParaRPr lang="en-US" sz="5700" b="0" i="0" u="none" strike="noStrike" spc="-200" dirty="0">
+              <a:solidFill>
+                <a:srgbClr val="617995"/>
+              </a:solidFill>
+              <a:latin typeface="Montserrat Bold"/>
+            </a:endParaRPr>
+          </a:p>
+        </p:txBody>
+      </p:sp>
+      <p:sp>
+        <p:nvSpPr>
+          <p:cNvPr id="22" name="TextBox 22"/>
+          <p:cNvSpPr txBox="1"/>
+          <p:nvPr/>
+        </p:nvSpPr>
+        <p:spPr>
+          <a:xfrm>
+            <a:off x="7956550" y="5944504"/>
+            <a:ext cx="2387600" cy="1054100"/>
+          </a:xfrm>
+          <a:prstGeom prst="rect">
+            <a:avLst/>
+          </a:prstGeom>
+        </p:spPr>
+        <p:txBody>
+          <a:bodyPr lIns="0" tIns="0" rIns="0" bIns="0" rtlCol="0" anchor="ctr"/>
+          <a:lstStyle/>
+          <a:p>
+            <a:pPr lvl="0" algn="ctr">
+              <a:lnSpc>
+                <a:spcPct val="76360"/>
+              </a:lnSpc>
+            </a:pPr>
+            <a:r>
+              <a:rPr lang="en-US" sz="5400" b="0" i="0" u="none" strike="noStrike" spc="200" dirty="0">
+                <a:solidFill>
+                  <a:srgbClr val="C5C0BC"/>
+                </a:solidFill>
+                <a:latin typeface="Montserrat Bold"/>
+              </a:rPr>
+              <a:t>CODE</a:t>
+            </a:r>
+          </a:p>
+        </p:txBody>
+      </p:sp>
+      <p:sp>
+        <p:nvSpPr>
+          <p:cNvPr id="30" name="TextBox 30"/>
+          <p:cNvSpPr txBox="1"/>
+          <p:nvPr/>
+        </p:nvSpPr>
+        <p:spPr>
+          <a:xfrm>
+            <a:off x="11852552" y="5308287"/>
+            <a:ext cx="5811331" cy="1169791"/>
+          </a:xfrm>
+          <a:prstGeom prst="rect">
+            <a:avLst/>
+          </a:prstGeom>
+        </p:spPr>
+        <p:txBody>
+          <a:bodyPr lIns="0" tIns="0" rIns="0" bIns="0" rtlCol="0" anchor="ctr"/>
+          <a:lstStyle/>
+          <a:p>
+            <a:pPr lvl="0" algn="ctr">
+              <a:lnSpc>
+                <a:spcPct val="112050"/>
+              </a:lnSpc>
+            </a:pPr>
+            <a:r>
+              <a:rPr lang="en-US" sz="1050" b="0" i="0" u="none" strike="noStrike" spc="-100" dirty="0">
+                <a:solidFill>
+                  <a:srgbClr val="9E9E9E"/>
+                </a:solidFill>
+                <a:latin typeface="Montserrat Medium"/>
+              </a:rPr>
+              <a:t>-- MySQL Workbench Forward </a:t>
+            </a:r>
+            <a:r>
+              <a:rPr lang="en-US" sz="1050" b="0" i="0" u="none" strike="noStrike" spc="-100" dirty="0" err="1">
+                <a:solidFill>
+                  <a:srgbClr val="9E9E9E"/>
+                </a:solidFill>
+                <a:latin typeface="Montserrat Medium"/>
+              </a:rPr>
+              <a:t>EngineeringSET</a:t>
+            </a:r>
+            <a:r>
+              <a:rPr lang="en-US" sz="1050" b="0" i="0" u="none" strike="noStrike" spc="-100" dirty="0">
+                <a:solidFill>
+                  <a:srgbClr val="9E9E9E"/>
+                </a:solidFill>
+                <a:latin typeface="Montserrat Medium"/>
+              </a:rPr>
+              <a:t> @OLD_UNIQUE_CHECKS=@@UNIQUE_CHECKS, UNIQUE_CHECKS=0;SET @OLD_FOREIGN_KEY_CHECKS=@@FOREIGN_KEY_CHECKS, FOREIGN_KEY_CHECKS=0;SET @OLD_SQL_MODE=@@SQL_MODE, SQL_MODE='ONLY_FULL_GROUP_BY,STRICT_TRANS_TABLES,NO_ZERO_IN_DATE,NO_ZERO_DATE,ERROR_FOR_DIVISION_BY_ZERO,NO_ENGINE_SUBSTITUTION';-- ------------------------------------------------------- Schema </a:t>
+            </a:r>
+            <a:r>
+              <a:rPr lang="en-US" sz="1050" b="0" i="0" u="none" strike="noStrike" spc="-100" dirty="0" err="1">
+                <a:solidFill>
+                  <a:srgbClr val="9E9E9E"/>
+                </a:solidFill>
+                <a:latin typeface="Montserrat Medium"/>
+              </a:rPr>
+              <a:t>ShopDB</a:t>
+            </a:r>
+            <a:r>
+              <a:rPr lang="en-US" sz="1050" b="0" i="0" u="none" strike="noStrike" spc="-100" dirty="0">
+                <a:solidFill>
+                  <a:srgbClr val="9E9E9E"/>
+                </a:solidFill>
+                <a:latin typeface="Montserrat Medium"/>
+              </a:rPr>
+              <a:t>-- ------------------------------------------------------- ------------------------------------------------------- Schema </a:t>
+            </a:r>
+            <a:r>
+              <a:rPr lang="en-US" sz="1050" b="0" i="0" u="none" strike="noStrike" spc="-100" dirty="0" err="1">
+                <a:solidFill>
+                  <a:srgbClr val="9E9E9E"/>
+                </a:solidFill>
+                <a:latin typeface="Montserrat Medium"/>
+              </a:rPr>
+              <a:t>ShopDB</a:t>
+            </a:r>
+            <a:r>
+              <a:rPr lang="en-US" sz="1050" b="0" i="0" u="none" strike="noStrike" spc="-100" dirty="0">
+                <a:solidFill>
+                  <a:srgbClr val="9E9E9E"/>
+                </a:solidFill>
+                <a:latin typeface="Montserrat Medium"/>
+              </a:rPr>
+              <a:t>-- -----------------------------------------------------CREATE SCHEMA IF NOT EXISTS `</a:t>
+            </a:r>
+            <a:r>
+              <a:rPr lang="en-US" sz="1050" b="0" i="0" u="none" strike="noStrike" spc="-100" dirty="0" err="1">
+                <a:solidFill>
+                  <a:srgbClr val="9E9E9E"/>
+                </a:solidFill>
+                <a:latin typeface="Montserrat Medium"/>
+              </a:rPr>
+              <a:t>ShopDB</a:t>
+            </a:r>
+            <a:r>
+              <a:rPr lang="en-US" sz="1050" b="0" i="0" u="none" strike="noStrike" spc="-100" dirty="0">
+                <a:solidFill>
+                  <a:srgbClr val="9E9E9E"/>
+                </a:solidFill>
+                <a:latin typeface="Montserrat Medium"/>
+              </a:rPr>
+              <a:t>` DEFAULT CHARACTER SET utf8 ;USE `</a:t>
+            </a:r>
+            <a:r>
+              <a:rPr lang="en-US" sz="1050" b="0" i="0" u="none" strike="noStrike" spc="-100" dirty="0" err="1">
+                <a:solidFill>
+                  <a:srgbClr val="9E9E9E"/>
+                </a:solidFill>
+                <a:latin typeface="Montserrat Medium"/>
+              </a:rPr>
+              <a:t>ShopDB</a:t>
+            </a:r>
+            <a:r>
+              <a:rPr lang="en-US" sz="1050" b="0" i="0" u="none" strike="noStrike" spc="-100" dirty="0">
+                <a:solidFill>
+                  <a:srgbClr val="9E9E9E"/>
+                </a:solidFill>
+                <a:latin typeface="Montserrat Medium"/>
+              </a:rPr>
+              <a:t>` ;-- ------------------------------------------------------- Table `</a:t>
+            </a:r>
+            <a:r>
+              <a:rPr lang="en-US" sz="1050" b="0" i="0" u="none" strike="noStrike" spc="-100" dirty="0" err="1">
+                <a:solidFill>
+                  <a:srgbClr val="9E9E9E"/>
+                </a:solidFill>
+                <a:latin typeface="Montserrat Medium"/>
+              </a:rPr>
+              <a:t>ShopDB</a:t>
+            </a:r>
+            <a:r>
+              <a:rPr lang="en-US" sz="1050" b="0" i="0" u="none" strike="noStrike" spc="-100" dirty="0">
+                <a:solidFill>
+                  <a:srgbClr val="9E9E9E"/>
+                </a:solidFill>
+                <a:latin typeface="Montserrat Medium"/>
+              </a:rPr>
+              <a:t>`.`</a:t>
+            </a:r>
+            <a:r>
+              <a:rPr lang="en-US" sz="1050" b="0" i="0" u="none" strike="noStrike" spc="-100" dirty="0" err="1">
+                <a:solidFill>
+                  <a:srgbClr val="9E9E9E"/>
+                </a:solidFill>
+                <a:latin typeface="Montserrat Medium"/>
+              </a:rPr>
+              <a:t>prodtbl</a:t>
+            </a:r>
+            <a:r>
+              <a:rPr lang="en-US" sz="1050" b="0" i="0" u="none" strike="noStrike" spc="-100" dirty="0">
+                <a:solidFill>
+                  <a:srgbClr val="9E9E9E"/>
+                </a:solidFill>
+                <a:latin typeface="Montserrat Medium"/>
+              </a:rPr>
+              <a:t>`-- -----------------------------------------------------CREATE TABLE IF NOT EXISTS `</a:t>
+            </a:r>
+            <a:r>
+              <a:rPr lang="en-US" sz="1050" b="0" i="0" u="none" strike="noStrike" spc="-100" dirty="0" err="1">
+                <a:solidFill>
+                  <a:srgbClr val="9E9E9E"/>
+                </a:solidFill>
+                <a:latin typeface="Montserrat Medium"/>
+              </a:rPr>
+              <a:t>ShopDB</a:t>
+            </a:r>
+            <a:r>
+              <a:rPr lang="en-US" sz="1050" b="0" i="0" u="none" strike="noStrike" spc="-100" dirty="0">
+                <a:solidFill>
+                  <a:srgbClr val="9E9E9E"/>
+                </a:solidFill>
+                <a:latin typeface="Montserrat Medium"/>
+              </a:rPr>
+              <a:t>`.`</a:t>
+            </a:r>
+            <a:r>
+              <a:rPr lang="en-US" sz="1050" b="0" i="0" u="none" strike="noStrike" spc="-100" dirty="0" err="1">
+                <a:solidFill>
+                  <a:srgbClr val="9E9E9E"/>
+                </a:solidFill>
+                <a:latin typeface="Montserrat Medium"/>
+              </a:rPr>
+              <a:t>prodtbl</a:t>
+            </a:r>
+            <a:r>
+              <a:rPr lang="en-US" sz="1050" b="0" i="0" u="none" strike="noStrike" spc="-100" dirty="0">
+                <a:solidFill>
+                  <a:srgbClr val="9E9E9E"/>
+                </a:solidFill>
+                <a:latin typeface="Montserrat Medium"/>
+              </a:rPr>
+              <a:t>` (  `</a:t>
+            </a:r>
+            <a:r>
+              <a:rPr lang="en-US" sz="1050" b="0" i="0" u="none" strike="noStrike" spc="-100" dirty="0" err="1">
+                <a:solidFill>
+                  <a:srgbClr val="9E9E9E"/>
+                </a:solidFill>
+                <a:latin typeface="Montserrat Medium"/>
+              </a:rPr>
+              <a:t>prodName</a:t>
+            </a:r>
+            <a:r>
+              <a:rPr lang="en-US" sz="1050" b="0" i="0" u="none" strike="noStrike" spc="-100" dirty="0">
+                <a:solidFill>
+                  <a:srgbClr val="9E9E9E"/>
+                </a:solidFill>
+                <a:latin typeface="Montserrat Medium"/>
+              </a:rPr>
+              <a:t>` CHAR(10) NOT NULL,  `</a:t>
+            </a:r>
+            <a:r>
+              <a:rPr lang="en-US" sz="1050" b="0" i="0" u="none" strike="noStrike" spc="-100" dirty="0" err="1">
+                <a:solidFill>
+                  <a:srgbClr val="9E9E9E"/>
+                </a:solidFill>
+                <a:latin typeface="Montserrat Medium"/>
+              </a:rPr>
+              <a:t>groupName</a:t>
+            </a:r>
+            <a:r>
+              <a:rPr lang="en-US" sz="1050" b="0" i="0" u="none" strike="noStrike" spc="-100" dirty="0">
+                <a:solidFill>
+                  <a:srgbClr val="9E9E9E"/>
+                </a:solidFill>
+                <a:latin typeface="Montserrat Medium"/>
+              </a:rPr>
+              <a:t>` CHAR(20) NOT NULL,  `price` INT NOT NULL,  `save` SMALLINT NOT NULL,  PRIMARY KEY (`</a:t>
+            </a:r>
+            <a:r>
+              <a:rPr lang="en-US" sz="1050" b="0" i="0" u="none" strike="noStrike" spc="-100" dirty="0" err="1">
+                <a:solidFill>
+                  <a:srgbClr val="9E9E9E"/>
+                </a:solidFill>
+                <a:latin typeface="Montserrat Medium"/>
+              </a:rPr>
+              <a:t>prodName</a:t>
+            </a:r>
+            <a:r>
+              <a:rPr lang="en-US" sz="1050" b="0" i="0" u="none" strike="noStrike" spc="-100" dirty="0">
+                <a:solidFill>
+                  <a:srgbClr val="9E9E9E"/>
+                </a:solidFill>
+                <a:latin typeface="Montserrat Medium"/>
+              </a:rPr>
+              <a:t>`))ENGINE = </a:t>
+            </a:r>
+            <a:r>
+              <a:rPr lang="en-US" sz="1050" b="0" i="0" u="none" strike="noStrike" spc="-100" dirty="0" err="1">
+                <a:solidFill>
+                  <a:srgbClr val="9E9E9E"/>
+                </a:solidFill>
+                <a:latin typeface="Montserrat Medium"/>
+              </a:rPr>
+              <a:t>InnoDBCOMMENT</a:t>
+            </a:r>
+            <a:r>
+              <a:rPr lang="en-US" sz="1050" b="0" i="0" u="none" strike="noStrike" spc="-100" dirty="0">
+                <a:solidFill>
+                  <a:srgbClr val="9E9E9E"/>
+                </a:solidFill>
+                <a:latin typeface="Montserrat Medium"/>
+              </a:rPr>
+              <a:t> = '	';-- ------------------------------------------------------- Table `</a:t>
+            </a:r>
+            <a:r>
+              <a:rPr lang="en-US" sz="1050" b="0" i="0" u="none" strike="noStrike" spc="-100" dirty="0" err="1">
+                <a:solidFill>
+                  <a:srgbClr val="9E9E9E"/>
+                </a:solidFill>
+                <a:latin typeface="Montserrat Medium"/>
+              </a:rPr>
+              <a:t>ShopDB</a:t>
+            </a:r>
+            <a:r>
+              <a:rPr lang="en-US" sz="1050" b="0" i="0" u="none" strike="noStrike" spc="-100" dirty="0">
+                <a:solidFill>
+                  <a:srgbClr val="9E9E9E"/>
+                </a:solidFill>
+                <a:latin typeface="Montserrat Medium"/>
+              </a:rPr>
+              <a:t>`.`</a:t>
+            </a:r>
+            <a:r>
+              <a:rPr lang="en-US" sz="1050" b="0" i="0" u="none" strike="noStrike" spc="-100" dirty="0" err="1">
+                <a:solidFill>
+                  <a:srgbClr val="9E9E9E"/>
+                </a:solidFill>
+                <a:latin typeface="Montserrat Medium"/>
+              </a:rPr>
+              <a:t>usertbl</a:t>
+            </a:r>
+            <a:r>
+              <a:rPr lang="en-US" sz="1050" b="0" i="0" u="none" strike="noStrike" spc="-100" dirty="0">
+                <a:solidFill>
+                  <a:srgbClr val="9E9E9E"/>
+                </a:solidFill>
+                <a:latin typeface="Montserrat Medium"/>
+              </a:rPr>
+              <a:t>`-- -----------------------------------------------------CREATE TABLE IF NOT EXISTS `</a:t>
+            </a:r>
+            <a:r>
+              <a:rPr lang="en-US" sz="1050" b="0" i="0" u="none" strike="noStrike" spc="-100" dirty="0" err="1">
+                <a:solidFill>
+                  <a:srgbClr val="9E9E9E"/>
+                </a:solidFill>
+                <a:latin typeface="Montserrat Medium"/>
+              </a:rPr>
+              <a:t>ShopDB</a:t>
+            </a:r>
+            <a:r>
+              <a:rPr lang="en-US" sz="1050" b="0" i="0" u="none" strike="noStrike" spc="-100" dirty="0">
+                <a:solidFill>
+                  <a:srgbClr val="9E9E9E"/>
+                </a:solidFill>
+                <a:latin typeface="Montserrat Medium"/>
+              </a:rPr>
+              <a:t>`.`</a:t>
+            </a:r>
+            <a:r>
+              <a:rPr lang="en-US" sz="1050" b="0" i="0" u="none" strike="noStrike" spc="-100" dirty="0" err="1">
+                <a:solidFill>
+                  <a:srgbClr val="9E9E9E"/>
+                </a:solidFill>
+                <a:latin typeface="Montserrat Medium"/>
+              </a:rPr>
+              <a:t>usertbl</a:t>
+            </a:r>
+            <a:r>
+              <a:rPr lang="en-US" sz="1050" b="0" i="0" u="none" strike="noStrike" spc="-100" dirty="0">
+                <a:solidFill>
+                  <a:srgbClr val="9E9E9E"/>
+                </a:solidFill>
+                <a:latin typeface="Montserrat Medium"/>
+              </a:rPr>
+              <a:t>` (  `</a:t>
+            </a:r>
+            <a:r>
+              <a:rPr lang="en-US" sz="1050" b="0" i="0" u="none" strike="noStrike" spc="-100" dirty="0" err="1">
+                <a:solidFill>
+                  <a:srgbClr val="9E9E9E"/>
+                </a:solidFill>
+                <a:latin typeface="Montserrat Medium"/>
+              </a:rPr>
+              <a:t>userId</a:t>
+            </a:r>
+            <a:r>
+              <a:rPr lang="en-US" sz="1050" b="0" i="0" u="none" strike="noStrike" spc="-100" dirty="0">
+                <a:solidFill>
+                  <a:srgbClr val="9E9E9E"/>
+                </a:solidFill>
+                <a:latin typeface="Montserrat Medium"/>
+              </a:rPr>
+              <a:t>` CHAR(8) NOT NULL,  `name` VARCHAR(16) NOT NULL,  `</a:t>
+            </a:r>
+            <a:r>
+              <a:rPr lang="en-US" sz="1050" b="0" i="0" u="none" strike="noStrike" spc="-100" dirty="0" err="1">
+                <a:solidFill>
+                  <a:srgbClr val="9E9E9E"/>
+                </a:solidFill>
+                <a:latin typeface="Montserrat Medium"/>
+              </a:rPr>
+              <a:t>birthYear</a:t>
+            </a:r>
+            <a:r>
+              <a:rPr lang="en-US" sz="1050" b="0" i="0" u="none" strike="noStrike" spc="-100" dirty="0">
+                <a:solidFill>
+                  <a:srgbClr val="9E9E9E"/>
+                </a:solidFill>
+                <a:latin typeface="Montserrat Medium"/>
+              </a:rPr>
+              <a:t>` INT NOT NULL,  `</a:t>
+            </a:r>
+            <a:r>
+              <a:rPr lang="en-US" sz="1050" b="0" i="0" u="none" strike="noStrike" spc="-100" dirty="0" err="1">
+                <a:solidFill>
+                  <a:srgbClr val="9E9E9E"/>
+                </a:solidFill>
+                <a:latin typeface="Montserrat Medium"/>
+              </a:rPr>
+              <a:t>addr</a:t>
+            </a:r>
+            <a:r>
+              <a:rPr lang="en-US" sz="1050" b="0" i="0" u="none" strike="noStrike" spc="-100" dirty="0">
+                <a:solidFill>
+                  <a:srgbClr val="9E9E9E"/>
+                </a:solidFill>
+                <a:latin typeface="Montserrat Medium"/>
+              </a:rPr>
+              <a:t>` VARCHAR(4) NOT NULL,  `mobile1` CHAR(3) NOT NULL,  `mobile2` CHAR(8) NOT NULL,  `</a:t>
+            </a:r>
+            <a:r>
+              <a:rPr lang="en-US" sz="1050" b="0" i="0" u="none" strike="noStrike" spc="-100" dirty="0" err="1">
+                <a:solidFill>
+                  <a:srgbClr val="9E9E9E"/>
+                </a:solidFill>
+                <a:latin typeface="Montserrat Medium"/>
+              </a:rPr>
+              <a:t>mDate</a:t>
+            </a:r>
+            <a:r>
+              <a:rPr lang="en-US" sz="1050" b="0" i="0" u="none" strike="noStrike" spc="-100" dirty="0">
+                <a:solidFill>
+                  <a:srgbClr val="9E9E9E"/>
+                </a:solidFill>
+                <a:latin typeface="Montserrat Medium"/>
+              </a:rPr>
+              <a:t>` DATETIME NOT NULL,  `</a:t>
+            </a:r>
+            <a:r>
+              <a:rPr lang="en-US" sz="1050" b="0" i="0" u="none" strike="noStrike" spc="-100" dirty="0" err="1">
+                <a:solidFill>
+                  <a:srgbClr val="9E9E9E"/>
+                </a:solidFill>
+                <a:latin typeface="Montserrat Medium"/>
+              </a:rPr>
+              <a:t>usertblcol</a:t>
+            </a:r>
+            <a:r>
+              <a:rPr lang="en-US" sz="1050" b="0" i="0" u="none" strike="noStrike" spc="-100" dirty="0">
+                <a:solidFill>
+                  <a:srgbClr val="9E9E9E"/>
+                </a:solidFill>
+                <a:latin typeface="Montserrat Medium"/>
+              </a:rPr>
+              <a:t>` VARCHAR(45) NOT NULL,  PRIMARY KEY (`</a:t>
+            </a:r>
+            <a:r>
+              <a:rPr lang="en-US" sz="1050" b="0" i="0" u="none" strike="noStrike" spc="-100" dirty="0" err="1">
+                <a:solidFill>
+                  <a:srgbClr val="9E9E9E"/>
+                </a:solidFill>
+                <a:latin typeface="Montserrat Medium"/>
+              </a:rPr>
+              <a:t>userId</a:t>
+            </a:r>
+            <a:r>
+              <a:rPr lang="en-US" sz="1050" b="0" i="0" u="none" strike="noStrike" spc="-100" dirty="0">
+                <a:solidFill>
+                  <a:srgbClr val="9E9E9E"/>
+                </a:solidFill>
+                <a:latin typeface="Montserrat Medium"/>
+              </a:rPr>
+              <a:t>`))ENGINE = </a:t>
+            </a:r>
+            <a:r>
+              <a:rPr lang="en-US" sz="1050" b="0" i="0" u="none" strike="noStrike" spc="-100" dirty="0" err="1">
+                <a:solidFill>
+                  <a:srgbClr val="9E9E9E"/>
+                </a:solidFill>
+                <a:latin typeface="Montserrat Medium"/>
+              </a:rPr>
+              <a:t>InnoDBCOMMENT</a:t>
+            </a:r>
+            <a:r>
+              <a:rPr lang="en-US" sz="1050" b="0" i="0" u="none" strike="noStrike" spc="-100" dirty="0">
+                <a:solidFill>
+                  <a:srgbClr val="9E9E9E"/>
+                </a:solidFill>
+                <a:latin typeface="Montserrat Medium"/>
+              </a:rPr>
+              <a:t> = '		';-- ------------------------------------------------------- Table `</a:t>
+            </a:r>
+            <a:r>
+              <a:rPr lang="en-US" sz="1050" b="0" i="0" u="none" strike="noStrike" spc="-100" dirty="0" err="1">
+                <a:solidFill>
+                  <a:srgbClr val="9E9E9E"/>
+                </a:solidFill>
+                <a:latin typeface="Montserrat Medium"/>
+              </a:rPr>
+              <a:t>ShopDB</a:t>
+            </a:r>
+            <a:r>
+              <a:rPr lang="en-US" sz="1050" b="0" i="0" u="none" strike="noStrike" spc="-100" dirty="0">
+                <a:solidFill>
+                  <a:srgbClr val="9E9E9E"/>
+                </a:solidFill>
+                <a:latin typeface="Montserrat Medium"/>
+              </a:rPr>
+              <a:t>`.`</a:t>
+            </a:r>
+            <a:r>
+              <a:rPr lang="en-US" sz="1050" b="0" i="0" u="none" strike="noStrike" spc="-100" dirty="0" err="1">
+                <a:solidFill>
+                  <a:srgbClr val="9E9E9E"/>
+                </a:solidFill>
+                <a:latin typeface="Montserrat Medium"/>
+              </a:rPr>
+              <a:t>ordertbl</a:t>
+            </a:r>
+            <a:r>
+              <a:rPr lang="en-US" sz="1050" b="0" i="0" u="none" strike="noStrike" spc="-100" dirty="0">
+                <a:solidFill>
+                  <a:srgbClr val="9E9E9E"/>
+                </a:solidFill>
+                <a:latin typeface="Montserrat Medium"/>
+              </a:rPr>
+              <a:t>`-- -----------------------------------------------------CREATE TABLE IF NOT EXISTS `</a:t>
+            </a:r>
+            <a:r>
+              <a:rPr lang="en-US" sz="1050" b="0" i="0" u="none" strike="noStrike" spc="-100" dirty="0" err="1">
+                <a:solidFill>
+                  <a:srgbClr val="9E9E9E"/>
+                </a:solidFill>
+                <a:latin typeface="Montserrat Medium"/>
+              </a:rPr>
+              <a:t>ShopDB</a:t>
+            </a:r>
+            <a:r>
+              <a:rPr lang="en-US" sz="1050" b="0" i="0" u="none" strike="noStrike" spc="-100" dirty="0">
+                <a:solidFill>
+                  <a:srgbClr val="9E9E9E"/>
+                </a:solidFill>
+                <a:latin typeface="Montserrat Medium"/>
+              </a:rPr>
+              <a:t>`.`</a:t>
+            </a:r>
+            <a:r>
+              <a:rPr lang="en-US" sz="1050" b="0" i="0" u="none" strike="noStrike" spc="-100" dirty="0" err="1">
+                <a:solidFill>
+                  <a:srgbClr val="9E9E9E"/>
+                </a:solidFill>
+                <a:latin typeface="Montserrat Medium"/>
+              </a:rPr>
+              <a:t>ordertbl</a:t>
+            </a:r>
+            <a:r>
+              <a:rPr lang="en-US" sz="1050" b="0" i="0" u="none" strike="noStrike" spc="-100" dirty="0">
+                <a:solidFill>
+                  <a:srgbClr val="9E9E9E"/>
+                </a:solidFill>
+                <a:latin typeface="Montserrat Medium"/>
+              </a:rPr>
+              <a:t>` (  `num` INT NOT NULL,  `</a:t>
+            </a:r>
+            <a:r>
+              <a:rPr lang="en-US" sz="1050" b="0" i="0" u="none" strike="noStrike" spc="-100" dirty="0" err="1">
+                <a:solidFill>
+                  <a:srgbClr val="9E9E9E"/>
+                </a:solidFill>
+                <a:latin typeface="Montserrat Medium"/>
+              </a:rPr>
+              <a:t>orderDate</a:t>
+            </a:r>
+            <a:r>
+              <a:rPr lang="en-US" sz="1050" b="0" i="0" u="none" strike="noStrike" spc="-100" dirty="0">
+                <a:solidFill>
+                  <a:srgbClr val="9E9E9E"/>
+                </a:solidFill>
+                <a:latin typeface="Montserrat Medium"/>
+              </a:rPr>
+              <a:t>` DATETIME NOT NULL,  `</a:t>
+            </a:r>
+            <a:r>
+              <a:rPr lang="en-US" sz="1050" b="0" i="0" u="none" strike="noStrike" spc="-100" dirty="0" err="1">
+                <a:solidFill>
+                  <a:srgbClr val="9E9E9E"/>
+                </a:solidFill>
+                <a:latin typeface="Montserrat Medium"/>
+              </a:rPr>
+              <a:t>userId</a:t>
+            </a:r>
+            <a:r>
+              <a:rPr lang="en-US" sz="1050" b="0" i="0" u="none" strike="noStrike" spc="-100" dirty="0">
+                <a:solidFill>
+                  <a:srgbClr val="9E9E9E"/>
+                </a:solidFill>
+                <a:latin typeface="Montserrat Medium"/>
+              </a:rPr>
+              <a:t>` CHAR(8) NOT NULL,  `</a:t>
+            </a:r>
+            <a:r>
+              <a:rPr lang="en-US" sz="1050" b="0" i="0" u="none" strike="noStrike" spc="-100" dirty="0" err="1">
+                <a:solidFill>
+                  <a:srgbClr val="9E9E9E"/>
+                </a:solidFill>
+                <a:latin typeface="Montserrat Medium"/>
+              </a:rPr>
+              <a:t>prodName</a:t>
+            </a:r>
+            <a:r>
+              <a:rPr lang="en-US" sz="1050" b="0" i="0" u="none" strike="noStrike" spc="-100" dirty="0">
+                <a:solidFill>
+                  <a:srgbClr val="9E9E9E"/>
+                </a:solidFill>
+                <a:latin typeface="Montserrat Medium"/>
+              </a:rPr>
+              <a:t>` CHAR(10) NOT NULL,  `</a:t>
+            </a:r>
+            <a:r>
+              <a:rPr lang="en-US" sz="1050" b="0" i="0" u="none" strike="noStrike" spc="-100" dirty="0" err="1">
+                <a:solidFill>
+                  <a:srgbClr val="9E9E9E"/>
+                </a:solidFill>
+                <a:latin typeface="Montserrat Medium"/>
+              </a:rPr>
+              <a:t>groupName</a:t>
+            </a:r>
+            <a:r>
+              <a:rPr lang="en-US" sz="1050" b="0" i="0" u="none" strike="noStrike" spc="-100" dirty="0">
+                <a:solidFill>
+                  <a:srgbClr val="9E9E9E"/>
+                </a:solidFill>
+                <a:latin typeface="Montserrat Medium"/>
+              </a:rPr>
+              <a:t>` CHAR(20) NOT NULL,  `</a:t>
+            </a:r>
+            <a:r>
+              <a:rPr lang="en-US" sz="1050" b="0" i="0" u="none" strike="noStrike" spc="-100" dirty="0" err="1">
+                <a:solidFill>
+                  <a:srgbClr val="9E9E9E"/>
+                </a:solidFill>
+                <a:latin typeface="Montserrat Medium"/>
+              </a:rPr>
+              <a:t>orderamount</a:t>
+            </a:r>
+            <a:r>
+              <a:rPr lang="en-US" sz="1050" b="0" i="0" u="none" strike="noStrike" spc="-100" dirty="0">
+                <a:solidFill>
+                  <a:srgbClr val="9E9E9E"/>
+                </a:solidFill>
+                <a:latin typeface="Montserrat Medium"/>
+              </a:rPr>
+              <a:t>` INT NOT NULL,  `price` SMALLINT NOT NULL,  INDEX `fk_prodtbl_has_usertbl_usertbl1_idx` (`</a:t>
+            </a:r>
+            <a:r>
+              <a:rPr lang="en-US" sz="1050" b="0" i="0" u="none" strike="noStrike" spc="-100" dirty="0" err="1">
+                <a:solidFill>
+                  <a:srgbClr val="9E9E9E"/>
+                </a:solidFill>
+                <a:latin typeface="Montserrat Medium"/>
+              </a:rPr>
+              <a:t>userId</a:t>
+            </a:r>
+            <a:r>
+              <a:rPr lang="en-US" sz="1050" b="0" i="0" u="none" strike="noStrike" spc="-100" dirty="0">
+                <a:solidFill>
+                  <a:srgbClr val="9E9E9E"/>
+                </a:solidFill>
+                <a:latin typeface="Montserrat Medium"/>
+              </a:rPr>
+              <a:t>` ASC) VISIBLE,  INDEX `</a:t>
+            </a:r>
+            <a:r>
+              <a:rPr lang="en-US" sz="1050" b="0" i="0" u="none" strike="noStrike" spc="-100" dirty="0" err="1">
+                <a:solidFill>
+                  <a:srgbClr val="9E9E9E"/>
+                </a:solidFill>
+                <a:latin typeface="Montserrat Medium"/>
+              </a:rPr>
+              <a:t>fk_prodtbl_has_usertbl_prodtbl_idx</a:t>
+            </a:r>
+            <a:r>
+              <a:rPr lang="en-US" sz="1050" b="0" i="0" u="none" strike="noStrike" spc="-100" dirty="0">
+                <a:solidFill>
+                  <a:srgbClr val="9E9E9E"/>
+                </a:solidFill>
+                <a:latin typeface="Montserrat Medium"/>
+              </a:rPr>
+              <a:t>` (`</a:t>
+            </a:r>
+            <a:r>
+              <a:rPr lang="en-US" sz="1050" b="0" i="0" u="none" strike="noStrike" spc="-100" dirty="0" err="1">
+                <a:solidFill>
+                  <a:srgbClr val="9E9E9E"/>
+                </a:solidFill>
+                <a:latin typeface="Montserrat Medium"/>
+              </a:rPr>
+              <a:t>prodName</a:t>
+            </a:r>
+            <a:r>
+              <a:rPr lang="en-US" sz="1050" b="0" i="0" u="none" strike="noStrike" spc="-100" dirty="0">
+                <a:solidFill>
+                  <a:srgbClr val="9E9E9E"/>
+                </a:solidFill>
+                <a:latin typeface="Montserrat Medium"/>
+              </a:rPr>
+              <a:t>` ASC) VISIBLE,  PRIMARY KEY (`num`),  CONSTRAINT `</a:t>
+            </a:r>
+            <a:r>
+              <a:rPr lang="en-US" sz="1050" b="0" i="0" u="none" strike="noStrike" spc="-100" dirty="0" err="1">
+                <a:solidFill>
+                  <a:srgbClr val="9E9E9E"/>
+                </a:solidFill>
+                <a:latin typeface="Montserrat Medium"/>
+              </a:rPr>
+              <a:t>fk_prodtbl_has_usertbl_prodtbl</a:t>
+            </a:r>
+            <a:r>
+              <a:rPr lang="en-US" sz="1050" b="0" i="0" u="none" strike="noStrike" spc="-100" dirty="0">
+                <a:solidFill>
+                  <a:srgbClr val="9E9E9E"/>
+                </a:solidFill>
+                <a:latin typeface="Montserrat Medium"/>
+              </a:rPr>
+              <a:t>`    FOREIGN KEY (`</a:t>
+            </a:r>
+            <a:r>
+              <a:rPr lang="en-US" sz="1050" b="0" i="0" u="none" strike="noStrike" spc="-100" dirty="0" err="1">
+                <a:solidFill>
+                  <a:srgbClr val="9E9E9E"/>
+                </a:solidFill>
+                <a:latin typeface="Montserrat Medium"/>
+              </a:rPr>
+              <a:t>prodName</a:t>
+            </a:r>
+            <a:r>
+              <a:rPr lang="en-US" sz="1050" b="0" i="0" u="none" strike="noStrike" spc="-100" dirty="0">
+                <a:solidFill>
+                  <a:srgbClr val="9E9E9E"/>
+                </a:solidFill>
+                <a:latin typeface="Montserrat Medium"/>
+              </a:rPr>
+              <a:t>`)    REFERENCES `</a:t>
+            </a:r>
+            <a:r>
+              <a:rPr lang="en-US" sz="1050" b="0" i="0" u="none" strike="noStrike" spc="-100" dirty="0" err="1">
+                <a:solidFill>
+                  <a:srgbClr val="9E9E9E"/>
+                </a:solidFill>
+                <a:latin typeface="Montserrat Medium"/>
+              </a:rPr>
+              <a:t>ShopDB</a:t>
+            </a:r>
+            <a:r>
+              <a:rPr lang="en-US" sz="1050" b="0" i="0" u="none" strike="noStrike" spc="-100" dirty="0">
+                <a:solidFill>
+                  <a:srgbClr val="9E9E9E"/>
+                </a:solidFill>
+                <a:latin typeface="Montserrat Medium"/>
+              </a:rPr>
+              <a:t>`.`</a:t>
+            </a:r>
+            <a:r>
+              <a:rPr lang="en-US" sz="1050" b="0" i="0" u="none" strike="noStrike" spc="-100" dirty="0" err="1">
+                <a:solidFill>
+                  <a:srgbClr val="9E9E9E"/>
+                </a:solidFill>
+                <a:latin typeface="Montserrat Medium"/>
+              </a:rPr>
+              <a:t>prodtbl</a:t>
+            </a:r>
+            <a:r>
+              <a:rPr lang="en-US" sz="1050" b="0" i="0" u="none" strike="noStrike" spc="-100" dirty="0">
+                <a:solidFill>
+                  <a:srgbClr val="9E9E9E"/>
+                </a:solidFill>
+                <a:latin typeface="Montserrat Medium"/>
+              </a:rPr>
+              <a:t>` (`</a:t>
+            </a:r>
+            <a:r>
+              <a:rPr lang="en-US" sz="1050" b="0" i="0" u="none" strike="noStrike" spc="-100" dirty="0" err="1">
+                <a:solidFill>
+                  <a:srgbClr val="9E9E9E"/>
+                </a:solidFill>
+                <a:latin typeface="Montserrat Medium"/>
+              </a:rPr>
+              <a:t>prodName</a:t>
+            </a:r>
+            <a:r>
+              <a:rPr lang="en-US" sz="1050" b="0" i="0" u="none" strike="noStrike" spc="-100" dirty="0">
+                <a:solidFill>
+                  <a:srgbClr val="9E9E9E"/>
+                </a:solidFill>
+                <a:latin typeface="Montserrat Medium"/>
+              </a:rPr>
+              <a:t>`)    ON DELETE CASCADE    ON UPDATE CASCADE,  CONSTRAINT `fk_prodtbl_has_usertbl_usertbl1`    FOREIGN KEY (`</a:t>
+            </a:r>
+            <a:r>
+              <a:rPr lang="en-US" sz="1050" b="0" i="0" u="none" strike="noStrike" spc="-100" dirty="0" err="1">
+                <a:solidFill>
+                  <a:srgbClr val="9E9E9E"/>
+                </a:solidFill>
+                <a:latin typeface="Montserrat Medium"/>
+              </a:rPr>
+              <a:t>userId</a:t>
+            </a:r>
+            <a:r>
+              <a:rPr lang="en-US" sz="1050" b="0" i="0" u="none" strike="noStrike" spc="-100" dirty="0">
+                <a:solidFill>
+                  <a:srgbClr val="9E9E9E"/>
+                </a:solidFill>
+                <a:latin typeface="Montserrat Medium"/>
+              </a:rPr>
+              <a:t>`)    REFERENCES `</a:t>
+            </a:r>
+            <a:r>
+              <a:rPr lang="en-US" sz="1050" b="0" i="0" u="none" strike="noStrike" spc="-100" dirty="0" err="1">
+                <a:solidFill>
+                  <a:srgbClr val="9E9E9E"/>
+                </a:solidFill>
+                <a:latin typeface="Montserrat Medium"/>
+              </a:rPr>
+              <a:t>ShopDB</a:t>
+            </a:r>
+            <a:r>
+              <a:rPr lang="en-US" sz="1050" b="0" i="0" u="none" strike="noStrike" spc="-100" dirty="0">
+                <a:solidFill>
+                  <a:srgbClr val="9E9E9E"/>
+                </a:solidFill>
+                <a:latin typeface="Montserrat Medium"/>
+              </a:rPr>
+              <a:t>`.`</a:t>
+            </a:r>
+            <a:r>
+              <a:rPr lang="en-US" sz="1050" b="0" i="0" u="none" strike="noStrike" spc="-100" dirty="0" err="1">
+                <a:solidFill>
+                  <a:srgbClr val="9E9E9E"/>
+                </a:solidFill>
+                <a:latin typeface="Montserrat Medium"/>
+              </a:rPr>
+              <a:t>usertbl</a:t>
+            </a:r>
+            <a:r>
+              <a:rPr lang="en-US" sz="1050" b="0" i="0" u="none" strike="noStrike" spc="-100" dirty="0">
+                <a:solidFill>
+                  <a:srgbClr val="9E9E9E"/>
+                </a:solidFill>
+                <a:latin typeface="Montserrat Medium"/>
+              </a:rPr>
+              <a:t>` (`</a:t>
+            </a:r>
+            <a:r>
+              <a:rPr lang="en-US" sz="1050" b="0" i="0" u="none" strike="noStrike" spc="-100" dirty="0" err="1">
+                <a:solidFill>
+                  <a:srgbClr val="9E9E9E"/>
+                </a:solidFill>
+                <a:latin typeface="Montserrat Medium"/>
+              </a:rPr>
+              <a:t>userId</a:t>
+            </a:r>
+            <a:r>
+              <a:rPr lang="en-US" sz="1050" b="0" i="0" u="none" strike="noStrike" spc="-100" dirty="0">
+                <a:solidFill>
+                  <a:srgbClr val="9E9E9E"/>
+                </a:solidFill>
+                <a:latin typeface="Montserrat Medium"/>
+              </a:rPr>
+              <a:t>`)    ON DELETE CASCADE    ON UPDATE CASCADE)ENGINE = </a:t>
+            </a:r>
+            <a:r>
+              <a:rPr lang="en-US" sz="1050" b="0" i="0" u="none" strike="noStrike" spc="-100" dirty="0" err="1">
+                <a:solidFill>
+                  <a:srgbClr val="9E9E9E"/>
+                </a:solidFill>
+                <a:latin typeface="Montserrat Medium"/>
+              </a:rPr>
+              <a:t>InnoDBCOMMENT</a:t>
+            </a:r>
+            <a:r>
+              <a:rPr lang="en-US" sz="1050" b="0" i="0" u="none" strike="noStrike" spc="-100" dirty="0">
+                <a:solidFill>
+                  <a:srgbClr val="9E9E9E"/>
+                </a:solidFill>
+                <a:latin typeface="Montserrat Medium"/>
+              </a:rPr>
+              <a:t> = '			';SET SQL_MODE=@OLD_SQL_MODE;SET FOREIGN_KEY_CHECKS=@OLD_FOREIGN_KEY_CHECKS;SET UNIQUE_CHECKS=@OLD_UNIQUE_CHECKS;</a:t>
+            </a:r>
+          </a:p>
+        </p:txBody>
+      </p:sp>
+      <p:sp>
+        <p:nvSpPr>
+          <p:cNvPr id="33" name="TextBox 33"/>
+          <p:cNvSpPr txBox="1"/>
+          <p:nvPr/>
+        </p:nvSpPr>
+        <p:spPr>
+          <a:xfrm>
+            <a:off x="381000" y="241300"/>
+            <a:ext cx="4318000" cy="228600"/>
+          </a:xfrm>
+          <a:prstGeom prst="rect">
+            <a:avLst/>
+          </a:prstGeom>
+        </p:spPr>
+        <p:txBody>
+          <a:bodyPr lIns="0" tIns="0" rIns="0" bIns="0" rtlCol="0" anchor="ctr"/>
+          <a:lstStyle/>
+          <a:p>
+            <a:pPr lvl="0" algn="l">
+              <a:lnSpc>
+                <a:spcPct val="146910"/>
+              </a:lnSpc>
+            </a:pPr>
+            <a:r>
+              <a:rPr lang="en-US" sz="1300" b="0" i="0" u="none" strike="noStrike" spc="100">
+                <a:solidFill>
+                  <a:srgbClr val="F9F9F9">
+                    <a:alpha val="94118"/>
+                  </a:srgbClr>
+                </a:solidFill>
+                <a:latin typeface="Montserrat SemiBold"/>
+              </a:rPr>
+              <a:t>Mechanical Engineering Lab</a:t>
+            </a:r>
+          </a:p>
+        </p:txBody>
+      </p:sp>
+      <p:sp>
+        <p:nvSpPr>
+          <p:cNvPr id="34" name="TextBox 34"/>
+          <p:cNvSpPr txBox="1"/>
+          <p:nvPr/>
+        </p:nvSpPr>
+        <p:spPr>
+          <a:xfrm>
+            <a:off x="12827000" y="9766300"/>
+            <a:ext cx="4876800" cy="215900"/>
+          </a:xfrm>
+          <a:prstGeom prst="rect">
+            <a:avLst/>
+          </a:prstGeom>
+        </p:spPr>
+        <p:txBody>
+          <a:bodyPr lIns="0" tIns="0" rIns="0" bIns="0" rtlCol="0" anchor="ctr"/>
+          <a:lstStyle/>
+          <a:p>
+            <a:pPr lvl="0" algn="r">
+              <a:lnSpc>
+                <a:spcPct val="146910"/>
+              </a:lnSpc>
+            </a:pPr>
+            <a:r>
+              <a:rPr lang="en-US" sz="1200" b="0" i="0" u="none" strike="noStrike" spc="100">
+                <a:solidFill>
+                  <a:srgbClr val="C5C0BC"/>
+                </a:solidFill>
+                <a:latin typeface="Montserrat SemiBold"/>
+              </a:rPr>
+              <a:t>Mirimiri @miricanvas.com</a:t>
+            </a:r>
+          </a:p>
+        </p:txBody>
+      </p:sp>
+      <p:sp>
+        <p:nvSpPr>
+          <p:cNvPr id="35" name="TextBox 35"/>
+          <p:cNvSpPr txBox="1"/>
+          <p:nvPr/>
+        </p:nvSpPr>
+        <p:spPr>
+          <a:xfrm>
+            <a:off x="2895600" y="1371600"/>
+            <a:ext cx="12509500" cy="1333500"/>
+          </a:xfrm>
+          <a:prstGeom prst="rect">
+            <a:avLst/>
+          </a:prstGeom>
+        </p:spPr>
+        <p:txBody>
+          <a:bodyPr lIns="0" tIns="0" rIns="0" bIns="0" rtlCol="0" anchor="ctr"/>
+          <a:lstStyle/>
+          <a:p>
+            <a:pPr lvl="0" algn="ctr">
+              <a:lnSpc>
+                <a:spcPct val="83000"/>
+              </a:lnSpc>
+            </a:pPr>
+            <a:r>
+              <a:rPr lang="ko-KR" altLang="en-US" sz="6000" spc="-300" dirty="0">
+                <a:solidFill>
+                  <a:srgbClr val="000000"/>
+                </a:solidFill>
+                <a:latin typeface="Montserrat Bold"/>
+              </a:rPr>
+              <a:t>데이터베이스 </a:t>
+            </a:r>
+            <a:r>
+              <a:rPr lang="en-US" altLang="ko-KR" sz="6000" spc="-300" dirty="0" err="1">
+                <a:solidFill>
+                  <a:srgbClr val="000000"/>
+                </a:solidFill>
+                <a:latin typeface="Montserrat Bold"/>
+              </a:rPr>
+              <a:t>shopdb</a:t>
+            </a:r>
+            <a:r>
+              <a:rPr lang="ko-KR" altLang="en-US" sz="7500" spc="-300" dirty="0">
+                <a:solidFill>
+                  <a:srgbClr val="000000"/>
+                </a:solidFill>
+                <a:latin typeface="Montserrat Bold"/>
+              </a:rPr>
+              <a:t> </a:t>
+            </a:r>
+            <a:r>
+              <a:rPr lang="ko-KR" altLang="en-US" sz="6000" spc="-300" dirty="0">
+                <a:solidFill>
+                  <a:srgbClr val="000000"/>
+                </a:solidFill>
+                <a:latin typeface="Montserrat Bold"/>
+              </a:rPr>
+              <a:t>생성</a:t>
+            </a:r>
+            <a:endParaRPr lang="en-US" sz="6000" b="0" i="0" u="none" strike="noStrike" spc="-300" dirty="0">
+              <a:solidFill>
+                <a:srgbClr val="000000"/>
+              </a:solidFill>
+              <a:latin typeface="Montserrat Bold"/>
+            </a:endParaRPr>
+          </a:p>
+        </p:txBody>
+      </p:sp>
+      <p:pic>
+        <p:nvPicPr>
+          <p:cNvPr id="38" name="그림 37">
             <a:extLst>
               <a:ext uri="{FF2B5EF4-FFF2-40B4-BE49-F238E27FC236}">
-                <a16:creationId xmlns:a16="http://schemas.microsoft.com/office/drawing/2014/main" id="{C4772D53-CF5A-4B83-96B8-E60D94F5825D}"/>
+                <a16:creationId xmlns:a16="http://schemas.microsoft.com/office/drawing/2014/main" id="{8A08CC84-45EA-469B-A2B0-79A860E3A908}"/>
               </a:ext>
             </a:extLst>
           </p:cNvPr>
@@ -3955,205 +5928,53 @@
           </p:cNvPicPr>
           <p:nvPr/>
         </p:nvPicPr>
-        <p:blipFill rotWithShape="1">
-          <a:blip r:embed="rId8"/>
-          <a:srcRect t="1056" b="-1"/>
-          <a:stretch/>
+        <p:blipFill>
+          <a:blip r:embed="rId14"/>
+          <a:stretch>
+            <a:fillRect/>
+          </a:stretch>
         </p:blipFill>
         <p:spPr>
           <a:xfrm>
-            <a:off x="426116" y="3756852"/>
-            <a:ext cx="3886200" cy="2327827"/>
-          </a:xfrm>
-          <a:prstGeom prst="rect">
-            <a:avLst/>
-          </a:prstGeom>
-          <a:ln w="38100">
+            <a:off x="200149" y="2844800"/>
+            <a:ext cx="6840000" cy="6120408"/>
+          </a:xfrm>
+          <a:prstGeom prst="rect">
+            <a:avLst/>
+          </a:prstGeom>
+          <a:solidFill>
+            <a:srgbClr val="FFFFFF">
+              <a:shade val="85000"/>
+            </a:srgbClr>
+          </a:solidFill>
+          <a:ln w="88900" cap="sq">
             <a:solidFill>
-              <a:srgbClr val="617995"/>
+              <a:srgbClr val="FFFFFF"/>
             </a:solidFill>
+            <a:miter lim="800000"/>
           </a:ln>
+          <a:effectLst>
+            <a:outerShdw blurRad="55000" dist="18000" dir="5400000" algn="tl" rotWithShape="0">
+              <a:srgbClr val="000000">
+                <a:alpha val="40000"/>
+              </a:srgbClr>
+            </a:outerShdw>
+          </a:effectLst>
+          <a:scene3d>
+            <a:camera prst="orthographicFront"/>
+            <a:lightRig rig="twoPt" dir="t">
+              <a:rot lat="0" lon="0" rev="7200000"/>
+            </a:lightRig>
+          </a:scene3d>
+          <a:sp3d>
+            <a:bevelT w="25400" h="19050"/>
+            <a:contourClr>
+              <a:srgbClr val="FFFFFF"/>
+            </a:contourClr>
+          </a:sp3d>
         </p:spPr>
       </p:pic>
-      <p:cxnSp>
-        <p:nvCxnSpPr>
-          <p:cNvPr id="16" name="직선 화살표 연결선 15">
-            <a:extLst>
-              <a:ext uri="{FF2B5EF4-FFF2-40B4-BE49-F238E27FC236}">
-                <a16:creationId xmlns:a16="http://schemas.microsoft.com/office/drawing/2014/main" id="{347E8AD4-60DD-4A24-90BB-F1CC9CF4BBF5}"/>
-              </a:ext>
-            </a:extLst>
-          </p:cNvPr>
-          <p:cNvCxnSpPr>
-            <a:cxnSpLocks/>
-          </p:cNvCxnSpPr>
-          <p:nvPr/>
-        </p:nvCxnSpPr>
-        <p:spPr>
-          <a:xfrm flipH="1" flipV="1">
-            <a:off x="4419600" y="4485072"/>
-            <a:ext cx="4114800" cy="1268028"/>
-          </a:xfrm>
-          <a:prstGeom prst="straightConnector1">
-            <a:avLst/>
-          </a:prstGeom>
-          <a:ln w="28575">
-            <a:tailEnd type="triangle"/>
-          </a:ln>
-        </p:spPr>
-        <p:style>
-          <a:lnRef idx="1">
-            <a:schemeClr val="accent1"/>
-          </a:lnRef>
-          <a:fillRef idx="0">
-            <a:schemeClr val="accent1"/>
-          </a:fillRef>
-          <a:effectRef idx="0">
-            <a:schemeClr val="accent1"/>
-          </a:effectRef>
-          <a:fontRef idx="minor">
-            <a:schemeClr val="tx1"/>
-          </a:fontRef>
-        </p:style>
-      </p:cxnSp>
-      <p:cxnSp>
-        <p:nvCxnSpPr>
-          <p:cNvPr id="20" name="직선 화살표 연결선 19">
-            <a:extLst>
-              <a:ext uri="{FF2B5EF4-FFF2-40B4-BE49-F238E27FC236}">
-                <a16:creationId xmlns:a16="http://schemas.microsoft.com/office/drawing/2014/main" id="{38A3EF9A-4AB0-468F-B98E-1FCC93101824}"/>
-              </a:ext>
-            </a:extLst>
-          </p:cNvPr>
-          <p:cNvCxnSpPr>
-            <a:cxnSpLocks/>
-          </p:cNvCxnSpPr>
-          <p:nvPr/>
-        </p:nvCxnSpPr>
-        <p:spPr>
-          <a:xfrm flipH="1">
-            <a:off x="4345446" y="7734300"/>
-            <a:ext cx="3198354" cy="869540"/>
-          </a:xfrm>
-          <a:prstGeom prst="straightConnector1">
-            <a:avLst/>
-          </a:prstGeom>
-          <a:ln w="28575">
-            <a:tailEnd type="triangle"/>
-          </a:ln>
-        </p:spPr>
-        <p:style>
-          <a:lnRef idx="1">
-            <a:schemeClr val="accent1"/>
-          </a:lnRef>
-          <a:fillRef idx="0">
-            <a:schemeClr val="accent1"/>
-          </a:fillRef>
-          <a:effectRef idx="0">
-            <a:schemeClr val="accent1"/>
-          </a:effectRef>
-          <a:fontRef idx="minor">
-            <a:schemeClr val="tx1"/>
-          </a:fontRef>
-        </p:style>
-      </p:cxnSp>
-      <p:cxnSp>
-        <p:nvCxnSpPr>
-          <p:cNvPr id="24" name="직선 화살표 연결선 23">
-            <a:extLst>
-              <a:ext uri="{FF2B5EF4-FFF2-40B4-BE49-F238E27FC236}">
-                <a16:creationId xmlns:a16="http://schemas.microsoft.com/office/drawing/2014/main" id="{06B01838-E914-44E7-B0F2-3D6E74195F57}"/>
-              </a:ext>
-            </a:extLst>
-          </p:cNvPr>
-          <p:cNvCxnSpPr>
-            <a:cxnSpLocks/>
-          </p:cNvCxnSpPr>
-          <p:nvPr/>
-        </p:nvCxnSpPr>
-        <p:spPr>
-          <a:xfrm flipV="1">
-            <a:off x="9829800" y="6145422"/>
-            <a:ext cx="4341354" cy="1436478"/>
-          </a:xfrm>
-          <a:prstGeom prst="straightConnector1">
-            <a:avLst/>
-          </a:prstGeom>
-          <a:ln w="28575">
-            <a:tailEnd type="triangle"/>
-          </a:ln>
-        </p:spPr>
-        <p:style>
-          <a:lnRef idx="1">
-            <a:schemeClr val="accent1"/>
-          </a:lnRef>
-          <a:fillRef idx="0">
-            <a:schemeClr val="accent1"/>
-          </a:fillRef>
-          <a:effectRef idx="0">
-            <a:schemeClr val="accent1"/>
-          </a:effectRef>
-          <a:fontRef idx="minor">
-            <a:schemeClr val="tx1"/>
-          </a:fontRef>
-        </p:style>
-      </p:cxnSp>
-      <p:sp>
-        <p:nvSpPr>
-          <p:cNvPr id="15" name="TextBox 21">
-            <a:extLst>
-              <a:ext uri="{FF2B5EF4-FFF2-40B4-BE49-F238E27FC236}">
-                <a16:creationId xmlns:a16="http://schemas.microsoft.com/office/drawing/2014/main" id="{0E6183D8-0B03-41B9-BE48-DEE2F0E7104D}"/>
-              </a:ext>
-            </a:extLst>
-          </p:cNvPr>
-          <p:cNvSpPr txBox="1"/>
-          <p:nvPr/>
-        </p:nvSpPr>
-        <p:spPr>
-          <a:xfrm>
-            <a:off x="5219700" y="8603840"/>
-            <a:ext cx="7848600" cy="1016000"/>
-          </a:xfrm>
-          <a:prstGeom prst="rect">
-            <a:avLst/>
-          </a:prstGeom>
-        </p:spPr>
-        <p:txBody>
-          <a:bodyPr lIns="0" tIns="0" rIns="0" bIns="0" rtlCol="0" anchor="ctr"/>
-          <a:lstStyle/>
-          <a:p>
-            <a:pPr lvl="0" algn="ctr">
-              <a:lnSpc>
-                <a:spcPct val="76360"/>
-              </a:lnSpc>
-            </a:pPr>
-            <a:r>
-              <a:rPr lang="en-US" sz="3600" spc="-200" dirty="0">
-                <a:solidFill>
-                  <a:srgbClr val="617995"/>
-                </a:solidFill>
-                <a:latin typeface="프리젠테이션 5 Medium" pitchFamily="2" charset="-127"/>
-                <a:ea typeface="프리젠테이션 5 Medium" pitchFamily="2" charset="-127"/>
-              </a:rPr>
-              <a:t>RIPv2  ROUTING</a:t>
-            </a:r>
-            <a:endParaRPr lang="en-US" sz="3600" b="0" i="0" u="none" strike="noStrike" spc="-200" dirty="0">
-              <a:solidFill>
-                <a:srgbClr val="617995"/>
-              </a:solidFill>
-              <a:latin typeface="프리젠테이션 5 Medium" pitchFamily="2" charset="-127"/>
-              <a:ea typeface="프리젠테이션 5 Medium" pitchFamily="2" charset="-127"/>
-            </a:endParaRPr>
-          </a:p>
-        </p:txBody>
-      </p:sp>
     </p:spTree>
-    <p:extLst>
-      <p:ext uri="{BB962C8B-B14F-4D97-AF65-F5344CB8AC3E}">
-        <p14:creationId xmlns:p14="http://schemas.microsoft.com/office/powerpoint/2010/main" val="2757268025"/>
-      </p:ext>
-    </p:extLst>
   </p:cSld>
   <p:clrMapOvr>
     <a:masterClrMapping/>
@@ -4258,76 +6079,68 @@
           </a:prstGeom>
         </p:spPr>
       </p:pic>
-      <p:sp>
-        <p:nvSpPr>
-          <p:cNvPr id="35" name="TextBox 35"/>
+      <p:pic>
+        <p:nvPicPr>
+          <p:cNvPr id="5" name="Picture 5"/>
+          <p:cNvPicPr>
+            <a:picLocks noChangeAspect="1"/>
+          </p:cNvPicPr>
+          <p:nvPr/>
+        </p:nvPicPr>
+        <p:blipFill>
+          <a:blip r:embed="rId5">
+            <a:alphaModFix amt="50000"/>
+          </a:blip>
+          <a:stretch>
+            <a:fillRect/>
+          </a:stretch>
+        </p:blipFill>
+        <p:spPr>
+          <a:xfrm rot="5400000">
+            <a:off x="1981199" y="6085032"/>
+            <a:ext cx="5422900" cy="12700"/>
+          </a:xfrm>
+          <a:prstGeom prst="rect">
+            <a:avLst/>
+          </a:prstGeom>
+        </p:spPr>
+      </p:pic>
+      <p:pic>
+        <p:nvPicPr>
+          <p:cNvPr id="6" name="Picture 6"/>
+          <p:cNvPicPr>
+            <a:picLocks noChangeAspect="1"/>
+          </p:cNvPicPr>
+          <p:nvPr/>
+        </p:nvPicPr>
+        <p:blipFill>
+          <a:blip r:embed="rId5">
+            <a:alphaModFix amt="50000"/>
+          </a:blip>
+          <a:stretch>
+            <a:fillRect/>
+          </a:stretch>
+        </p:blipFill>
+        <p:spPr>
+          <a:xfrm rot="5400000">
+            <a:off x="6445250" y="6127897"/>
+            <a:ext cx="5422900" cy="12700"/>
+          </a:xfrm>
+          <a:prstGeom prst="rect">
+            <a:avLst/>
+          </a:prstGeom>
+        </p:spPr>
+      </p:pic>
+      <p:sp>
+        <p:nvSpPr>
+          <p:cNvPr id="20" name="TextBox 20"/>
           <p:cNvSpPr txBox="1"/>
           <p:nvPr/>
         </p:nvSpPr>
         <p:spPr>
           <a:xfrm>
-            <a:off x="5041900" y="1371600"/>
-            <a:ext cx="8204200" cy="1346200"/>
-          </a:xfrm>
-          <a:prstGeom prst="rect">
-            <a:avLst/>
-          </a:prstGeom>
-        </p:spPr>
-        <p:txBody>
-          <a:bodyPr lIns="0" tIns="0" rIns="0" bIns="0" rtlCol="0" anchor="ctr"/>
-          <a:lstStyle/>
-          <a:p>
-            <a:pPr lvl="0" algn="ctr">
-              <a:lnSpc>
-                <a:spcPct val="83000"/>
-              </a:lnSpc>
-            </a:pPr>
-            <a:r>
-              <a:rPr lang="en-US" sz="7500" b="0" i="0" u="none" strike="noStrike" spc="-300" dirty="0">
-                <a:solidFill>
-                  <a:srgbClr val="000000"/>
-                </a:solidFill>
-                <a:latin typeface="프리젠테이션 6 SemiBold" pitchFamily="2" charset="-127"/>
-                <a:ea typeface="프리젠테이션 6 SemiBold" pitchFamily="2" charset="-127"/>
-              </a:rPr>
-              <a:t>1. Host</a:t>
-            </a:r>
-            <a:r>
-              <a:rPr lang="ko-KR" altLang="en-US" sz="7500" b="0" i="0" u="none" strike="noStrike" spc="-300" dirty="0">
-                <a:solidFill>
-                  <a:srgbClr val="000000"/>
-                </a:solidFill>
-                <a:latin typeface="프리젠테이션 6 SemiBold" pitchFamily="2" charset="-127"/>
-                <a:ea typeface="프리젠테이션 6 SemiBold" pitchFamily="2" charset="-127"/>
-              </a:rPr>
-              <a:t>간 통신</a:t>
-            </a:r>
-            <a:endParaRPr lang="en-US" sz="7500" b="0" i="0" u="none" strike="noStrike" spc="-300" dirty="0">
-              <a:solidFill>
-                <a:srgbClr val="000000"/>
-              </a:solidFill>
-              <a:latin typeface="프리젠테이션 6 SemiBold" pitchFamily="2" charset="-127"/>
-              <a:ea typeface="프리젠테이션 6 SemiBold" pitchFamily="2" charset="-127"/>
-            </a:endParaRPr>
-          </a:p>
-        </p:txBody>
-      </p:sp>
-      <p:sp>
-        <p:nvSpPr>
-          <p:cNvPr id="37" name="TextBox 21">
-            <a:extLst>
-              <a:ext uri="{FF2B5EF4-FFF2-40B4-BE49-F238E27FC236}">
-                <a16:creationId xmlns:a16="http://schemas.microsoft.com/office/drawing/2014/main" id="{DD8E72BA-74E8-44E8-8564-A8EBC34E071C}"/>
-              </a:ext>
-            </a:extLst>
-          </p:cNvPr>
-          <p:cNvSpPr txBox="1"/>
-          <p:nvPr/>
-        </p:nvSpPr>
-        <p:spPr>
-          <a:xfrm>
-            <a:off x="7239000" y="2476500"/>
-            <a:ext cx="3581400" cy="1016000"/>
+            <a:off x="354468" y="3115319"/>
+            <a:ext cx="3716664" cy="762000"/>
           </a:xfrm>
           <a:prstGeom prst="rect">
             <a:avLst/>
@@ -4343,254 +6156,147 @@
               </a:lnSpc>
             </a:pPr>
             <a:r>
-              <a:rPr lang="en-US" altLang="ko-KR" sz="5700" spc="-200" dirty="0">
+              <a:rPr lang="en-US" sz="4300" spc="100" dirty="0">
                 <a:solidFill>
                   <a:srgbClr val="617995"/>
                 </a:solidFill>
-                <a:latin typeface="프리젠테이션 5 Medium" pitchFamily="2" charset="-127"/>
-                <a:ea typeface="프리젠테이션 5 Medium" pitchFamily="2" charset="-127"/>
-              </a:rPr>
-              <a:t>2</a:t>
-            </a:r>
-            <a:r>
-              <a:rPr lang="ko-KR" altLang="en-US" sz="5700" b="0" i="0" u="none" strike="noStrike" spc="-200" dirty="0">
+                <a:latin typeface="Montserrat Bold"/>
+              </a:rPr>
+              <a:t>Tables in </a:t>
+            </a:r>
+            <a:r>
+              <a:rPr lang="en-US" sz="4300" spc="100" dirty="0" err="1">
                 <a:solidFill>
                   <a:srgbClr val="617995"/>
                 </a:solidFill>
-                <a:latin typeface="프리젠테이션 5 Medium" pitchFamily="2" charset="-127"/>
-                <a:ea typeface="프리젠테이션 5 Medium" pitchFamily="2" charset="-127"/>
-              </a:rPr>
-              <a:t>번 문제</a:t>
-            </a:r>
-            <a:endParaRPr lang="en-US" sz="5700" b="0" i="0" u="none" strike="noStrike" spc="-200" dirty="0">
+                <a:latin typeface="Montserrat Bold"/>
+              </a:rPr>
+              <a:t>shopdb</a:t>
+            </a:r>
+            <a:endParaRPr lang="en-US" sz="4300" b="0" i="0" u="none" strike="noStrike" spc="100" dirty="0">
               <a:solidFill>
                 <a:srgbClr val="617995"/>
               </a:solidFill>
-              <a:latin typeface="프리젠테이션 5 Medium" pitchFamily="2" charset="-127"/>
-              <a:ea typeface="프리젠테이션 5 Medium" pitchFamily="2" charset="-127"/>
+              <a:latin typeface="Montserrat Bold"/>
             </a:endParaRPr>
+          </a:p>
+        </p:txBody>
+      </p:sp>
+      <p:sp>
+        <p:nvSpPr>
+          <p:cNvPr id="46" name="TextBox 46"/>
+          <p:cNvSpPr txBox="1"/>
+          <p:nvPr/>
+        </p:nvSpPr>
+        <p:spPr>
+          <a:xfrm>
+            <a:off x="381000" y="241300"/>
+            <a:ext cx="4318000" cy="228600"/>
+          </a:xfrm>
+          <a:prstGeom prst="rect">
+            <a:avLst/>
+          </a:prstGeom>
+        </p:spPr>
+        <p:txBody>
+          <a:bodyPr lIns="0" tIns="0" rIns="0" bIns="0" rtlCol="0" anchor="ctr"/>
+          <a:lstStyle/>
+          <a:p>
+            <a:pPr lvl="0" algn="l">
+              <a:lnSpc>
+                <a:spcPct val="146910"/>
+              </a:lnSpc>
+            </a:pPr>
+            <a:r>
+              <a:rPr lang="en-US" sz="1300" b="0" i="0" u="none" strike="noStrike" spc="100">
+                <a:solidFill>
+                  <a:srgbClr val="F9F9F9">
+                    <a:alpha val="94118"/>
+                  </a:srgbClr>
+                </a:solidFill>
+                <a:latin typeface="Montserrat SemiBold"/>
+              </a:rPr>
+              <a:t>Mechanical Engineering Lab</a:t>
+            </a:r>
+          </a:p>
+        </p:txBody>
+      </p:sp>
+      <p:sp>
+        <p:nvSpPr>
+          <p:cNvPr id="47" name="TextBox 47"/>
+          <p:cNvSpPr txBox="1"/>
+          <p:nvPr/>
+        </p:nvSpPr>
+        <p:spPr>
+          <a:xfrm>
+            <a:off x="8737600" y="9766300"/>
+            <a:ext cx="4876800" cy="215900"/>
+          </a:xfrm>
+          <a:prstGeom prst="rect">
+            <a:avLst/>
+          </a:prstGeom>
+        </p:spPr>
+        <p:txBody>
+          <a:bodyPr lIns="0" tIns="0" rIns="0" bIns="0" rtlCol="0" anchor="ctr"/>
+          <a:lstStyle/>
+          <a:p>
+            <a:pPr lvl="0" algn="r">
+              <a:lnSpc>
+                <a:spcPct val="146910"/>
+              </a:lnSpc>
+            </a:pPr>
+            <a:r>
+              <a:rPr lang="en-US" sz="1200" b="0" i="0" u="none" strike="noStrike" spc="100">
+                <a:solidFill>
+                  <a:srgbClr val="C5C0BC"/>
+                </a:solidFill>
+                <a:latin typeface="Montserrat SemiBold"/>
+              </a:rPr>
+              <a:t>Mirimiri @miricanvas.com</a:t>
+            </a:r>
           </a:p>
         </p:txBody>
       </p:sp>
       <p:pic>
         <p:nvPicPr>
-          <p:cNvPr id="6" name="그림 5">
+          <p:cNvPr id="57" name="그림 56">
             <a:extLst>
               <a:ext uri="{FF2B5EF4-FFF2-40B4-BE49-F238E27FC236}">
-                <a16:creationId xmlns:a16="http://schemas.microsoft.com/office/drawing/2014/main" id="{5EFE1E3B-8F1E-452E-BE5C-B9CD0195201F}"/>
+                <a16:creationId xmlns:a16="http://schemas.microsoft.com/office/drawing/2014/main" id="{60304A0D-8049-42BE-A679-D32A493A3963}"/>
               </a:ext>
             </a:extLst>
           </p:cNvPr>
           <p:cNvPicPr>
-            <a:picLocks noChangeAspect="1"/>
+            <a:picLocks/>
           </p:cNvPicPr>
           <p:nvPr/>
         </p:nvPicPr>
-        <p:blipFill rotWithShape="1">
-          <a:blip r:embed="rId5"/>
-          <a:srcRect t="4864" b="3435"/>
-          <a:stretch/>
+        <p:blipFill>
+          <a:blip r:embed="rId6"/>
+          <a:stretch>
+            <a:fillRect/>
+          </a:stretch>
         </p:blipFill>
         <p:spPr>
           <a:xfrm>
-            <a:off x="571500" y="3525691"/>
-            <a:ext cx="8019257" cy="5389709"/>
-          </a:xfrm>
-          <a:prstGeom prst="rect">
-            <a:avLst/>
-          </a:prstGeom>
-          <a:ln w="38100">
-            <a:solidFill>
-              <a:srgbClr val="617995"/>
-            </a:solidFill>
-          </a:ln>
+            <a:off x="502800" y="4362307"/>
+            <a:ext cx="3420000" cy="3960000"/>
+          </a:xfrm>
+          <a:prstGeom prst="rect">
+            <a:avLst/>
+          </a:prstGeom>
         </p:spPr>
       </p:pic>
       <p:pic>
         <p:nvPicPr>
-          <p:cNvPr id="8" name="그림 7">
+          <p:cNvPr id="59" name="그림 58">
             <a:extLst>
               <a:ext uri="{FF2B5EF4-FFF2-40B4-BE49-F238E27FC236}">
-                <a16:creationId xmlns:a16="http://schemas.microsoft.com/office/drawing/2014/main" id="{A3526B6D-B616-427C-9D99-0919EC0523A8}"/>
+                <a16:creationId xmlns:a16="http://schemas.microsoft.com/office/drawing/2014/main" id="{FA3A30D7-7767-4877-A74D-682D54D20A4A}"/>
               </a:ext>
             </a:extLst>
           </p:cNvPr>
           <p:cNvPicPr>
-            <a:picLocks noChangeAspect="1"/>
-          </p:cNvPicPr>
-          <p:nvPr/>
-        </p:nvPicPr>
-        <p:blipFill rotWithShape="1">
-          <a:blip r:embed="rId6"/>
-          <a:srcRect t="3273"/>
-          <a:stretch/>
-        </p:blipFill>
-        <p:spPr>
-          <a:xfrm>
-            <a:off x="8839200" y="3493009"/>
-            <a:ext cx="9022210" cy="5389200"/>
-          </a:xfrm>
-          <a:prstGeom prst="rect">
-            <a:avLst/>
-          </a:prstGeom>
-          <a:ln w="38100">
-            <a:solidFill>
-              <a:srgbClr val="617995"/>
-            </a:solidFill>
-          </a:ln>
-        </p:spPr>
-      </p:pic>
-      <p:sp>
-        <p:nvSpPr>
-          <p:cNvPr id="12" name="TextBox 21">
-            <a:extLst>
-              <a:ext uri="{FF2B5EF4-FFF2-40B4-BE49-F238E27FC236}">
-                <a16:creationId xmlns:a16="http://schemas.microsoft.com/office/drawing/2014/main" id="{BD45E52D-9E90-42D4-9520-4BCC5076113E}"/>
-              </a:ext>
-            </a:extLst>
-          </p:cNvPr>
-          <p:cNvSpPr txBox="1"/>
-          <p:nvPr/>
-        </p:nvSpPr>
-        <p:spPr>
-          <a:xfrm>
-            <a:off x="571500" y="8724840"/>
-            <a:ext cx="7848600" cy="1016000"/>
-          </a:xfrm>
-          <a:prstGeom prst="rect">
-            <a:avLst/>
-          </a:prstGeom>
-        </p:spPr>
-        <p:txBody>
-          <a:bodyPr lIns="0" tIns="0" rIns="0" bIns="0" rtlCol="0" anchor="ctr"/>
-          <a:lstStyle/>
-          <a:p>
-            <a:pPr lvl="0" algn="ctr">
-              <a:lnSpc>
-                <a:spcPct val="76360"/>
-              </a:lnSpc>
-            </a:pPr>
-            <a:r>
-              <a:rPr lang="en-US" altLang="ko-KR" sz="3600" b="0" i="0" u="none" strike="noStrike" spc="-200" dirty="0">
-                <a:solidFill>
-                  <a:srgbClr val="617995"/>
-                </a:solidFill>
-                <a:latin typeface="프리젠테이션 5 Medium" pitchFamily="2" charset="-127"/>
-                <a:ea typeface="프리젠테이션 5 Medium" pitchFamily="2" charset="-127"/>
-              </a:rPr>
-              <a:t>Web</a:t>
-            </a:r>
-            <a:r>
-              <a:rPr lang="ko-KR" altLang="en-US" sz="3600" b="0" i="0" u="none" strike="noStrike" spc="-200" dirty="0">
-                <a:solidFill>
-                  <a:srgbClr val="617995"/>
-                </a:solidFill>
-                <a:latin typeface="프리젠테이션 5 Medium" pitchFamily="2" charset="-127"/>
-                <a:ea typeface="프리젠테이션 5 Medium" pitchFamily="2" charset="-127"/>
-              </a:rPr>
-              <a:t> </a:t>
-            </a:r>
-            <a:r>
-              <a:rPr lang="en-US" altLang="ko-KR" sz="3600" spc="-200" dirty="0">
-                <a:solidFill>
-                  <a:srgbClr val="617995"/>
-                </a:solidFill>
-                <a:latin typeface="프리젠테이션 5 Medium" pitchFamily="2" charset="-127"/>
-                <a:ea typeface="프리젠테이션 5 Medium" pitchFamily="2" charset="-127"/>
-              </a:rPr>
-              <a:t>Browser </a:t>
-            </a:r>
-            <a:r>
-              <a:rPr lang="ko-KR" altLang="en-US" sz="3600" spc="-200" dirty="0">
-                <a:solidFill>
-                  <a:srgbClr val="617995"/>
-                </a:solidFill>
-                <a:latin typeface="프리젠테이션 5 Medium" pitchFamily="2" charset="-127"/>
-                <a:ea typeface="프리젠테이션 5 Medium" pitchFamily="2" charset="-127"/>
-              </a:rPr>
-              <a:t> </a:t>
-            </a:r>
-            <a:r>
-              <a:rPr lang="en-US" altLang="ko-KR" sz="3600" spc="-200" dirty="0">
-                <a:solidFill>
-                  <a:srgbClr val="617995"/>
-                </a:solidFill>
-                <a:latin typeface="프리젠테이션 5 Medium" pitchFamily="2" charset="-127"/>
-                <a:ea typeface="프리젠테이션 5 Medium" pitchFamily="2" charset="-127"/>
-              </a:rPr>
-              <a:t>PAGE</a:t>
-            </a:r>
-            <a:endParaRPr lang="en-US" sz="3600" b="0" i="0" u="none" strike="noStrike" spc="-200" dirty="0">
-              <a:solidFill>
-                <a:srgbClr val="617995"/>
-              </a:solidFill>
-              <a:latin typeface="프리젠테이션 5 Medium" pitchFamily="2" charset="-127"/>
-              <a:ea typeface="프리젠테이션 5 Medium" pitchFamily="2" charset="-127"/>
-            </a:endParaRPr>
-          </a:p>
-        </p:txBody>
-      </p:sp>
-      <p:sp>
-        <p:nvSpPr>
-          <p:cNvPr id="13" name="TextBox 21">
-            <a:extLst>
-              <a:ext uri="{FF2B5EF4-FFF2-40B4-BE49-F238E27FC236}">
-                <a16:creationId xmlns:a16="http://schemas.microsoft.com/office/drawing/2014/main" id="{8B2D2C9E-0A26-43DE-A607-DBF85DD52D82}"/>
-              </a:ext>
-            </a:extLst>
-          </p:cNvPr>
-          <p:cNvSpPr txBox="1"/>
-          <p:nvPr/>
-        </p:nvSpPr>
-        <p:spPr>
-          <a:xfrm>
-            <a:off x="9525000" y="8724840"/>
-            <a:ext cx="7848600" cy="1016000"/>
-          </a:xfrm>
-          <a:prstGeom prst="rect">
-            <a:avLst/>
-          </a:prstGeom>
-        </p:spPr>
-        <p:txBody>
-          <a:bodyPr lIns="0" tIns="0" rIns="0" bIns="0" rtlCol="0" anchor="ctr"/>
-          <a:lstStyle/>
-          <a:p>
-            <a:pPr lvl="0" algn="ctr">
-              <a:lnSpc>
-                <a:spcPct val="76360"/>
-              </a:lnSpc>
-            </a:pPr>
-            <a:r>
-              <a:rPr lang="en-US" sz="3600" spc="-200" dirty="0">
-                <a:solidFill>
-                  <a:srgbClr val="617995"/>
-                </a:solidFill>
-                <a:latin typeface="프리젠테이션 5 Medium" pitchFamily="2" charset="-127"/>
-                <a:ea typeface="프리젠테이션 5 Medium" pitchFamily="2" charset="-127"/>
-              </a:rPr>
-              <a:t>Command  Prompt</a:t>
-            </a:r>
-            <a:endParaRPr lang="en-US" sz="3600" b="0" i="0" u="none" strike="noStrike" spc="-200" dirty="0">
-              <a:solidFill>
-                <a:srgbClr val="617995"/>
-              </a:solidFill>
-              <a:latin typeface="프리젠테이션 5 Medium" pitchFamily="2" charset="-127"/>
-              <a:ea typeface="프리젠테이션 5 Medium" pitchFamily="2" charset="-127"/>
-            </a:endParaRPr>
-          </a:p>
-        </p:txBody>
-      </p:sp>
-      <p:pic>
-        <p:nvPicPr>
-          <p:cNvPr id="14" name="그림 13">
-            <a:extLst>
-              <a:ext uri="{FF2B5EF4-FFF2-40B4-BE49-F238E27FC236}">
-                <a16:creationId xmlns:a16="http://schemas.microsoft.com/office/drawing/2014/main" id="{DE7091A1-7610-4A1B-9CF0-75C76AB7278B}"/>
-              </a:ext>
-            </a:extLst>
-          </p:cNvPr>
-          <p:cNvPicPr>
-            <a:picLocks noChangeAspect="1"/>
+            <a:picLocks/>
           </p:cNvPicPr>
           <p:nvPr/>
         </p:nvPicPr>
@@ -4602,25 +6308,2331 @@
         </p:blipFill>
         <p:spPr>
           <a:xfrm>
-            <a:off x="10820400" y="5264607"/>
-            <a:ext cx="4571429" cy="2479448"/>
-          </a:xfrm>
-          <a:prstGeom prst="rect">
-            <a:avLst/>
-          </a:prstGeom>
-          <a:solidFill>
-            <a:srgbClr val="617995"/>
-          </a:solidFill>
-          <a:ln w="57150" cap="flat">
-            <a:solidFill>
-              <a:srgbClr val="617995"/>
-            </a:solidFill>
-          </a:ln>
-          <a:effectLst>
-            <a:softEdge rad="0"/>
-          </a:effectLst>
+            <a:off x="5109931" y="4374222"/>
+            <a:ext cx="3420000" cy="3960000"/>
+          </a:xfrm>
+          <a:prstGeom prst="rect">
+            <a:avLst/>
+          </a:prstGeom>
         </p:spPr>
       </p:pic>
+      <p:pic>
+        <p:nvPicPr>
+          <p:cNvPr id="61" name="그림 60">
+            <a:extLst>
+              <a:ext uri="{FF2B5EF4-FFF2-40B4-BE49-F238E27FC236}">
+                <a16:creationId xmlns:a16="http://schemas.microsoft.com/office/drawing/2014/main" id="{CB8F96DE-EBF7-42DB-9F8E-4DD0D217BB84}"/>
+              </a:ext>
+            </a:extLst>
+          </p:cNvPr>
+          <p:cNvPicPr>
+            <a:picLocks noChangeAspect="1"/>
+          </p:cNvPicPr>
+          <p:nvPr/>
+        </p:nvPicPr>
+        <p:blipFill>
+          <a:blip r:embed="rId8"/>
+          <a:stretch>
+            <a:fillRect/>
+          </a:stretch>
+        </p:blipFill>
+        <p:spPr>
+          <a:xfrm>
+            <a:off x="9650848" y="4347410"/>
+            <a:ext cx="3417450" cy="3960000"/>
+          </a:xfrm>
+          <a:prstGeom prst="rect">
+            <a:avLst/>
+          </a:prstGeom>
+        </p:spPr>
+      </p:pic>
+      <p:pic>
+        <p:nvPicPr>
+          <p:cNvPr id="62" name="Picture 6">
+            <a:extLst>
+              <a:ext uri="{FF2B5EF4-FFF2-40B4-BE49-F238E27FC236}">
+                <a16:creationId xmlns:a16="http://schemas.microsoft.com/office/drawing/2014/main" id="{A7EE711E-5950-4CC4-9DD8-246365075392}"/>
+              </a:ext>
+            </a:extLst>
+          </p:cNvPr>
+          <p:cNvPicPr>
+            <a:picLocks noChangeAspect="1"/>
+          </p:cNvPicPr>
+          <p:nvPr/>
+        </p:nvPicPr>
+        <p:blipFill>
+          <a:blip r:embed="rId5">
+            <a:alphaModFix amt="50000"/>
+          </a:blip>
+          <a:stretch>
+            <a:fillRect/>
+          </a:stretch>
+        </p:blipFill>
+        <p:spPr>
+          <a:xfrm rot="5400000">
+            <a:off x="10909300" y="5803900"/>
+            <a:ext cx="5422900" cy="12700"/>
+          </a:xfrm>
+          <a:prstGeom prst="rect">
+            <a:avLst/>
+          </a:prstGeom>
+        </p:spPr>
+      </p:pic>
+      <p:pic>
+        <p:nvPicPr>
+          <p:cNvPr id="64" name="그림 63">
+            <a:extLst>
+              <a:ext uri="{FF2B5EF4-FFF2-40B4-BE49-F238E27FC236}">
+                <a16:creationId xmlns:a16="http://schemas.microsoft.com/office/drawing/2014/main" id="{41903E53-EB1D-47B2-AC7D-F5C9153E69A1}"/>
+              </a:ext>
+            </a:extLst>
+          </p:cNvPr>
+          <p:cNvPicPr>
+            <a:picLocks/>
+          </p:cNvPicPr>
+          <p:nvPr/>
+        </p:nvPicPr>
+        <p:blipFill>
+          <a:blip r:embed="rId9"/>
+          <a:stretch>
+            <a:fillRect/>
+          </a:stretch>
+        </p:blipFill>
+        <p:spPr>
+          <a:xfrm>
+            <a:off x="14022905" y="4344927"/>
+            <a:ext cx="3420000" cy="3960000"/>
+          </a:xfrm>
+          <a:prstGeom prst="rect">
+            <a:avLst/>
+          </a:prstGeom>
+        </p:spPr>
+      </p:pic>
+      <p:sp>
+        <p:nvSpPr>
+          <p:cNvPr id="67" name="TextBox 20">
+            <a:extLst>
+              <a:ext uri="{FF2B5EF4-FFF2-40B4-BE49-F238E27FC236}">
+                <a16:creationId xmlns:a16="http://schemas.microsoft.com/office/drawing/2014/main" id="{D6A4BAF5-C873-4AC5-8291-7A49CDFF2DA6}"/>
+              </a:ext>
+            </a:extLst>
+          </p:cNvPr>
+          <p:cNvSpPr txBox="1"/>
+          <p:nvPr/>
+        </p:nvSpPr>
+        <p:spPr>
+          <a:xfrm>
+            <a:off x="4989577" y="3147990"/>
+            <a:ext cx="3716664" cy="762000"/>
+          </a:xfrm>
+          <a:prstGeom prst="rect">
+            <a:avLst/>
+          </a:prstGeom>
+        </p:spPr>
+        <p:txBody>
+          <a:bodyPr lIns="0" tIns="0" rIns="0" bIns="0" rtlCol="0" anchor="ctr"/>
+          <a:lstStyle/>
+          <a:p>
+            <a:pPr lvl="0" algn="ctr">
+              <a:lnSpc>
+                <a:spcPct val="76360"/>
+              </a:lnSpc>
+            </a:pPr>
+            <a:r>
+              <a:rPr lang="en-US" sz="4300" b="0" i="0" u="none" strike="noStrike" spc="100" dirty="0">
+                <a:solidFill>
+                  <a:srgbClr val="617995"/>
+                </a:solidFill>
+                <a:latin typeface="Montserrat Bold"/>
+              </a:rPr>
+              <a:t>Structure of</a:t>
+            </a:r>
+          </a:p>
+          <a:p>
+            <a:pPr lvl="0" algn="ctr">
+              <a:lnSpc>
+                <a:spcPct val="76360"/>
+              </a:lnSpc>
+            </a:pPr>
+            <a:r>
+              <a:rPr lang="en-US" sz="4300" spc="100" dirty="0" err="1">
+                <a:solidFill>
+                  <a:srgbClr val="617995"/>
+                </a:solidFill>
+                <a:latin typeface="Montserrat Bold"/>
+              </a:rPr>
+              <a:t>o</a:t>
+            </a:r>
+            <a:r>
+              <a:rPr lang="en-US" sz="4300" b="0" i="0" u="none" strike="noStrike" spc="100" dirty="0" err="1">
+                <a:solidFill>
+                  <a:srgbClr val="617995"/>
+                </a:solidFill>
+                <a:latin typeface="Montserrat Bold"/>
+              </a:rPr>
+              <a:t>rdertbl</a:t>
+            </a:r>
+            <a:endParaRPr lang="en-US" sz="4300" b="0" i="0" u="none" strike="noStrike" spc="100" dirty="0">
+              <a:solidFill>
+                <a:srgbClr val="617995"/>
+              </a:solidFill>
+              <a:latin typeface="Montserrat Bold"/>
+            </a:endParaRPr>
+          </a:p>
+        </p:txBody>
+      </p:sp>
+      <p:sp>
+        <p:nvSpPr>
+          <p:cNvPr id="70" name="TextBox 20">
+            <a:extLst>
+              <a:ext uri="{FF2B5EF4-FFF2-40B4-BE49-F238E27FC236}">
+                <a16:creationId xmlns:a16="http://schemas.microsoft.com/office/drawing/2014/main" id="{10A3A104-DCFE-45FA-837E-FC4595A68E5A}"/>
+              </a:ext>
+            </a:extLst>
+          </p:cNvPr>
+          <p:cNvSpPr txBox="1"/>
+          <p:nvPr/>
+        </p:nvSpPr>
+        <p:spPr>
+          <a:xfrm>
+            <a:off x="9501241" y="3133093"/>
+            <a:ext cx="3716664" cy="762000"/>
+          </a:xfrm>
+          <a:prstGeom prst="rect">
+            <a:avLst/>
+          </a:prstGeom>
+        </p:spPr>
+        <p:txBody>
+          <a:bodyPr lIns="0" tIns="0" rIns="0" bIns="0" rtlCol="0" anchor="ctr"/>
+          <a:lstStyle/>
+          <a:p>
+            <a:pPr lvl="0" algn="ctr">
+              <a:lnSpc>
+                <a:spcPct val="76360"/>
+              </a:lnSpc>
+            </a:pPr>
+            <a:r>
+              <a:rPr lang="en-US" sz="4300" b="0" i="0" u="none" strike="noStrike" spc="100" dirty="0">
+                <a:solidFill>
+                  <a:srgbClr val="617995"/>
+                </a:solidFill>
+                <a:latin typeface="Montserrat Bold"/>
+              </a:rPr>
+              <a:t>Structure of</a:t>
+            </a:r>
+          </a:p>
+          <a:p>
+            <a:pPr lvl="0" algn="ctr">
+              <a:lnSpc>
+                <a:spcPct val="76360"/>
+              </a:lnSpc>
+            </a:pPr>
+            <a:r>
+              <a:rPr lang="en-US" sz="4300" spc="100" dirty="0" err="1">
+                <a:solidFill>
+                  <a:srgbClr val="617995"/>
+                </a:solidFill>
+                <a:latin typeface="Montserrat Bold"/>
+              </a:rPr>
+              <a:t>prodtbl</a:t>
+            </a:r>
+            <a:endParaRPr lang="en-US" sz="4300" b="0" i="0" u="none" strike="noStrike" spc="100" dirty="0">
+              <a:solidFill>
+                <a:srgbClr val="617995"/>
+              </a:solidFill>
+              <a:latin typeface="Montserrat Bold"/>
+            </a:endParaRPr>
+          </a:p>
+        </p:txBody>
+      </p:sp>
+      <p:sp>
+        <p:nvSpPr>
+          <p:cNvPr id="71" name="TextBox 20">
+            <a:extLst>
+              <a:ext uri="{FF2B5EF4-FFF2-40B4-BE49-F238E27FC236}">
+                <a16:creationId xmlns:a16="http://schemas.microsoft.com/office/drawing/2014/main" id="{D8C0DCA8-70F8-47A4-90DA-C8387C3D7C27}"/>
+              </a:ext>
+            </a:extLst>
+          </p:cNvPr>
+          <p:cNvSpPr txBox="1"/>
+          <p:nvPr/>
+        </p:nvSpPr>
+        <p:spPr>
+          <a:xfrm>
+            <a:off x="13924882" y="3147990"/>
+            <a:ext cx="3716664" cy="762000"/>
+          </a:xfrm>
+          <a:prstGeom prst="rect">
+            <a:avLst/>
+          </a:prstGeom>
+        </p:spPr>
+        <p:txBody>
+          <a:bodyPr lIns="0" tIns="0" rIns="0" bIns="0" rtlCol="0" anchor="ctr"/>
+          <a:lstStyle/>
+          <a:p>
+            <a:pPr lvl="0" algn="ctr">
+              <a:lnSpc>
+                <a:spcPct val="76360"/>
+              </a:lnSpc>
+            </a:pPr>
+            <a:r>
+              <a:rPr lang="en-US" sz="4300" b="0" i="0" u="none" strike="noStrike" spc="100" dirty="0">
+                <a:solidFill>
+                  <a:srgbClr val="617995"/>
+                </a:solidFill>
+                <a:latin typeface="Montserrat Bold"/>
+              </a:rPr>
+              <a:t>Structure of</a:t>
+            </a:r>
+          </a:p>
+          <a:p>
+            <a:pPr lvl="0" algn="ctr">
+              <a:lnSpc>
+                <a:spcPct val="76360"/>
+              </a:lnSpc>
+            </a:pPr>
+            <a:r>
+              <a:rPr lang="en-US" sz="4300" b="0" i="0" u="none" strike="noStrike" spc="100" dirty="0" err="1">
+                <a:solidFill>
+                  <a:srgbClr val="617995"/>
+                </a:solidFill>
+                <a:latin typeface="Montserrat Bold"/>
+              </a:rPr>
+              <a:t>Ordertbl</a:t>
+            </a:r>
+            <a:endParaRPr lang="en-US" sz="4300" b="0" i="0" u="none" strike="noStrike" spc="100" dirty="0">
+              <a:solidFill>
+                <a:srgbClr val="617995"/>
+              </a:solidFill>
+              <a:latin typeface="Montserrat Bold"/>
+            </a:endParaRPr>
+          </a:p>
+        </p:txBody>
+      </p:sp>
+    </p:spTree>
+  </p:cSld>
+  <p:clrMapOvr>
+    <a:masterClrMapping/>
+  </p:clrMapOvr>
+</p:sld>
+</file>
+
+<file path=ppt/slides/slide4.xml><?xml version="1.0" encoding="utf-8"?>
+<p:sld xmlns:a="http://schemas.openxmlformats.org/drawingml/2006/main" xmlns:r="http://schemas.openxmlformats.org/officeDocument/2006/relationships" xmlns:p="http://schemas.openxmlformats.org/presentationml/2006/main">
+  <p:cSld>
+    <p:bg>
+      <p:bgPr>
+        <a:solidFill>
+          <a:srgbClr val="F9F9F9"/>
+        </a:solidFill>
+        <a:effectLst/>
+      </p:bgPr>
+    </p:bg>
+    <p:spTree>
+      <p:nvGrpSpPr>
+        <p:cNvPr id="1" name=""/>
+        <p:cNvGrpSpPr/>
+        <p:nvPr/>
+      </p:nvGrpSpPr>
+      <p:grpSpPr>
+        <a:xfrm>
+          <a:off x="0" y="0"/>
+          <a:ext cx="0" cy="0"/>
+          <a:chOff x="0" y="0"/>
+          <a:chExt cx="0" cy="0"/>
+        </a:xfrm>
+      </p:grpSpPr>
+      <p:pic>
+        <p:nvPicPr>
+          <p:cNvPr id="2" name="Picture 2"/>
+          <p:cNvPicPr>
+            <a:picLocks noChangeAspect="1"/>
+          </p:cNvPicPr>
+          <p:nvPr/>
+        </p:nvPicPr>
+        <p:blipFill>
+          <a:blip r:embed="rId2"/>
+          <a:stretch>
+            <a:fillRect/>
+          </a:stretch>
+        </p:blipFill>
+        <p:spPr>
+          <a:xfrm>
+            <a:off x="0" y="0"/>
+            <a:ext cx="18288000" cy="762000"/>
+          </a:xfrm>
+          <a:prstGeom prst="rect">
+            <a:avLst/>
+          </a:prstGeom>
+        </p:spPr>
+      </p:pic>
+      <p:pic>
+        <p:nvPicPr>
+          <p:cNvPr id="3" name="Picture 3"/>
+          <p:cNvPicPr>
+            <a:picLocks noChangeAspect="1"/>
+          </p:cNvPicPr>
+          <p:nvPr/>
+        </p:nvPicPr>
+        <p:blipFill>
+          <a:blip r:embed="rId3"/>
+          <a:stretch>
+            <a:fillRect/>
+          </a:stretch>
+        </p:blipFill>
+        <p:spPr>
+          <a:xfrm>
+            <a:off x="9144000" y="0"/>
+            <a:ext cx="9144000" cy="762000"/>
+          </a:xfrm>
+          <a:prstGeom prst="rect">
+            <a:avLst/>
+          </a:prstGeom>
+        </p:spPr>
+      </p:pic>
+      <p:pic>
+        <p:nvPicPr>
+          <p:cNvPr id="4" name="Picture 4"/>
+          <p:cNvPicPr>
+            <a:picLocks noChangeAspect="1"/>
+          </p:cNvPicPr>
+          <p:nvPr/>
+        </p:nvPicPr>
+        <p:blipFill>
+          <a:blip r:embed="rId4"/>
+          <a:stretch>
+            <a:fillRect/>
+          </a:stretch>
+        </p:blipFill>
+        <p:spPr>
+          <a:xfrm>
+            <a:off x="571500" y="9512300"/>
+            <a:ext cx="17145000" cy="25400"/>
+          </a:xfrm>
+          <a:prstGeom prst="rect">
+            <a:avLst/>
+          </a:prstGeom>
+        </p:spPr>
+      </p:pic>
+      <p:pic>
+        <p:nvPicPr>
+          <p:cNvPr id="5" name="Picture 5"/>
+          <p:cNvPicPr>
+            <a:picLocks noChangeAspect="1"/>
+          </p:cNvPicPr>
+          <p:nvPr/>
+        </p:nvPicPr>
+        <p:blipFill>
+          <a:blip r:embed="rId5">
+            <a:alphaModFix amt="43000"/>
+          </a:blip>
+          <a:stretch>
+            <a:fillRect/>
+          </a:stretch>
+        </p:blipFill>
+        <p:spPr>
+          <a:xfrm>
+            <a:off x="1612900" y="3340100"/>
+            <a:ext cx="15049500" cy="1689100"/>
+          </a:xfrm>
+          <a:prstGeom prst="rect">
+            <a:avLst/>
+          </a:prstGeom>
+        </p:spPr>
+      </p:pic>
+      <p:pic>
+        <p:nvPicPr>
+          <p:cNvPr id="6" name="Picture 6"/>
+          <p:cNvPicPr>
+            <a:picLocks noChangeAspect="1"/>
+          </p:cNvPicPr>
+          <p:nvPr/>
+        </p:nvPicPr>
+        <p:blipFill>
+          <a:blip r:embed="rId6"/>
+          <a:stretch>
+            <a:fillRect/>
+          </a:stretch>
+        </p:blipFill>
+        <p:spPr>
+          <a:xfrm rot="-5400000">
+            <a:off x="4686300" y="4165600"/>
+            <a:ext cx="1117600" cy="12700"/>
+          </a:xfrm>
+          <a:prstGeom prst="rect">
+            <a:avLst/>
+          </a:prstGeom>
+        </p:spPr>
+      </p:pic>
+      <p:pic>
+        <p:nvPicPr>
+          <p:cNvPr id="7" name="Picture 7"/>
+          <p:cNvPicPr>
+            <a:picLocks noChangeAspect="1"/>
+          </p:cNvPicPr>
+          <p:nvPr/>
+        </p:nvPicPr>
+        <p:blipFill>
+          <a:blip r:embed="rId7"/>
+          <a:stretch>
+            <a:fillRect/>
+          </a:stretch>
+        </p:blipFill>
+        <p:spPr>
+          <a:xfrm>
+            <a:off x="13703300" y="3340100"/>
+            <a:ext cx="2959100" cy="1689100"/>
+          </a:xfrm>
+          <a:prstGeom prst="rect">
+            <a:avLst/>
+          </a:prstGeom>
+        </p:spPr>
+      </p:pic>
+      <p:pic>
+        <p:nvPicPr>
+          <p:cNvPr id="8" name="Picture 8"/>
+          <p:cNvPicPr>
+            <a:picLocks noChangeAspect="1"/>
+          </p:cNvPicPr>
+          <p:nvPr/>
+        </p:nvPicPr>
+        <p:blipFill>
+          <a:blip r:embed="rId8">
+            <a:alphaModFix amt="64000"/>
+          </a:blip>
+          <a:stretch>
+            <a:fillRect/>
+          </a:stretch>
+        </p:blipFill>
+        <p:spPr>
+          <a:xfrm>
+            <a:off x="1612900" y="5194300"/>
+            <a:ext cx="15049500" cy="1689100"/>
+          </a:xfrm>
+          <a:prstGeom prst="rect">
+            <a:avLst/>
+          </a:prstGeom>
+        </p:spPr>
+      </p:pic>
+      <p:pic>
+        <p:nvPicPr>
+          <p:cNvPr id="9" name="Picture 9"/>
+          <p:cNvPicPr>
+            <a:picLocks noChangeAspect="1"/>
+          </p:cNvPicPr>
+          <p:nvPr/>
+        </p:nvPicPr>
+        <p:blipFill>
+          <a:blip r:embed="rId9"/>
+          <a:stretch>
+            <a:fillRect/>
+          </a:stretch>
+        </p:blipFill>
+        <p:spPr>
+          <a:xfrm rot="-5400000">
+            <a:off x="4686300" y="6019800"/>
+            <a:ext cx="1117600" cy="12700"/>
+          </a:xfrm>
+          <a:prstGeom prst="rect">
+            <a:avLst/>
+          </a:prstGeom>
+        </p:spPr>
+      </p:pic>
+      <p:pic>
+        <p:nvPicPr>
+          <p:cNvPr id="10" name="Picture 10"/>
+          <p:cNvPicPr>
+            <a:picLocks noChangeAspect="1"/>
+          </p:cNvPicPr>
+          <p:nvPr/>
+        </p:nvPicPr>
+        <p:blipFill>
+          <a:blip r:embed="rId10"/>
+          <a:stretch>
+            <a:fillRect/>
+          </a:stretch>
+        </p:blipFill>
+        <p:spPr>
+          <a:xfrm>
+            <a:off x="13703300" y="5194300"/>
+            <a:ext cx="2959100" cy="1689100"/>
+          </a:xfrm>
+          <a:prstGeom prst="rect">
+            <a:avLst/>
+          </a:prstGeom>
+        </p:spPr>
+      </p:pic>
+      <p:pic>
+        <p:nvPicPr>
+          <p:cNvPr id="11" name="Picture 11"/>
+          <p:cNvPicPr>
+            <a:picLocks noChangeAspect="1"/>
+          </p:cNvPicPr>
+          <p:nvPr/>
+        </p:nvPicPr>
+        <p:blipFill>
+          <a:blip r:embed="rId5">
+            <a:alphaModFix amt="43000"/>
+          </a:blip>
+          <a:stretch>
+            <a:fillRect/>
+          </a:stretch>
+        </p:blipFill>
+        <p:spPr>
+          <a:xfrm>
+            <a:off x="1612900" y="7092950"/>
+            <a:ext cx="15049500" cy="1689100"/>
+          </a:xfrm>
+          <a:prstGeom prst="rect">
+            <a:avLst/>
+          </a:prstGeom>
+        </p:spPr>
+      </p:pic>
+      <p:pic>
+        <p:nvPicPr>
+          <p:cNvPr id="12" name="Picture 12"/>
+          <p:cNvPicPr>
+            <a:picLocks noChangeAspect="1"/>
+          </p:cNvPicPr>
+          <p:nvPr/>
+        </p:nvPicPr>
+        <p:blipFill>
+          <a:blip r:embed="rId6"/>
+          <a:stretch>
+            <a:fillRect/>
+          </a:stretch>
+        </p:blipFill>
+        <p:spPr>
+          <a:xfrm rot="-5400000">
+            <a:off x="4699000" y="7899400"/>
+            <a:ext cx="1117600" cy="12700"/>
+          </a:xfrm>
+          <a:prstGeom prst="rect">
+            <a:avLst/>
+          </a:prstGeom>
+        </p:spPr>
+      </p:pic>
+      <p:pic>
+        <p:nvPicPr>
+          <p:cNvPr id="13" name="Picture 13"/>
+          <p:cNvPicPr>
+            <a:picLocks noChangeAspect="1"/>
+          </p:cNvPicPr>
+          <p:nvPr/>
+        </p:nvPicPr>
+        <p:blipFill>
+          <a:blip r:embed="rId7"/>
+          <a:stretch>
+            <a:fillRect/>
+          </a:stretch>
+        </p:blipFill>
+        <p:spPr>
+          <a:xfrm>
+            <a:off x="13716000" y="7073900"/>
+            <a:ext cx="2959100" cy="1689100"/>
+          </a:xfrm>
+          <a:prstGeom prst="rect">
+            <a:avLst/>
+          </a:prstGeom>
+        </p:spPr>
+      </p:pic>
+      <p:sp>
+        <p:nvSpPr>
+          <p:cNvPr id="14" name="TextBox 14"/>
+          <p:cNvSpPr txBox="1"/>
+          <p:nvPr/>
+        </p:nvSpPr>
+        <p:spPr>
+          <a:xfrm>
+            <a:off x="1879600" y="7556500"/>
+            <a:ext cx="3302000" cy="711200"/>
+          </a:xfrm>
+          <a:prstGeom prst="rect">
+            <a:avLst/>
+          </a:prstGeom>
+        </p:spPr>
+        <p:txBody>
+          <a:bodyPr lIns="0" tIns="0" rIns="0" bIns="0" rtlCol="0" anchor="ctr"/>
+          <a:lstStyle/>
+          <a:p>
+            <a:pPr lvl="0" algn="ctr">
+              <a:lnSpc>
+                <a:spcPct val="87149"/>
+              </a:lnSpc>
+            </a:pPr>
+            <a:r>
+              <a:rPr lang="ko-KR" altLang="en-US" sz="2300" b="0" i="0" u="none" strike="noStrike" spc="-200" dirty="0">
+                <a:solidFill>
+                  <a:srgbClr val="617995"/>
+                </a:solidFill>
+                <a:latin typeface="Montserrat Bold"/>
+              </a:rPr>
+              <a:t>데이터베이스 특성</a:t>
+            </a:r>
+            <a:endParaRPr lang="en-US" sz="2300" b="0" i="0" u="none" strike="noStrike" spc="-200" dirty="0">
+              <a:solidFill>
+                <a:srgbClr val="617995"/>
+              </a:solidFill>
+              <a:latin typeface="Montserrat Bold"/>
+            </a:endParaRPr>
+          </a:p>
+        </p:txBody>
+      </p:sp>
+      <p:sp>
+        <p:nvSpPr>
+          <p:cNvPr id="15" name="TextBox 15"/>
+          <p:cNvSpPr txBox="1"/>
+          <p:nvPr/>
+        </p:nvSpPr>
+        <p:spPr>
+          <a:xfrm>
+            <a:off x="5664200" y="7493000"/>
+            <a:ext cx="7937500" cy="825500"/>
+          </a:xfrm>
+          <a:prstGeom prst="rect">
+            <a:avLst/>
+          </a:prstGeom>
+        </p:spPr>
+        <p:txBody>
+          <a:bodyPr lIns="0" tIns="0" rIns="0" bIns="0" rtlCol="0" anchor="ctr"/>
+          <a:lstStyle/>
+          <a:p>
+            <a:pPr lvl="0" algn="l">
+              <a:lnSpc>
+                <a:spcPct val="112050"/>
+              </a:lnSpc>
+            </a:pPr>
+            <a:r>
+              <a:rPr lang="ko-KR" altLang="en-US" sz="1600" b="0" i="0" u="none" strike="noStrike" spc="-100" dirty="0">
+                <a:solidFill>
+                  <a:srgbClr val="545454">
+                    <a:alpha val="67059"/>
+                  </a:srgbClr>
+                </a:solidFill>
+                <a:latin typeface="Montserrat Medium"/>
+              </a:rPr>
+              <a:t>실시간 접근성 </a:t>
+            </a:r>
+            <a:r>
+              <a:rPr lang="en-US" altLang="ko-KR" sz="1600" b="0" i="0" u="none" strike="noStrike" spc="-100" dirty="0">
+                <a:solidFill>
+                  <a:srgbClr val="545454">
+                    <a:alpha val="67059"/>
+                  </a:srgbClr>
+                </a:solidFill>
+                <a:latin typeface="Montserrat Medium"/>
+              </a:rPr>
+              <a:t>– </a:t>
+            </a:r>
+            <a:r>
+              <a:rPr lang="ko-KR" altLang="en-US" sz="1600" b="0" i="0" u="none" strike="noStrike" spc="-100" dirty="0" err="1">
+                <a:solidFill>
+                  <a:srgbClr val="545454">
+                    <a:alpha val="67059"/>
+                  </a:srgbClr>
+                </a:solidFill>
+                <a:latin typeface="Montserrat Medium"/>
+              </a:rPr>
+              <a:t>요청받은</a:t>
+            </a:r>
+            <a:r>
+              <a:rPr lang="ko-KR" altLang="en-US" sz="1600" b="0" i="0" u="none" strike="noStrike" spc="-100" dirty="0">
+                <a:solidFill>
+                  <a:srgbClr val="545454">
+                    <a:alpha val="67059"/>
+                  </a:srgbClr>
+                </a:solidFill>
+                <a:latin typeface="Montserrat Medium"/>
+              </a:rPr>
+              <a:t> 데이터 처리는 실시간으로 처리되고 결과를 </a:t>
+            </a:r>
+            <a:r>
+              <a:rPr lang="ko-KR" altLang="en-US" sz="1600" b="0" i="0" u="none" strike="noStrike" spc="-100" dirty="0" err="1">
+                <a:solidFill>
+                  <a:srgbClr val="545454">
+                    <a:alpha val="67059"/>
+                  </a:srgbClr>
+                </a:solidFill>
+                <a:latin typeface="Montserrat Medium"/>
+              </a:rPr>
+              <a:t>반환해야함</a:t>
+            </a:r>
+            <a:endParaRPr lang="en-US" altLang="ko-KR" sz="1600" b="0" i="0" u="none" strike="noStrike" spc="-100" dirty="0">
+              <a:solidFill>
+                <a:srgbClr val="545454">
+                  <a:alpha val="67059"/>
+                </a:srgbClr>
+              </a:solidFill>
+              <a:latin typeface="Montserrat Medium"/>
+            </a:endParaRPr>
+          </a:p>
+          <a:p>
+            <a:pPr lvl="0" algn="l">
+              <a:lnSpc>
+                <a:spcPct val="112050"/>
+              </a:lnSpc>
+            </a:pPr>
+            <a:r>
+              <a:rPr lang="ko-KR" altLang="en-US" sz="1600" b="0" i="0" u="none" strike="noStrike" spc="-100" dirty="0">
+                <a:solidFill>
+                  <a:srgbClr val="545454">
+                    <a:alpha val="67059"/>
+                  </a:srgbClr>
+                </a:solidFill>
+                <a:latin typeface="Montserrat Medium"/>
+              </a:rPr>
+              <a:t>계속적 변화 </a:t>
+            </a:r>
+            <a:r>
+              <a:rPr lang="en-US" altLang="ko-KR" sz="1600" b="0" i="0" u="none" strike="noStrike" spc="-100" dirty="0">
+                <a:solidFill>
+                  <a:srgbClr val="545454">
+                    <a:alpha val="67059"/>
+                  </a:srgbClr>
+                </a:solidFill>
+                <a:latin typeface="Montserrat Medium"/>
+              </a:rPr>
+              <a:t>– </a:t>
+            </a:r>
+            <a:r>
+              <a:rPr lang="ko-KR" altLang="en-US" sz="1600" b="0" i="0" u="none" strike="noStrike" spc="-100" dirty="0">
+                <a:solidFill>
+                  <a:srgbClr val="545454">
+                    <a:alpha val="67059"/>
+                  </a:srgbClr>
+                </a:solidFill>
+                <a:latin typeface="Montserrat Medium"/>
+              </a:rPr>
+              <a:t>저장된 데이터는 입력</a:t>
+            </a:r>
+            <a:r>
+              <a:rPr lang="en-US" altLang="ko-KR" sz="1600" b="0" i="0" u="none" strike="noStrike" spc="-100" dirty="0">
+                <a:solidFill>
+                  <a:srgbClr val="545454">
+                    <a:alpha val="67059"/>
+                  </a:srgbClr>
+                </a:solidFill>
+                <a:latin typeface="Montserrat Medium"/>
+              </a:rPr>
+              <a:t>, </a:t>
+            </a:r>
+            <a:r>
+              <a:rPr lang="ko-KR" altLang="en-US" sz="1600" b="0" i="0" u="none" strike="noStrike" spc="-100" dirty="0">
+                <a:solidFill>
+                  <a:srgbClr val="545454">
+                    <a:alpha val="67059"/>
+                  </a:srgbClr>
+                </a:solidFill>
+                <a:latin typeface="Montserrat Medium"/>
+              </a:rPr>
+              <a:t>수정</a:t>
+            </a:r>
+            <a:r>
+              <a:rPr lang="en-US" altLang="ko-KR" sz="1600" b="0" i="0" u="none" strike="noStrike" spc="-100" dirty="0">
+                <a:solidFill>
+                  <a:srgbClr val="545454">
+                    <a:alpha val="67059"/>
+                  </a:srgbClr>
+                </a:solidFill>
+                <a:latin typeface="Montserrat Medium"/>
+              </a:rPr>
+              <a:t>, </a:t>
+            </a:r>
+            <a:r>
+              <a:rPr lang="ko-KR" altLang="en-US" sz="1600" b="0" i="0" u="none" strike="noStrike" spc="-100" dirty="0">
+                <a:solidFill>
+                  <a:srgbClr val="545454">
+                    <a:alpha val="67059"/>
+                  </a:srgbClr>
+                </a:solidFill>
+                <a:latin typeface="Montserrat Medium"/>
+              </a:rPr>
+              <a:t>삭제에 의해 지속적으로 변화함</a:t>
+            </a:r>
+            <a:endParaRPr lang="en-US" altLang="ko-KR" sz="1600" b="0" i="0" u="none" strike="noStrike" spc="-100" dirty="0">
+              <a:solidFill>
+                <a:srgbClr val="545454">
+                  <a:alpha val="67059"/>
+                </a:srgbClr>
+              </a:solidFill>
+              <a:latin typeface="Montserrat Medium"/>
+            </a:endParaRPr>
+          </a:p>
+          <a:p>
+            <a:pPr lvl="0" algn="l">
+              <a:lnSpc>
+                <a:spcPct val="112050"/>
+              </a:lnSpc>
+            </a:pPr>
+            <a:r>
+              <a:rPr lang="ko-KR" altLang="en-US" sz="1600" spc="-100" dirty="0">
+                <a:solidFill>
+                  <a:srgbClr val="545454">
+                    <a:alpha val="67059"/>
+                  </a:srgbClr>
+                </a:solidFill>
+                <a:latin typeface="Montserrat Medium"/>
+              </a:rPr>
+              <a:t>동시 공용 </a:t>
+            </a:r>
+            <a:r>
+              <a:rPr lang="en-US" altLang="ko-KR" sz="1600" spc="-100" dirty="0">
+                <a:solidFill>
+                  <a:srgbClr val="545454">
+                    <a:alpha val="67059"/>
+                  </a:srgbClr>
+                </a:solidFill>
+                <a:latin typeface="Montserrat Medium"/>
+              </a:rPr>
+              <a:t>– </a:t>
+            </a:r>
+            <a:r>
+              <a:rPr lang="ko-KR" altLang="en-US" sz="1600" spc="-100" dirty="0">
+                <a:solidFill>
+                  <a:srgbClr val="545454">
+                    <a:alpha val="67059"/>
+                  </a:srgbClr>
+                </a:solidFill>
+                <a:latin typeface="Montserrat Medium"/>
+              </a:rPr>
+              <a:t>서로 다른 목적의 응용 </a:t>
+            </a:r>
+            <a:r>
+              <a:rPr lang="en-US" altLang="ko-KR" sz="1600" spc="-100" dirty="0">
+                <a:solidFill>
+                  <a:srgbClr val="545454">
+                    <a:alpha val="67059"/>
+                  </a:srgbClr>
+                </a:solidFill>
+                <a:latin typeface="Montserrat Medium"/>
+              </a:rPr>
+              <a:t>SW</a:t>
+            </a:r>
+            <a:r>
+              <a:rPr lang="ko-KR" altLang="en-US" sz="1600" spc="-100" dirty="0">
+                <a:solidFill>
+                  <a:srgbClr val="545454">
+                    <a:alpha val="67059"/>
+                  </a:srgbClr>
+                </a:solidFill>
+                <a:latin typeface="Montserrat Medium"/>
+              </a:rPr>
+              <a:t>및 사용자에 의해 동시 공용 가능</a:t>
+            </a:r>
+            <a:endParaRPr lang="en-US" altLang="ko-KR" sz="1600" spc="-100" dirty="0">
+              <a:solidFill>
+                <a:srgbClr val="545454">
+                  <a:alpha val="67059"/>
+                </a:srgbClr>
+              </a:solidFill>
+              <a:latin typeface="Montserrat Medium"/>
+            </a:endParaRPr>
+          </a:p>
+          <a:p>
+            <a:pPr lvl="0" algn="l">
+              <a:lnSpc>
+                <a:spcPct val="112050"/>
+              </a:lnSpc>
+            </a:pPr>
+            <a:r>
+              <a:rPr lang="ko-KR" altLang="en-US" sz="1600" b="0" i="0" u="none" strike="noStrike" spc="-100" dirty="0">
+                <a:solidFill>
+                  <a:srgbClr val="545454">
+                    <a:alpha val="67059"/>
+                  </a:srgbClr>
+                </a:solidFill>
+                <a:latin typeface="Montserrat Medium"/>
+              </a:rPr>
+              <a:t>내용에 의한 참조 </a:t>
+            </a:r>
+            <a:r>
+              <a:rPr lang="en-US" altLang="ko-KR" sz="1600" b="0" i="0" u="none" strike="noStrike" spc="-100" dirty="0">
+                <a:solidFill>
+                  <a:srgbClr val="545454">
+                    <a:alpha val="67059"/>
+                  </a:srgbClr>
+                </a:solidFill>
+                <a:latin typeface="Montserrat Medium"/>
+              </a:rPr>
+              <a:t>– </a:t>
+            </a:r>
+            <a:r>
+              <a:rPr lang="ko-KR" altLang="en-US" sz="1600" b="0" i="0" u="none" strike="noStrike" spc="-100" dirty="0">
+                <a:solidFill>
+                  <a:srgbClr val="545454">
+                    <a:alpha val="67059"/>
+                  </a:srgbClr>
+                </a:solidFill>
+                <a:latin typeface="Montserrat Medium"/>
+              </a:rPr>
+              <a:t>데이터의 참조는 데이터의 주소가 아닌 저장된 값에 의해 처리됨 </a:t>
+            </a:r>
+            <a:endParaRPr lang="en-US" sz="1600" b="0" i="0" u="none" strike="noStrike" spc="-100" dirty="0">
+              <a:solidFill>
+                <a:srgbClr val="545454">
+                  <a:alpha val="67059"/>
+                </a:srgbClr>
+              </a:solidFill>
+              <a:latin typeface="Montserrat Medium"/>
+            </a:endParaRPr>
+          </a:p>
+        </p:txBody>
+      </p:sp>
+      <p:sp>
+        <p:nvSpPr>
+          <p:cNvPr id="16" name="TextBox 16"/>
+          <p:cNvSpPr txBox="1"/>
+          <p:nvPr/>
+        </p:nvSpPr>
+        <p:spPr>
+          <a:xfrm>
+            <a:off x="14160500" y="7607300"/>
+            <a:ext cx="2235200" cy="571500"/>
+          </a:xfrm>
+          <a:prstGeom prst="rect">
+            <a:avLst/>
+          </a:prstGeom>
+        </p:spPr>
+        <p:txBody>
+          <a:bodyPr lIns="0" tIns="0" rIns="0" bIns="0" rtlCol="0" anchor="ctr"/>
+          <a:lstStyle/>
+          <a:p>
+            <a:pPr lvl="0" algn="l">
+              <a:lnSpc>
+                <a:spcPct val="100429"/>
+              </a:lnSpc>
+            </a:pPr>
+            <a:endParaRPr lang="en-US" sz="1700" b="0" i="0" u="none" strike="noStrike" spc="-100" dirty="0">
+              <a:solidFill>
+                <a:srgbClr val="F9F9F9"/>
+              </a:solidFill>
+              <a:latin typeface="Montserrat SemiBold"/>
+            </a:endParaRPr>
+          </a:p>
+        </p:txBody>
+      </p:sp>
+      <p:sp>
+        <p:nvSpPr>
+          <p:cNvPr id="17" name="TextBox 17"/>
+          <p:cNvSpPr txBox="1"/>
+          <p:nvPr/>
+        </p:nvSpPr>
+        <p:spPr>
+          <a:xfrm>
+            <a:off x="1866900" y="3835400"/>
+            <a:ext cx="3302000" cy="711200"/>
+          </a:xfrm>
+          <a:prstGeom prst="rect">
+            <a:avLst/>
+          </a:prstGeom>
+        </p:spPr>
+        <p:txBody>
+          <a:bodyPr lIns="0" tIns="0" rIns="0" bIns="0" rtlCol="0" anchor="ctr"/>
+          <a:lstStyle/>
+          <a:p>
+            <a:pPr lvl="0" algn="ctr">
+              <a:lnSpc>
+                <a:spcPct val="87149"/>
+              </a:lnSpc>
+            </a:pPr>
+            <a:r>
+              <a:rPr lang="ko-KR" altLang="en-US" sz="2300" b="0" i="0" u="none" strike="noStrike" spc="-200" dirty="0">
+                <a:solidFill>
+                  <a:srgbClr val="617995"/>
+                </a:solidFill>
+                <a:latin typeface="Montserrat Bold"/>
+              </a:rPr>
+              <a:t>데이터의 개념</a:t>
+            </a:r>
+            <a:endParaRPr lang="en-US" sz="2300" b="0" i="0" u="none" strike="noStrike" spc="-200" dirty="0">
+              <a:solidFill>
+                <a:srgbClr val="617995"/>
+              </a:solidFill>
+              <a:latin typeface="Montserrat Bold"/>
+            </a:endParaRPr>
+          </a:p>
+        </p:txBody>
+      </p:sp>
+      <p:sp>
+        <p:nvSpPr>
+          <p:cNvPr id="18" name="TextBox 18"/>
+          <p:cNvSpPr txBox="1"/>
+          <p:nvPr/>
+        </p:nvSpPr>
+        <p:spPr>
+          <a:xfrm>
+            <a:off x="5651500" y="3759200"/>
+            <a:ext cx="7518400" cy="825500"/>
+          </a:xfrm>
+          <a:prstGeom prst="rect">
+            <a:avLst/>
+          </a:prstGeom>
+        </p:spPr>
+        <p:txBody>
+          <a:bodyPr lIns="0" tIns="0" rIns="0" bIns="0" rtlCol="0" anchor="ctr"/>
+          <a:lstStyle/>
+          <a:p>
+            <a:pPr lvl="0" algn="l">
+              <a:lnSpc>
+                <a:spcPct val="112050"/>
+              </a:lnSpc>
+            </a:pPr>
+            <a:r>
+              <a:rPr lang="ko-KR" altLang="en-US" sz="1600" spc="-100" dirty="0">
+                <a:solidFill>
+                  <a:srgbClr val="545454">
+                    <a:alpha val="67059"/>
+                  </a:srgbClr>
+                </a:solidFill>
+                <a:latin typeface="Montserrat Medium"/>
+              </a:rPr>
+              <a:t>데이터는 </a:t>
+            </a:r>
+            <a:r>
+              <a:rPr lang="ko-KR" altLang="en-US" sz="1600" b="0" i="0" u="none" strike="noStrike" spc="-100" dirty="0">
+                <a:solidFill>
+                  <a:srgbClr val="545454">
+                    <a:alpha val="67059"/>
+                  </a:srgbClr>
+                </a:solidFill>
+                <a:latin typeface="Montserrat Medium"/>
+              </a:rPr>
+              <a:t>관찰이나 측정으로 수집한 사실을 수치  또는 문자 형태로 표현한 최소 단위의 값</a:t>
+            </a:r>
+            <a:endParaRPr lang="en-US" sz="1600" b="0" i="0" u="none" strike="noStrike" spc="-100" dirty="0">
+              <a:solidFill>
+                <a:srgbClr val="545454">
+                  <a:alpha val="67059"/>
+                </a:srgbClr>
+              </a:solidFill>
+              <a:latin typeface="Montserrat Medium"/>
+            </a:endParaRPr>
+          </a:p>
+        </p:txBody>
+      </p:sp>
+      <p:sp>
+        <p:nvSpPr>
+          <p:cNvPr id="19" name="TextBox 19"/>
+          <p:cNvSpPr txBox="1"/>
+          <p:nvPr/>
+        </p:nvSpPr>
+        <p:spPr>
+          <a:xfrm>
+            <a:off x="14147800" y="3873500"/>
+            <a:ext cx="2235200" cy="571500"/>
+          </a:xfrm>
+          <a:prstGeom prst="rect">
+            <a:avLst/>
+          </a:prstGeom>
+        </p:spPr>
+        <p:txBody>
+          <a:bodyPr lIns="0" tIns="0" rIns="0" bIns="0" rtlCol="0" anchor="ctr"/>
+          <a:lstStyle/>
+          <a:p>
+            <a:pPr lvl="0" algn="l">
+              <a:lnSpc>
+                <a:spcPct val="100429"/>
+              </a:lnSpc>
+            </a:pPr>
+            <a:endParaRPr lang="en-US" sz="1700" b="0" i="0" u="none" strike="noStrike" spc="-100" dirty="0">
+              <a:solidFill>
+                <a:srgbClr val="F9F9F9"/>
+              </a:solidFill>
+              <a:latin typeface="Montserrat SemiBold"/>
+            </a:endParaRPr>
+          </a:p>
+        </p:txBody>
+      </p:sp>
+      <p:sp>
+        <p:nvSpPr>
+          <p:cNvPr id="20" name="TextBox 20"/>
+          <p:cNvSpPr txBox="1"/>
+          <p:nvPr/>
+        </p:nvSpPr>
+        <p:spPr>
+          <a:xfrm>
+            <a:off x="1866900" y="5676900"/>
+            <a:ext cx="3302000" cy="711200"/>
+          </a:xfrm>
+          <a:prstGeom prst="rect">
+            <a:avLst/>
+          </a:prstGeom>
+        </p:spPr>
+        <p:txBody>
+          <a:bodyPr lIns="0" tIns="0" rIns="0" bIns="0" rtlCol="0" anchor="ctr"/>
+          <a:lstStyle/>
+          <a:p>
+            <a:pPr lvl="0" algn="ctr">
+              <a:lnSpc>
+                <a:spcPct val="87149"/>
+              </a:lnSpc>
+            </a:pPr>
+            <a:r>
+              <a:rPr lang="ko-KR" altLang="en-US" sz="2300" b="0" i="0" u="none" strike="noStrike" spc="-200" dirty="0">
+                <a:solidFill>
+                  <a:srgbClr val="C5C0BC"/>
+                </a:solidFill>
+                <a:latin typeface="Montserrat Bold"/>
+              </a:rPr>
+              <a:t>데이터베이스의 개념</a:t>
+            </a:r>
+            <a:endParaRPr lang="en-US" sz="2300" b="0" i="0" u="none" strike="noStrike" spc="-200" dirty="0">
+              <a:solidFill>
+                <a:srgbClr val="C5C0BC"/>
+              </a:solidFill>
+              <a:latin typeface="Montserrat Bold"/>
+            </a:endParaRPr>
+          </a:p>
+        </p:txBody>
+      </p:sp>
+      <p:sp>
+        <p:nvSpPr>
+          <p:cNvPr id="21" name="TextBox 21"/>
+          <p:cNvSpPr txBox="1"/>
+          <p:nvPr/>
+        </p:nvSpPr>
+        <p:spPr>
+          <a:xfrm>
+            <a:off x="5651500" y="5613400"/>
+            <a:ext cx="7251700" cy="825500"/>
+          </a:xfrm>
+          <a:prstGeom prst="rect">
+            <a:avLst/>
+          </a:prstGeom>
+        </p:spPr>
+        <p:txBody>
+          <a:bodyPr lIns="0" tIns="0" rIns="0" bIns="0" rtlCol="0" anchor="ctr"/>
+          <a:lstStyle/>
+          <a:p>
+            <a:pPr lvl="0" algn="l">
+              <a:lnSpc>
+                <a:spcPct val="112050"/>
+              </a:lnSpc>
+            </a:pPr>
+            <a:r>
+              <a:rPr lang="ko-KR" altLang="en-US" sz="1600" b="0" i="0" u="none" strike="noStrike" spc="-100" dirty="0">
+                <a:solidFill>
+                  <a:srgbClr val="545454">
+                    <a:alpha val="67059"/>
+                  </a:srgbClr>
+                </a:solidFill>
+                <a:latin typeface="Montserrat Medium"/>
+              </a:rPr>
+              <a:t>데이터베이스는 공용으로 활용하기 위해 통합하여 저장한 운영 데이터의 집합</a:t>
+            </a:r>
+            <a:endParaRPr lang="en-US" sz="1600" b="0" i="0" u="none" strike="noStrike" spc="-100" dirty="0">
+              <a:solidFill>
+                <a:srgbClr val="545454">
+                  <a:alpha val="67059"/>
+                </a:srgbClr>
+              </a:solidFill>
+              <a:latin typeface="Montserrat Medium"/>
+            </a:endParaRPr>
+          </a:p>
+        </p:txBody>
+      </p:sp>
+      <p:sp>
+        <p:nvSpPr>
+          <p:cNvPr id="22" name="TextBox 22"/>
+          <p:cNvSpPr txBox="1"/>
+          <p:nvPr/>
+        </p:nvSpPr>
+        <p:spPr>
+          <a:xfrm>
+            <a:off x="14147800" y="5727700"/>
+            <a:ext cx="2235200" cy="571500"/>
+          </a:xfrm>
+          <a:prstGeom prst="rect">
+            <a:avLst/>
+          </a:prstGeom>
+        </p:spPr>
+        <p:txBody>
+          <a:bodyPr lIns="0" tIns="0" rIns="0" bIns="0" rtlCol="0" anchor="ctr"/>
+          <a:lstStyle/>
+          <a:p>
+            <a:pPr lvl="0" algn="l">
+              <a:lnSpc>
+                <a:spcPct val="100429"/>
+              </a:lnSpc>
+            </a:pPr>
+            <a:r>
+              <a:rPr lang="en-US" sz="1700" b="0" i="0" u="none" strike="noStrike" spc="-100" dirty="0">
+                <a:solidFill>
+                  <a:srgbClr val="F9F9F9"/>
+                </a:solidFill>
+                <a:latin typeface="Montserrat SemiBold"/>
+              </a:rPr>
+              <a:t>EX) </a:t>
+            </a:r>
+            <a:r>
+              <a:rPr lang="ko-KR" altLang="en-US" sz="1700" b="0" i="0" u="none" strike="noStrike" spc="-100" dirty="0">
+                <a:solidFill>
+                  <a:srgbClr val="F9F9F9"/>
+                </a:solidFill>
+                <a:latin typeface="Montserrat SemiBold"/>
+              </a:rPr>
+              <a:t>책을 담고 있는 책장</a:t>
+            </a:r>
+            <a:endParaRPr lang="en-US" sz="1700" b="0" i="0" u="none" strike="noStrike" spc="-100" dirty="0">
+              <a:solidFill>
+                <a:srgbClr val="F9F9F9"/>
+              </a:solidFill>
+              <a:latin typeface="Montserrat SemiBold"/>
+            </a:endParaRPr>
+          </a:p>
+        </p:txBody>
+      </p:sp>
+      <p:sp>
+        <p:nvSpPr>
+          <p:cNvPr id="23" name="TextBox 23"/>
+          <p:cNvSpPr txBox="1"/>
+          <p:nvPr/>
+        </p:nvSpPr>
+        <p:spPr>
+          <a:xfrm>
+            <a:off x="381000" y="241300"/>
+            <a:ext cx="4318000" cy="228600"/>
+          </a:xfrm>
+          <a:prstGeom prst="rect">
+            <a:avLst/>
+          </a:prstGeom>
+        </p:spPr>
+        <p:txBody>
+          <a:bodyPr lIns="0" tIns="0" rIns="0" bIns="0" rtlCol="0" anchor="ctr"/>
+          <a:lstStyle/>
+          <a:p>
+            <a:pPr lvl="0" algn="l">
+              <a:lnSpc>
+                <a:spcPct val="146910"/>
+              </a:lnSpc>
+            </a:pPr>
+            <a:r>
+              <a:rPr lang="en-US" sz="1300" b="0" i="0" u="none" strike="noStrike" spc="100">
+                <a:solidFill>
+                  <a:srgbClr val="F9F9F9">
+                    <a:alpha val="94118"/>
+                  </a:srgbClr>
+                </a:solidFill>
+                <a:latin typeface="Montserrat SemiBold"/>
+              </a:rPr>
+              <a:t>Mechanical Engineering Lab</a:t>
+            </a:r>
+          </a:p>
+        </p:txBody>
+      </p:sp>
+      <p:sp>
+        <p:nvSpPr>
+          <p:cNvPr id="24" name="TextBox 24"/>
+          <p:cNvSpPr txBox="1"/>
+          <p:nvPr/>
+        </p:nvSpPr>
+        <p:spPr>
+          <a:xfrm>
+            <a:off x="12827000" y="9766300"/>
+            <a:ext cx="4876800" cy="215900"/>
+          </a:xfrm>
+          <a:prstGeom prst="rect">
+            <a:avLst/>
+          </a:prstGeom>
+        </p:spPr>
+        <p:txBody>
+          <a:bodyPr lIns="0" tIns="0" rIns="0" bIns="0" rtlCol="0" anchor="ctr"/>
+          <a:lstStyle/>
+          <a:p>
+            <a:pPr lvl="0" algn="r">
+              <a:lnSpc>
+                <a:spcPct val="146910"/>
+              </a:lnSpc>
+            </a:pPr>
+            <a:r>
+              <a:rPr lang="en-US" sz="1200" b="0" i="0" u="none" strike="noStrike" spc="100">
+                <a:solidFill>
+                  <a:srgbClr val="C5C0BC"/>
+                </a:solidFill>
+                <a:latin typeface="Montserrat SemiBold"/>
+              </a:rPr>
+              <a:t>Mirimiri @miricanvas.com</a:t>
+            </a:r>
+          </a:p>
+        </p:txBody>
+      </p:sp>
+      <p:sp>
+        <p:nvSpPr>
+          <p:cNvPr id="25" name="TextBox 25"/>
+          <p:cNvSpPr txBox="1"/>
+          <p:nvPr/>
+        </p:nvSpPr>
+        <p:spPr>
+          <a:xfrm>
+            <a:off x="1651000" y="1371600"/>
+            <a:ext cx="14986000" cy="1333500"/>
+          </a:xfrm>
+          <a:prstGeom prst="rect">
+            <a:avLst/>
+          </a:prstGeom>
+        </p:spPr>
+        <p:txBody>
+          <a:bodyPr lIns="0" tIns="0" rIns="0" bIns="0" rtlCol="0" anchor="ctr"/>
+          <a:lstStyle/>
+          <a:p>
+            <a:pPr lvl="0" algn="ctr">
+              <a:lnSpc>
+                <a:spcPct val="83000"/>
+              </a:lnSpc>
+            </a:pPr>
+            <a:r>
+              <a:rPr lang="ko-KR" altLang="en-US" sz="7500" b="0" i="0" u="none" strike="noStrike" spc="-300" dirty="0">
+                <a:solidFill>
+                  <a:srgbClr val="000000"/>
+                </a:solidFill>
+                <a:latin typeface="Montserrat Bold"/>
+              </a:rPr>
+              <a:t>데이터베이스</a:t>
+            </a:r>
+            <a:endParaRPr lang="en-US" sz="7500" b="0" i="0" u="none" strike="noStrike" spc="-300" dirty="0">
+              <a:solidFill>
+                <a:srgbClr val="000000"/>
+              </a:solidFill>
+              <a:latin typeface="Montserrat Bold"/>
+            </a:endParaRPr>
+          </a:p>
+        </p:txBody>
+      </p:sp>
+      <p:sp>
+        <p:nvSpPr>
+          <p:cNvPr id="26" name="TextBox 26"/>
+          <p:cNvSpPr txBox="1"/>
+          <p:nvPr/>
+        </p:nvSpPr>
+        <p:spPr>
+          <a:xfrm>
+            <a:off x="6832600" y="2616200"/>
+            <a:ext cx="4635500" cy="228600"/>
+          </a:xfrm>
+          <a:prstGeom prst="rect">
+            <a:avLst/>
+          </a:prstGeom>
+        </p:spPr>
+        <p:txBody>
+          <a:bodyPr lIns="0" tIns="0" rIns="0" bIns="0" rtlCol="0" anchor="ctr"/>
+          <a:lstStyle/>
+          <a:p>
+            <a:pPr lvl="0" algn="ctr">
+              <a:lnSpc>
+                <a:spcPct val="76360"/>
+              </a:lnSpc>
+            </a:pPr>
+            <a:r>
+              <a:rPr lang="en-US" sz="1300" b="0" i="0" u="none" strike="noStrike" spc="100">
+                <a:solidFill>
+                  <a:srgbClr val="000000">
+                    <a:alpha val="21176"/>
+                  </a:srgbClr>
+                </a:solidFill>
+                <a:latin typeface="Montserrat SemiBold"/>
+              </a:rPr>
+              <a:t>Professor's lecture</a:t>
+            </a:r>
+          </a:p>
+        </p:txBody>
+      </p:sp>
+    </p:spTree>
+  </p:cSld>
+  <p:clrMapOvr>
+    <a:masterClrMapping/>
+  </p:clrMapOvr>
+</p:sld>
+</file>
+
+<file path=ppt/slides/slide5.xml><?xml version="1.0" encoding="utf-8"?>
+<p:sld xmlns:a="http://schemas.openxmlformats.org/drawingml/2006/main" xmlns:r="http://schemas.openxmlformats.org/officeDocument/2006/relationships" xmlns:p="http://schemas.openxmlformats.org/presentationml/2006/main">
+  <p:cSld>
+    <p:bg>
+      <p:bgPr>
+        <a:solidFill>
+          <a:srgbClr val="F9F9F9"/>
+        </a:solidFill>
+        <a:effectLst/>
+      </p:bgPr>
+    </p:bg>
+    <p:spTree>
+      <p:nvGrpSpPr>
+        <p:cNvPr id="1" name=""/>
+        <p:cNvGrpSpPr/>
+        <p:nvPr/>
+      </p:nvGrpSpPr>
+      <p:grpSpPr>
+        <a:xfrm>
+          <a:off x="0" y="0"/>
+          <a:ext cx="0" cy="0"/>
+          <a:chOff x="0" y="0"/>
+          <a:chExt cx="0" cy="0"/>
+        </a:xfrm>
+      </p:grpSpPr>
+      <p:pic>
+        <p:nvPicPr>
+          <p:cNvPr id="2" name="Picture 2"/>
+          <p:cNvPicPr>
+            <a:picLocks noChangeAspect="1"/>
+          </p:cNvPicPr>
+          <p:nvPr/>
+        </p:nvPicPr>
+        <p:blipFill>
+          <a:blip r:embed="rId2"/>
+          <a:stretch>
+            <a:fillRect/>
+          </a:stretch>
+        </p:blipFill>
+        <p:spPr>
+          <a:xfrm>
+            <a:off x="0" y="0"/>
+            <a:ext cx="18288000" cy="762000"/>
+          </a:xfrm>
+          <a:prstGeom prst="rect">
+            <a:avLst/>
+          </a:prstGeom>
+        </p:spPr>
+      </p:pic>
+      <p:pic>
+        <p:nvPicPr>
+          <p:cNvPr id="3" name="Picture 3"/>
+          <p:cNvPicPr>
+            <a:picLocks noChangeAspect="1"/>
+          </p:cNvPicPr>
+          <p:nvPr/>
+        </p:nvPicPr>
+        <p:blipFill>
+          <a:blip r:embed="rId3"/>
+          <a:stretch>
+            <a:fillRect/>
+          </a:stretch>
+        </p:blipFill>
+        <p:spPr>
+          <a:xfrm>
+            <a:off x="9144000" y="0"/>
+            <a:ext cx="9144000" cy="762000"/>
+          </a:xfrm>
+          <a:prstGeom prst="rect">
+            <a:avLst/>
+          </a:prstGeom>
+        </p:spPr>
+      </p:pic>
+      <p:pic>
+        <p:nvPicPr>
+          <p:cNvPr id="4" name="Picture 4"/>
+          <p:cNvPicPr>
+            <a:picLocks noChangeAspect="1"/>
+          </p:cNvPicPr>
+          <p:nvPr/>
+        </p:nvPicPr>
+        <p:blipFill>
+          <a:blip r:embed="rId4"/>
+          <a:stretch>
+            <a:fillRect/>
+          </a:stretch>
+        </p:blipFill>
+        <p:spPr>
+          <a:xfrm>
+            <a:off x="571500" y="9512300"/>
+            <a:ext cx="17145000" cy="25400"/>
+          </a:xfrm>
+          <a:prstGeom prst="rect">
+            <a:avLst/>
+          </a:prstGeom>
+        </p:spPr>
+      </p:pic>
+      <p:pic>
+        <p:nvPicPr>
+          <p:cNvPr id="5" name="Picture 5"/>
+          <p:cNvPicPr>
+            <a:picLocks noChangeAspect="1"/>
+          </p:cNvPicPr>
+          <p:nvPr/>
+        </p:nvPicPr>
+        <p:blipFill>
+          <a:blip r:embed="rId5">
+            <a:alphaModFix amt="60000"/>
+          </a:blip>
+          <a:stretch>
+            <a:fillRect/>
+          </a:stretch>
+        </p:blipFill>
+        <p:spPr>
+          <a:xfrm>
+            <a:off x="1612900" y="3340100"/>
+            <a:ext cx="7429500" cy="2616200"/>
+          </a:xfrm>
+          <a:prstGeom prst="rect">
+            <a:avLst/>
+          </a:prstGeom>
+        </p:spPr>
+      </p:pic>
+      <p:pic>
+        <p:nvPicPr>
+          <p:cNvPr id="6" name="Picture 6"/>
+          <p:cNvPicPr>
+            <a:picLocks noChangeAspect="1"/>
+          </p:cNvPicPr>
+          <p:nvPr/>
+        </p:nvPicPr>
+        <p:blipFill>
+          <a:blip r:embed="rId6"/>
+          <a:stretch>
+            <a:fillRect/>
+          </a:stretch>
+        </p:blipFill>
+        <p:spPr>
+          <a:xfrm>
+            <a:off x="1612900" y="3340100"/>
+            <a:ext cx="7429500" cy="762000"/>
+          </a:xfrm>
+          <a:prstGeom prst="rect">
+            <a:avLst/>
+          </a:prstGeom>
+        </p:spPr>
+      </p:pic>
+      <p:pic>
+        <p:nvPicPr>
+          <p:cNvPr id="7" name="Picture 7"/>
+          <p:cNvPicPr>
+            <a:picLocks noChangeAspect="1"/>
+          </p:cNvPicPr>
+          <p:nvPr/>
+        </p:nvPicPr>
+        <p:blipFill>
+          <a:blip r:embed="rId7">
+            <a:alphaModFix amt="43000"/>
+          </a:blip>
+          <a:stretch>
+            <a:fillRect/>
+          </a:stretch>
+        </p:blipFill>
+        <p:spPr>
+          <a:xfrm>
+            <a:off x="9245600" y="3340100"/>
+            <a:ext cx="7429500" cy="2616200"/>
+          </a:xfrm>
+          <a:prstGeom prst="rect">
+            <a:avLst/>
+          </a:prstGeom>
+        </p:spPr>
+      </p:pic>
+      <p:pic>
+        <p:nvPicPr>
+          <p:cNvPr id="8" name="Picture 8"/>
+          <p:cNvPicPr>
+            <a:picLocks noChangeAspect="1"/>
+          </p:cNvPicPr>
+          <p:nvPr/>
+        </p:nvPicPr>
+        <p:blipFill>
+          <a:blip r:embed="rId8"/>
+          <a:stretch>
+            <a:fillRect/>
+          </a:stretch>
+        </p:blipFill>
+        <p:spPr>
+          <a:xfrm>
+            <a:off x="9245600" y="3340100"/>
+            <a:ext cx="7429500" cy="762000"/>
+          </a:xfrm>
+          <a:prstGeom prst="rect">
+            <a:avLst/>
+          </a:prstGeom>
+        </p:spPr>
+      </p:pic>
+      <p:pic>
+        <p:nvPicPr>
+          <p:cNvPr id="9" name="Picture 9"/>
+          <p:cNvPicPr>
+            <a:picLocks noChangeAspect="1"/>
+          </p:cNvPicPr>
+          <p:nvPr/>
+        </p:nvPicPr>
+        <p:blipFill>
+          <a:blip r:embed="rId7">
+            <a:alphaModFix amt="43000"/>
+          </a:blip>
+          <a:stretch>
+            <a:fillRect/>
+          </a:stretch>
+        </p:blipFill>
+        <p:spPr>
+          <a:xfrm>
+            <a:off x="1612900" y="6159500"/>
+            <a:ext cx="7429500" cy="2616200"/>
+          </a:xfrm>
+          <a:prstGeom prst="rect">
+            <a:avLst/>
+          </a:prstGeom>
+        </p:spPr>
+      </p:pic>
+      <p:pic>
+        <p:nvPicPr>
+          <p:cNvPr id="10" name="Picture 10"/>
+          <p:cNvPicPr>
+            <a:picLocks noChangeAspect="1"/>
+          </p:cNvPicPr>
+          <p:nvPr/>
+        </p:nvPicPr>
+        <p:blipFill>
+          <a:blip r:embed="rId8"/>
+          <a:stretch>
+            <a:fillRect/>
+          </a:stretch>
+        </p:blipFill>
+        <p:spPr>
+          <a:xfrm>
+            <a:off x="1612900" y="6146800"/>
+            <a:ext cx="7429500" cy="762000"/>
+          </a:xfrm>
+          <a:prstGeom prst="rect">
+            <a:avLst/>
+          </a:prstGeom>
+        </p:spPr>
+      </p:pic>
+      <p:pic>
+        <p:nvPicPr>
+          <p:cNvPr id="11" name="Picture 11"/>
+          <p:cNvPicPr>
+            <a:picLocks noChangeAspect="1"/>
+          </p:cNvPicPr>
+          <p:nvPr/>
+        </p:nvPicPr>
+        <p:blipFill>
+          <a:blip r:embed="rId5">
+            <a:alphaModFix amt="60000"/>
+          </a:blip>
+          <a:stretch>
+            <a:fillRect/>
+          </a:stretch>
+        </p:blipFill>
+        <p:spPr>
+          <a:xfrm>
+            <a:off x="9245600" y="6159500"/>
+            <a:ext cx="7429500" cy="2616200"/>
+          </a:xfrm>
+          <a:prstGeom prst="rect">
+            <a:avLst/>
+          </a:prstGeom>
+        </p:spPr>
+      </p:pic>
+      <p:pic>
+        <p:nvPicPr>
+          <p:cNvPr id="12" name="Picture 12"/>
+          <p:cNvPicPr>
+            <a:picLocks noChangeAspect="1"/>
+          </p:cNvPicPr>
+          <p:nvPr/>
+        </p:nvPicPr>
+        <p:blipFill>
+          <a:blip r:embed="rId6"/>
+          <a:stretch>
+            <a:fillRect/>
+          </a:stretch>
+        </p:blipFill>
+        <p:spPr>
+          <a:xfrm>
+            <a:off x="9245600" y="6146800"/>
+            <a:ext cx="7429500" cy="762000"/>
+          </a:xfrm>
+          <a:prstGeom prst="rect">
+            <a:avLst/>
+          </a:prstGeom>
+        </p:spPr>
+      </p:pic>
+      <p:sp>
+        <p:nvSpPr>
+          <p:cNvPr id="13" name="TextBox 13"/>
+          <p:cNvSpPr txBox="1"/>
+          <p:nvPr/>
+        </p:nvSpPr>
+        <p:spPr>
+          <a:xfrm>
+            <a:off x="9690100" y="7277100"/>
+            <a:ext cx="6858000" cy="1028700"/>
+          </a:xfrm>
+          <a:prstGeom prst="rect">
+            <a:avLst/>
+          </a:prstGeom>
+        </p:spPr>
+        <p:txBody>
+          <a:bodyPr lIns="0" tIns="0" rIns="0" bIns="0" rtlCol="0" anchor="ctr"/>
+          <a:lstStyle/>
+          <a:p>
+            <a:pPr lvl="0" algn="l">
+              <a:lnSpc>
+                <a:spcPct val="112050"/>
+              </a:lnSpc>
+            </a:pPr>
+            <a:r>
+              <a:rPr lang="ko-KR" altLang="en-US" sz="1500" b="0" i="0" u="none" strike="noStrike" spc="-100" dirty="0">
+                <a:solidFill>
+                  <a:srgbClr val="545454">
+                    <a:alpha val="67059"/>
+                  </a:srgbClr>
+                </a:solidFill>
+                <a:latin typeface="Montserrat Medium"/>
+              </a:rPr>
+              <a:t>비인가 사용자의 접근 제어 및 중요 정보의 암호화</a:t>
+            </a:r>
+            <a:endParaRPr lang="en-US" altLang="ko-KR" sz="1500" b="0" i="0" u="none" strike="noStrike" spc="-100" dirty="0">
+              <a:solidFill>
+                <a:srgbClr val="545454">
+                  <a:alpha val="67059"/>
+                </a:srgbClr>
+              </a:solidFill>
+              <a:latin typeface="Montserrat Medium"/>
+            </a:endParaRPr>
+          </a:p>
+        </p:txBody>
+      </p:sp>
+      <p:sp>
+        <p:nvSpPr>
+          <p:cNvPr id="14" name="TextBox 14"/>
+          <p:cNvSpPr txBox="1"/>
+          <p:nvPr/>
+        </p:nvSpPr>
+        <p:spPr>
+          <a:xfrm>
+            <a:off x="9601200" y="6362700"/>
+            <a:ext cx="6705600" cy="317500"/>
+          </a:xfrm>
+          <a:prstGeom prst="rect">
+            <a:avLst/>
+          </a:prstGeom>
+        </p:spPr>
+        <p:txBody>
+          <a:bodyPr lIns="0" tIns="0" rIns="0" bIns="0" rtlCol="0" anchor="ctr"/>
+          <a:lstStyle/>
+          <a:p>
+            <a:pPr lvl="0" algn="ctr">
+              <a:lnSpc>
+                <a:spcPct val="97940"/>
+              </a:lnSpc>
+            </a:pPr>
+            <a:r>
+              <a:rPr lang="ko-KR" altLang="en-US" sz="1800" b="0" i="0" u="none" strike="noStrike" spc="-100" dirty="0">
+                <a:solidFill>
+                  <a:srgbClr val="FFFFFF"/>
+                </a:solidFill>
+                <a:latin typeface="Montserrat Bold"/>
+              </a:rPr>
+              <a:t>보안 관리</a:t>
+            </a:r>
+            <a:endParaRPr lang="en-US" sz="1800" b="0" i="0" u="none" strike="noStrike" spc="-100" dirty="0">
+              <a:solidFill>
+                <a:srgbClr val="FFFFFF"/>
+              </a:solidFill>
+              <a:latin typeface="Montserrat Bold"/>
+            </a:endParaRPr>
+          </a:p>
+        </p:txBody>
+      </p:sp>
+      <p:sp>
+        <p:nvSpPr>
+          <p:cNvPr id="15" name="TextBox 15"/>
+          <p:cNvSpPr txBox="1"/>
+          <p:nvPr/>
+        </p:nvSpPr>
+        <p:spPr>
+          <a:xfrm>
+            <a:off x="2070100" y="4470400"/>
+            <a:ext cx="6858000" cy="1028700"/>
+          </a:xfrm>
+          <a:prstGeom prst="rect">
+            <a:avLst/>
+          </a:prstGeom>
+        </p:spPr>
+        <p:txBody>
+          <a:bodyPr lIns="0" tIns="0" rIns="0" bIns="0" rtlCol="0" anchor="ctr"/>
+          <a:lstStyle/>
+          <a:p>
+            <a:pPr lvl="0" algn="l">
+              <a:lnSpc>
+                <a:spcPct val="112050"/>
+              </a:lnSpc>
+            </a:pPr>
+            <a:r>
+              <a:rPr lang="ko-KR" altLang="en-US" sz="1500" b="0" i="0" u="none" strike="noStrike" spc="-100" dirty="0">
+                <a:solidFill>
+                  <a:srgbClr val="545454">
+                    <a:alpha val="67059"/>
+                  </a:srgbClr>
+                </a:solidFill>
+                <a:latin typeface="Montserrat Medium"/>
+              </a:rPr>
+              <a:t>다수 트랜잭션의 </a:t>
+            </a:r>
+            <a:r>
+              <a:rPr lang="ko-KR" altLang="en-US" sz="1500" spc="-100" dirty="0">
+                <a:solidFill>
+                  <a:srgbClr val="545454">
+                    <a:alpha val="67059"/>
+                  </a:srgbClr>
+                </a:solidFill>
+                <a:latin typeface="Montserrat Medium"/>
+              </a:rPr>
+              <a:t>동시 처리로부터 데이터 무결성 확보를 위한 제어 수행</a:t>
+            </a:r>
+            <a:endParaRPr lang="en-US" sz="1500" b="0" i="0" u="none" strike="noStrike" spc="-100" dirty="0">
+              <a:solidFill>
+                <a:srgbClr val="545454">
+                  <a:alpha val="67059"/>
+                </a:srgbClr>
+              </a:solidFill>
+              <a:latin typeface="Montserrat Medium"/>
+            </a:endParaRPr>
+          </a:p>
+        </p:txBody>
+      </p:sp>
+      <p:sp>
+        <p:nvSpPr>
+          <p:cNvPr id="16" name="TextBox 16"/>
+          <p:cNvSpPr txBox="1"/>
+          <p:nvPr/>
+        </p:nvSpPr>
+        <p:spPr>
+          <a:xfrm>
+            <a:off x="1981200" y="3556000"/>
+            <a:ext cx="6705600" cy="317500"/>
+          </a:xfrm>
+          <a:prstGeom prst="rect">
+            <a:avLst/>
+          </a:prstGeom>
+        </p:spPr>
+        <p:txBody>
+          <a:bodyPr lIns="0" tIns="0" rIns="0" bIns="0" rtlCol="0" anchor="ctr"/>
+          <a:lstStyle/>
+          <a:p>
+            <a:pPr lvl="0" algn="ctr">
+              <a:lnSpc>
+                <a:spcPct val="97940"/>
+              </a:lnSpc>
+            </a:pPr>
+            <a:r>
+              <a:rPr lang="ko-KR" altLang="en-US" sz="1800" b="0" i="0" u="none" strike="noStrike" spc="-100" dirty="0">
+                <a:solidFill>
+                  <a:srgbClr val="FFFFFF"/>
+                </a:solidFill>
+                <a:latin typeface="Montserrat Bold"/>
+              </a:rPr>
+              <a:t>동시성 제어</a:t>
+            </a:r>
+            <a:endParaRPr lang="en-US" sz="1800" b="0" i="0" u="none" strike="noStrike" spc="-100" dirty="0">
+              <a:solidFill>
+                <a:srgbClr val="FFFFFF"/>
+              </a:solidFill>
+              <a:latin typeface="Montserrat Bold"/>
+            </a:endParaRPr>
+          </a:p>
+        </p:txBody>
+      </p:sp>
+      <p:sp>
+        <p:nvSpPr>
+          <p:cNvPr id="17" name="TextBox 17"/>
+          <p:cNvSpPr txBox="1"/>
+          <p:nvPr/>
+        </p:nvSpPr>
+        <p:spPr>
+          <a:xfrm>
+            <a:off x="9690100" y="4470400"/>
+            <a:ext cx="6858000" cy="1028700"/>
+          </a:xfrm>
+          <a:prstGeom prst="rect">
+            <a:avLst/>
+          </a:prstGeom>
+        </p:spPr>
+        <p:txBody>
+          <a:bodyPr lIns="0" tIns="0" rIns="0" bIns="0" rtlCol="0" anchor="ctr"/>
+          <a:lstStyle/>
+          <a:p>
+            <a:pPr lvl="0" algn="l">
+              <a:lnSpc>
+                <a:spcPct val="112050"/>
+              </a:lnSpc>
+            </a:pPr>
+            <a:r>
+              <a:rPr lang="ko-KR" altLang="en-US" sz="1500" spc="-100" dirty="0">
+                <a:solidFill>
+                  <a:srgbClr val="545454">
+                    <a:alpha val="67059"/>
+                  </a:srgbClr>
+                </a:solidFill>
+                <a:latin typeface="Montserrat Medium"/>
+              </a:rPr>
+              <a:t>시스템 오류 및 장애로 인한 데이터 손실 및 결함의 대응</a:t>
+            </a:r>
+            <a:endParaRPr lang="en-US" sz="1500" b="0" i="0" u="none" strike="noStrike" spc="-100" dirty="0">
+              <a:solidFill>
+                <a:srgbClr val="545454">
+                  <a:alpha val="67059"/>
+                </a:srgbClr>
+              </a:solidFill>
+              <a:latin typeface="Montserrat Medium"/>
+            </a:endParaRPr>
+          </a:p>
+        </p:txBody>
+      </p:sp>
+      <p:sp>
+        <p:nvSpPr>
+          <p:cNvPr id="18" name="TextBox 18"/>
+          <p:cNvSpPr txBox="1"/>
+          <p:nvPr/>
+        </p:nvSpPr>
+        <p:spPr>
+          <a:xfrm>
+            <a:off x="9601200" y="3556000"/>
+            <a:ext cx="6705600" cy="317500"/>
+          </a:xfrm>
+          <a:prstGeom prst="rect">
+            <a:avLst/>
+          </a:prstGeom>
+        </p:spPr>
+        <p:txBody>
+          <a:bodyPr lIns="0" tIns="0" rIns="0" bIns="0" rtlCol="0" anchor="ctr"/>
+          <a:lstStyle/>
+          <a:p>
+            <a:pPr lvl="0" algn="ctr">
+              <a:lnSpc>
+                <a:spcPct val="97940"/>
+              </a:lnSpc>
+            </a:pPr>
+            <a:r>
+              <a:rPr lang="ko-KR" altLang="en-US" sz="1800" b="0" i="0" u="none" strike="noStrike" spc="-100" dirty="0">
+                <a:solidFill>
+                  <a:srgbClr val="FFFFFF"/>
+                </a:solidFill>
+                <a:latin typeface="Montserrat Bold"/>
+              </a:rPr>
+              <a:t>회복 관리</a:t>
+            </a:r>
+            <a:endParaRPr lang="en-US" sz="1800" b="0" i="0" u="none" strike="noStrike" spc="-100" dirty="0">
+              <a:solidFill>
+                <a:srgbClr val="FFFFFF"/>
+              </a:solidFill>
+              <a:latin typeface="Montserrat Bold"/>
+            </a:endParaRPr>
+          </a:p>
+        </p:txBody>
+      </p:sp>
+      <p:sp>
+        <p:nvSpPr>
+          <p:cNvPr id="19" name="TextBox 19"/>
+          <p:cNvSpPr txBox="1"/>
+          <p:nvPr/>
+        </p:nvSpPr>
+        <p:spPr>
+          <a:xfrm>
+            <a:off x="2070100" y="7277100"/>
+            <a:ext cx="6858000" cy="1028700"/>
+          </a:xfrm>
+          <a:prstGeom prst="rect">
+            <a:avLst/>
+          </a:prstGeom>
+        </p:spPr>
+        <p:txBody>
+          <a:bodyPr lIns="0" tIns="0" rIns="0" bIns="0" rtlCol="0" anchor="ctr"/>
+          <a:lstStyle/>
+          <a:p>
+            <a:pPr lvl="0" algn="l">
+              <a:lnSpc>
+                <a:spcPct val="112050"/>
+              </a:lnSpc>
+            </a:pPr>
+            <a:r>
+              <a:rPr lang="ko-KR" altLang="en-US" sz="1500" b="0" i="0" u="none" strike="noStrike" spc="-100" dirty="0">
+                <a:solidFill>
+                  <a:srgbClr val="545454">
+                    <a:alpha val="67059"/>
+                  </a:srgbClr>
+                </a:solidFill>
+                <a:latin typeface="Montserrat Medium"/>
+              </a:rPr>
+              <a:t>데이터 처리 속도 확보를 위한 실행 계획의 최적화</a:t>
+            </a:r>
+            <a:endParaRPr lang="en-US" sz="1500" b="0" i="0" u="none" strike="noStrike" spc="-100" dirty="0">
+              <a:solidFill>
+                <a:srgbClr val="545454">
+                  <a:alpha val="67059"/>
+                </a:srgbClr>
+              </a:solidFill>
+              <a:latin typeface="Montserrat Medium"/>
+            </a:endParaRPr>
+          </a:p>
+        </p:txBody>
+      </p:sp>
+      <p:sp>
+        <p:nvSpPr>
+          <p:cNvPr id="20" name="TextBox 20"/>
+          <p:cNvSpPr txBox="1"/>
+          <p:nvPr/>
+        </p:nvSpPr>
+        <p:spPr>
+          <a:xfrm>
+            <a:off x="1981200" y="6362700"/>
+            <a:ext cx="6705600" cy="317500"/>
+          </a:xfrm>
+          <a:prstGeom prst="rect">
+            <a:avLst/>
+          </a:prstGeom>
+        </p:spPr>
+        <p:txBody>
+          <a:bodyPr lIns="0" tIns="0" rIns="0" bIns="0" rtlCol="0" anchor="ctr"/>
+          <a:lstStyle/>
+          <a:p>
+            <a:pPr lvl="0" algn="ctr">
+              <a:lnSpc>
+                <a:spcPct val="97940"/>
+              </a:lnSpc>
+            </a:pPr>
+            <a:r>
+              <a:rPr lang="ko-KR" altLang="en-US" sz="1800" b="0" i="0" u="none" strike="noStrike" spc="-100" dirty="0">
+                <a:solidFill>
+                  <a:srgbClr val="FFFFFF"/>
+                </a:solidFill>
+                <a:latin typeface="Montserrat Bold"/>
+              </a:rPr>
+              <a:t>성능 관리</a:t>
+            </a:r>
+            <a:endParaRPr lang="en-US" sz="1800" b="0" i="0" u="none" strike="noStrike" spc="-100" dirty="0">
+              <a:solidFill>
+                <a:srgbClr val="FFFFFF"/>
+              </a:solidFill>
+              <a:latin typeface="Montserrat Bold"/>
+            </a:endParaRPr>
+          </a:p>
+        </p:txBody>
+      </p:sp>
+      <p:sp>
+        <p:nvSpPr>
+          <p:cNvPr id="21" name="TextBox 21"/>
+          <p:cNvSpPr txBox="1"/>
+          <p:nvPr/>
+        </p:nvSpPr>
+        <p:spPr>
+          <a:xfrm>
+            <a:off x="381000" y="241300"/>
+            <a:ext cx="4318000" cy="228600"/>
+          </a:xfrm>
+          <a:prstGeom prst="rect">
+            <a:avLst/>
+          </a:prstGeom>
+        </p:spPr>
+        <p:txBody>
+          <a:bodyPr lIns="0" tIns="0" rIns="0" bIns="0" rtlCol="0" anchor="ctr"/>
+          <a:lstStyle/>
+          <a:p>
+            <a:pPr lvl="0" algn="l">
+              <a:lnSpc>
+                <a:spcPct val="146910"/>
+              </a:lnSpc>
+            </a:pPr>
+            <a:r>
+              <a:rPr lang="en-US" sz="1300" b="0" i="0" u="none" strike="noStrike" spc="100">
+                <a:solidFill>
+                  <a:srgbClr val="F9F9F9">
+                    <a:alpha val="94118"/>
+                  </a:srgbClr>
+                </a:solidFill>
+                <a:latin typeface="Montserrat SemiBold"/>
+              </a:rPr>
+              <a:t>Mechanical Engineering Lab</a:t>
+            </a:r>
+          </a:p>
+        </p:txBody>
+      </p:sp>
+      <p:sp>
+        <p:nvSpPr>
+          <p:cNvPr id="22" name="TextBox 22"/>
+          <p:cNvSpPr txBox="1"/>
+          <p:nvPr/>
+        </p:nvSpPr>
+        <p:spPr>
+          <a:xfrm>
+            <a:off x="12827000" y="9766300"/>
+            <a:ext cx="4876800" cy="215900"/>
+          </a:xfrm>
+          <a:prstGeom prst="rect">
+            <a:avLst/>
+          </a:prstGeom>
+        </p:spPr>
+        <p:txBody>
+          <a:bodyPr lIns="0" tIns="0" rIns="0" bIns="0" rtlCol="0" anchor="ctr"/>
+          <a:lstStyle/>
+          <a:p>
+            <a:pPr lvl="0" algn="r">
+              <a:lnSpc>
+                <a:spcPct val="146910"/>
+              </a:lnSpc>
+            </a:pPr>
+            <a:r>
+              <a:rPr lang="en-US" sz="1200" b="0" i="0" u="none" strike="noStrike" spc="100">
+                <a:solidFill>
+                  <a:srgbClr val="C5C0BC"/>
+                </a:solidFill>
+                <a:latin typeface="Montserrat SemiBold"/>
+              </a:rPr>
+              <a:t>Mirimiri @miricanvas.com</a:t>
+            </a:r>
+          </a:p>
+        </p:txBody>
+      </p:sp>
+      <p:sp>
+        <p:nvSpPr>
+          <p:cNvPr id="23" name="TextBox 23"/>
+          <p:cNvSpPr txBox="1"/>
+          <p:nvPr/>
+        </p:nvSpPr>
+        <p:spPr>
+          <a:xfrm>
+            <a:off x="1651000" y="1079500"/>
+            <a:ext cx="14986000" cy="1333500"/>
+          </a:xfrm>
+          <a:prstGeom prst="rect">
+            <a:avLst/>
+          </a:prstGeom>
+        </p:spPr>
+        <p:txBody>
+          <a:bodyPr lIns="0" tIns="0" rIns="0" bIns="0" rtlCol="0" anchor="ctr"/>
+          <a:lstStyle/>
+          <a:p>
+            <a:pPr lvl="0" algn="ctr">
+              <a:lnSpc>
+                <a:spcPct val="83000"/>
+              </a:lnSpc>
+            </a:pPr>
+            <a:r>
+              <a:rPr lang="en-US" sz="4400" b="0" i="0" u="none" strike="noStrike" spc="-300" dirty="0">
+                <a:solidFill>
+                  <a:srgbClr val="000000"/>
+                </a:solidFill>
+                <a:latin typeface="Montserrat Bold"/>
+              </a:rPr>
+              <a:t>DBMS(Database Management System)</a:t>
+            </a:r>
+          </a:p>
+        </p:txBody>
+      </p:sp>
+      <p:sp>
+        <p:nvSpPr>
+          <p:cNvPr id="24" name="TextBox 24"/>
+          <p:cNvSpPr txBox="1"/>
+          <p:nvPr/>
+        </p:nvSpPr>
+        <p:spPr>
+          <a:xfrm>
+            <a:off x="4381500" y="2254250"/>
+            <a:ext cx="9563100" cy="527050"/>
+          </a:xfrm>
+          <a:prstGeom prst="rect">
+            <a:avLst/>
+          </a:prstGeom>
+        </p:spPr>
+        <p:txBody>
+          <a:bodyPr lIns="0" tIns="0" rIns="0" bIns="0" rtlCol="0" anchor="ctr"/>
+          <a:lstStyle/>
+          <a:p>
+            <a:pPr lvl="0" algn="ctr">
+              <a:lnSpc>
+                <a:spcPct val="76360"/>
+              </a:lnSpc>
+            </a:pPr>
+            <a:r>
+              <a:rPr lang="ko-KR" altLang="en-US" sz="1300" b="1" spc="100" dirty="0">
+                <a:solidFill>
+                  <a:schemeClr val="tx1">
+                    <a:lumMod val="75000"/>
+                    <a:lumOff val="25000"/>
+                    <a:alpha val="21176"/>
+                  </a:schemeClr>
+                </a:solidFill>
+                <a:latin typeface="Montserrat SemiBold"/>
+              </a:rPr>
+              <a:t>다수의 응용소프트웨어 및 사용자가 데이터베이스에 접근하여 </a:t>
+            </a:r>
+            <a:r>
+              <a:rPr lang="ko-KR" altLang="en-US" sz="1300" b="1" spc="100" dirty="0" err="1">
+                <a:solidFill>
+                  <a:schemeClr val="tx1">
+                    <a:lumMod val="75000"/>
+                    <a:lumOff val="25000"/>
+                    <a:alpha val="21176"/>
+                  </a:schemeClr>
+                </a:solidFill>
+                <a:latin typeface="Montserrat SemiBold"/>
+              </a:rPr>
+              <a:t>원할하게</a:t>
+            </a:r>
+            <a:r>
+              <a:rPr lang="ko-KR" altLang="en-US" sz="1300" b="1" spc="100" dirty="0">
+                <a:solidFill>
+                  <a:schemeClr val="tx1">
+                    <a:lumMod val="75000"/>
+                    <a:lumOff val="25000"/>
+                    <a:alpha val="21176"/>
+                  </a:schemeClr>
+                </a:solidFill>
+                <a:latin typeface="Montserrat SemiBold"/>
+              </a:rPr>
+              <a:t> 사용할 수 있도록 중간에서 관리해주는 시스템</a:t>
+            </a:r>
+            <a:endParaRPr lang="en-US" altLang="ko-KR" sz="1300" b="1" spc="100" dirty="0">
+              <a:solidFill>
+                <a:schemeClr val="tx1">
+                  <a:lumMod val="75000"/>
+                  <a:lumOff val="25000"/>
+                  <a:alpha val="21176"/>
+                </a:schemeClr>
+              </a:solidFill>
+              <a:latin typeface="Montserrat SemiBold"/>
+            </a:endParaRPr>
+          </a:p>
+          <a:p>
+            <a:pPr lvl="0" algn="ctr">
+              <a:lnSpc>
+                <a:spcPct val="76360"/>
+              </a:lnSpc>
+            </a:pPr>
+            <a:r>
+              <a:rPr lang="en-US" sz="1300" b="1" spc="100" dirty="0">
+                <a:solidFill>
+                  <a:schemeClr val="tx1">
+                    <a:lumMod val="75000"/>
+                    <a:lumOff val="25000"/>
+                    <a:alpha val="21176"/>
+                  </a:schemeClr>
+                </a:solidFill>
+                <a:latin typeface="Montserrat SemiBold"/>
+              </a:rPr>
+              <a:t>EX: </a:t>
+            </a:r>
+            <a:r>
+              <a:rPr lang="ko-KR" altLang="en-US" sz="1300" b="1" spc="100" dirty="0">
+                <a:solidFill>
+                  <a:schemeClr val="tx1">
+                    <a:lumMod val="75000"/>
+                    <a:lumOff val="25000"/>
+                    <a:alpha val="21176"/>
+                  </a:schemeClr>
+                </a:solidFill>
+                <a:latin typeface="Montserrat SemiBold"/>
+              </a:rPr>
+              <a:t>책장이 많은 도서관을 관리하는 사서</a:t>
+            </a:r>
+            <a:endParaRPr lang="en-US" sz="1300" b="1" i="0" u="none" strike="noStrike" spc="100" dirty="0">
+              <a:solidFill>
+                <a:schemeClr val="tx1">
+                  <a:lumMod val="75000"/>
+                  <a:lumOff val="25000"/>
+                  <a:alpha val="21176"/>
+                </a:schemeClr>
+              </a:solidFill>
+              <a:latin typeface="Montserrat SemiBold"/>
+            </a:endParaRPr>
+          </a:p>
+        </p:txBody>
+      </p:sp>
     </p:spTree>
   </p:cSld>
   <p:clrMapOvr>

--- a/응용SW기초기술활용.pptx
+++ b/응용SW기초기술활용.pptx
@@ -24,43 +24,45 @@
     <p:sldId id="273" r:id="rId18"/>
     <p:sldId id="286" r:id="rId19"/>
     <p:sldId id="261" r:id="rId20"/>
-    <p:sldId id="291" r:id="rId21"/>
-    <p:sldId id="288" r:id="rId22"/>
-    <p:sldId id="292" r:id="rId23"/>
-    <p:sldId id="296" r:id="rId24"/>
-    <p:sldId id="263" r:id="rId25"/>
+    <p:sldId id="298" r:id="rId21"/>
+    <p:sldId id="291" r:id="rId22"/>
+    <p:sldId id="288" r:id="rId23"/>
+    <p:sldId id="299" r:id="rId24"/>
+    <p:sldId id="292" r:id="rId25"/>
+    <p:sldId id="297" r:id="rId26"/>
+    <p:sldId id="263" r:id="rId27"/>
   </p:sldIdLst>
   <p:sldSz cx="18288000" cy="10287000"/>
   <p:notesSz cx="6858000" cy="9144000"/>
   <p:embeddedFontLst>
     <p:embeddedFont>
       <p:font typeface="Calibri" panose="020F0502020204030204" pitchFamily="34" charset="0"/>
-      <p:regular r:id="rId26"/>
-      <p:bold r:id="rId27"/>
-      <p:italic r:id="rId28"/>
-      <p:boldItalic r:id="rId29"/>
+      <p:regular r:id="rId28"/>
+      <p:bold r:id="rId29"/>
+      <p:italic r:id="rId30"/>
+      <p:boldItalic r:id="rId31"/>
     </p:embeddedFont>
     <p:embeddedFont>
       <p:font typeface="Montserrat Bold" panose="020B0600000101010101" charset="0"/>
-      <p:bold r:id="rId30"/>
+      <p:bold r:id="rId32"/>
     </p:embeddedFont>
     <p:embeddedFont>
       <p:font typeface="Montserrat ExtraBold" panose="00000900000000000000" pitchFamily="2" charset="0"/>
-      <p:bold r:id="rId31"/>
-      <p:boldItalic r:id="rId32"/>
-    </p:embeddedFont>
-    <p:embeddedFont>
-      <p:font typeface="Montserrat SemiBold" panose="00000700000000000000" pitchFamily="2" charset="0"/>
       <p:bold r:id="rId33"/>
       <p:boldItalic r:id="rId34"/>
     </p:embeddedFont>
     <p:embeddedFont>
+      <p:font typeface="Montserrat SemiBold" panose="00000700000000000000" pitchFamily="2" charset="0"/>
+      <p:bold r:id="rId35"/>
+      <p:boldItalic r:id="rId36"/>
+    </p:embeddedFont>
+    <p:embeddedFont>
       <p:font typeface="프리젠테이션 5 Medium" pitchFamily="2" charset="-127"/>
-      <p:regular r:id="rId35"/>
+      <p:regular r:id="rId37"/>
     </p:embeddedFont>
     <p:embeddedFont>
       <p:font typeface="프리젠테이션 6 SemiBold" pitchFamily="2" charset="-127"/>
-      <p:bold r:id="rId36"/>
+      <p:bold r:id="rId38"/>
     </p:embeddedFont>
   </p:embeddedFontLst>
   <p:defaultTextStyle>
@@ -357,7 +359,7 @@
             <a:fld id="{1D8BD707-D9CF-40AE-B4C6-C98DA3205C09}" type="datetimeFigureOut">
               <a:rPr lang="en-US" smtClean="0"/>
               <a:pPr/>
-              <a:t>8/7/2025</a:t>
+              <a:t>8/8/2025</a:t>
             </a:fld>
             <a:endParaRPr lang="en-US"/>
           </a:p>
@@ -522,7 +524,7 @@
             <a:fld id="{1D8BD707-D9CF-40AE-B4C6-C98DA3205C09}" type="datetimeFigureOut">
               <a:rPr lang="en-US" smtClean="0"/>
               <a:pPr/>
-              <a:t>8/7/2025</a:t>
+              <a:t>8/8/2025</a:t>
             </a:fld>
             <a:endParaRPr lang="en-US"/>
           </a:p>
@@ -697,7 +699,7 @@
             <a:fld id="{1D8BD707-D9CF-40AE-B4C6-C98DA3205C09}" type="datetimeFigureOut">
               <a:rPr lang="en-US" smtClean="0"/>
               <a:pPr/>
-              <a:t>8/7/2025</a:t>
+              <a:t>8/8/2025</a:t>
             </a:fld>
             <a:endParaRPr lang="en-US"/>
           </a:p>
@@ -862,7 +864,7 @@
             <a:fld id="{1D8BD707-D9CF-40AE-B4C6-C98DA3205C09}" type="datetimeFigureOut">
               <a:rPr lang="en-US" smtClean="0"/>
               <a:pPr/>
-              <a:t>8/7/2025</a:t>
+              <a:t>8/8/2025</a:t>
             </a:fld>
             <a:endParaRPr lang="en-US"/>
           </a:p>
@@ -1104,7 +1106,7 @@
             <a:fld id="{1D8BD707-D9CF-40AE-B4C6-C98DA3205C09}" type="datetimeFigureOut">
               <a:rPr lang="en-US" smtClean="0"/>
               <a:pPr/>
-              <a:t>8/7/2025</a:t>
+              <a:t>8/8/2025</a:t>
             </a:fld>
             <a:endParaRPr lang="en-US"/>
           </a:p>
@@ -1386,7 +1388,7 @@
             <a:fld id="{1D8BD707-D9CF-40AE-B4C6-C98DA3205C09}" type="datetimeFigureOut">
               <a:rPr lang="en-US" smtClean="0"/>
               <a:pPr/>
-              <a:t>8/7/2025</a:t>
+              <a:t>8/8/2025</a:t>
             </a:fld>
             <a:endParaRPr lang="en-US"/>
           </a:p>
@@ -1802,7 +1804,7 @@
             <a:fld id="{1D8BD707-D9CF-40AE-B4C6-C98DA3205C09}" type="datetimeFigureOut">
               <a:rPr lang="en-US" smtClean="0"/>
               <a:pPr/>
-              <a:t>8/7/2025</a:t>
+              <a:t>8/8/2025</a:t>
             </a:fld>
             <a:endParaRPr lang="en-US"/>
           </a:p>
@@ -1916,7 +1918,7 @@
             <a:fld id="{1D8BD707-D9CF-40AE-B4C6-C98DA3205C09}" type="datetimeFigureOut">
               <a:rPr lang="en-US" smtClean="0"/>
               <a:pPr/>
-              <a:t>8/7/2025</a:t>
+              <a:t>8/8/2025</a:t>
             </a:fld>
             <a:endParaRPr lang="en-US"/>
           </a:p>
@@ -2008,7 +2010,7 @@
             <a:fld id="{1D8BD707-D9CF-40AE-B4C6-C98DA3205C09}" type="datetimeFigureOut">
               <a:rPr lang="en-US" smtClean="0"/>
               <a:pPr/>
-              <a:t>8/7/2025</a:t>
+              <a:t>8/8/2025</a:t>
             </a:fld>
             <a:endParaRPr lang="en-US"/>
           </a:p>
@@ -2280,7 +2282,7 @@
             <a:fld id="{1D8BD707-D9CF-40AE-B4C6-C98DA3205C09}" type="datetimeFigureOut">
               <a:rPr lang="en-US" smtClean="0"/>
               <a:pPr/>
-              <a:t>8/7/2025</a:t>
+              <a:t>8/8/2025</a:t>
             </a:fld>
             <a:endParaRPr lang="en-US"/>
           </a:p>
@@ -2529,7 +2531,7 @@
             <a:fld id="{1D8BD707-D9CF-40AE-B4C6-C98DA3205C09}" type="datetimeFigureOut">
               <a:rPr lang="en-US" smtClean="0"/>
               <a:pPr/>
-              <a:t>8/7/2025</a:t>
+              <a:t>8/8/2025</a:t>
             </a:fld>
             <a:endParaRPr lang="en-US"/>
           </a:p>
@@ -2737,7 +2739,7 @@
             <a:fld id="{1D8BD707-D9CF-40AE-B4C6-C98DA3205C09}" type="datetimeFigureOut">
               <a:rPr lang="en-US" smtClean="0"/>
               <a:pPr/>
-              <a:t>8/7/2025</a:t>
+              <a:t>8/8/2025</a:t>
             </a:fld>
             <a:endParaRPr lang="en-US"/>
           </a:p>
@@ -3490,8 +3492,8 @@
         </p:blipFill>
         <p:spPr>
           <a:xfrm>
-            <a:off x="8361631" y="3350886"/>
-            <a:ext cx="4858641" cy="2701443"/>
+            <a:off x="8844155" y="3630467"/>
+            <a:ext cx="4135169" cy="2222501"/>
           </a:xfrm>
           <a:prstGeom prst="rect">
             <a:avLst/>
@@ -3663,8 +3665,8 @@
         </p:blipFill>
         <p:spPr bwMode="auto">
           <a:xfrm>
-            <a:off x="6761756" y="3314700"/>
-            <a:ext cx="1504950" cy="2650643"/>
+            <a:off x="6761756" y="3746329"/>
+            <a:ext cx="1210362" cy="2017819"/>
           </a:xfrm>
           <a:prstGeom prst="rect">
             <a:avLst/>
@@ -4368,7 +4370,7 @@
         </p:blipFill>
         <p:spPr>
           <a:xfrm>
-            <a:off x="6325081" y="3924755"/>
+            <a:off x="6352359" y="3968989"/>
             <a:ext cx="3000713" cy="3623258"/>
           </a:xfrm>
           <a:prstGeom prst="rect">
@@ -4396,7 +4398,7 @@
         </p:blipFill>
         <p:spPr>
           <a:xfrm>
-            <a:off x="6352359" y="6492978"/>
+            <a:off x="6507950" y="6669887"/>
             <a:ext cx="5045710" cy="2644499"/>
           </a:xfrm>
           <a:prstGeom prst="rect">
@@ -4789,7 +4791,7 @@
         </p:blipFill>
         <p:spPr>
           <a:xfrm>
-            <a:off x="12454984" y="6492977"/>
+            <a:off x="12467684" y="6643929"/>
             <a:ext cx="4232816" cy="2651521"/>
           </a:xfrm>
           <a:prstGeom prst="rect">
@@ -4904,6 +4906,110 @@
               </a:rPr>
               <a:t>연결되지 않음</a:t>
             </a:r>
+          </a:p>
+        </p:txBody>
+      </p:sp>
+      <p:sp>
+        <p:nvSpPr>
+          <p:cNvPr id="7" name="직사각형 6">
+            <a:extLst>
+              <a:ext uri="{FF2B5EF4-FFF2-40B4-BE49-F238E27FC236}">
+                <a16:creationId xmlns:a16="http://schemas.microsoft.com/office/drawing/2014/main" id="{3CAA208E-7BB7-4D68-84A4-7C9B117F15C5}"/>
+              </a:ext>
+            </a:extLst>
+          </p:cNvPr>
+          <p:cNvSpPr/>
+          <p:nvPr/>
+        </p:nvSpPr>
+        <p:spPr>
+          <a:xfrm>
+            <a:off x="6352359" y="6669887"/>
+            <a:ext cx="5201301" cy="2651521"/>
+          </a:xfrm>
+          <a:prstGeom prst="rect">
+            <a:avLst/>
+          </a:prstGeom>
+          <a:noFill/>
+          <a:ln w="28575">
+            <a:solidFill>
+              <a:srgbClr val="FF0000"/>
+            </a:solidFill>
+          </a:ln>
+        </p:spPr>
+        <p:style>
+          <a:lnRef idx="2">
+            <a:schemeClr val="accent1">
+              <a:shade val="50000"/>
+            </a:schemeClr>
+          </a:lnRef>
+          <a:fillRef idx="1">
+            <a:schemeClr val="accent1"/>
+          </a:fillRef>
+          <a:effectRef idx="0">
+            <a:schemeClr val="accent1"/>
+          </a:effectRef>
+          <a:fontRef idx="minor">
+            <a:schemeClr val="lt1"/>
+          </a:fontRef>
+        </p:style>
+        <p:txBody>
+          <a:bodyPr rtlCol="0" anchor="ctr"/>
+          <a:lstStyle/>
+          <a:p>
+            <a:pPr algn="ctr"/>
+            <a:endParaRPr lang="ko-KR" altLang="en-US"/>
+          </a:p>
+        </p:txBody>
+      </p:sp>
+      <p:sp>
+        <p:nvSpPr>
+          <p:cNvPr id="19" name="직사각형 18">
+            <a:extLst>
+              <a:ext uri="{FF2B5EF4-FFF2-40B4-BE49-F238E27FC236}">
+                <a16:creationId xmlns:a16="http://schemas.microsoft.com/office/drawing/2014/main" id="{1A443ECB-6A10-4527-9B14-F79746BB49AD}"/>
+              </a:ext>
+            </a:extLst>
+          </p:cNvPr>
+          <p:cNvSpPr/>
+          <p:nvPr/>
+        </p:nvSpPr>
+        <p:spPr>
+          <a:xfrm>
+            <a:off x="12454984" y="6662865"/>
+            <a:ext cx="5201301" cy="2651521"/>
+          </a:xfrm>
+          <a:prstGeom prst="rect">
+            <a:avLst/>
+          </a:prstGeom>
+          <a:noFill/>
+          <a:ln w="28575">
+            <a:solidFill>
+              <a:srgbClr val="FF0000"/>
+            </a:solidFill>
+          </a:ln>
+        </p:spPr>
+        <p:style>
+          <a:lnRef idx="2">
+            <a:schemeClr val="accent1">
+              <a:shade val="50000"/>
+            </a:schemeClr>
+          </a:lnRef>
+          <a:fillRef idx="1">
+            <a:schemeClr val="accent1"/>
+          </a:fillRef>
+          <a:effectRef idx="0">
+            <a:schemeClr val="accent1"/>
+          </a:effectRef>
+          <a:fontRef idx="minor">
+            <a:schemeClr val="lt1"/>
+          </a:fontRef>
+        </p:style>
+        <p:txBody>
+          <a:bodyPr rtlCol="0" anchor="ctr"/>
+          <a:lstStyle/>
+          <a:p>
+            <a:pPr algn="ctr"/>
+            <a:endParaRPr lang="ko-KR" altLang="en-US"/>
           </a:p>
         </p:txBody>
       </p:sp>
@@ -8664,7 +8770,7 @@
                 <a:latin typeface="프리젠테이션 5 Medium" pitchFamily="2" charset="-127"/>
                 <a:ea typeface="프리젠테이션 5 Medium" pitchFamily="2" charset="-127"/>
               </a:rPr>
-              <a:t>Index.jsp</a:t>
+              <a:t>INDEX.jsp</a:t>
             </a:r>
             <a:r>
               <a:rPr lang="en-US" altLang="ko-KR" dirty="0">
@@ -8789,7 +8895,14 @@
                 <a:latin typeface="프리젠테이션 5 Medium" pitchFamily="2" charset="-127"/>
                 <a:ea typeface="프리젠테이션 5 Medium" pitchFamily="2" charset="-127"/>
               </a:rPr>
-              <a:t>생성된 </a:t>
+              <a:t>생성된</a:t>
+            </a:r>
+            <a:r>
+              <a:rPr lang="en-US" altLang="ko-KR" dirty="0">
+                <a:latin typeface="프리젠테이션 5 Medium" pitchFamily="2" charset="-127"/>
+                <a:ea typeface="프리젠테이션 5 Medium" pitchFamily="2" charset="-127"/>
+              </a:rPr>
+              <a:t> </a:t>
             </a:r>
             <a:r>
               <a:rPr lang="en-US" altLang="ko-KR" dirty="0" err="1">
@@ -9442,263 +9555,159 @@
           </a:prstGeom>
         </p:spPr>
       </p:pic>
-      <p:pic>
-        <p:nvPicPr>
-          <p:cNvPr id="5" name="Picture 5"/>
-          <p:cNvPicPr>
-            <a:picLocks noChangeAspect="1"/>
-          </p:cNvPicPr>
-          <p:nvPr/>
-        </p:nvPicPr>
-        <p:blipFill>
-          <a:blip r:embed="rId5">
-            <a:alphaModFix amt="43000"/>
-          </a:blip>
-          <a:stretch>
-            <a:fillRect/>
-          </a:stretch>
-        </p:blipFill>
-        <p:spPr>
+      <p:grpSp>
+        <p:nvGrpSpPr>
+          <p:cNvPr id="7" name="그룹 6">
+            <a:extLst>
+              <a:ext uri="{FF2B5EF4-FFF2-40B4-BE49-F238E27FC236}">
+                <a16:creationId xmlns:a16="http://schemas.microsoft.com/office/drawing/2014/main" id="{6A82DCB5-FA51-4DFA-9243-7D6CD857AF9B}"/>
+              </a:ext>
+            </a:extLst>
+          </p:cNvPr>
+          <p:cNvGrpSpPr/>
+          <p:nvPr/>
+        </p:nvGrpSpPr>
+        <p:grpSpPr>
           <a:xfrm>
             <a:off x="1612900" y="3340100"/>
             <a:ext cx="15049500" cy="1689100"/>
-          </a:xfrm>
-          <a:prstGeom prst="rect">
-            <a:avLst/>
-          </a:prstGeom>
-        </p:spPr>
-      </p:pic>
-      <p:pic>
-        <p:nvPicPr>
-          <p:cNvPr id="6" name="Picture 6"/>
-          <p:cNvPicPr>
-            <a:picLocks noChangeAspect="1"/>
-          </p:cNvPicPr>
-          <p:nvPr/>
-        </p:nvPicPr>
-        <p:blipFill>
-          <a:blip r:embed="rId6"/>
-          <a:stretch>
-            <a:fillRect/>
-          </a:stretch>
-        </p:blipFill>
-        <p:spPr>
-          <a:xfrm rot="-5400000">
-            <a:off x="4686300" y="4165600"/>
-            <a:ext cx="1117600" cy="12700"/>
-          </a:xfrm>
-          <a:prstGeom prst="rect">
-            <a:avLst/>
-          </a:prstGeom>
-        </p:spPr>
-      </p:pic>
-      <p:pic>
-        <p:nvPicPr>
-          <p:cNvPr id="8" name="Picture 8"/>
-          <p:cNvPicPr>
-            <a:picLocks noChangeAspect="1"/>
-          </p:cNvPicPr>
-          <p:nvPr/>
-        </p:nvPicPr>
-        <p:blipFill>
-          <a:blip r:embed="rId7">
-            <a:alphaModFix amt="64000"/>
-          </a:blip>
-          <a:stretch>
-            <a:fillRect/>
-          </a:stretch>
-        </p:blipFill>
-        <p:spPr>
-          <a:xfrm>
-            <a:off x="1612900" y="5194300"/>
-            <a:ext cx="15049500" cy="1689100"/>
-          </a:xfrm>
-          <a:prstGeom prst="rect">
-            <a:avLst/>
-          </a:prstGeom>
-        </p:spPr>
-      </p:pic>
-      <p:pic>
-        <p:nvPicPr>
-          <p:cNvPr id="9" name="Picture 9"/>
-          <p:cNvPicPr>
-            <a:picLocks noChangeAspect="1"/>
-          </p:cNvPicPr>
-          <p:nvPr/>
-        </p:nvPicPr>
-        <p:blipFill>
-          <a:blip r:embed="rId8"/>
-          <a:stretch>
-            <a:fillRect/>
-          </a:stretch>
-        </p:blipFill>
-        <p:spPr>
-          <a:xfrm rot="-5400000">
-            <a:off x="4686300" y="6019800"/>
-            <a:ext cx="1117600" cy="12700"/>
-          </a:xfrm>
-          <a:prstGeom prst="rect">
-            <a:avLst/>
-          </a:prstGeom>
-        </p:spPr>
-      </p:pic>
-      <p:pic>
-        <p:nvPicPr>
-          <p:cNvPr id="11" name="Picture 11"/>
-          <p:cNvPicPr>
-            <a:picLocks noChangeAspect="1"/>
-          </p:cNvPicPr>
-          <p:nvPr/>
-        </p:nvPicPr>
-        <p:blipFill>
-          <a:blip r:embed="rId5">
-            <a:alphaModFix amt="43000"/>
-          </a:blip>
-          <a:stretch>
-            <a:fillRect/>
-          </a:stretch>
-        </p:blipFill>
-        <p:spPr>
-          <a:xfrm>
-            <a:off x="1625600" y="7073900"/>
-            <a:ext cx="15049500" cy="1689100"/>
-          </a:xfrm>
-          <a:prstGeom prst="rect">
-            <a:avLst/>
-          </a:prstGeom>
-        </p:spPr>
-      </p:pic>
-      <p:pic>
-        <p:nvPicPr>
-          <p:cNvPr id="12" name="Picture 12"/>
-          <p:cNvPicPr>
-            <a:picLocks noChangeAspect="1"/>
-          </p:cNvPicPr>
-          <p:nvPr/>
-        </p:nvPicPr>
-        <p:blipFill>
-          <a:blip r:embed="rId6"/>
-          <a:stretch>
-            <a:fillRect/>
-          </a:stretch>
-        </p:blipFill>
-        <p:spPr>
-          <a:xfrm rot="-5400000">
-            <a:off x="4699000" y="7899400"/>
-            <a:ext cx="1117600" cy="12700"/>
-          </a:xfrm>
-          <a:prstGeom prst="rect">
-            <a:avLst/>
-          </a:prstGeom>
-        </p:spPr>
-      </p:pic>
-      <p:sp>
-        <p:nvSpPr>
-          <p:cNvPr id="14" name="TextBox 14"/>
-          <p:cNvSpPr txBox="1"/>
-          <p:nvPr/>
-        </p:nvSpPr>
-        <p:spPr>
-          <a:xfrm>
-            <a:off x="1879600" y="7556500"/>
-            <a:ext cx="3302000" cy="711200"/>
-          </a:xfrm>
-          <a:prstGeom prst="rect">
-            <a:avLst/>
-          </a:prstGeom>
-        </p:spPr>
-        <p:txBody>
-          <a:bodyPr lIns="0" tIns="0" rIns="0" bIns="0" rtlCol="0" anchor="ctr"/>
-          <a:lstStyle/>
-          <a:p>
-            <a:pPr lvl="0" algn="ctr">
-              <a:lnSpc>
-                <a:spcPct val="87149"/>
-              </a:lnSpc>
-            </a:pPr>
-            <a:r>
-              <a:rPr lang="en-US" sz="3200" b="0" i="0" u="none" strike="noStrike" spc="-200" dirty="0">
+            <a:chOff x="1612900" y="3340100"/>
+            <a:chExt cx="15049500" cy="1689100"/>
+          </a:xfrm>
+        </p:grpSpPr>
+        <p:pic>
+          <p:nvPicPr>
+            <p:cNvPr id="5" name="Picture 5"/>
+            <p:cNvPicPr>
+              <a:picLocks noChangeAspect="1"/>
+            </p:cNvPicPr>
+            <p:nvPr/>
+          </p:nvPicPr>
+          <p:blipFill>
+            <a:blip r:embed="rId5">
+              <a:alphaModFix amt="43000"/>
+            </a:blip>
+            <a:stretch>
+              <a:fillRect/>
+            </a:stretch>
+          </p:blipFill>
+          <p:spPr>
+            <a:xfrm>
+              <a:off x="1612900" y="3340100"/>
+              <a:ext cx="15049500" cy="1689100"/>
+            </a:xfrm>
+            <a:prstGeom prst="rect">
+              <a:avLst/>
+            </a:prstGeom>
+          </p:spPr>
+        </p:pic>
+        <p:pic>
+          <p:nvPicPr>
+            <p:cNvPr id="6" name="Picture 6"/>
+            <p:cNvPicPr>
+              <a:picLocks noChangeAspect="1"/>
+            </p:cNvPicPr>
+            <p:nvPr/>
+          </p:nvPicPr>
+          <p:blipFill>
+            <a:blip r:embed="rId6"/>
+            <a:stretch>
+              <a:fillRect/>
+            </a:stretch>
+          </p:blipFill>
+          <p:spPr>
+            <a:xfrm rot="-5400000">
+              <a:off x="4686300" y="4165600"/>
+              <a:ext cx="1117600" cy="12700"/>
+            </a:xfrm>
+            <a:prstGeom prst="rect">
+              <a:avLst/>
+            </a:prstGeom>
+          </p:spPr>
+        </p:pic>
+        <p:sp>
+          <p:nvSpPr>
+            <p:cNvPr id="17" name="TextBox 17"/>
+            <p:cNvSpPr txBox="1"/>
+            <p:nvPr/>
+          </p:nvSpPr>
+          <p:spPr>
+            <a:xfrm>
+              <a:off x="1866900" y="3835400"/>
+              <a:ext cx="3302000" cy="711200"/>
+            </a:xfrm>
+            <a:prstGeom prst="rect">
+              <a:avLst/>
+            </a:prstGeom>
+          </p:spPr>
+          <p:txBody>
+            <a:bodyPr lIns="0" tIns="0" rIns="0" bIns="0" rtlCol="0" anchor="ctr"/>
+            <a:lstStyle/>
+            <a:p>
+              <a:pPr lvl="0" algn="ctr">
+                <a:lnSpc>
+                  <a:spcPct val="87149"/>
+                </a:lnSpc>
+              </a:pPr>
+              <a:r>
+                <a:rPr lang="ko-KR" altLang="en-US" sz="3200" b="0" i="0" u="none" strike="noStrike" spc="-200" dirty="0">
+                  <a:solidFill>
+                    <a:srgbClr val="617995"/>
+                  </a:solidFill>
+                  <a:latin typeface="프리젠테이션 5 Medium" pitchFamily="2" charset="-127"/>
+                  <a:ea typeface="프리젠테이션 5 Medium" pitchFamily="2" charset="-127"/>
+                </a:rPr>
+                <a:t>데이터 베이스</a:t>
+              </a:r>
+              <a:endParaRPr lang="en-US" sz="3200" b="0" i="0" u="none" strike="noStrike" spc="-200" dirty="0">
                 <a:solidFill>
                   <a:srgbClr val="617995"/>
                 </a:solidFill>
                 <a:latin typeface="프리젠테이션 5 Medium" pitchFamily="2" charset="-127"/>
                 <a:ea typeface="프리젠테이션 5 Medium" pitchFamily="2" charset="-127"/>
-              </a:rPr>
-              <a:t>DBMS</a:t>
-            </a:r>
-          </a:p>
-        </p:txBody>
-      </p:sp>
-      <p:sp>
-        <p:nvSpPr>
-          <p:cNvPr id="17" name="TextBox 17"/>
-          <p:cNvSpPr txBox="1"/>
-          <p:nvPr/>
-        </p:nvSpPr>
-        <p:spPr>
-          <a:xfrm>
-            <a:off x="1866900" y="3835400"/>
-            <a:ext cx="3302000" cy="711200"/>
-          </a:xfrm>
-          <a:prstGeom prst="rect">
-            <a:avLst/>
-          </a:prstGeom>
-        </p:spPr>
-        <p:txBody>
-          <a:bodyPr lIns="0" tIns="0" rIns="0" bIns="0" rtlCol="0" anchor="ctr"/>
-          <a:lstStyle/>
-          <a:p>
-            <a:pPr lvl="0" algn="ctr">
-              <a:lnSpc>
-                <a:spcPct val="87149"/>
-              </a:lnSpc>
-            </a:pPr>
-            <a:r>
-              <a:rPr lang="ko-KR" altLang="en-US" sz="3200" b="0" i="0" u="none" strike="noStrike" spc="-200" dirty="0">
-                <a:solidFill>
-                  <a:srgbClr val="617995"/>
-                </a:solidFill>
-                <a:latin typeface="프리젠테이션 5 Medium" pitchFamily="2" charset="-127"/>
-                <a:ea typeface="프리젠테이션 5 Medium" pitchFamily="2" charset="-127"/>
-              </a:rPr>
-              <a:t>데이터 베이스</a:t>
-            </a:r>
-            <a:endParaRPr lang="en-US" sz="3200" b="0" i="0" u="none" strike="noStrike" spc="-200" dirty="0">
-              <a:solidFill>
-                <a:srgbClr val="617995"/>
-              </a:solidFill>
-              <a:latin typeface="프리젠테이션 5 Medium" pitchFamily="2" charset="-127"/>
-              <a:ea typeface="프리젠테이션 5 Medium" pitchFamily="2" charset="-127"/>
-            </a:endParaRPr>
-          </a:p>
-        </p:txBody>
-      </p:sp>
-      <p:sp>
-        <p:nvSpPr>
-          <p:cNvPr id="18" name="TextBox 18"/>
-          <p:cNvSpPr txBox="1"/>
-          <p:nvPr/>
-        </p:nvSpPr>
-        <p:spPr>
-          <a:xfrm>
-            <a:off x="5651500" y="3994150"/>
-            <a:ext cx="10274300" cy="825500"/>
-          </a:xfrm>
-          <a:prstGeom prst="rect">
-            <a:avLst/>
-          </a:prstGeom>
-        </p:spPr>
-        <p:txBody>
-          <a:bodyPr lIns="0" tIns="0" rIns="0" bIns="0" rtlCol="0" anchor="ctr"/>
-          <a:lstStyle/>
-          <a:p>
-            <a:pPr>
-              <a:lnSpc>
-                <a:spcPct val="112050"/>
-              </a:lnSpc>
-            </a:pPr>
-            <a:r>
-              <a:rPr lang="ko-KR" altLang="en-US" sz="2400" spc="-100" dirty="0">
+              </a:endParaRPr>
+            </a:p>
+          </p:txBody>
+        </p:sp>
+        <p:sp>
+          <p:nvSpPr>
+            <p:cNvPr id="18" name="TextBox 18"/>
+            <p:cNvSpPr txBox="1"/>
+            <p:nvPr/>
+          </p:nvSpPr>
+          <p:spPr>
+            <a:xfrm>
+              <a:off x="5651500" y="3994150"/>
+              <a:ext cx="10274300" cy="825500"/>
+            </a:xfrm>
+            <a:prstGeom prst="rect">
+              <a:avLst/>
+            </a:prstGeom>
+          </p:spPr>
+          <p:txBody>
+            <a:bodyPr lIns="0" tIns="0" rIns="0" bIns="0" rtlCol="0" anchor="ctr"/>
+            <a:lstStyle/>
+            <a:p>
+              <a:pPr>
+                <a:lnSpc>
+                  <a:spcPct val="112050"/>
+                </a:lnSpc>
+              </a:pPr>
+              <a:r>
+                <a:rPr lang="ko-KR" altLang="en-US" sz="2400" spc="-100" dirty="0">
+                  <a:solidFill>
+                    <a:schemeClr val="tx1">
+                      <a:lumMod val="95000"/>
+                      <a:lumOff val="5000"/>
+                      <a:alpha val="67059"/>
+                    </a:schemeClr>
+                  </a:solidFill>
+                  <a:latin typeface="프리젠테이션 5 Medium" pitchFamily="2" charset="-127"/>
+                  <a:ea typeface="프리젠테이션 5 Medium" pitchFamily="2" charset="-127"/>
+                </a:rPr>
+                <a:t>데이터베이스는 공용으로 활용하기 위해 통합하여 저장한 운영 데이터의 집합</a:t>
+              </a:r>
+              <a:endParaRPr lang="en-US" altLang="ko-KR" sz="2400" b="0" i="0" u="none" strike="noStrike" spc="-100" dirty="0">
                 <a:solidFill>
                   <a:schemeClr val="tx1">
                     <a:lumMod val="95000"/>
@@ -9708,11 +9717,15 @@
                 </a:solidFill>
                 <a:latin typeface="프리젠테이션 5 Medium" pitchFamily="2" charset="-127"/>
                 <a:ea typeface="프리젠테이션 5 Medium" pitchFamily="2" charset="-127"/>
-              </a:rPr>
-              <a:t>데이터는 </a:t>
-            </a:r>
-            <a:r>
-              <a:rPr lang="ko-KR" altLang="en-US" sz="2400" b="0" i="0" u="none" strike="noStrike" spc="-100" dirty="0">
+              </a:endParaRPr>
+            </a:p>
+            <a:p>
+              <a:pPr lvl="0" algn="l">
+                <a:lnSpc>
+                  <a:spcPct val="112050"/>
+                </a:lnSpc>
+              </a:pPr>
+              <a:endParaRPr lang="en-US" sz="2400" b="0" i="0" u="none" strike="noStrike" spc="-100" dirty="0">
                 <a:solidFill>
                   <a:schemeClr val="tx1">
                     <a:lumMod val="95000"/>
@@ -9722,85 +9735,11 @@
                 </a:solidFill>
                 <a:latin typeface="프리젠테이션 5 Medium" pitchFamily="2" charset="-127"/>
                 <a:ea typeface="프리젠테이션 5 Medium" pitchFamily="2" charset="-127"/>
-              </a:rPr>
-              <a:t>관찰이나 측정으로 수집한 사실을 수치  또는 문자 형태로 표현한 최소 단위의 값</a:t>
-            </a:r>
-            <a:endParaRPr lang="en-US" altLang="ko-KR" sz="2400" b="0" i="0" u="none" strike="noStrike" spc="-100" dirty="0">
-              <a:solidFill>
-                <a:schemeClr val="tx1">
-                  <a:lumMod val="95000"/>
-                  <a:lumOff val="5000"/>
-                  <a:alpha val="67059"/>
-                </a:schemeClr>
-              </a:solidFill>
-              <a:latin typeface="프리젠테이션 5 Medium" pitchFamily="2" charset="-127"/>
-              <a:ea typeface="프리젠테이션 5 Medium" pitchFamily="2" charset="-127"/>
-            </a:endParaRPr>
-          </a:p>
-          <a:p>
-            <a:pPr lvl="0" algn="l">
-              <a:lnSpc>
-                <a:spcPct val="112050"/>
-              </a:lnSpc>
-            </a:pPr>
-            <a:endParaRPr lang="en-US" sz="2400" b="0" i="0" u="none" strike="noStrike" spc="-100" dirty="0">
-              <a:solidFill>
-                <a:schemeClr val="tx1">
-                  <a:lumMod val="95000"/>
-                  <a:lumOff val="5000"/>
-                  <a:alpha val="67059"/>
-                </a:schemeClr>
-              </a:solidFill>
-              <a:latin typeface="프리젠테이션 5 Medium" pitchFamily="2" charset="-127"/>
-              <a:ea typeface="프리젠테이션 5 Medium" pitchFamily="2" charset="-127"/>
-            </a:endParaRPr>
-          </a:p>
-        </p:txBody>
-      </p:sp>
-      <p:sp>
-        <p:nvSpPr>
-          <p:cNvPr id="20" name="TextBox 20"/>
-          <p:cNvSpPr txBox="1"/>
-          <p:nvPr/>
-        </p:nvSpPr>
-        <p:spPr>
-          <a:xfrm>
-            <a:off x="1816100" y="5695950"/>
-            <a:ext cx="3302000" cy="711200"/>
-          </a:xfrm>
-          <a:prstGeom prst="rect">
-            <a:avLst/>
-          </a:prstGeom>
-        </p:spPr>
-        <p:txBody>
-          <a:bodyPr lIns="0" tIns="0" rIns="0" bIns="0" rtlCol="0" anchor="ctr"/>
-          <a:lstStyle/>
-          <a:p>
-            <a:pPr lvl="0" algn="ctr">
-              <a:lnSpc>
-                <a:spcPct val="87149"/>
-              </a:lnSpc>
-            </a:pPr>
-            <a:r>
-              <a:rPr lang="ko-KR" altLang="en-US" sz="3200" spc="-200" dirty="0">
-                <a:solidFill>
-                  <a:srgbClr val="C5C0BC"/>
-                </a:solidFill>
-                <a:latin typeface="프리젠테이션 5 Medium" pitchFamily="2" charset="-127"/>
-                <a:ea typeface="프리젠테이션 5 Medium" pitchFamily="2" charset="-127"/>
-              </a:rPr>
-              <a:t>계층형 데이터 베이스 특징</a:t>
-            </a:r>
-            <a:endParaRPr lang="en-US" sz="3200" b="0" i="0" u="none" strike="noStrike" spc="-200" dirty="0">
-              <a:solidFill>
-                <a:srgbClr val="C5C0BC"/>
-              </a:solidFill>
-              <a:latin typeface="프리젠테이션 5 Medium" pitchFamily="2" charset="-127"/>
-              <a:ea typeface="프리젠테이션 5 Medium" pitchFamily="2" charset="-127"/>
-            </a:endParaRPr>
-          </a:p>
-        </p:txBody>
-      </p:sp>
+              </a:endParaRPr>
+            </a:p>
+          </p:txBody>
+        </p:sp>
+      </p:grpSp>
       <p:sp>
         <p:nvSpPr>
           <p:cNvPr id="25" name="TextBox 25"/>
@@ -9875,38 +9814,193 @@
           </a:p>
         </p:txBody>
       </p:sp>
-      <p:sp>
-        <p:nvSpPr>
-          <p:cNvPr id="19" name="TextBox 15">
+      <p:grpSp>
+        <p:nvGrpSpPr>
+          <p:cNvPr id="10" name="그룹 9">
             <a:extLst>
               <a:ext uri="{FF2B5EF4-FFF2-40B4-BE49-F238E27FC236}">
-                <a16:creationId xmlns:a16="http://schemas.microsoft.com/office/drawing/2014/main" id="{B9E14B70-0757-4B51-AAB1-695EBA572E93}"/>
+                <a16:creationId xmlns:a16="http://schemas.microsoft.com/office/drawing/2014/main" id="{37011D38-28F6-49D9-A362-C3A8C41F6DAF}"/>
               </a:ext>
             </a:extLst>
           </p:cNvPr>
-          <p:cNvSpPr txBox="1"/>
-          <p:nvPr/>
-        </p:nvSpPr>
-        <p:spPr>
-          <a:xfrm>
-            <a:off x="5628820" y="7257143"/>
-            <a:ext cx="10766880" cy="1315357"/>
-          </a:xfrm>
-          <a:prstGeom prst="rect">
-            <a:avLst/>
-          </a:prstGeom>
-        </p:spPr>
-        <p:txBody>
-          <a:bodyPr lIns="0" tIns="0" rIns="0" bIns="0" rtlCol="0" anchor="ctr"/>
-          <a:lstStyle/>
-          <a:p>
-            <a:pPr lvl="0" algn="l">
-              <a:lnSpc>
-                <a:spcPct val="112050"/>
-              </a:lnSpc>
-            </a:pPr>
-            <a:r>
-              <a:rPr lang="ko-KR" altLang="en-US" sz="2400" b="0" i="0" u="none" strike="noStrike" spc="-100" dirty="0">
+          <p:cNvGrpSpPr/>
+          <p:nvPr/>
+        </p:nvGrpSpPr>
+        <p:grpSpPr>
+          <a:xfrm>
+            <a:off x="1619250" y="5194300"/>
+            <a:ext cx="15049500" cy="2641600"/>
+            <a:chOff x="1619250" y="5194300"/>
+            <a:chExt cx="15049500" cy="2641600"/>
+          </a:xfrm>
+        </p:grpSpPr>
+        <p:pic>
+          <p:nvPicPr>
+            <p:cNvPr id="8" name="Picture 8"/>
+            <p:cNvPicPr>
+              <a:picLocks noChangeAspect="1"/>
+            </p:cNvPicPr>
+            <p:nvPr/>
+          </p:nvPicPr>
+          <p:blipFill>
+            <a:blip r:embed="rId7">
+              <a:alphaModFix amt="64000"/>
+            </a:blip>
+            <a:stretch>
+              <a:fillRect/>
+            </a:stretch>
+          </p:blipFill>
+          <p:spPr>
+            <a:xfrm>
+              <a:off x="1619250" y="5194300"/>
+              <a:ext cx="15049500" cy="2641600"/>
+            </a:xfrm>
+            <a:prstGeom prst="rect">
+              <a:avLst/>
+            </a:prstGeom>
+          </p:spPr>
+        </p:pic>
+        <p:pic>
+          <p:nvPicPr>
+            <p:cNvPr id="9" name="Picture 9"/>
+            <p:cNvPicPr>
+              <a:picLocks noChangeAspect="1"/>
+            </p:cNvPicPr>
+            <p:nvPr/>
+          </p:nvPicPr>
+          <p:blipFill>
+            <a:blip r:embed="rId8"/>
+            <a:stretch>
+              <a:fillRect/>
+            </a:stretch>
+          </p:blipFill>
+          <p:spPr>
+            <a:xfrm rot="-5400000">
+              <a:off x="4699000" y="6534150"/>
+              <a:ext cx="1117600" cy="12700"/>
+            </a:xfrm>
+            <a:prstGeom prst="rect">
+              <a:avLst/>
+            </a:prstGeom>
+          </p:spPr>
+        </p:pic>
+        <p:sp>
+          <p:nvSpPr>
+            <p:cNvPr id="20" name="TextBox 20"/>
+            <p:cNvSpPr txBox="1"/>
+            <p:nvPr/>
+          </p:nvSpPr>
+          <p:spPr>
+            <a:xfrm>
+              <a:off x="1807483" y="6159500"/>
+              <a:ext cx="3302000" cy="711200"/>
+            </a:xfrm>
+            <a:prstGeom prst="rect">
+              <a:avLst/>
+            </a:prstGeom>
+          </p:spPr>
+          <p:txBody>
+            <a:bodyPr lIns="0" tIns="0" rIns="0" bIns="0" rtlCol="0" anchor="ctr"/>
+            <a:lstStyle/>
+            <a:p>
+              <a:pPr lvl="0" algn="ctr">
+                <a:lnSpc>
+                  <a:spcPct val="87149"/>
+                </a:lnSpc>
+              </a:pPr>
+              <a:r>
+                <a:rPr lang="ko-KR" altLang="en-US" sz="3200" spc="-200" dirty="0">
+                  <a:solidFill>
+                    <a:srgbClr val="C5C0BC"/>
+                  </a:solidFill>
+                  <a:latin typeface="프리젠테이션 5 Medium" pitchFamily="2" charset="-127"/>
+                  <a:ea typeface="프리젠테이션 5 Medium" pitchFamily="2" charset="-127"/>
+                </a:rPr>
+                <a:t>데이터 베이스 특징</a:t>
+              </a:r>
+              <a:endParaRPr lang="en-US" sz="3200" b="0" i="0" u="none" strike="noStrike" spc="-200" dirty="0">
+                <a:solidFill>
+                  <a:srgbClr val="C5C0BC"/>
+                </a:solidFill>
+                <a:latin typeface="프리젠테이션 5 Medium" pitchFamily="2" charset="-127"/>
+                <a:ea typeface="프리젠테이션 5 Medium" pitchFamily="2" charset="-127"/>
+              </a:endParaRPr>
+            </a:p>
+          </p:txBody>
+        </p:sp>
+        <p:sp>
+          <p:nvSpPr>
+            <p:cNvPr id="19" name="TextBox 15">
+              <a:extLst>
+                <a:ext uri="{FF2B5EF4-FFF2-40B4-BE49-F238E27FC236}">
+                  <a16:creationId xmlns:a16="http://schemas.microsoft.com/office/drawing/2014/main" id="{B9E14B70-0757-4B51-AAB1-695EBA572E93}"/>
+                </a:ext>
+              </a:extLst>
+            </p:cNvPr>
+            <p:cNvSpPr txBox="1"/>
+            <p:nvPr/>
+          </p:nvSpPr>
+          <p:spPr>
+            <a:xfrm>
+              <a:off x="5557610" y="5571672"/>
+              <a:ext cx="10766880" cy="1826078"/>
+            </a:xfrm>
+            <a:prstGeom prst="rect">
+              <a:avLst/>
+            </a:prstGeom>
+          </p:spPr>
+          <p:txBody>
+            <a:bodyPr lIns="0" tIns="0" rIns="0" bIns="0" rtlCol="0" anchor="ctr"/>
+            <a:lstStyle/>
+            <a:p>
+              <a:pPr lvl="0" algn="l">
+                <a:lnSpc>
+                  <a:spcPct val="150000"/>
+                </a:lnSpc>
+              </a:pPr>
+              <a:r>
+                <a:rPr lang="ko-KR" altLang="en-US" sz="2400" b="0" i="0" u="none" strike="noStrike" spc="-100" dirty="0">
+                  <a:solidFill>
+                    <a:schemeClr val="tx1">
+                      <a:lumMod val="95000"/>
+                      <a:lumOff val="5000"/>
+                      <a:alpha val="67059"/>
+                    </a:schemeClr>
+                  </a:solidFill>
+                  <a:latin typeface="프리젠테이션 5 Medium" pitchFamily="2" charset="-127"/>
+                  <a:ea typeface="프리젠테이션 5 Medium" pitchFamily="2" charset="-127"/>
+                </a:rPr>
+                <a:t>실시간 접근성 </a:t>
+              </a:r>
+              <a:r>
+                <a:rPr lang="en-US" altLang="ko-KR" sz="2400" b="0" i="0" u="none" strike="noStrike" spc="-100" dirty="0">
+                  <a:solidFill>
+                    <a:schemeClr val="tx1">
+                      <a:lumMod val="95000"/>
+                      <a:lumOff val="5000"/>
+                      <a:alpha val="67059"/>
+                    </a:schemeClr>
+                  </a:solidFill>
+                  <a:latin typeface="프리젠테이션 5 Medium" pitchFamily="2" charset="-127"/>
+                  <a:ea typeface="프리젠테이션 5 Medium" pitchFamily="2" charset="-127"/>
+                </a:rPr>
+                <a:t>– </a:t>
+              </a:r>
+              <a:r>
+                <a:rPr lang="ko-KR" altLang="en-US" sz="2400" b="0" i="0" u="none" strike="noStrike" spc="-100" dirty="0">
+                  <a:solidFill>
+                    <a:schemeClr val="tx1">
+                      <a:lumMod val="95000"/>
+                      <a:lumOff val="5000"/>
+                      <a:alpha val="67059"/>
+                    </a:schemeClr>
+                  </a:solidFill>
+                  <a:latin typeface="프리젠테이션 5 Medium" pitchFamily="2" charset="-127"/>
+                  <a:ea typeface="프리젠테이션 5 Medium" pitchFamily="2" charset="-127"/>
+                </a:rPr>
+                <a:t>요청 받은 데이터 처리는 실시간으로 처리되고 결과를 반환해야 함</a:t>
+              </a:r>
+              <a:endParaRPr lang="en-US" altLang="ko-KR" sz="2400" b="0" i="0" u="none" strike="noStrike" spc="-100" dirty="0">
                 <a:solidFill>
                   <a:schemeClr val="tx1">
                     <a:lumMod val="95000"/>
@@ -9916,11 +10010,113 @@
                 </a:solidFill>
                 <a:latin typeface="프리젠테이션 5 Medium" pitchFamily="2" charset="-127"/>
                 <a:ea typeface="프리젠테이션 5 Medium" pitchFamily="2" charset="-127"/>
-              </a:rPr>
-              <a:t>실시간 접근성 </a:t>
-            </a:r>
-            <a:r>
-              <a:rPr lang="en-US" altLang="ko-KR" sz="2400" b="0" i="0" u="none" strike="noStrike" spc="-100" dirty="0">
+              </a:endParaRPr>
+            </a:p>
+            <a:p>
+              <a:pPr lvl="0" algn="l">
+                <a:lnSpc>
+                  <a:spcPct val="150000"/>
+                </a:lnSpc>
+              </a:pPr>
+              <a:r>
+                <a:rPr lang="ko-KR" altLang="en-US" sz="2400" b="0" i="0" u="none" strike="noStrike" spc="-100" dirty="0">
+                  <a:solidFill>
+                    <a:schemeClr val="tx1">
+                      <a:lumMod val="95000"/>
+                      <a:lumOff val="5000"/>
+                      <a:alpha val="67059"/>
+                    </a:schemeClr>
+                  </a:solidFill>
+                  <a:latin typeface="프리젠테이션 5 Medium" pitchFamily="2" charset="-127"/>
+                  <a:ea typeface="프리젠테이션 5 Medium" pitchFamily="2" charset="-127"/>
+                </a:rPr>
+                <a:t>계속적 변화 </a:t>
+              </a:r>
+              <a:r>
+                <a:rPr lang="en-US" altLang="ko-KR" sz="2400" b="0" i="0" u="none" strike="noStrike" spc="-100" dirty="0">
+                  <a:solidFill>
+                    <a:schemeClr val="tx1">
+                      <a:lumMod val="95000"/>
+                      <a:lumOff val="5000"/>
+                      <a:alpha val="67059"/>
+                    </a:schemeClr>
+                  </a:solidFill>
+                  <a:latin typeface="프리젠테이션 5 Medium" pitchFamily="2" charset="-127"/>
+                  <a:ea typeface="프리젠테이션 5 Medium" pitchFamily="2" charset="-127"/>
+                </a:rPr>
+                <a:t>– </a:t>
+              </a:r>
+              <a:r>
+                <a:rPr lang="ko-KR" altLang="en-US" sz="2400" b="0" i="0" u="none" strike="noStrike" spc="-100" dirty="0">
+                  <a:solidFill>
+                    <a:schemeClr val="tx1">
+                      <a:lumMod val="95000"/>
+                      <a:lumOff val="5000"/>
+                      <a:alpha val="67059"/>
+                    </a:schemeClr>
+                  </a:solidFill>
+                  <a:latin typeface="프리젠테이션 5 Medium" pitchFamily="2" charset="-127"/>
+                  <a:ea typeface="프리젠테이션 5 Medium" pitchFamily="2" charset="-127"/>
+                </a:rPr>
+                <a:t>저장된 데이터는 입력</a:t>
+              </a:r>
+              <a:r>
+                <a:rPr lang="en-US" altLang="ko-KR" sz="2400" b="0" i="0" u="none" strike="noStrike" spc="-100" dirty="0">
+                  <a:solidFill>
+                    <a:schemeClr val="tx1">
+                      <a:lumMod val="95000"/>
+                      <a:lumOff val="5000"/>
+                      <a:alpha val="67059"/>
+                    </a:schemeClr>
+                  </a:solidFill>
+                  <a:latin typeface="프리젠테이션 5 Medium" pitchFamily="2" charset="-127"/>
+                  <a:ea typeface="프리젠테이션 5 Medium" pitchFamily="2" charset="-127"/>
+                </a:rPr>
+                <a:t>, </a:t>
+              </a:r>
+              <a:r>
+                <a:rPr lang="ko-KR" altLang="en-US" sz="2400" b="0" i="0" u="none" strike="noStrike" spc="-100" dirty="0">
+                  <a:solidFill>
+                    <a:schemeClr val="tx1">
+                      <a:lumMod val="95000"/>
+                      <a:lumOff val="5000"/>
+                      <a:alpha val="67059"/>
+                    </a:schemeClr>
+                  </a:solidFill>
+                  <a:latin typeface="프리젠테이션 5 Medium" pitchFamily="2" charset="-127"/>
+                  <a:ea typeface="프리젠테이션 5 Medium" pitchFamily="2" charset="-127"/>
+                </a:rPr>
+                <a:t>수정</a:t>
+              </a:r>
+              <a:r>
+                <a:rPr lang="en-US" altLang="ko-KR" sz="2400" b="0" i="0" u="none" strike="noStrike" spc="-100" dirty="0">
+                  <a:solidFill>
+                    <a:schemeClr val="tx1">
+                      <a:lumMod val="95000"/>
+                      <a:lumOff val="5000"/>
+                      <a:alpha val="67059"/>
+                    </a:schemeClr>
+                  </a:solidFill>
+                  <a:latin typeface="프리젠테이션 5 Medium" pitchFamily="2" charset="-127"/>
+                  <a:ea typeface="프리젠테이션 5 Medium" pitchFamily="2" charset="-127"/>
+                </a:rPr>
+                <a:t>, </a:t>
+              </a:r>
+              <a:r>
+                <a:rPr lang="ko-KR" altLang="en-US" sz="2400" b="0" i="0" u="none" strike="noStrike" spc="-100" dirty="0">
+                  <a:solidFill>
+                    <a:schemeClr val="tx1">
+                      <a:lumMod val="95000"/>
+                      <a:lumOff val="5000"/>
+                      <a:alpha val="67059"/>
+                    </a:schemeClr>
+                  </a:solidFill>
+                  <a:latin typeface="프리젠테이션 5 Medium" pitchFamily="2" charset="-127"/>
+                  <a:ea typeface="프리젠테이션 5 Medium" pitchFamily="2" charset="-127"/>
+                </a:rPr>
+                <a:t>삭제에 의해 지속적으로 변화</a:t>
+              </a:r>
+              <a:endParaRPr lang="en-US" altLang="ko-KR" sz="2400" b="0" i="0" u="none" strike="noStrike" spc="-100" dirty="0">
                 <a:solidFill>
                   <a:schemeClr val="tx1">
                     <a:lumMod val="95000"/>
@@ -9930,11 +10126,85 @@
                 </a:solidFill>
                 <a:latin typeface="프리젠테이션 5 Medium" pitchFamily="2" charset="-127"/>
                 <a:ea typeface="프리젠테이션 5 Medium" pitchFamily="2" charset="-127"/>
-              </a:rPr>
-              <a:t>– </a:t>
-            </a:r>
-            <a:r>
-              <a:rPr lang="ko-KR" altLang="en-US" sz="2400" b="0" i="0" u="none" strike="noStrike" spc="-100" dirty="0">
+              </a:endParaRPr>
+            </a:p>
+            <a:p>
+              <a:pPr lvl="0" algn="l">
+                <a:lnSpc>
+                  <a:spcPct val="150000"/>
+                </a:lnSpc>
+              </a:pPr>
+              <a:r>
+                <a:rPr lang="ko-KR" altLang="en-US" sz="2400" spc="-100" dirty="0">
+                  <a:solidFill>
+                    <a:schemeClr val="tx1">
+                      <a:lumMod val="95000"/>
+                      <a:lumOff val="5000"/>
+                      <a:alpha val="67059"/>
+                    </a:schemeClr>
+                  </a:solidFill>
+                  <a:latin typeface="프리젠테이션 5 Medium" pitchFamily="2" charset="-127"/>
+                  <a:ea typeface="프리젠테이션 5 Medium" pitchFamily="2" charset="-127"/>
+                </a:rPr>
+                <a:t>동시 공용 </a:t>
+              </a:r>
+              <a:r>
+                <a:rPr lang="en-US" altLang="ko-KR" sz="2400" spc="-100" dirty="0">
+                  <a:solidFill>
+                    <a:schemeClr val="tx1">
+                      <a:lumMod val="95000"/>
+                      <a:lumOff val="5000"/>
+                      <a:alpha val="67059"/>
+                    </a:schemeClr>
+                  </a:solidFill>
+                  <a:latin typeface="프리젠테이션 5 Medium" pitchFamily="2" charset="-127"/>
+                  <a:ea typeface="프리젠테이션 5 Medium" pitchFamily="2" charset="-127"/>
+                </a:rPr>
+                <a:t>– </a:t>
+              </a:r>
+              <a:r>
+                <a:rPr lang="ko-KR" altLang="en-US" sz="2400" spc="-100" dirty="0">
+                  <a:solidFill>
+                    <a:schemeClr val="tx1">
+                      <a:lumMod val="95000"/>
+                      <a:lumOff val="5000"/>
+                      <a:alpha val="67059"/>
+                    </a:schemeClr>
+                  </a:solidFill>
+                  <a:latin typeface="프리젠테이션 5 Medium" pitchFamily="2" charset="-127"/>
+                  <a:ea typeface="프리젠테이션 5 Medium" pitchFamily="2" charset="-127"/>
+                </a:rPr>
+                <a:t>서로 다른 목적의 응용 </a:t>
+              </a:r>
+              <a:r>
+                <a:rPr lang="en-US" altLang="ko-KR" sz="2400" spc="-100" dirty="0">
+                  <a:solidFill>
+                    <a:schemeClr val="tx1">
+                      <a:lumMod val="95000"/>
+                      <a:lumOff val="5000"/>
+                      <a:alpha val="67059"/>
+                    </a:schemeClr>
+                  </a:solidFill>
+                  <a:latin typeface="프리젠테이션 5 Medium" pitchFamily="2" charset="-127"/>
+                  <a:ea typeface="프리젠테이션 5 Medium" pitchFamily="2" charset="-127"/>
+                </a:rPr>
+                <a:t>SW </a:t>
+              </a:r>
+              <a:r>
+                <a:rPr lang="ko-KR" altLang="en-US" sz="2400" spc="-100" dirty="0">
+                  <a:solidFill>
+                    <a:schemeClr val="tx1">
+                      <a:lumMod val="95000"/>
+                      <a:lumOff val="5000"/>
+                      <a:alpha val="67059"/>
+                    </a:schemeClr>
+                  </a:solidFill>
+                  <a:latin typeface="프리젠테이션 5 Medium" pitchFamily="2" charset="-127"/>
+                  <a:ea typeface="프리젠테이션 5 Medium" pitchFamily="2" charset="-127"/>
+                </a:rPr>
+                <a:t>및 사용자에 의해 동시 공용 가능</a:t>
+              </a:r>
+              <a:endParaRPr lang="en-US" altLang="ko-KR" sz="2400" spc="-100" dirty="0">
                 <a:solidFill>
                   <a:schemeClr val="tx1">
                     <a:lumMod val="95000"/>
@@ -9944,29 +10214,57 @@
                 </a:solidFill>
                 <a:latin typeface="프리젠테이션 5 Medium" pitchFamily="2" charset="-127"/>
                 <a:ea typeface="프리젠테이션 5 Medium" pitchFamily="2" charset="-127"/>
-              </a:rPr>
-              <a:t>요청 받은 데이터 처리는 실시간으로 처리되고 결과를 반환해야 함</a:t>
-            </a:r>
-            <a:endParaRPr lang="en-US" altLang="ko-KR" sz="2400" b="0" i="0" u="none" strike="noStrike" spc="-100" dirty="0">
-              <a:solidFill>
-                <a:schemeClr val="tx1">
-                  <a:lumMod val="95000"/>
-                  <a:lumOff val="5000"/>
-                  <a:alpha val="67059"/>
-                </a:schemeClr>
-              </a:solidFill>
-              <a:latin typeface="프리젠테이션 5 Medium" pitchFamily="2" charset="-127"/>
-              <a:ea typeface="프리젠테이션 5 Medium" pitchFamily="2" charset="-127"/>
-            </a:endParaRPr>
-          </a:p>
-          <a:p>
-            <a:pPr lvl="0" algn="l">
-              <a:lnSpc>
-                <a:spcPct val="112050"/>
-              </a:lnSpc>
-            </a:pPr>
-            <a:r>
-              <a:rPr lang="ko-KR" altLang="en-US" sz="2400" b="0" i="0" u="none" strike="noStrike" spc="-100" dirty="0">
+              </a:endParaRPr>
+            </a:p>
+            <a:p>
+              <a:pPr lvl="0" algn="l">
+                <a:lnSpc>
+                  <a:spcPct val="150000"/>
+                </a:lnSpc>
+              </a:pPr>
+              <a:r>
+                <a:rPr lang="ko-KR" altLang="en-US" sz="2400" b="0" i="0" u="none" strike="noStrike" spc="-100" dirty="0">
+                  <a:solidFill>
+                    <a:schemeClr val="tx1">
+                      <a:lumMod val="95000"/>
+                      <a:lumOff val="5000"/>
+                      <a:alpha val="67059"/>
+                    </a:schemeClr>
+                  </a:solidFill>
+                  <a:latin typeface="프리젠테이션 5 Medium" pitchFamily="2" charset="-127"/>
+                  <a:ea typeface="프리젠테이션 5 Medium" pitchFamily="2" charset="-127"/>
+                </a:rPr>
+                <a:t>내용에 의한 참조 </a:t>
+              </a:r>
+              <a:r>
+                <a:rPr lang="en-US" altLang="ko-KR" sz="2400" b="0" i="0" u="none" strike="noStrike" spc="-100" dirty="0">
+                  <a:solidFill>
+                    <a:schemeClr val="tx1">
+                      <a:lumMod val="95000"/>
+                      <a:lumOff val="5000"/>
+                      <a:alpha val="67059"/>
+                    </a:schemeClr>
+                  </a:solidFill>
+                  <a:latin typeface="프리젠테이션 5 Medium" pitchFamily="2" charset="-127"/>
+                  <a:ea typeface="프리젠테이션 5 Medium" pitchFamily="2" charset="-127"/>
+                </a:rPr>
+                <a:t>– </a:t>
+              </a:r>
+              <a:r>
+                <a:rPr lang="ko-KR" altLang="en-US" sz="2400" b="0" i="0" u="none" strike="noStrike" spc="-100" dirty="0">
+                  <a:solidFill>
+                    <a:schemeClr val="tx1">
+                      <a:lumMod val="95000"/>
+                      <a:lumOff val="5000"/>
+                      <a:alpha val="67059"/>
+                    </a:schemeClr>
+                  </a:solidFill>
+                  <a:latin typeface="프리젠테이션 5 Medium" pitchFamily="2" charset="-127"/>
+                  <a:ea typeface="프리젠테이션 5 Medium" pitchFamily="2" charset="-127"/>
+                </a:rPr>
+                <a:t>데이터의 참조는 데이터의 주소가 아닌 저장된 값에 의해 처리됨 </a:t>
+              </a:r>
+              <a:endParaRPr lang="en-US" sz="2400" b="0" i="0" u="none" strike="noStrike" spc="-100" dirty="0">
                 <a:solidFill>
                   <a:schemeClr val="tx1">
                     <a:lumMod val="95000"/>
@@ -9976,383 +10274,11 @@
                 </a:solidFill>
                 <a:latin typeface="프리젠테이션 5 Medium" pitchFamily="2" charset="-127"/>
                 <a:ea typeface="프리젠테이션 5 Medium" pitchFamily="2" charset="-127"/>
-              </a:rPr>
-              <a:t>계속적 변화 </a:t>
-            </a:r>
-            <a:r>
-              <a:rPr lang="en-US" altLang="ko-KR" sz="2400" b="0" i="0" u="none" strike="noStrike" spc="-100" dirty="0">
-                <a:solidFill>
-                  <a:schemeClr val="tx1">
-                    <a:lumMod val="95000"/>
-                    <a:lumOff val="5000"/>
-                    <a:alpha val="67059"/>
-                  </a:schemeClr>
-                </a:solidFill>
-                <a:latin typeface="프리젠테이션 5 Medium" pitchFamily="2" charset="-127"/>
-                <a:ea typeface="프리젠테이션 5 Medium" pitchFamily="2" charset="-127"/>
-              </a:rPr>
-              <a:t>– </a:t>
-            </a:r>
-            <a:r>
-              <a:rPr lang="ko-KR" altLang="en-US" sz="2400" b="0" i="0" u="none" strike="noStrike" spc="-100" dirty="0">
-                <a:solidFill>
-                  <a:schemeClr val="tx1">
-                    <a:lumMod val="95000"/>
-                    <a:lumOff val="5000"/>
-                    <a:alpha val="67059"/>
-                  </a:schemeClr>
-                </a:solidFill>
-                <a:latin typeface="프리젠테이션 5 Medium" pitchFamily="2" charset="-127"/>
-                <a:ea typeface="프리젠테이션 5 Medium" pitchFamily="2" charset="-127"/>
-              </a:rPr>
-              <a:t>저장된 데이터는 입력</a:t>
-            </a:r>
-            <a:r>
-              <a:rPr lang="en-US" altLang="ko-KR" sz="2400" b="0" i="0" u="none" strike="noStrike" spc="-100" dirty="0">
-                <a:solidFill>
-                  <a:schemeClr val="tx1">
-                    <a:lumMod val="95000"/>
-                    <a:lumOff val="5000"/>
-                    <a:alpha val="67059"/>
-                  </a:schemeClr>
-                </a:solidFill>
-                <a:latin typeface="프리젠테이션 5 Medium" pitchFamily="2" charset="-127"/>
-                <a:ea typeface="프리젠테이션 5 Medium" pitchFamily="2" charset="-127"/>
-              </a:rPr>
-              <a:t>, </a:t>
-            </a:r>
-            <a:r>
-              <a:rPr lang="ko-KR" altLang="en-US" sz="2400" b="0" i="0" u="none" strike="noStrike" spc="-100" dirty="0">
-                <a:solidFill>
-                  <a:schemeClr val="tx1">
-                    <a:lumMod val="95000"/>
-                    <a:lumOff val="5000"/>
-                    <a:alpha val="67059"/>
-                  </a:schemeClr>
-                </a:solidFill>
-                <a:latin typeface="프리젠테이션 5 Medium" pitchFamily="2" charset="-127"/>
-                <a:ea typeface="프리젠테이션 5 Medium" pitchFamily="2" charset="-127"/>
-              </a:rPr>
-              <a:t>수정</a:t>
-            </a:r>
-            <a:r>
-              <a:rPr lang="en-US" altLang="ko-KR" sz="2400" b="0" i="0" u="none" strike="noStrike" spc="-100" dirty="0">
-                <a:solidFill>
-                  <a:schemeClr val="tx1">
-                    <a:lumMod val="95000"/>
-                    <a:lumOff val="5000"/>
-                    <a:alpha val="67059"/>
-                  </a:schemeClr>
-                </a:solidFill>
-                <a:latin typeface="프리젠테이션 5 Medium" pitchFamily="2" charset="-127"/>
-                <a:ea typeface="프리젠테이션 5 Medium" pitchFamily="2" charset="-127"/>
-              </a:rPr>
-              <a:t>, </a:t>
-            </a:r>
-            <a:r>
-              <a:rPr lang="ko-KR" altLang="en-US" sz="2400" b="0" i="0" u="none" strike="noStrike" spc="-100" dirty="0">
-                <a:solidFill>
-                  <a:schemeClr val="tx1">
-                    <a:lumMod val="95000"/>
-                    <a:lumOff val="5000"/>
-                    <a:alpha val="67059"/>
-                  </a:schemeClr>
-                </a:solidFill>
-                <a:latin typeface="프리젠테이션 5 Medium" pitchFamily="2" charset="-127"/>
-                <a:ea typeface="프리젠테이션 5 Medium" pitchFamily="2" charset="-127"/>
-              </a:rPr>
-              <a:t>삭제에 의해 지속적으로 변화함</a:t>
-            </a:r>
-            <a:endParaRPr lang="en-US" altLang="ko-KR" sz="2400" b="0" i="0" u="none" strike="noStrike" spc="-100" dirty="0">
-              <a:solidFill>
-                <a:schemeClr val="tx1">
-                  <a:lumMod val="95000"/>
-                  <a:lumOff val="5000"/>
-                  <a:alpha val="67059"/>
-                </a:schemeClr>
-              </a:solidFill>
-              <a:latin typeface="프리젠테이션 5 Medium" pitchFamily="2" charset="-127"/>
-              <a:ea typeface="프리젠테이션 5 Medium" pitchFamily="2" charset="-127"/>
-            </a:endParaRPr>
-          </a:p>
-          <a:p>
-            <a:pPr lvl="0" algn="l">
-              <a:lnSpc>
-                <a:spcPct val="112050"/>
-              </a:lnSpc>
-            </a:pPr>
-            <a:r>
-              <a:rPr lang="ko-KR" altLang="en-US" sz="2400" spc="-100" dirty="0">
-                <a:solidFill>
-                  <a:schemeClr val="tx1">
-                    <a:lumMod val="95000"/>
-                    <a:lumOff val="5000"/>
-                    <a:alpha val="67059"/>
-                  </a:schemeClr>
-                </a:solidFill>
-                <a:latin typeface="프리젠테이션 5 Medium" pitchFamily="2" charset="-127"/>
-                <a:ea typeface="프리젠테이션 5 Medium" pitchFamily="2" charset="-127"/>
-              </a:rPr>
-              <a:t>동시 공용 </a:t>
-            </a:r>
-            <a:r>
-              <a:rPr lang="en-US" altLang="ko-KR" sz="2400" spc="-100" dirty="0">
-                <a:solidFill>
-                  <a:schemeClr val="tx1">
-                    <a:lumMod val="95000"/>
-                    <a:lumOff val="5000"/>
-                    <a:alpha val="67059"/>
-                  </a:schemeClr>
-                </a:solidFill>
-                <a:latin typeface="프리젠테이션 5 Medium" pitchFamily="2" charset="-127"/>
-                <a:ea typeface="프리젠테이션 5 Medium" pitchFamily="2" charset="-127"/>
-              </a:rPr>
-              <a:t>– </a:t>
-            </a:r>
-            <a:r>
-              <a:rPr lang="ko-KR" altLang="en-US" sz="2400" spc="-100" dirty="0">
-                <a:solidFill>
-                  <a:schemeClr val="tx1">
-                    <a:lumMod val="95000"/>
-                    <a:lumOff val="5000"/>
-                    <a:alpha val="67059"/>
-                  </a:schemeClr>
-                </a:solidFill>
-                <a:latin typeface="프리젠테이션 5 Medium" pitchFamily="2" charset="-127"/>
-                <a:ea typeface="프리젠테이션 5 Medium" pitchFamily="2" charset="-127"/>
-              </a:rPr>
-              <a:t>서로 다른 목적의 응용 </a:t>
-            </a:r>
-            <a:r>
-              <a:rPr lang="en-US" altLang="ko-KR" sz="2400" spc="-100" dirty="0">
-                <a:solidFill>
-                  <a:schemeClr val="tx1">
-                    <a:lumMod val="95000"/>
-                    <a:lumOff val="5000"/>
-                    <a:alpha val="67059"/>
-                  </a:schemeClr>
-                </a:solidFill>
-                <a:latin typeface="프리젠테이션 5 Medium" pitchFamily="2" charset="-127"/>
-                <a:ea typeface="프리젠테이션 5 Medium" pitchFamily="2" charset="-127"/>
-              </a:rPr>
-              <a:t>SW</a:t>
-            </a:r>
-            <a:r>
-              <a:rPr lang="ko-KR" altLang="en-US" sz="2400" spc="-100" dirty="0">
-                <a:solidFill>
-                  <a:schemeClr val="tx1">
-                    <a:lumMod val="95000"/>
-                    <a:lumOff val="5000"/>
-                    <a:alpha val="67059"/>
-                  </a:schemeClr>
-                </a:solidFill>
-                <a:latin typeface="프리젠테이션 5 Medium" pitchFamily="2" charset="-127"/>
-                <a:ea typeface="프리젠테이션 5 Medium" pitchFamily="2" charset="-127"/>
-              </a:rPr>
-              <a:t>및 사용자에 의해 동시 공용 가능</a:t>
-            </a:r>
-            <a:endParaRPr lang="en-US" altLang="ko-KR" sz="2400" spc="-100" dirty="0">
-              <a:solidFill>
-                <a:schemeClr val="tx1">
-                  <a:lumMod val="95000"/>
-                  <a:lumOff val="5000"/>
-                  <a:alpha val="67059"/>
-                </a:schemeClr>
-              </a:solidFill>
-              <a:latin typeface="프리젠테이션 5 Medium" pitchFamily="2" charset="-127"/>
-              <a:ea typeface="프리젠테이션 5 Medium" pitchFamily="2" charset="-127"/>
-            </a:endParaRPr>
-          </a:p>
-          <a:p>
-            <a:pPr lvl="0" algn="l">
-              <a:lnSpc>
-                <a:spcPct val="112050"/>
-              </a:lnSpc>
-            </a:pPr>
-            <a:r>
-              <a:rPr lang="ko-KR" altLang="en-US" sz="2400" b="0" i="0" u="none" strike="noStrike" spc="-100" dirty="0">
-                <a:solidFill>
-                  <a:schemeClr val="tx1">
-                    <a:lumMod val="95000"/>
-                    <a:lumOff val="5000"/>
-                    <a:alpha val="67059"/>
-                  </a:schemeClr>
-                </a:solidFill>
-                <a:latin typeface="프리젠테이션 5 Medium" pitchFamily="2" charset="-127"/>
-                <a:ea typeface="프리젠테이션 5 Medium" pitchFamily="2" charset="-127"/>
-              </a:rPr>
-              <a:t>내용에 의한 참조 </a:t>
-            </a:r>
-            <a:r>
-              <a:rPr lang="en-US" altLang="ko-KR" sz="2400" b="0" i="0" u="none" strike="noStrike" spc="-100" dirty="0">
-                <a:solidFill>
-                  <a:schemeClr val="tx1">
-                    <a:lumMod val="95000"/>
-                    <a:lumOff val="5000"/>
-                    <a:alpha val="67059"/>
-                  </a:schemeClr>
-                </a:solidFill>
-                <a:latin typeface="프리젠테이션 5 Medium" pitchFamily="2" charset="-127"/>
-                <a:ea typeface="프리젠테이션 5 Medium" pitchFamily="2" charset="-127"/>
-              </a:rPr>
-              <a:t>– </a:t>
-            </a:r>
-            <a:r>
-              <a:rPr lang="ko-KR" altLang="en-US" sz="2400" b="0" i="0" u="none" strike="noStrike" spc="-100" dirty="0">
-                <a:solidFill>
-                  <a:schemeClr val="tx1">
-                    <a:lumMod val="95000"/>
-                    <a:lumOff val="5000"/>
-                    <a:alpha val="67059"/>
-                  </a:schemeClr>
-                </a:solidFill>
-                <a:latin typeface="프리젠테이션 5 Medium" pitchFamily="2" charset="-127"/>
-                <a:ea typeface="프리젠테이션 5 Medium" pitchFamily="2" charset="-127"/>
-              </a:rPr>
-              <a:t>데이터의 참조는 데이터의 주소가 아닌 저장된 값에 의해 처리됨 </a:t>
-            </a:r>
-            <a:endParaRPr lang="en-US" sz="2400" b="0" i="0" u="none" strike="noStrike" spc="-100" dirty="0">
-              <a:solidFill>
-                <a:schemeClr val="tx1">
-                  <a:lumMod val="95000"/>
-                  <a:lumOff val="5000"/>
-                  <a:alpha val="67059"/>
-                </a:schemeClr>
-              </a:solidFill>
-              <a:latin typeface="프리젠테이션 5 Medium" pitchFamily="2" charset="-127"/>
-              <a:ea typeface="프리젠테이션 5 Medium" pitchFamily="2" charset="-127"/>
-            </a:endParaRPr>
-          </a:p>
-        </p:txBody>
-      </p:sp>
-      <p:sp>
-        <p:nvSpPr>
-          <p:cNvPr id="22" name="TextBox 22">
-            <a:extLst>
-              <a:ext uri="{FF2B5EF4-FFF2-40B4-BE49-F238E27FC236}">
-                <a16:creationId xmlns:a16="http://schemas.microsoft.com/office/drawing/2014/main" id="{D41F48DA-E3A6-4F7B-9B58-07374D210123}"/>
-              </a:ext>
-            </a:extLst>
-          </p:cNvPr>
-          <p:cNvSpPr txBox="1"/>
-          <p:nvPr/>
-        </p:nvSpPr>
-        <p:spPr>
-          <a:xfrm>
-            <a:off x="5628820" y="5524500"/>
-            <a:ext cx="8849179" cy="1003300"/>
-          </a:xfrm>
-          <a:prstGeom prst="rect">
-            <a:avLst/>
-          </a:prstGeom>
-        </p:spPr>
-        <p:txBody>
-          <a:bodyPr lIns="0" tIns="0" rIns="0" bIns="0" rtlCol="0" anchor="ctr"/>
-          <a:lstStyle/>
-          <a:p>
-            <a:pPr lvl="0" algn="l">
-              <a:lnSpc>
-                <a:spcPct val="112050"/>
-              </a:lnSpc>
-            </a:pPr>
-            <a:r>
-              <a:rPr lang="en-US" altLang="ko-KR" sz="2400" b="0" i="0" u="none" strike="noStrike" spc="-100" dirty="0">
-                <a:solidFill>
-                  <a:srgbClr val="545454"/>
-                </a:solidFill>
-                <a:latin typeface="프리젠테이션 5 Medium" pitchFamily="2" charset="-127"/>
-                <a:ea typeface="프리젠테이션 5 Medium" pitchFamily="2" charset="-127"/>
-              </a:rPr>
-              <a:t>1. </a:t>
-            </a:r>
-            <a:r>
-              <a:rPr lang="ko-KR" altLang="en-US" sz="2400" b="0" i="0" u="none" strike="noStrike" spc="-100" dirty="0">
-                <a:solidFill>
-                  <a:srgbClr val="545454"/>
-                </a:solidFill>
-                <a:latin typeface="프리젠테이션 5 Medium" pitchFamily="2" charset="-127"/>
-                <a:ea typeface="프리젠테이션 5 Medium" pitchFamily="2" charset="-127"/>
-              </a:rPr>
-              <a:t>한 레코드는 필드로 구성되며 다른 레코드들의 포인터로 구성</a:t>
-            </a:r>
-            <a:endParaRPr lang="en-US" altLang="ko-KR" sz="2400" b="0" i="0" u="none" strike="noStrike" spc="-100" dirty="0">
-              <a:solidFill>
-                <a:srgbClr val="545454"/>
-              </a:solidFill>
-              <a:latin typeface="프리젠테이션 5 Medium" pitchFamily="2" charset="-127"/>
-              <a:ea typeface="프리젠테이션 5 Medium" pitchFamily="2" charset="-127"/>
-            </a:endParaRPr>
-          </a:p>
-          <a:p>
-            <a:pPr lvl="0" algn="l">
-              <a:lnSpc>
-                <a:spcPct val="112050"/>
-              </a:lnSpc>
-            </a:pPr>
-            <a:r>
-              <a:rPr lang="en-US" altLang="ko-KR" sz="2400" spc="-100" dirty="0">
-                <a:solidFill>
-                  <a:srgbClr val="545454"/>
-                </a:solidFill>
-                <a:latin typeface="프리젠테이션 5 Medium" pitchFamily="2" charset="-127"/>
-                <a:ea typeface="프리젠테이션 5 Medium" pitchFamily="2" charset="-127"/>
-              </a:rPr>
-              <a:t>2. </a:t>
-            </a:r>
-            <a:r>
-              <a:rPr lang="ko-KR" altLang="en-US" sz="2400" spc="-100" dirty="0">
-                <a:solidFill>
-                  <a:srgbClr val="545454"/>
-                </a:solidFill>
-                <a:latin typeface="프리젠테이션 5 Medium" pitchFamily="2" charset="-127"/>
-                <a:ea typeface="프리젠테이션 5 Medium" pitchFamily="2" charset="-127"/>
-              </a:rPr>
-              <a:t>빠른 접근 속도</a:t>
-            </a:r>
-            <a:endParaRPr lang="en-US" sz="2400" b="0" i="0" u="none" strike="noStrike" spc="-100" dirty="0">
-              <a:solidFill>
-                <a:srgbClr val="545454"/>
-              </a:solidFill>
-              <a:latin typeface="프리젠테이션 5 Medium" pitchFamily="2" charset="-127"/>
-              <a:ea typeface="프리젠테이션 5 Medium" pitchFamily="2" charset="-127"/>
-            </a:endParaRPr>
-          </a:p>
-          <a:p>
-            <a:pPr lvl="0" algn="l">
-              <a:lnSpc>
-                <a:spcPct val="112050"/>
-              </a:lnSpc>
-            </a:pPr>
-            <a:r>
-              <a:rPr lang="en-US" altLang="ko-KR" sz="2400" spc="-100" dirty="0">
-                <a:solidFill>
-                  <a:srgbClr val="545454"/>
-                </a:solidFill>
-                <a:latin typeface="프리젠테이션 5 Medium" pitchFamily="2" charset="-127"/>
-                <a:ea typeface="프리젠테이션 5 Medium" pitchFamily="2" charset="-127"/>
-              </a:rPr>
-              <a:t>3. </a:t>
-            </a:r>
-            <a:r>
-              <a:rPr lang="ko-KR" altLang="en-US" sz="2400" spc="-100" dirty="0">
-                <a:solidFill>
-                  <a:srgbClr val="545454"/>
-                </a:solidFill>
-                <a:latin typeface="프리젠테이션 5 Medium" pitchFamily="2" charset="-127"/>
-                <a:ea typeface="프리젠테이션 5 Medium" pitchFamily="2" charset="-127"/>
-              </a:rPr>
-              <a:t>데이터 변화에 대한 유연성 낮음</a:t>
-            </a:r>
-            <a:endParaRPr lang="en-US" sz="2400" b="0" i="0" u="none" strike="noStrike" spc="-100" dirty="0">
-              <a:solidFill>
-                <a:srgbClr val="545454"/>
-              </a:solidFill>
-              <a:latin typeface="프리젠테이션 5 Medium" pitchFamily="2" charset="-127"/>
-              <a:ea typeface="프리젠테이션 5 Medium" pitchFamily="2" charset="-127"/>
-            </a:endParaRPr>
-          </a:p>
-        </p:txBody>
-      </p:sp>
+              </a:endParaRPr>
+            </a:p>
+          </p:txBody>
+        </p:sp>
+      </p:grpSp>
     </p:spTree>
   </p:cSld>
   <p:clrMapOvr>
@@ -11052,9 +10978,83 @@
           </a:prstGeom>
         </p:spPr>
       </p:pic>
+      <p:sp>
+        <p:nvSpPr>
+          <p:cNvPr id="25" name="TextBox 25"/>
+          <p:cNvSpPr txBox="1"/>
+          <p:nvPr/>
+        </p:nvSpPr>
+        <p:spPr>
+          <a:xfrm>
+            <a:off x="3278809" y="1282700"/>
+            <a:ext cx="14986000" cy="1333500"/>
+          </a:xfrm>
+          <a:prstGeom prst="rect">
+            <a:avLst/>
+          </a:prstGeom>
+        </p:spPr>
+        <p:txBody>
+          <a:bodyPr lIns="0" tIns="0" rIns="0" bIns="0" rtlCol="0" anchor="ctr"/>
+          <a:lstStyle/>
+          <a:p>
+            <a:pPr lvl="0" algn="l">
+              <a:lnSpc>
+                <a:spcPct val="112050"/>
+              </a:lnSpc>
+            </a:pPr>
+            <a:r>
+              <a:rPr lang="en-US" altLang="ko-KR" sz="8000" b="0" i="0" u="none" strike="noStrike" spc="-100" dirty="0">
+                <a:solidFill>
+                  <a:srgbClr val="545454"/>
+                </a:solidFill>
+                <a:latin typeface="프리젠테이션 6 SemiBold" pitchFamily="2" charset="-127"/>
+                <a:ea typeface="프리젠테이션 6 SemiBold" pitchFamily="2" charset="-127"/>
+              </a:rPr>
+              <a:t>3. </a:t>
+            </a:r>
+            <a:r>
+              <a:rPr lang="ko-KR" altLang="en-US" sz="8000" b="0" i="0" u="none" strike="noStrike" spc="-100" dirty="0">
+                <a:solidFill>
+                  <a:srgbClr val="545454"/>
+                </a:solidFill>
+                <a:latin typeface="프리젠테이션 6 SemiBold" pitchFamily="2" charset="-127"/>
+                <a:ea typeface="프리젠테이션 6 SemiBold" pitchFamily="2" charset="-127"/>
+              </a:rPr>
+              <a:t>데이터베이스 </a:t>
+            </a:r>
+            <a:r>
+              <a:rPr lang="en-US" altLang="ko-KR" sz="8000" b="0" i="0" u="none" strike="noStrike" spc="-100" dirty="0">
+                <a:solidFill>
+                  <a:srgbClr val="545454"/>
+                </a:solidFill>
+                <a:latin typeface="프리젠테이션 6 SemiBold" pitchFamily="2" charset="-127"/>
+                <a:ea typeface="프리젠테이션 6 SemiBold" pitchFamily="2" charset="-127"/>
+              </a:rPr>
+              <a:t>&amp; DBMS </a:t>
+            </a:r>
+            <a:r>
+              <a:rPr lang="ko-KR" altLang="en-US" sz="8000" b="0" i="0" u="none" strike="noStrike" spc="-100" dirty="0">
+                <a:solidFill>
+                  <a:srgbClr val="545454"/>
+                </a:solidFill>
+                <a:latin typeface="프리젠테이션 6 SemiBold" pitchFamily="2" charset="-127"/>
+                <a:ea typeface="프리젠테이션 6 SemiBold" pitchFamily="2" charset="-127"/>
+              </a:rPr>
+              <a:t>서술형</a:t>
+            </a:r>
+            <a:endParaRPr lang="en-US" altLang="ko-KR" sz="8000" b="0" i="0" u="none" strike="noStrike" spc="-100" dirty="0">
+              <a:solidFill>
+                <a:srgbClr val="545454"/>
+              </a:solidFill>
+              <a:latin typeface="프리젠테이션 6 SemiBold" pitchFamily="2" charset="-127"/>
+              <a:ea typeface="프리젠테이션 6 SemiBold" pitchFamily="2" charset="-127"/>
+            </a:endParaRPr>
+          </a:p>
+        </p:txBody>
+      </p:sp>
       <p:pic>
         <p:nvPicPr>
-          <p:cNvPr id="5" name="Picture 5"/>
+          <p:cNvPr id="8" name="Picture 8"/>
           <p:cNvPicPr>
             <a:picLocks noChangeAspect="1"/>
           </p:cNvPicPr>
@@ -11062,7 +11062,7 @@
         </p:nvPicPr>
         <p:blipFill>
           <a:blip r:embed="rId5">
-            <a:alphaModFix amt="60000"/>
+            <a:alphaModFix amt="64000"/>
           </a:blip>
           <a:stretch>
             <a:fillRect/>
@@ -11070,8 +11070,8 @@
         </p:blipFill>
         <p:spPr>
           <a:xfrm>
-            <a:off x="1921329" y="5082722"/>
-            <a:ext cx="7429500" cy="1600200"/>
+            <a:off x="1625600" y="3323690"/>
+            <a:ext cx="14947900" cy="1705510"/>
           </a:xfrm>
           <a:prstGeom prst="rect">
             <a:avLst/>
@@ -11080,7 +11080,7 @@
       </p:pic>
       <p:pic>
         <p:nvPicPr>
-          <p:cNvPr id="6" name="Picture 6"/>
+          <p:cNvPr id="9" name="Picture 9"/>
           <p:cNvPicPr>
             <a:picLocks noChangeAspect="1"/>
           </p:cNvPicPr>
@@ -11093,18 +11093,190 @@
           </a:stretch>
         </p:blipFill>
         <p:spPr>
-          <a:xfrm>
-            <a:off x="1921329" y="5082722"/>
-            <a:ext cx="7429500" cy="762000"/>
+          <a:xfrm rot="-5400000">
+            <a:off x="4689652" y="4251148"/>
+            <a:ext cx="907695" cy="12700"/>
           </a:xfrm>
           <a:prstGeom prst="rect">
             <a:avLst/>
           </a:prstGeom>
         </p:spPr>
       </p:pic>
+      <p:sp>
+        <p:nvSpPr>
+          <p:cNvPr id="20" name="TextBox 20"/>
+          <p:cNvSpPr txBox="1"/>
+          <p:nvPr/>
+        </p:nvSpPr>
+        <p:spPr>
+          <a:xfrm>
+            <a:off x="1787981" y="3870438"/>
+            <a:ext cx="3302000" cy="577624"/>
+          </a:xfrm>
+          <a:prstGeom prst="rect">
+            <a:avLst/>
+          </a:prstGeom>
+        </p:spPr>
+        <p:txBody>
+          <a:bodyPr lIns="0" tIns="0" rIns="0" bIns="0" rtlCol="0" anchor="ctr"/>
+          <a:lstStyle/>
+          <a:p>
+            <a:pPr lvl="0" algn="ctr">
+              <a:lnSpc>
+                <a:spcPct val="87149"/>
+              </a:lnSpc>
+            </a:pPr>
+            <a:r>
+              <a:rPr lang="ko-KR" altLang="en-US" sz="3200" spc="-200" dirty="0">
+                <a:solidFill>
+                  <a:srgbClr val="C5C0BC"/>
+                </a:solidFill>
+                <a:latin typeface="프리젠테이션 5 Medium" pitchFamily="2" charset="-127"/>
+                <a:ea typeface="프리젠테이션 5 Medium" pitchFamily="2" charset="-127"/>
+              </a:rPr>
+              <a:t>계층형 데이터 베이스</a:t>
+            </a:r>
+            <a:endParaRPr lang="en-US" sz="3200" b="0" i="0" u="none" strike="noStrike" spc="-200" dirty="0">
+              <a:solidFill>
+                <a:srgbClr val="C5C0BC"/>
+              </a:solidFill>
+              <a:latin typeface="프리젠테이션 5 Medium" pitchFamily="2" charset="-127"/>
+              <a:ea typeface="프리젠테이션 5 Medium" pitchFamily="2" charset="-127"/>
+            </a:endParaRPr>
+          </a:p>
+        </p:txBody>
+      </p:sp>
+      <p:sp>
+        <p:nvSpPr>
+          <p:cNvPr id="22" name="TextBox 22">
+            <a:extLst>
+              <a:ext uri="{FF2B5EF4-FFF2-40B4-BE49-F238E27FC236}">
+                <a16:creationId xmlns:a16="http://schemas.microsoft.com/office/drawing/2014/main" id="{D41F48DA-E3A6-4F7B-9B58-07374D210123}"/>
+              </a:ext>
+            </a:extLst>
+          </p:cNvPr>
+          <p:cNvSpPr txBox="1"/>
+          <p:nvPr/>
+        </p:nvSpPr>
+        <p:spPr>
+          <a:xfrm>
+            <a:off x="5524500" y="6242292"/>
+            <a:ext cx="8849179" cy="1083046"/>
+          </a:xfrm>
+          <a:prstGeom prst="rect">
+            <a:avLst/>
+          </a:prstGeom>
+        </p:spPr>
+        <p:txBody>
+          <a:bodyPr lIns="0" tIns="0" rIns="0" bIns="0" rtlCol="0" anchor="ctr"/>
+          <a:lstStyle/>
+          <a:p>
+            <a:pPr lvl="0" algn="l">
+              <a:lnSpc>
+                <a:spcPct val="150000"/>
+              </a:lnSpc>
+            </a:pPr>
+            <a:r>
+              <a:rPr lang="en-US" altLang="ko-KR" sz="2400" b="0" i="0" u="none" strike="noStrike" spc="-100" dirty="0">
+                <a:solidFill>
+                  <a:srgbClr val="545454"/>
+                </a:solidFill>
+                <a:latin typeface="프리젠테이션 5 Medium" pitchFamily="2" charset="-127"/>
+                <a:ea typeface="프리젠테이션 5 Medium" pitchFamily="2" charset="-127"/>
+              </a:rPr>
+              <a:t>1. </a:t>
+            </a:r>
+            <a:r>
+              <a:rPr lang="ko-KR" altLang="en-US" sz="2400" b="0" i="0" u="none" strike="noStrike" spc="-100" dirty="0">
+                <a:solidFill>
+                  <a:srgbClr val="545454"/>
+                </a:solidFill>
+                <a:latin typeface="프리젠테이션 5 Medium" pitchFamily="2" charset="-127"/>
+                <a:ea typeface="프리젠테이션 5 Medium" pitchFamily="2" charset="-127"/>
+              </a:rPr>
+              <a:t>한 레코드는 필드로 구성되며 다른 레코드들의 포인터로 구성</a:t>
+            </a:r>
+            <a:endParaRPr lang="en-US" altLang="ko-KR" sz="2400" b="0" i="0" u="none" strike="noStrike" spc="-100" dirty="0">
+              <a:solidFill>
+                <a:srgbClr val="545454"/>
+              </a:solidFill>
+              <a:latin typeface="프리젠테이션 5 Medium" pitchFamily="2" charset="-127"/>
+              <a:ea typeface="프리젠테이션 5 Medium" pitchFamily="2" charset="-127"/>
+            </a:endParaRPr>
+          </a:p>
+          <a:p>
+            <a:pPr lvl="0" algn="l">
+              <a:lnSpc>
+                <a:spcPct val="150000"/>
+              </a:lnSpc>
+            </a:pPr>
+            <a:r>
+              <a:rPr lang="en-US" altLang="ko-KR" sz="2400" spc="-100" dirty="0">
+                <a:solidFill>
+                  <a:srgbClr val="545454"/>
+                </a:solidFill>
+                <a:latin typeface="프리젠테이션 5 Medium" pitchFamily="2" charset="-127"/>
+                <a:ea typeface="프리젠테이션 5 Medium" pitchFamily="2" charset="-127"/>
+              </a:rPr>
+              <a:t>2. </a:t>
+            </a:r>
+            <a:r>
+              <a:rPr lang="ko-KR" altLang="en-US" sz="2400" spc="-100" dirty="0">
+                <a:solidFill>
+                  <a:srgbClr val="545454"/>
+                </a:solidFill>
+                <a:latin typeface="프리젠테이션 5 Medium" pitchFamily="2" charset="-127"/>
+                <a:ea typeface="프리젠테이션 5 Medium" pitchFamily="2" charset="-127"/>
+              </a:rPr>
+              <a:t>빠른 접근 속도</a:t>
+            </a:r>
+            <a:endParaRPr lang="en-US" sz="2400" b="0" i="0" u="none" strike="noStrike" spc="-100" dirty="0">
+              <a:solidFill>
+                <a:srgbClr val="545454"/>
+              </a:solidFill>
+              <a:latin typeface="프리젠테이션 5 Medium" pitchFamily="2" charset="-127"/>
+              <a:ea typeface="프리젠테이션 5 Medium" pitchFamily="2" charset="-127"/>
+            </a:endParaRPr>
+          </a:p>
+          <a:p>
+            <a:pPr lvl="0" algn="l">
+              <a:lnSpc>
+                <a:spcPct val="150000"/>
+              </a:lnSpc>
+            </a:pPr>
+            <a:r>
+              <a:rPr lang="en-US" altLang="ko-KR" sz="2400" spc="-100" dirty="0">
+                <a:solidFill>
+                  <a:srgbClr val="545454"/>
+                </a:solidFill>
+                <a:latin typeface="프리젠테이션 5 Medium" pitchFamily="2" charset="-127"/>
+                <a:ea typeface="프리젠테이션 5 Medium" pitchFamily="2" charset="-127"/>
+              </a:rPr>
+              <a:t>3. </a:t>
+            </a:r>
+            <a:r>
+              <a:rPr lang="ko-KR" altLang="en-US" sz="2400" spc="-100" dirty="0">
+                <a:solidFill>
+                  <a:srgbClr val="545454"/>
+                </a:solidFill>
+                <a:latin typeface="프리젠테이션 5 Medium" pitchFamily="2" charset="-127"/>
+                <a:ea typeface="프리젠테이션 5 Medium" pitchFamily="2" charset="-127"/>
+              </a:rPr>
+              <a:t>데이터 변화에 대한 유연성 낮음</a:t>
+            </a:r>
+            <a:endParaRPr lang="en-US" sz="2400" b="0" i="0" u="none" strike="noStrike" spc="-100" dirty="0">
+              <a:solidFill>
+                <a:srgbClr val="545454"/>
+              </a:solidFill>
+              <a:latin typeface="프리젠테이션 5 Medium" pitchFamily="2" charset="-127"/>
+              <a:ea typeface="프리젠테이션 5 Medium" pitchFamily="2" charset="-127"/>
+            </a:endParaRPr>
+          </a:p>
+        </p:txBody>
+      </p:sp>
       <p:pic>
         <p:nvPicPr>
-          <p:cNvPr id="7" name="Picture 7"/>
+          <p:cNvPr id="11" name="Picture 11"/>
           <p:cNvPicPr>
             <a:picLocks noChangeAspect="1"/>
           </p:cNvPicPr>
@@ -11120,8 +11292,8 @@
         </p:blipFill>
         <p:spPr>
           <a:xfrm>
-            <a:off x="9554029" y="5114472"/>
-            <a:ext cx="7429500" cy="1600200"/>
+            <a:off x="1625600" y="5514193"/>
+            <a:ext cx="14947900" cy="2601107"/>
           </a:xfrm>
           <a:prstGeom prst="rect">
             <a:avLst/>
@@ -11130,7 +11302,7 @@
       </p:pic>
       <p:pic>
         <p:nvPicPr>
-          <p:cNvPr id="8" name="Picture 8"/>
+          <p:cNvPr id="12" name="Picture 12"/>
           <p:cNvPicPr>
             <a:picLocks noChangeAspect="1"/>
           </p:cNvPicPr>
@@ -11143,109 +11315,9 @@
           </a:stretch>
         </p:blipFill>
         <p:spPr>
-          <a:xfrm>
-            <a:off x="9554029" y="5082722"/>
-            <a:ext cx="7429500" cy="762000"/>
-          </a:xfrm>
-          <a:prstGeom prst="rect">
-            <a:avLst/>
-          </a:prstGeom>
-        </p:spPr>
-      </p:pic>
-      <p:pic>
-        <p:nvPicPr>
-          <p:cNvPr id="9" name="Picture 9"/>
-          <p:cNvPicPr>
-            <a:picLocks noChangeAspect="1"/>
-          </p:cNvPicPr>
-          <p:nvPr/>
-        </p:nvPicPr>
-        <p:blipFill>
-          <a:blip r:embed="rId7">
-            <a:alphaModFix amt="43000"/>
-          </a:blip>
-          <a:stretch>
-            <a:fillRect/>
-          </a:stretch>
-        </p:blipFill>
-        <p:spPr>
-          <a:xfrm>
-            <a:off x="1903186" y="7184119"/>
-            <a:ext cx="7429500" cy="1600200"/>
-          </a:xfrm>
-          <a:prstGeom prst="rect">
-            <a:avLst/>
-          </a:prstGeom>
-        </p:spPr>
-      </p:pic>
-      <p:pic>
-        <p:nvPicPr>
-          <p:cNvPr id="10" name="Picture 10"/>
-          <p:cNvPicPr>
-            <a:picLocks noChangeAspect="1"/>
-          </p:cNvPicPr>
-          <p:nvPr/>
-        </p:nvPicPr>
-        <p:blipFill>
-          <a:blip r:embed="rId8"/>
-          <a:stretch>
-            <a:fillRect/>
-          </a:stretch>
-        </p:blipFill>
-        <p:spPr>
-          <a:xfrm>
-            <a:off x="1903186" y="7171419"/>
-            <a:ext cx="7429500" cy="762000"/>
-          </a:xfrm>
-          <a:prstGeom prst="rect">
-            <a:avLst/>
-          </a:prstGeom>
-        </p:spPr>
-      </p:pic>
-      <p:pic>
-        <p:nvPicPr>
-          <p:cNvPr id="11" name="Picture 11"/>
-          <p:cNvPicPr>
-            <a:picLocks noChangeAspect="1"/>
-          </p:cNvPicPr>
-          <p:nvPr/>
-        </p:nvPicPr>
-        <p:blipFill>
-          <a:blip r:embed="rId5">
-            <a:alphaModFix amt="60000"/>
-          </a:blip>
-          <a:stretch>
-            <a:fillRect/>
-          </a:stretch>
-        </p:blipFill>
-        <p:spPr>
-          <a:xfrm>
-            <a:off x="9535886" y="7184119"/>
-            <a:ext cx="7429500" cy="1600200"/>
-          </a:xfrm>
-          <a:prstGeom prst="rect">
-            <a:avLst/>
-          </a:prstGeom>
-        </p:spPr>
-      </p:pic>
-      <p:pic>
-        <p:nvPicPr>
-          <p:cNvPr id="12" name="Picture 12"/>
-          <p:cNvPicPr>
-            <a:picLocks noChangeAspect="1"/>
-          </p:cNvPicPr>
-          <p:nvPr/>
-        </p:nvPicPr>
-        <p:blipFill>
-          <a:blip r:embed="rId6"/>
-          <a:stretch>
-            <a:fillRect/>
-          </a:stretch>
-        </p:blipFill>
-        <p:spPr>
-          <a:xfrm>
-            <a:off x="9535886" y="7171419"/>
-            <a:ext cx="7429500" cy="762000"/>
+          <a:xfrm rot="16200000">
+            <a:off x="4225450" y="6804146"/>
+            <a:ext cx="1861500" cy="12700"/>
           </a:xfrm>
           <a:prstGeom prst="rect">
             <a:avLst/>
@@ -11254,14 +11326,64 @@
       </p:pic>
       <p:sp>
         <p:nvSpPr>
-          <p:cNvPr id="13" name="TextBox 13"/>
+          <p:cNvPr id="14" name="TextBox 14"/>
           <p:cNvSpPr txBox="1"/>
           <p:nvPr/>
         </p:nvSpPr>
         <p:spPr>
           <a:xfrm>
-            <a:off x="10771809" y="7818666"/>
-            <a:ext cx="6858000" cy="1028700"/>
+            <a:off x="1778000" y="6089295"/>
+            <a:ext cx="3302000" cy="1184591"/>
+          </a:xfrm>
+          <a:prstGeom prst="rect">
+            <a:avLst/>
+          </a:prstGeom>
+        </p:spPr>
+        <p:txBody>
+          <a:bodyPr lIns="0" tIns="0" rIns="0" bIns="0" rtlCol="0" anchor="ctr"/>
+          <a:lstStyle/>
+          <a:p>
+            <a:pPr lvl="0" algn="ctr">
+              <a:lnSpc>
+                <a:spcPct val="87149"/>
+              </a:lnSpc>
+            </a:pPr>
+            <a:r>
+              <a:rPr lang="ko-KR" altLang="en-US" sz="3200" b="0" i="0" u="none" strike="noStrike" spc="-200" dirty="0">
+                <a:solidFill>
+                  <a:srgbClr val="617995"/>
+                </a:solidFill>
+                <a:latin typeface="프리젠테이션 5 Medium" pitchFamily="2" charset="-127"/>
+                <a:ea typeface="프리젠테이션 5 Medium" pitchFamily="2" charset="-127"/>
+              </a:rPr>
+              <a:t>계층형 데이터 베이스 특징</a:t>
+            </a:r>
+            <a:endParaRPr lang="en-US" sz="3200" b="0" i="0" u="none" strike="noStrike" spc="-200" dirty="0">
+              <a:solidFill>
+                <a:srgbClr val="617995"/>
+              </a:solidFill>
+              <a:latin typeface="프리젠테이션 5 Medium" pitchFamily="2" charset="-127"/>
+              <a:ea typeface="프리젠테이션 5 Medium" pitchFamily="2" charset="-127"/>
+            </a:endParaRPr>
+          </a:p>
+        </p:txBody>
+      </p:sp>
+      <p:sp>
+        <p:nvSpPr>
+          <p:cNvPr id="21" name="TextBox 22">
+            <a:extLst>
+              <a:ext uri="{FF2B5EF4-FFF2-40B4-BE49-F238E27FC236}">
+                <a16:creationId xmlns:a16="http://schemas.microsoft.com/office/drawing/2014/main" id="{E22AFB8E-8DDD-4294-A30A-E90D373F1995}"/>
+              </a:ext>
+            </a:extLst>
+          </p:cNvPr>
+          <p:cNvSpPr txBox="1"/>
+          <p:nvPr/>
+        </p:nvSpPr>
+        <p:spPr>
+          <a:xfrm>
+            <a:off x="5486400" y="3323690"/>
+            <a:ext cx="9611181" cy="1671120"/>
           </a:xfrm>
           <a:prstGeom prst="rect">
             <a:avLst/>
@@ -11277,22 +11399,78 @@
               </a:lnSpc>
             </a:pPr>
             <a:r>
+              <a:rPr lang="en-US" sz="2400" b="0" i="0" u="none" strike="noStrike" spc="-100" dirty="0" err="1">
+                <a:solidFill>
+                  <a:srgbClr val="545454"/>
+                </a:solidFill>
+                <a:latin typeface="프리젠테이션 5 Medium" pitchFamily="2" charset="-127"/>
+                <a:ea typeface="프리젠테이션 5 Medium" pitchFamily="2" charset="-127"/>
+              </a:rPr>
+              <a:t>Hierarchicla</a:t>
+            </a:r>
+            <a:r>
+              <a:rPr lang="en-US" sz="2400" b="0" i="0" u="none" strike="noStrike" spc="-100" dirty="0">
+                <a:solidFill>
+                  <a:srgbClr val="545454"/>
+                </a:solidFill>
+                <a:latin typeface="프리젠테이션 5 Medium" pitchFamily="2" charset="-127"/>
+                <a:ea typeface="프리젠테이션 5 Medium" pitchFamily="2" charset="-127"/>
+              </a:rPr>
+              <a:t> DB : </a:t>
+            </a:r>
+            <a:r>
               <a:rPr lang="ko-KR" altLang="en-US" sz="2400" b="0" i="0" u="none" strike="noStrike" spc="-100" dirty="0">
                 <a:solidFill>
-                  <a:srgbClr val="545454">
-                    <a:alpha val="67059"/>
-                  </a:srgbClr>
+                  <a:srgbClr val="545454"/>
                 </a:solidFill>
                 <a:latin typeface="프리젠테이션 5 Medium" pitchFamily="2" charset="-127"/>
                 <a:ea typeface="프리젠테이션 5 Medium" pitchFamily="2" charset="-127"/>
               </a:rPr>
-              <a:t>비인가 사용자의 접근 제어 및 중요 정보의 암호화</a:t>
-            </a:r>
-            <a:endParaRPr lang="en-US" altLang="ko-KR" sz="2400" b="0" i="0" u="none" strike="noStrike" spc="-100" dirty="0">
+              <a:t>데이터</a:t>
+            </a:r>
+            <a:r>
+              <a:rPr lang="en-US" altLang="ko-KR" sz="2400" b="0" i="0" u="none" strike="noStrike" spc="-100" dirty="0">
+                <a:solidFill>
+                  <a:srgbClr val="545454"/>
+                </a:solidFill>
+                <a:latin typeface="프리젠테이션 5 Medium" pitchFamily="2" charset="-127"/>
+                <a:ea typeface="프리젠테이션 5 Medium" pitchFamily="2" charset="-127"/>
+              </a:rPr>
+              <a:t>(Record)</a:t>
+            </a:r>
+            <a:r>
+              <a:rPr lang="ko-KR" altLang="en-US" sz="2400" b="0" i="0" u="none" strike="noStrike" spc="-100" dirty="0">
+                <a:solidFill>
+                  <a:srgbClr val="545454"/>
+                </a:solidFill>
+                <a:latin typeface="프리젠테이션 5 Medium" pitchFamily="2" charset="-127"/>
+                <a:ea typeface="프리젠테이션 5 Medium" pitchFamily="2" charset="-127"/>
+              </a:rPr>
+              <a:t>를 상하 종속적 관계로 </a:t>
+            </a:r>
+            <a:r>
+              <a:rPr lang="ko-KR" altLang="en-US" sz="2400" b="0" i="0" u="none" strike="noStrike" spc="-100" dirty="0" err="1">
+                <a:solidFill>
+                  <a:srgbClr val="545454"/>
+                </a:solidFill>
+                <a:latin typeface="프리젠테이션 5 Medium" pitchFamily="2" charset="-127"/>
+                <a:ea typeface="프리젠테이션 5 Medium" pitchFamily="2" charset="-127"/>
+              </a:rPr>
+              <a:t>계층화하여</a:t>
+            </a:r>
+            <a:r>
+              <a:rPr lang="ko-KR" altLang="en-US" sz="2400" b="0" i="0" u="none" strike="noStrike" spc="-100" dirty="0">
+                <a:solidFill>
+                  <a:srgbClr val="545454"/>
+                </a:solidFill>
+                <a:latin typeface="프리젠테이션 5 Medium" pitchFamily="2" charset="-127"/>
+                <a:ea typeface="프리젠테이션 5 Medium" pitchFamily="2" charset="-127"/>
+              </a:rPr>
+              <a:t> 관리하는 데이터 베이스</a:t>
+            </a:r>
+            <a:endParaRPr lang="en-US" sz="2400" b="0" i="0" u="none" strike="noStrike" spc="-100" dirty="0">
               <a:solidFill>
-                <a:srgbClr val="545454">
-                  <a:alpha val="67059"/>
-                </a:srgbClr>
+                <a:srgbClr val="545454"/>
               </a:solidFill>
               <a:latin typeface="프리젠테이션 5 Medium" pitchFamily="2" charset="-127"/>
               <a:ea typeface="프리젠테이션 5 Medium" pitchFamily="2" charset="-127"/>
@@ -11300,527 +11478,12 @@
           </a:p>
         </p:txBody>
       </p:sp>
-      <p:sp>
-        <p:nvSpPr>
-          <p:cNvPr id="14" name="TextBox 14"/>
-          <p:cNvSpPr txBox="1"/>
-          <p:nvPr/>
-        </p:nvSpPr>
-        <p:spPr>
-          <a:xfrm>
-            <a:off x="9891486" y="7387319"/>
-            <a:ext cx="6705600" cy="317500"/>
-          </a:xfrm>
-          <a:prstGeom prst="rect">
-            <a:avLst/>
-          </a:prstGeom>
-        </p:spPr>
-        <p:txBody>
-          <a:bodyPr lIns="0" tIns="0" rIns="0" bIns="0" rtlCol="0" anchor="ctr"/>
-          <a:lstStyle/>
-          <a:p>
-            <a:pPr lvl="0" algn="ctr">
-              <a:lnSpc>
-                <a:spcPct val="97940"/>
-              </a:lnSpc>
-            </a:pPr>
-            <a:r>
-              <a:rPr lang="ko-KR" altLang="en-US" sz="2800" b="0" i="0" u="none" strike="noStrike" spc="-100" dirty="0">
-                <a:solidFill>
-                  <a:srgbClr val="FFFFFF"/>
-                </a:solidFill>
-                <a:latin typeface="프리젠테이션 5 Medium" pitchFamily="2" charset="-127"/>
-                <a:ea typeface="프리젠테이션 5 Medium" pitchFamily="2" charset="-127"/>
-              </a:rPr>
-              <a:t>보안 관리</a:t>
-            </a:r>
-            <a:endParaRPr lang="en-US" sz="2800" b="0" i="0" u="none" strike="noStrike" spc="-100" dirty="0">
-              <a:solidFill>
-                <a:srgbClr val="FFFFFF"/>
-              </a:solidFill>
-              <a:latin typeface="프리젠테이션 5 Medium" pitchFamily="2" charset="-127"/>
-              <a:ea typeface="프리젠테이션 5 Medium" pitchFamily="2" charset="-127"/>
-            </a:endParaRPr>
-          </a:p>
-        </p:txBody>
-      </p:sp>
-      <p:sp>
-        <p:nvSpPr>
-          <p:cNvPr id="15" name="TextBox 15"/>
-          <p:cNvSpPr txBox="1"/>
-          <p:nvPr/>
-        </p:nvSpPr>
-        <p:spPr>
-          <a:xfrm>
-            <a:off x="2289629" y="5692322"/>
-            <a:ext cx="6858000" cy="1028700"/>
-          </a:xfrm>
-          <a:prstGeom prst="rect">
-            <a:avLst/>
-          </a:prstGeom>
-        </p:spPr>
-        <p:txBody>
-          <a:bodyPr lIns="0" tIns="0" rIns="0" bIns="0" rtlCol="0" anchor="ctr"/>
-          <a:lstStyle/>
-          <a:p>
-            <a:pPr lvl="0" algn="l">
-              <a:lnSpc>
-                <a:spcPct val="112050"/>
-              </a:lnSpc>
-            </a:pPr>
-            <a:r>
-              <a:rPr lang="ko-KR" altLang="en-US" sz="2400" b="0" i="0" u="none" strike="noStrike" spc="-100" dirty="0">
-                <a:solidFill>
-                  <a:srgbClr val="545454">
-                    <a:alpha val="67059"/>
-                  </a:srgbClr>
-                </a:solidFill>
-                <a:latin typeface="프리젠테이션 5 Medium" pitchFamily="2" charset="-127"/>
-                <a:ea typeface="프리젠테이션 5 Medium" pitchFamily="2" charset="-127"/>
-              </a:rPr>
-              <a:t>다수 트랜잭션의 </a:t>
-            </a:r>
-            <a:r>
-              <a:rPr lang="ko-KR" altLang="en-US" sz="2400" spc="-100" dirty="0">
-                <a:solidFill>
-                  <a:srgbClr val="545454">
-                    <a:alpha val="67059"/>
-                  </a:srgbClr>
-                </a:solidFill>
-                <a:latin typeface="프리젠테이션 5 Medium" pitchFamily="2" charset="-127"/>
-                <a:ea typeface="프리젠테이션 5 Medium" pitchFamily="2" charset="-127"/>
-              </a:rPr>
-              <a:t>동시 처리로부터 데이터 무결성 확보를 위한 제어 수행</a:t>
-            </a:r>
-            <a:endParaRPr lang="en-US" sz="2400" b="0" i="0" u="none" strike="noStrike" spc="-100" dirty="0">
-              <a:solidFill>
-                <a:srgbClr val="545454">
-                  <a:alpha val="67059"/>
-                </a:srgbClr>
-              </a:solidFill>
-              <a:latin typeface="프리젠테이션 5 Medium" pitchFamily="2" charset="-127"/>
-              <a:ea typeface="프리젠테이션 5 Medium" pitchFamily="2" charset="-127"/>
-            </a:endParaRPr>
-          </a:p>
-        </p:txBody>
-      </p:sp>
-      <p:sp>
-        <p:nvSpPr>
-          <p:cNvPr id="16" name="TextBox 16"/>
-          <p:cNvSpPr txBox="1"/>
-          <p:nvPr/>
-        </p:nvSpPr>
-        <p:spPr>
-          <a:xfrm>
-            <a:off x="2289629" y="5298622"/>
-            <a:ext cx="6705600" cy="317500"/>
-          </a:xfrm>
-          <a:prstGeom prst="rect">
-            <a:avLst/>
-          </a:prstGeom>
-        </p:spPr>
-        <p:txBody>
-          <a:bodyPr lIns="0" tIns="0" rIns="0" bIns="0" rtlCol="0" anchor="ctr"/>
-          <a:lstStyle/>
-          <a:p>
-            <a:pPr lvl="0" algn="ctr">
-              <a:lnSpc>
-                <a:spcPct val="97940"/>
-              </a:lnSpc>
-            </a:pPr>
-            <a:r>
-              <a:rPr lang="ko-KR" altLang="en-US" sz="2800" b="0" i="0" u="none" strike="noStrike" spc="-100" dirty="0">
-                <a:solidFill>
-                  <a:srgbClr val="FFFFFF"/>
-                </a:solidFill>
-                <a:latin typeface="프리젠테이션 5 Medium" pitchFamily="2" charset="-127"/>
-                <a:ea typeface="프리젠테이션 5 Medium" pitchFamily="2" charset="-127"/>
-              </a:rPr>
-              <a:t>동시성 제어</a:t>
-            </a:r>
-            <a:endParaRPr lang="en-US" sz="2800" b="0" i="0" u="none" strike="noStrike" spc="-100" dirty="0">
-              <a:solidFill>
-                <a:srgbClr val="FFFFFF"/>
-              </a:solidFill>
-              <a:latin typeface="프리젠테이션 5 Medium" pitchFamily="2" charset="-127"/>
-              <a:ea typeface="프리젠테이션 5 Medium" pitchFamily="2" charset="-127"/>
-            </a:endParaRPr>
-          </a:p>
-        </p:txBody>
-      </p:sp>
-      <p:sp>
-        <p:nvSpPr>
-          <p:cNvPr id="17" name="TextBox 17"/>
-          <p:cNvSpPr txBox="1"/>
-          <p:nvPr/>
-        </p:nvSpPr>
-        <p:spPr>
-          <a:xfrm>
-            <a:off x="10595429" y="5743122"/>
-            <a:ext cx="6858000" cy="1028700"/>
-          </a:xfrm>
-          <a:prstGeom prst="rect">
-            <a:avLst/>
-          </a:prstGeom>
-        </p:spPr>
-        <p:txBody>
-          <a:bodyPr lIns="0" tIns="0" rIns="0" bIns="0" rtlCol="0" anchor="ctr"/>
-          <a:lstStyle/>
-          <a:p>
-            <a:pPr lvl="0" algn="l">
-              <a:lnSpc>
-                <a:spcPct val="112050"/>
-              </a:lnSpc>
-            </a:pPr>
-            <a:r>
-              <a:rPr lang="ko-KR" altLang="en-US" sz="2400" spc="-100" dirty="0">
-                <a:solidFill>
-                  <a:srgbClr val="545454">
-                    <a:alpha val="67059"/>
-                  </a:srgbClr>
-                </a:solidFill>
-                <a:latin typeface="프리젠테이션 5 Medium" pitchFamily="2" charset="-127"/>
-                <a:ea typeface="프리젠테이션 5 Medium" pitchFamily="2" charset="-127"/>
-              </a:rPr>
-              <a:t>시스템 오류 및 장애로 인한 데이터 손실 및 결함의 대응</a:t>
-            </a:r>
-            <a:endParaRPr lang="en-US" sz="2400" b="0" i="0" u="none" strike="noStrike" spc="-100" dirty="0">
-              <a:solidFill>
-                <a:srgbClr val="545454">
-                  <a:alpha val="67059"/>
-                </a:srgbClr>
-              </a:solidFill>
-              <a:latin typeface="프리젠테이션 5 Medium" pitchFamily="2" charset="-127"/>
-              <a:ea typeface="프리젠테이션 5 Medium" pitchFamily="2" charset="-127"/>
-            </a:endParaRPr>
-          </a:p>
-        </p:txBody>
-      </p:sp>
-      <p:sp>
-        <p:nvSpPr>
-          <p:cNvPr id="18" name="TextBox 18"/>
-          <p:cNvSpPr txBox="1"/>
-          <p:nvPr/>
-        </p:nvSpPr>
-        <p:spPr>
-          <a:xfrm>
-            <a:off x="9909629" y="5298622"/>
-            <a:ext cx="6705600" cy="317500"/>
-          </a:xfrm>
-          <a:prstGeom prst="rect">
-            <a:avLst/>
-          </a:prstGeom>
-        </p:spPr>
-        <p:txBody>
-          <a:bodyPr lIns="0" tIns="0" rIns="0" bIns="0" rtlCol="0" anchor="ctr"/>
-          <a:lstStyle/>
-          <a:p>
-            <a:pPr lvl="0" algn="ctr">
-              <a:lnSpc>
-                <a:spcPct val="97940"/>
-              </a:lnSpc>
-            </a:pPr>
-            <a:r>
-              <a:rPr lang="ko-KR" altLang="en-US" sz="2800" b="0" i="0" u="none" strike="noStrike" spc="-100" dirty="0">
-                <a:solidFill>
-                  <a:srgbClr val="FFFFFF"/>
-                </a:solidFill>
-                <a:latin typeface="프리젠테이션 5 Medium" pitchFamily="2" charset="-127"/>
-                <a:ea typeface="프리젠테이션 5 Medium" pitchFamily="2" charset="-127"/>
-              </a:rPr>
-              <a:t>회복 관리</a:t>
-            </a:r>
-            <a:endParaRPr lang="en-US" sz="2800" b="0" i="0" u="none" strike="noStrike" spc="-100" dirty="0">
-              <a:solidFill>
-                <a:srgbClr val="FFFFFF"/>
-              </a:solidFill>
-              <a:latin typeface="프리젠테이션 5 Medium" pitchFamily="2" charset="-127"/>
-              <a:ea typeface="프리젠테이션 5 Medium" pitchFamily="2" charset="-127"/>
-            </a:endParaRPr>
-          </a:p>
-        </p:txBody>
-      </p:sp>
-      <p:sp>
-        <p:nvSpPr>
-          <p:cNvPr id="19" name="TextBox 19"/>
-          <p:cNvSpPr txBox="1"/>
-          <p:nvPr/>
-        </p:nvSpPr>
-        <p:spPr>
-          <a:xfrm>
-            <a:off x="3249386" y="7844519"/>
-            <a:ext cx="6858000" cy="1028700"/>
-          </a:xfrm>
-          <a:prstGeom prst="rect">
-            <a:avLst/>
-          </a:prstGeom>
-        </p:spPr>
-        <p:txBody>
-          <a:bodyPr lIns="0" tIns="0" rIns="0" bIns="0" rtlCol="0" anchor="ctr"/>
-          <a:lstStyle/>
-          <a:p>
-            <a:pPr lvl="0" algn="l">
-              <a:lnSpc>
-                <a:spcPct val="112050"/>
-              </a:lnSpc>
-            </a:pPr>
-            <a:r>
-              <a:rPr lang="ko-KR" altLang="en-US" sz="2400" b="0" i="0" u="none" strike="noStrike" spc="-100" dirty="0">
-                <a:solidFill>
-                  <a:srgbClr val="545454">
-                    <a:alpha val="67059"/>
-                  </a:srgbClr>
-                </a:solidFill>
-                <a:latin typeface="프리젠테이션 5 Medium" pitchFamily="2" charset="-127"/>
-                <a:ea typeface="프리젠테이션 5 Medium" pitchFamily="2" charset="-127"/>
-              </a:rPr>
-              <a:t>데이터 처리 속도 확보를 위한 실행 계획의 최적화</a:t>
-            </a:r>
-            <a:endParaRPr lang="en-US" sz="2400" b="0" i="0" u="none" strike="noStrike" spc="-100" dirty="0">
-              <a:solidFill>
-                <a:srgbClr val="545454">
-                  <a:alpha val="67059"/>
-                </a:srgbClr>
-              </a:solidFill>
-              <a:latin typeface="프리젠테이션 5 Medium" pitchFamily="2" charset="-127"/>
-              <a:ea typeface="프리젠테이션 5 Medium" pitchFamily="2" charset="-127"/>
-            </a:endParaRPr>
-          </a:p>
-        </p:txBody>
-      </p:sp>
-      <p:sp>
-        <p:nvSpPr>
-          <p:cNvPr id="20" name="TextBox 20"/>
-          <p:cNvSpPr txBox="1"/>
-          <p:nvPr/>
-        </p:nvSpPr>
-        <p:spPr>
-          <a:xfrm>
-            <a:off x="2271486" y="7387319"/>
-            <a:ext cx="6705600" cy="317500"/>
-          </a:xfrm>
-          <a:prstGeom prst="rect">
-            <a:avLst/>
-          </a:prstGeom>
-        </p:spPr>
-        <p:txBody>
-          <a:bodyPr lIns="0" tIns="0" rIns="0" bIns="0" rtlCol="0" anchor="ctr"/>
-          <a:lstStyle/>
-          <a:p>
-            <a:pPr lvl="0" algn="ctr">
-              <a:lnSpc>
-                <a:spcPct val="97940"/>
-              </a:lnSpc>
-            </a:pPr>
-            <a:r>
-              <a:rPr lang="ko-KR" altLang="en-US" sz="2800" b="0" i="0" u="none" strike="noStrike" spc="-100" dirty="0">
-                <a:solidFill>
-                  <a:srgbClr val="FFFFFF"/>
-                </a:solidFill>
-                <a:latin typeface="프리젠테이션 5 Medium" pitchFamily="2" charset="-127"/>
-                <a:ea typeface="프리젠테이션 5 Medium" pitchFamily="2" charset="-127"/>
-              </a:rPr>
-              <a:t>성능 관리</a:t>
-            </a:r>
-            <a:endParaRPr lang="en-US" sz="2800" b="0" i="0" u="none" strike="noStrike" spc="-100" dirty="0">
-              <a:solidFill>
-                <a:srgbClr val="FFFFFF"/>
-              </a:solidFill>
-              <a:latin typeface="프리젠테이션 5 Medium" pitchFamily="2" charset="-127"/>
-              <a:ea typeface="프리젠테이션 5 Medium" pitchFamily="2" charset="-127"/>
-            </a:endParaRPr>
-          </a:p>
-        </p:txBody>
-      </p:sp>
-      <p:sp>
-        <p:nvSpPr>
-          <p:cNvPr id="21" name="TextBox 21"/>
-          <p:cNvSpPr txBox="1"/>
-          <p:nvPr/>
-        </p:nvSpPr>
-        <p:spPr>
-          <a:xfrm>
-            <a:off x="381000" y="241300"/>
-            <a:ext cx="4318000" cy="228600"/>
-          </a:xfrm>
-          <a:prstGeom prst="rect">
-            <a:avLst/>
-          </a:prstGeom>
-        </p:spPr>
-        <p:txBody>
-          <a:bodyPr lIns="0" tIns="0" rIns="0" bIns="0" rtlCol="0" anchor="ctr"/>
-          <a:lstStyle/>
-          <a:p>
-            <a:pPr lvl="0" algn="l">
-              <a:lnSpc>
-                <a:spcPct val="146910"/>
-              </a:lnSpc>
-            </a:pPr>
-            <a:r>
-              <a:rPr lang="en-US" sz="1300" b="0" i="0" u="none" strike="noStrike" spc="100">
-                <a:solidFill>
-                  <a:srgbClr val="F9F9F9">
-                    <a:alpha val="94118"/>
-                  </a:srgbClr>
-                </a:solidFill>
-                <a:latin typeface="Montserrat SemiBold"/>
-              </a:rPr>
-              <a:t>Mechanical Engineering Lab</a:t>
-            </a:r>
-          </a:p>
-        </p:txBody>
-      </p:sp>
-      <p:sp>
-        <p:nvSpPr>
-          <p:cNvPr id="24" name="TextBox 24"/>
-          <p:cNvSpPr txBox="1"/>
-          <p:nvPr/>
-        </p:nvSpPr>
-        <p:spPr>
-          <a:xfrm>
-            <a:off x="1457779" y="3380467"/>
-            <a:ext cx="16192500" cy="1187903"/>
-          </a:xfrm>
-          <a:prstGeom prst="rect">
-            <a:avLst/>
-          </a:prstGeom>
-        </p:spPr>
-        <p:txBody>
-          <a:bodyPr lIns="0" tIns="0" rIns="0" bIns="0" rtlCol="0" anchor="ctr"/>
-          <a:lstStyle/>
-          <a:p>
-            <a:pPr lvl="0" algn="ctr">
-              <a:lnSpc>
-                <a:spcPct val="150000"/>
-              </a:lnSpc>
-            </a:pPr>
-            <a:r>
-              <a:rPr lang="en-US" altLang="ko-KR" sz="2800" dirty="0">
-                <a:latin typeface="프리젠테이션 5 Medium" pitchFamily="2" charset="-127"/>
-                <a:ea typeface="프리젠테이션 5 Medium" pitchFamily="2" charset="-127"/>
-              </a:rPr>
-              <a:t>DBMS : </a:t>
-            </a:r>
-            <a:r>
-              <a:rPr lang="ko-KR" altLang="en-US" sz="2800" dirty="0">
-                <a:latin typeface="프리젠테이션 5 Medium" pitchFamily="2" charset="-127"/>
-                <a:ea typeface="프리젠테이션 5 Medium" pitchFamily="2" charset="-127"/>
-              </a:rPr>
-              <a:t>다수의 응용소프트웨어 및 사용자가 데이터베이스에 접근하여 원활하게 사용할 수 있도록 중간에서 관리해주는 시스템</a:t>
-            </a:r>
-            <a:endParaRPr lang="en-US" altLang="ko-KR" sz="2800" dirty="0">
-              <a:latin typeface="프리젠테이션 5 Medium" pitchFamily="2" charset="-127"/>
-              <a:ea typeface="프리젠테이션 5 Medium" pitchFamily="2" charset="-127"/>
-            </a:endParaRPr>
-          </a:p>
-          <a:p>
-            <a:pPr lvl="0" algn="ctr">
-              <a:lnSpc>
-                <a:spcPct val="150000"/>
-              </a:lnSpc>
-            </a:pPr>
-            <a:r>
-              <a:rPr lang="en-US" sz="2800" dirty="0">
-                <a:latin typeface="프리젠테이션 5 Medium" pitchFamily="2" charset="-127"/>
-                <a:ea typeface="프리젠테이션 5 Medium" pitchFamily="2" charset="-127"/>
-              </a:rPr>
-              <a:t>ex: </a:t>
-            </a:r>
-            <a:r>
-              <a:rPr lang="ko-KR" altLang="en-US" sz="2800" dirty="0">
-                <a:latin typeface="프리젠테이션 5 Medium" pitchFamily="2" charset="-127"/>
-                <a:ea typeface="프리젠테이션 5 Medium" pitchFamily="2" charset="-127"/>
-              </a:rPr>
-              <a:t>책장이 많은 도서관을 관리하는 사서</a:t>
-            </a:r>
-            <a:endParaRPr lang="en-US" sz="2800" dirty="0">
-              <a:latin typeface="프리젠테이션 5 Medium" pitchFamily="2" charset="-127"/>
-              <a:ea typeface="프리젠테이션 5 Medium" pitchFamily="2" charset="-127"/>
-            </a:endParaRPr>
-          </a:p>
-        </p:txBody>
-      </p:sp>
-      <p:sp>
-        <p:nvSpPr>
-          <p:cNvPr id="26" name="TextBox 25">
-            <a:extLst>
-              <a:ext uri="{FF2B5EF4-FFF2-40B4-BE49-F238E27FC236}">
-                <a16:creationId xmlns:a16="http://schemas.microsoft.com/office/drawing/2014/main" id="{31A55AA1-C9A8-4796-AFEE-C857EAA6A789}"/>
-              </a:ext>
-            </a:extLst>
-          </p:cNvPr>
-          <p:cNvSpPr txBox="1"/>
-          <p:nvPr/>
-        </p:nvSpPr>
-        <p:spPr>
-          <a:xfrm>
-            <a:off x="3278809" y="1282700"/>
-            <a:ext cx="14986000" cy="1333500"/>
-          </a:xfrm>
-          <a:prstGeom prst="rect">
-            <a:avLst/>
-          </a:prstGeom>
-        </p:spPr>
-        <p:txBody>
-          <a:bodyPr lIns="0" tIns="0" rIns="0" bIns="0" rtlCol="0" anchor="ctr"/>
-          <a:lstStyle/>
-          <a:p>
-            <a:pPr lvl="0" algn="l">
-              <a:lnSpc>
-                <a:spcPct val="112050"/>
-              </a:lnSpc>
-            </a:pPr>
-            <a:r>
-              <a:rPr lang="en-US" altLang="ko-KR" sz="8000" b="0" i="0" u="none" strike="noStrike" spc="-100" dirty="0">
-                <a:solidFill>
-                  <a:srgbClr val="545454"/>
-                </a:solidFill>
-                <a:latin typeface="프리젠테이션 6 SemiBold" pitchFamily="2" charset="-127"/>
-                <a:ea typeface="프리젠테이션 6 SemiBold" pitchFamily="2" charset="-127"/>
-              </a:rPr>
-              <a:t>3. </a:t>
-            </a:r>
-            <a:r>
-              <a:rPr lang="ko-KR" altLang="en-US" sz="8000" b="0" i="0" u="none" strike="noStrike" spc="-100" dirty="0">
-                <a:solidFill>
-                  <a:srgbClr val="545454"/>
-                </a:solidFill>
-                <a:latin typeface="프리젠테이션 6 SemiBold" pitchFamily="2" charset="-127"/>
-                <a:ea typeface="프리젠테이션 6 SemiBold" pitchFamily="2" charset="-127"/>
-              </a:rPr>
-              <a:t>데이터베이스 </a:t>
-            </a:r>
-            <a:r>
-              <a:rPr lang="en-US" altLang="ko-KR" sz="8000" b="0" i="0" u="none" strike="noStrike" spc="-100" dirty="0">
-                <a:solidFill>
-                  <a:srgbClr val="545454"/>
-                </a:solidFill>
-                <a:latin typeface="프리젠테이션 6 SemiBold" pitchFamily="2" charset="-127"/>
-                <a:ea typeface="프리젠테이션 6 SemiBold" pitchFamily="2" charset="-127"/>
-              </a:rPr>
-              <a:t>&amp; DBMS </a:t>
-            </a:r>
-            <a:r>
-              <a:rPr lang="ko-KR" altLang="en-US" sz="8000" b="0" i="0" u="none" strike="noStrike" spc="-100" dirty="0">
-                <a:solidFill>
-                  <a:srgbClr val="545454"/>
-                </a:solidFill>
-                <a:latin typeface="프리젠테이션 6 SemiBold" pitchFamily="2" charset="-127"/>
-                <a:ea typeface="프리젠테이션 6 SemiBold" pitchFamily="2" charset="-127"/>
-              </a:rPr>
-              <a:t>서술형</a:t>
-            </a:r>
-            <a:endParaRPr lang="en-US" altLang="ko-KR" sz="8000" b="0" i="0" u="none" strike="noStrike" spc="-100" dirty="0">
-              <a:solidFill>
-                <a:srgbClr val="545454"/>
-              </a:solidFill>
-              <a:latin typeface="프리젠테이션 6 SemiBold" pitchFamily="2" charset="-127"/>
-              <a:ea typeface="프리젠테이션 6 SemiBold" pitchFamily="2" charset="-127"/>
-            </a:endParaRPr>
-          </a:p>
-        </p:txBody>
-      </p:sp>
     </p:spTree>
+    <p:extLst>
+      <p:ext uri="{BB962C8B-B14F-4D97-AF65-F5344CB8AC3E}">
+        <p14:creationId xmlns:p14="http://schemas.microsoft.com/office/powerpoint/2010/main" val="2162712756"/>
+      </p:ext>
+    </p:extLst>
   </p:cSld>
   <p:clrMapOvr>
     <a:masterClrMapping/>
@@ -11917,16 +11580,360 @@
           </a:prstGeom>
         </p:spPr>
       </p:pic>
+      <p:grpSp>
+        <p:nvGrpSpPr>
+          <p:cNvPr id="33" name="그룹 32">
+            <a:extLst>
+              <a:ext uri="{FF2B5EF4-FFF2-40B4-BE49-F238E27FC236}">
+                <a16:creationId xmlns:a16="http://schemas.microsoft.com/office/drawing/2014/main" id="{636963B7-4875-455F-A59D-C2D5B1A596E9}"/>
+              </a:ext>
+            </a:extLst>
+          </p:cNvPr>
+          <p:cNvGrpSpPr/>
+          <p:nvPr/>
+        </p:nvGrpSpPr>
+        <p:grpSpPr>
+          <a:xfrm>
+            <a:off x="9535885" y="7472956"/>
+            <a:ext cx="8066315" cy="1194921"/>
+            <a:chOff x="9535885" y="7637691"/>
+            <a:chExt cx="8191778" cy="1458940"/>
+          </a:xfrm>
+        </p:grpSpPr>
+        <p:pic>
+          <p:nvPicPr>
+            <p:cNvPr id="11" name="Picture 11"/>
+            <p:cNvPicPr>
+              <a:picLocks noChangeAspect="1"/>
+            </p:cNvPicPr>
+            <p:nvPr/>
+          </p:nvPicPr>
+          <p:blipFill>
+            <a:blip r:embed="rId5">
+              <a:alphaModFix amt="60000"/>
+            </a:blip>
+            <a:stretch>
+              <a:fillRect/>
+            </a:stretch>
+          </p:blipFill>
+          <p:spPr>
+            <a:xfrm>
+              <a:off x="9535885" y="7650391"/>
+              <a:ext cx="7527471" cy="1446240"/>
+            </a:xfrm>
+            <a:prstGeom prst="rect">
+              <a:avLst/>
+            </a:prstGeom>
+          </p:spPr>
+        </p:pic>
+        <p:pic>
+          <p:nvPicPr>
+            <p:cNvPr id="12" name="Picture 12"/>
+            <p:cNvPicPr>
+              <a:picLocks noChangeAspect="1"/>
+            </p:cNvPicPr>
+            <p:nvPr/>
+          </p:nvPicPr>
+          <p:blipFill>
+            <a:blip r:embed="rId6"/>
+            <a:stretch>
+              <a:fillRect/>
+            </a:stretch>
+          </p:blipFill>
+          <p:spPr>
+            <a:xfrm>
+              <a:off x="9535885" y="7637691"/>
+              <a:ext cx="7527471" cy="772048"/>
+            </a:xfrm>
+            <a:prstGeom prst="rect">
+              <a:avLst/>
+            </a:prstGeom>
+          </p:spPr>
+        </p:pic>
+        <p:sp>
+          <p:nvSpPr>
+            <p:cNvPr id="13" name="TextBox 13"/>
+            <p:cNvSpPr txBox="1"/>
+            <p:nvPr/>
+          </p:nvSpPr>
+          <p:spPr>
+            <a:xfrm>
+              <a:off x="10779228" y="8373217"/>
+              <a:ext cx="6948435" cy="723413"/>
+            </a:xfrm>
+            <a:prstGeom prst="rect">
+              <a:avLst/>
+            </a:prstGeom>
+          </p:spPr>
+          <p:txBody>
+            <a:bodyPr lIns="0" tIns="0" rIns="0" bIns="0" rtlCol="0" anchor="ctr"/>
+            <a:lstStyle/>
+            <a:p>
+              <a:pPr lvl="0" algn="l">
+                <a:lnSpc>
+                  <a:spcPct val="112050"/>
+                </a:lnSpc>
+              </a:pPr>
+              <a:r>
+                <a:rPr lang="ko-KR" altLang="en-US" sz="2400" b="0" i="0" u="none" strike="noStrike" spc="-100" dirty="0">
+                  <a:solidFill>
+                    <a:srgbClr val="545454">
+                      <a:alpha val="67059"/>
+                    </a:srgbClr>
+                  </a:solidFill>
+                  <a:latin typeface="프리젠테이션 5 Medium" pitchFamily="2" charset="-127"/>
+                  <a:ea typeface="프리젠테이션 5 Medium" pitchFamily="2" charset="-127"/>
+                </a:rPr>
+                <a:t>비인가 사용자의 접근 제어 및 중요 정보의 암호화</a:t>
+              </a:r>
+              <a:endParaRPr lang="en-US" altLang="ko-KR" sz="2400" b="0" i="0" u="none" strike="noStrike" spc="-100" dirty="0">
+                <a:solidFill>
+                  <a:srgbClr val="545454">
+                    <a:alpha val="67059"/>
+                  </a:srgbClr>
+                </a:solidFill>
+                <a:latin typeface="프리젠테이션 5 Medium" pitchFamily="2" charset="-127"/>
+                <a:ea typeface="프리젠테이션 5 Medium" pitchFamily="2" charset="-127"/>
+              </a:endParaRPr>
+            </a:p>
+          </p:txBody>
+        </p:sp>
+        <p:sp>
+          <p:nvSpPr>
+            <p:cNvPr id="14" name="TextBox 14"/>
+            <p:cNvSpPr txBox="1"/>
+            <p:nvPr/>
+          </p:nvSpPr>
+          <p:spPr>
+            <a:xfrm>
+              <a:off x="9902607" y="7916017"/>
+              <a:ext cx="6794025" cy="223276"/>
+            </a:xfrm>
+            <a:prstGeom prst="rect">
+              <a:avLst/>
+            </a:prstGeom>
+          </p:spPr>
+          <p:txBody>
+            <a:bodyPr lIns="0" tIns="0" rIns="0" bIns="0" rtlCol="0" anchor="ctr"/>
+            <a:lstStyle/>
+            <a:p>
+              <a:pPr lvl="0" algn="ctr">
+                <a:lnSpc>
+                  <a:spcPct val="97940"/>
+                </a:lnSpc>
+              </a:pPr>
+              <a:r>
+                <a:rPr lang="ko-KR" altLang="en-US" sz="2800" b="0" i="0" u="none" strike="noStrike" spc="-100" dirty="0">
+                  <a:solidFill>
+                    <a:srgbClr val="FFFFFF"/>
+                  </a:solidFill>
+                  <a:latin typeface="프리젠테이션 5 Medium" pitchFamily="2" charset="-127"/>
+                  <a:ea typeface="프리젠테이션 5 Medium" pitchFamily="2" charset="-127"/>
+                </a:rPr>
+                <a:t>보안 관리</a:t>
+              </a:r>
+              <a:endParaRPr lang="en-US" sz="2800" b="0" i="0" u="none" strike="noStrike" spc="-100" dirty="0">
+                <a:solidFill>
+                  <a:srgbClr val="FFFFFF"/>
+                </a:solidFill>
+                <a:latin typeface="프리젠테이션 5 Medium" pitchFamily="2" charset="-127"/>
+                <a:ea typeface="프리젠테이션 5 Medium" pitchFamily="2" charset="-127"/>
+              </a:endParaRPr>
+            </a:p>
+          </p:txBody>
+        </p:sp>
+      </p:grpSp>
+      <p:grpSp>
+        <p:nvGrpSpPr>
+          <p:cNvPr id="22" name="그룹 21">
+            <a:extLst>
+              <a:ext uri="{FF2B5EF4-FFF2-40B4-BE49-F238E27FC236}">
+                <a16:creationId xmlns:a16="http://schemas.microsoft.com/office/drawing/2014/main" id="{E1385A32-41B9-471F-B4E8-14323E0187EB}"/>
+              </a:ext>
+            </a:extLst>
+          </p:cNvPr>
+          <p:cNvGrpSpPr/>
+          <p:nvPr/>
+        </p:nvGrpSpPr>
+        <p:grpSpPr>
+          <a:xfrm>
+            <a:off x="1915885" y="5894916"/>
+            <a:ext cx="7514771" cy="1367046"/>
+            <a:chOff x="1921328" y="5548993"/>
+            <a:chExt cx="7527471" cy="1537276"/>
+          </a:xfrm>
+        </p:grpSpPr>
+        <p:pic>
+          <p:nvPicPr>
+            <p:cNvPr id="5" name="Picture 5"/>
+            <p:cNvPicPr>
+              <a:picLocks noChangeAspect="1"/>
+            </p:cNvPicPr>
+            <p:nvPr/>
+          </p:nvPicPr>
+          <p:blipFill>
+            <a:blip r:embed="rId5">
+              <a:alphaModFix amt="60000"/>
+            </a:blip>
+            <a:stretch>
+              <a:fillRect/>
+            </a:stretch>
+          </p:blipFill>
+          <p:spPr>
+            <a:xfrm>
+              <a:off x="1921328" y="5548993"/>
+              <a:ext cx="7527471" cy="1522861"/>
+            </a:xfrm>
+            <a:prstGeom prst="rect">
+              <a:avLst/>
+            </a:prstGeom>
+          </p:spPr>
+        </p:pic>
+        <p:pic>
+          <p:nvPicPr>
+            <p:cNvPr id="6" name="Picture 6"/>
+            <p:cNvPicPr>
+              <a:picLocks noChangeAspect="1"/>
+            </p:cNvPicPr>
+            <p:nvPr/>
+          </p:nvPicPr>
+          <p:blipFill>
+            <a:blip r:embed="rId6"/>
+            <a:stretch>
+              <a:fillRect/>
+            </a:stretch>
+          </p:blipFill>
+          <p:spPr>
+            <a:xfrm>
+              <a:off x="1921328" y="5548994"/>
+              <a:ext cx="7527471" cy="772048"/>
+            </a:xfrm>
+            <a:prstGeom prst="rect">
+              <a:avLst/>
+            </a:prstGeom>
+          </p:spPr>
+        </p:pic>
+        <p:sp>
+          <p:nvSpPr>
+            <p:cNvPr id="15" name="TextBox 15"/>
+            <p:cNvSpPr txBox="1"/>
+            <p:nvPr/>
+          </p:nvSpPr>
+          <p:spPr>
+            <a:xfrm>
+              <a:off x="2289628" y="6362856"/>
+              <a:ext cx="6948435" cy="723413"/>
+            </a:xfrm>
+            <a:prstGeom prst="rect">
+              <a:avLst/>
+            </a:prstGeom>
+          </p:spPr>
+          <p:txBody>
+            <a:bodyPr lIns="0" tIns="0" rIns="0" bIns="0" rtlCol="0" anchor="ctr"/>
+            <a:lstStyle/>
+            <a:p>
+              <a:pPr lvl="0" algn="l">
+                <a:lnSpc>
+                  <a:spcPct val="112050"/>
+                </a:lnSpc>
+              </a:pPr>
+              <a:r>
+                <a:rPr lang="ko-KR" altLang="en-US" sz="2400" b="0" i="0" u="none" strike="noStrike" spc="-100" dirty="0">
+                  <a:solidFill>
+                    <a:srgbClr val="545454">
+                      <a:alpha val="67059"/>
+                    </a:srgbClr>
+                  </a:solidFill>
+                  <a:latin typeface="프리젠테이션 5 Medium" pitchFamily="2" charset="-127"/>
+                  <a:ea typeface="프리젠테이션 5 Medium" pitchFamily="2" charset="-127"/>
+                </a:rPr>
+                <a:t>다수 트랜잭션의 </a:t>
+              </a:r>
+              <a:r>
+                <a:rPr lang="ko-KR" altLang="en-US" sz="2400" spc="-100" dirty="0">
+                  <a:solidFill>
+                    <a:srgbClr val="545454">
+                      <a:alpha val="67059"/>
+                    </a:srgbClr>
+                  </a:solidFill>
+                  <a:latin typeface="프리젠테이션 5 Medium" pitchFamily="2" charset="-127"/>
+                  <a:ea typeface="프리젠테이션 5 Medium" pitchFamily="2" charset="-127"/>
+                </a:rPr>
+                <a:t>동시 처리로부터 데이터 무결성 확보를 위한 제어 수행</a:t>
+              </a:r>
+              <a:endParaRPr lang="en-US" sz="2400" b="0" i="0" u="none" strike="noStrike" spc="-100" dirty="0">
+                <a:solidFill>
+                  <a:srgbClr val="545454">
+                    <a:alpha val="67059"/>
+                  </a:srgbClr>
+                </a:solidFill>
+                <a:latin typeface="프리젠테이션 5 Medium" pitchFamily="2" charset="-127"/>
+                <a:ea typeface="프리젠테이션 5 Medium" pitchFamily="2" charset="-127"/>
+              </a:endParaRPr>
+            </a:p>
+          </p:txBody>
+        </p:sp>
+        <p:sp>
+          <p:nvSpPr>
+            <p:cNvPr id="16" name="TextBox 16"/>
+            <p:cNvSpPr txBox="1"/>
+            <p:nvPr/>
+          </p:nvSpPr>
+          <p:spPr>
+            <a:xfrm>
+              <a:off x="2266140" y="5823380"/>
+              <a:ext cx="6794025" cy="223276"/>
+            </a:xfrm>
+            <a:prstGeom prst="rect">
+              <a:avLst/>
+            </a:prstGeom>
+          </p:spPr>
+          <p:txBody>
+            <a:bodyPr lIns="0" tIns="0" rIns="0" bIns="0" rtlCol="0" anchor="ctr"/>
+            <a:lstStyle/>
+            <a:p>
+              <a:pPr lvl="0" algn="ctr">
+                <a:lnSpc>
+                  <a:spcPct val="97940"/>
+                </a:lnSpc>
+              </a:pPr>
+              <a:r>
+                <a:rPr lang="ko-KR" altLang="en-US" sz="2800" b="0" i="0" u="none" strike="noStrike" spc="-100" dirty="0">
+                  <a:solidFill>
+                    <a:srgbClr val="FFFFFF"/>
+                  </a:solidFill>
+                  <a:latin typeface="프리젠테이션 5 Medium" pitchFamily="2" charset="-127"/>
+                  <a:ea typeface="프리젠테이션 5 Medium" pitchFamily="2" charset="-127"/>
+                </a:rPr>
+                <a:t>동시성 제어</a:t>
+              </a:r>
+              <a:endParaRPr lang="en-US" sz="2800" b="0" i="0" u="none" strike="noStrike" spc="-100" dirty="0">
+                <a:solidFill>
+                  <a:srgbClr val="FFFFFF"/>
+                </a:solidFill>
+                <a:latin typeface="프리젠테이션 5 Medium" pitchFamily="2" charset="-127"/>
+                <a:ea typeface="프리젠테이션 5 Medium" pitchFamily="2" charset="-127"/>
+              </a:endParaRPr>
+            </a:p>
+          </p:txBody>
+        </p:sp>
+      </p:grpSp>
       <p:sp>
         <p:nvSpPr>
-          <p:cNvPr id="33" name="TextBox 33"/>
+          <p:cNvPr id="26" name="TextBox 25">
+            <a:extLst>
+              <a:ext uri="{FF2B5EF4-FFF2-40B4-BE49-F238E27FC236}">
+                <a16:creationId xmlns:a16="http://schemas.microsoft.com/office/drawing/2014/main" id="{31A55AA1-C9A8-4796-AFEE-C857EAA6A789}"/>
+              </a:ext>
+            </a:extLst>
+          </p:cNvPr>
           <p:cNvSpPr txBox="1"/>
           <p:nvPr/>
         </p:nvSpPr>
         <p:spPr>
           <a:xfrm>
-            <a:off x="381000" y="241300"/>
-            <a:ext cx="4318000" cy="228600"/>
+            <a:off x="3278809" y="1282700"/>
+            <a:ext cx="14986000" cy="1333500"/>
           </a:xfrm>
           <a:prstGeom prst="rect">
             <a:avLst/>
@@ -11938,29 +11945,309 @@
           <a:p>
             <a:pPr lvl="0" algn="l">
               <a:lnSpc>
-                <a:spcPct val="146910"/>
+                <a:spcPct val="112050"/>
               </a:lnSpc>
             </a:pPr>
             <a:r>
-              <a:rPr lang="en-US" sz="1300" b="0" i="0" u="none" strike="noStrike" spc="100">
+              <a:rPr lang="en-US" altLang="ko-KR" sz="8000" b="0" i="0" u="none" strike="noStrike" spc="-100" dirty="0">
                 <a:solidFill>
-                  <a:srgbClr val="F9F9F9">
-                    <a:alpha val="94118"/>
-                  </a:srgbClr>
+                  <a:srgbClr val="545454"/>
                 </a:solidFill>
-                <a:latin typeface="Montserrat SemiBold"/>
-              </a:rPr>
-              <a:t>Mechanical Engineering Lab</a:t>
-            </a:r>
+                <a:latin typeface="프리젠테이션 6 SemiBold" pitchFamily="2" charset="-127"/>
+                <a:ea typeface="프리젠테이션 6 SemiBold" pitchFamily="2" charset="-127"/>
+              </a:rPr>
+              <a:t>3. </a:t>
+            </a:r>
+            <a:r>
+              <a:rPr lang="ko-KR" altLang="en-US" sz="8000" b="0" i="0" u="none" strike="noStrike" spc="-100" dirty="0">
+                <a:solidFill>
+                  <a:srgbClr val="545454"/>
+                </a:solidFill>
+                <a:latin typeface="프리젠테이션 6 SemiBold" pitchFamily="2" charset="-127"/>
+                <a:ea typeface="프리젠테이션 6 SemiBold" pitchFamily="2" charset="-127"/>
+              </a:rPr>
+              <a:t>데이터베이스 </a:t>
+            </a:r>
+            <a:r>
+              <a:rPr lang="en-US" altLang="ko-KR" sz="8000" b="0" i="0" u="none" strike="noStrike" spc="-100" dirty="0">
+                <a:solidFill>
+                  <a:srgbClr val="545454"/>
+                </a:solidFill>
+                <a:latin typeface="프리젠테이션 6 SemiBold" pitchFamily="2" charset="-127"/>
+                <a:ea typeface="프리젠테이션 6 SemiBold" pitchFamily="2" charset="-127"/>
+              </a:rPr>
+              <a:t>&amp; DBMS </a:t>
+            </a:r>
+            <a:r>
+              <a:rPr lang="ko-KR" altLang="en-US" sz="8000" b="0" i="0" u="none" strike="noStrike" spc="-100" dirty="0">
+                <a:solidFill>
+                  <a:srgbClr val="545454"/>
+                </a:solidFill>
+                <a:latin typeface="프리젠테이션 6 SemiBold" pitchFamily="2" charset="-127"/>
+                <a:ea typeface="프리젠테이션 6 SemiBold" pitchFamily="2" charset="-127"/>
+              </a:rPr>
+              <a:t>서술형</a:t>
+            </a:r>
+            <a:endParaRPr lang="en-US" altLang="ko-KR" sz="8000" b="0" i="0" u="none" strike="noStrike" spc="-100" dirty="0">
+              <a:solidFill>
+                <a:srgbClr val="545454"/>
+              </a:solidFill>
+              <a:latin typeface="프리젠테이션 6 SemiBold" pitchFamily="2" charset="-127"/>
+              <a:ea typeface="프리젠테이션 6 SemiBold" pitchFamily="2" charset="-127"/>
+            </a:endParaRPr>
           </a:p>
         </p:txBody>
       </p:sp>
+      <p:grpSp>
+        <p:nvGrpSpPr>
+          <p:cNvPr id="25" name="그룹 24">
+            <a:extLst>
+              <a:ext uri="{FF2B5EF4-FFF2-40B4-BE49-F238E27FC236}">
+                <a16:creationId xmlns:a16="http://schemas.microsoft.com/office/drawing/2014/main" id="{49414517-09D2-455F-B7B8-A3C1C08B8312}"/>
+              </a:ext>
+            </a:extLst>
+          </p:cNvPr>
+          <p:cNvGrpSpPr/>
+          <p:nvPr/>
+        </p:nvGrpSpPr>
+        <p:grpSpPr>
+          <a:xfrm>
+            <a:off x="1934029" y="3076349"/>
+            <a:ext cx="15049500" cy="1689100"/>
+            <a:chOff x="1793421" y="6982505"/>
+            <a:chExt cx="15049500" cy="1689100"/>
+          </a:xfrm>
+        </p:grpSpPr>
+        <p:pic>
+          <p:nvPicPr>
+            <p:cNvPr id="27" name="Picture 11">
+              <a:extLst>
+                <a:ext uri="{FF2B5EF4-FFF2-40B4-BE49-F238E27FC236}">
+                  <a16:creationId xmlns:a16="http://schemas.microsoft.com/office/drawing/2014/main" id="{DD7E1B2C-0BD2-423F-AE4A-404B463B1C19}"/>
+                </a:ext>
+              </a:extLst>
+            </p:cNvPr>
+            <p:cNvPicPr>
+              <a:picLocks noChangeAspect="1"/>
+            </p:cNvPicPr>
+            <p:nvPr/>
+          </p:nvPicPr>
+          <p:blipFill>
+            <a:blip r:embed="rId7">
+              <a:alphaModFix amt="43000"/>
+            </a:blip>
+            <a:stretch>
+              <a:fillRect/>
+            </a:stretch>
+          </p:blipFill>
+          <p:spPr>
+            <a:xfrm>
+              <a:off x="1793421" y="6982505"/>
+              <a:ext cx="15049500" cy="1689100"/>
+            </a:xfrm>
+            <a:prstGeom prst="rect">
+              <a:avLst/>
+            </a:prstGeom>
+          </p:spPr>
+        </p:pic>
+        <p:pic>
+          <p:nvPicPr>
+            <p:cNvPr id="28" name="Picture 12">
+              <a:extLst>
+                <a:ext uri="{FF2B5EF4-FFF2-40B4-BE49-F238E27FC236}">
+                  <a16:creationId xmlns:a16="http://schemas.microsoft.com/office/drawing/2014/main" id="{A854FB0A-1CD1-4F5A-9E51-4598C16C96D5}"/>
+                </a:ext>
+              </a:extLst>
+            </p:cNvPr>
+            <p:cNvPicPr>
+              <a:picLocks noChangeAspect="1"/>
+            </p:cNvPicPr>
+            <p:nvPr/>
+          </p:nvPicPr>
+          <p:blipFill>
+            <a:blip r:embed="rId8"/>
+            <a:stretch>
+              <a:fillRect/>
+            </a:stretch>
+          </p:blipFill>
+          <p:spPr>
+            <a:xfrm rot="-5400000">
+              <a:off x="4699000" y="7899400"/>
+              <a:ext cx="1117600" cy="12700"/>
+            </a:xfrm>
+            <a:prstGeom prst="rect">
+              <a:avLst/>
+            </a:prstGeom>
+          </p:spPr>
+        </p:pic>
+        <p:sp>
+          <p:nvSpPr>
+            <p:cNvPr id="29" name="TextBox 14">
+              <a:extLst>
+                <a:ext uri="{FF2B5EF4-FFF2-40B4-BE49-F238E27FC236}">
+                  <a16:creationId xmlns:a16="http://schemas.microsoft.com/office/drawing/2014/main" id="{3DA1A837-45FD-45E5-930C-9BB36B533CD6}"/>
+                </a:ext>
+              </a:extLst>
+            </p:cNvPr>
+            <p:cNvSpPr txBox="1"/>
+            <p:nvPr/>
+          </p:nvSpPr>
+          <p:spPr>
+            <a:xfrm>
+              <a:off x="1879600" y="7556500"/>
+              <a:ext cx="3302000" cy="711200"/>
+            </a:xfrm>
+            <a:prstGeom prst="rect">
+              <a:avLst/>
+            </a:prstGeom>
+          </p:spPr>
+          <p:txBody>
+            <a:bodyPr lIns="0" tIns="0" rIns="0" bIns="0" rtlCol="0" anchor="ctr"/>
+            <a:lstStyle/>
+            <a:p>
+              <a:pPr lvl="0" algn="ctr">
+                <a:lnSpc>
+                  <a:spcPct val="87149"/>
+                </a:lnSpc>
+              </a:pPr>
+              <a:r>
+                <a:rPr lang="ko-KR" altLang="en-US" sz="3200" spc="-200" dirty="0">
+                  <a:solidFill>
+                    <a:srgbClr val="617995"/>
+                  </a:solidFill>
+                  <a:latin typeface="프리젠테이션 5 Medium" pitchFamily="2" charset="-127"/>
+                  <a:ea typeface="프리젠테이션 5 Medium" pitchFamily="2" charset="-127"/>
+                </a:rPr>
+                <a:t>데이터베이스 관리 시스템</a:t>
+              </a:r>
+              <a:endParaRPr lang="en-US" sz="3200" b="0" i="0" u="none" strike="noStrike" spc="-200" dirty="0">
+                <a:solidFill>
+                  <a:srgbClr val="617995"/>
+                </a:solidFill>
+                <a:latin typeface="프리젠테이션 5 Medium" pitchFamily="2" charset="-127"/>
+                <a:ea typeface="프리젠테이션 5 Medium" pitchFamily="2" charset="-127"/>
+              </a:endParaRPr>
+            </a:p>
+          </p:txBody>
+        </p:sp>
+        <p:sp>
+          <p:nvSpPr>
+            <p:cNvPr id="30" name="TextBox 22">
+              <a:extLst>
+                <a:ext uri="{FF2B5EF4-FFF2-40B4-BE49-F238E27FC236}">
+                  <a16:creationId xmlns:a16="http://schemas.microsoft.com/office/drawing/2014/main" id="{238717D3-44A1-4E9D-82FC-A4448E1503A4}"/>
+                </a:ext>
+              </a:extLst>
+            </p:cNvPr>
+            <p:cNvSpPr txBox="1"/>
+            <p:nvPr/>
+          </p:nvSpPr>
+          <p:spPr>
+            <a:xfrm>
+              <a:off x="5403394" y="7211105"/>
+              <a:ext cx="11421384" cy="1003300"/>
+            </a:xfrm>
+            <a:prstGeom prst="rect">
+              <a:avLst/>
+            </a:prstGeom>
+          </p:spPr>
+          <p:txBody>
+            <a:bodyPr lIns="0" tIns="0" rIns="0" bIns="0" rtlCol="0" anchor="ctr"/>
+            <a:lstStyle/>
+            <a:p>
+              <a:pPr lvl="0" algn="l">
+                <a:lnSpc>
+                  <a:spcPct val="112050"/>
+                </a:lnSpc>
+              </a:pPr>
+              <a:r>
+                <a:rPr lang="en-US" sz="2400" b="0" i="0" u="none" strike="noStrike" spc="-100" dirty="0">
+                  <a:solidFill>
+                    <a:srgbClr val="545454"/>
+                  </a:solidFill>
+                  <a:latin typeface="프리젠테이션 5 Medium" pitchFamily="2" charset="-127"/>
+                  <a:ea typeface="프리젠테이션 5 Medium" pitchFamily="2" charset="-127"/>
+                </a:rPr>
+                <a:t>DBMS : Database Management System</a:t>
+              </a:r>
+            </a:p>
+            <a:p>
+              <a:pPr lvl="0" algn="l">
+                <a:lnSpc>
+                  <a:spcPct val="112050"/>
+                </a:lnSpc>
+              </a:pPr>
+              <a:r>
+                <a:rPr lang="ko-KR" altLang="en-US" sz="2400" b="0" i="0" u="none" strike="noStrike" spc="-100" dirty="0">
+                  <a:solidFill>
+                    <a:srgbClr val="545454"/>
+                  </a:solidFill>
+                  <a:latin typeface="프리젠테이션 5 Medium" pitchFamily="2" charset="-127"/>
+                  <a:ea typeface="프리젠테이션 5 Medium" pitchFamily="2" charset="-127"/>
+                </a:rPr>
+                <a:t>다수의 응용소프트웨어 및 사용자가 데이터베이스가 접근하여 원활하게 사용할 수 있도록 중간에서 관리해주는 시스템</a:t>
+              </a:r>
+              <a:endParaRPr lang="en-US" altLang="ko-KR" sz="2400" b="0" i="0" u="none" strike="noStrike" spc="-100" dirty="0">
+                <a:solidFill>
+                  <a:srgbClr val="545454"/>
+                </a:solidFill>
+                <a:latin typeface="프리젠테이션 5 Medium" pitchFamily="2" charset="-127"/>
+                <a:ea typeface="프리젠테이션 5 Medium" pitchFamily="2" charset="-127"/>
+              </a:endParaRPr>
+            </a:p>
+            <a:p>
+              <a:pPr lvl="0" algn="l">
+                <a:lnSpc>
+                  <a:spcPct val="112050"/>
+                </a:lnSpc>
+              </a:pPr>
+              <a:r>
+                <a:rPr lang="en-US" altLang="ko-KR" sz="2400" spc="-100" dirty="0">
+                  <a:solidFill>
+                    <a:srgbClr val="545454"/>
+                  </a:solidFill>
+                  <a:latin typeface="프리젠테이션 5 Medium" pitchFamily="2" charset="-127"/>
+                  <a:ea typeface="프리젠테이션 5 Medium" pitchFamily="2" charset="-127"/>
+                </a:rPr>
+                <a:t>(ex. </a:t>
+              </a:r>
+              <a:r>
+                <a:rPr lang="ko-KR" altLang="en-US" sz="2400" spc="-100" dirty="0">
+                  <a:solidFill>
+                    <a:srgbClr val="545454"/>
+                  </a:solidFill>
+                  <a:latin typeface="프리젠테이션 5 Medium" pitchFamily="2" charset="-127"/>
+                  <a:ea typeface="프리젠테이션 5 Medium" pitchFamily="2" charset="-127"/>
+                </a:rPr>
+                <a:t>책장이 많은 도서관을 관리하는 사서</a:t>
+              </a:r>
+              <a:r>
+                <a:rPr lang="en-US" altLang="ko-KR" sz="2400" spc="-100" dirty="0">
+                  <a:solidFill>
+                    <a:srgbClr val="545454"/>
+                  </a:solidFill>
+                  <a:latin typeface="프리젠테이션 5 Medium" pitchFamily="2" charset="-127"/>
+                  <a:ea typeface="프리젠테이션 5 Medium" pitchFamily="2" charset="-127"/>
+                </a:rPr>
+                <a:t>)</a:t>
+              </a:r>
+              <a:endParaRPr lang="en-US" sz="2400" b="0" i="0" u="none" strike="noStrike" spc="-100" dirty="0">
+                <a:solidFill>
+                  <a:srgbClr val="545454"/>
+                </a:solidFill>
+                <a:latin typeface="프리젠테이션 5 Medium" pitchFamily="2" charset="-127"/>
+                <a:ea typeface="프리젠테이션 5 Medium" pitchFamily="2" charset="-127"/>
+              </a:endParaRPr>
+            </a:p>
+          </p:txBody>
+        </p:sp>
+      </p:grpSp>
       <p:pic>
         <p:nvPicPr>
-          <p:cNvPr id="38" name="그림 37">
+          <p:cNvPr id="35" name="Picture 8">
             <a:extLst>
               <a:ext uri="{FF2B5EF4-FFF2-40B4-BE49-F238E27FC236}">
-                <a16:creationId xmlns:a16="http://schemas.microsoft.com/office/drawing/2014/main" id="{8A08CC84-45EA-469B-A2B0-79A860E3A908}"/>
+                <a16:creationId xmlns:a16="http://schemas.microsoft.com/office/drawing/2014/main" id="{B9F10662-B896-413C-963F-34BF5484CE65}"/>
               </a:ext>
             </a:extLst>
           </p:cNvPr>
@@ -11969,39 +12256,30 @@
           </p:cNvPicPr>
           <p:nvPr/>
         </p:nvPicPr>
-        <p:blipFill rotWithShape="1">
-          <a:blip r:embed="rId5"/>
-          <a:srcRect l="2022" t="4162" r="2808" b="6256"/>
-          <a:stretch/>
+        <p:blipFill>
+          <a:blip r:embed="rId9">
+            <a:alphaModFix amt="64000"/>
+          </a:blip>
+          <a:stretch>
+            <a:fillRect/>
+          </a:stretch>
         </p:blipFill>
         <p:spPr>
           <a:xfrm>
-            <a:off x="3429000" y="2705100"/>
-            <a:ext cx="9010503" cy="3522287"/>
-          </a:xfrm>
-          <a:prstGeom prst="rect">
-            <a:avLst/>
-          </a:prstGeom>
-          <a:solidFill>
-            <a:srgbClr val="FFFFFF">
-              <a:shade val="85000"/>
-            </a:srgbClr>
-          </a:solidFill>
-          <a:ln w="88900" cap="sq">
-            <a:solidFill>
-              <a:srgbClr val="FFFFFF"/>
-            </a:solidFill>
-            <a:miter lim="800000"/>
-          </a:ln>
-          <a:effectLst/>
+            <a:off x="1915885" y="4918810"/>
+            <a:ext cx="15049500" cy="4318136"/>
+          </a:xfrm>
+          <a:prstGeom prst="rect">
+            <a:avLst/>
+          </a:prstGeom>
         </p:spPr>
       </p:pic>
       <p:sp>
         <p:nvSpPr>
-          <p:cNvPr id="23" name="TextBox 23">
+          <p:cNvPr id="37" name="TextBox 20">
             <a:extLst>
               <a:ext uri="{FF2B5EF4-FFF2-40B4-BE49-F238E27FC236}">
-                <a16:creationId xmlns:a16="http://schemas.microsoft.com/office/drawing/2014/main" id="{30BF94BD-9777-4EDE-94D8-191FDB5E37AC}"/>
+                <a16:creationId xmlns:a16="http://schemas.microsoft.com/office/drawing/2014/main" id="{7ED72382-9BE6-4769-B4C7-8015D777D288}"/>
               </a:ext>
             </a:extLst>
           </p:cNvPr>
@@ -12010,8 +12288,8 @@
         </p:nvSpPr>
         <p:spPr>
           <a:xfrm>
-            <a:off x="1651000" y="1371600"/>
-            <a:ext cx="14986000" cy="1333500"/>
+            <a:off x="1934029" y="5051776"/>
+            <a:ext cx="4826485" cy="711200"/>
           </a:xfrm>
           <a:prstGeom prst="rect">
             <a:avLst/>
@@ -12021,34 +12299,34 @@
           <a:bodyPr lIns="0" tIns="0" rIns="0" bIns="0" rtlCol="0" anchor="ctr"/>
           <a:lstStyle/>
           <a:p>
-            <a:pPr lvl="0" algn="l">
+            <a:pPr lvl="0" algn="ctr">
               <a:lnSpc>
-                <a:spcPct val="112050"/>
+                <a:spcPct val="87149"/>
               </a:lnSpc>
             </a:pPr>
             <a:r>
-              <a:rPr lang="en-US" altLang="ko-KR" sz="8000" b="0" i="0" u="none" strike="noStrike" spc="-100" dirty="0">
+              <a:rPr lang="ko-KR" altLang="en-US" sz="3200" spc="-200" dirty="0">
                 <a:solidFill>
-                  <a:srgbClr val="545454"/>
+                  <a:srgbClr val="C5C0BC"/>
                 </a:solidFill>
                 <a:latin typeface="프리젠테이션 5 Medium" pitchFamily="2" charset="-127"/>
                 <a:ea typeface="프리젠테이션 5 Medium" pitchFamily="2" charset="-127"/>
               </a:rPr>
-              <a:t>4. Entity-Relationship Diagram </a:t>
-            </a:r>
-            <a:r>
-              <a:rPr lang="ko-KR" altLang="en-US" sz="8000" b="0" i="0" u="none" strike="noStrike" spc="-100" dirty="0">
+              <a:t>데이터 베이스 관리 시스템 </a:t>
+            </a:r>
+            <a:r>
+              <a:rPr lang="ko-KR" altLang="en-US" sz="3200" b="0" i="0" u="none" strike="noStrike" spc="-200" dirty="0">
                 <a:solidFill>
-                  <a:srgbClr val="545454"/>
+                  <a:srgbClr val="C5C0BC"/>
                 </a:solidFill>
                 <a:latin typeface="프리젠테이션 5 Medium" pitchFamily="2" charset="-127"/>
                 <a:ea typeface="프리젠테이션 5 Medium" pitchFamily="2" charset="-127"/>
               </a:rPr>
-              <a:t>완성</a:t>
-            </a:r>
-            <a:endParaRPr lang="en-US" altLang="ko-KR" sz="8000" b="0" i="0" u="none" strike="noStrike" spc="-100" dirty="0">
+              <a:t>기능</a:t>
+            </a:r>
+            <a:endParaRPr lang="en-US" sz="3200" b="0" i="0" u="none" strike="noStrike" spc="-200" dirty="0">
               <a:solidFill>
-                <a:srgbClr val="545454"/>
+                <a:srgbClr val="C5C0BC"/>
               </a:solidFill>
               <a:latin typeface="프리젠테이션 5 Medium" pitchFamily="2" charset="-127"/>
               <a:ea typeface="프리젠테이션 5 Medium" pitchFamily="2" charset="-127"/>
@@ -12056,163 +12334,392 @@
           </a:p>
         </p:txBody>
       </p:sp>
-      <p:sp>
-        <p:nvSpPr>
-          <p:cNvPr id="24" name="TextBox 24">
+      <p:grpSp>
+        <p:nvGrpSpPr>
+          <p:cNvPr id="41" name="그룹 40">
             <a:extLst>
               <a:ext uri="{FF2B5EF4-FFF2-40B4-BE49-F238E27FC236}">
-                <a16:creationId xmlns:a16="http://schemas.microsoft.com/office/drawing/2014/main" id="{445ED378-183C-4817-B5B9-D0CAA1E9EA7E}"/>
+                <a16:creationId xmlns:a16="http://schemas.microsoft.com/office/drawing/2014/main" id="{34B54693-82B3-4CAF-AE11-02E494B21926}"/>
               </a:ext>
             </a:extLst>
           </p:cNvPr>
-          <p:cNvSpPr txBox="1"/>
-          <p:nvPr/>
-        </p:nvSpPr>
-        <p:spPr>
-          <a:xfrm>
-            <a:off x="2286000" y="5918201"/>
-            <a:ext cx="4191000" cy="3327400"/>
-          </a:xfrm>
-          <a:prstGeom prst="rect">
-            <a:avLst/>
-          </a:prstGeom>
-        </p:spPr>
-        <p:txBody>
-          <a:bodyPr lIns="0" tIns="0" rIns="0" bIns="0" rtlCol="0" anchor="ctr"/>
-          <a:lstStyle/>
-          <a:p>
-            <a:pPr lvl="0" algn="ctr">
-              <a:lnSpc>
-                <a:spcPct val="150000"/>
-              </a:lnSpc>
-            </a:pPr>
-            <a:r>
-              <a:rPr lang="en-US" altLang="ko-KR" sz="3200" dirty="0">
-                <a:latin typeface="프리젠테이션 5 Medium" pitchFamily="2" charset="-127"/>
-                <a:ea typeface="프리젠테이션 5 Medium" pitchFamily="2" charset="-127"/>
-              </a:rPr>
-              <a:t>DB</a:t>
-            </a:r>
-            <a:r>
-              <a:rPr lang="ko-KR" altLang="en-US" sz="3200" dirty="0">
-                <a:latin typeface="프리젠테이션 5 Medium" pitchFamily="2" charset="-127"/>
-                <a:ea typeface="프리젠테이션 5 Medium" pitchFamily="2" charset="-127"/>
-              </a:rPr>
-              <a:t>명 </a:t>
-            </a:r>
-            <a:r>
-              <a:rPr lang="en-US" altLang="ko-KR" sz="3200" dirty="0">
-                <a:latin typeface="프리젠테이션 5 Medium" pitchFamily="2" charset="-127"/>
-                <a:ea typeface="프리젠테이션 5 Medium" pitchFamily="2" charset="-127"/>
-              </a:rPr>
-              <a:t>: </a:t>
-            </a:r>
-            <a:r>
-              <a:rPr lang="en-US" altLang="ko-KR" sz="3200" dirty="0" err="1">
-                <a:latin typeface="프리젠테이션 5 Medium" pitchFamily="2" charset="-127"/>
-                <a:ea typeface="프리젠테이션 5 Medium" pitchFamily="2" charset="-127"/>
-              </a:rPr>
-              <a:t>ShopDB</a:t>
-            </a:r>
-            <a:endParaRPr lang="en-US" altLang="ko-KR" sz="3200" dirty="0">
-              <a:latin typeface="프리젠테이션 5 Medium" pitchFamily="2" charset="-127"/>
-              <a:ea typeface="프리젠테이션 5 Medium" pitchFamily="2" charset="-127"/>
-            </a:endParaRPr>
-          </a:p>
-          <a:p>
-            <a:pPr lvl="0" algn="ctr">
-              <a:lnSpc>
-                <a:spcPct val="150000"/>
-              </a:lnSpc>
-            </a:pPr>
-            <a:r>
-              <a:rPr lang="en-US" sz="3200" dirty="0">
-                <a:latin typeface="프리젠테이션 5 Medium" pitchFamily="2" charset="-127"/>
-                <a:ea typeface="프리젠테이션 5 Medium" pitchFamily="2" charset="-127"/>
-              </a:rPr>
-              <a:t>FK</a:t>
-            </a:r>
-            <a:r>
-              <a:rPr lang="ko-KR" altLang="en-US" sz="3200" dirty="0">
-                <a:latin typeface="프리젠테이션 5 Medium" pitchFamily="2" charset="-127"/>
-                <a:ea typeface="프리젠테이션 5 Medium" pitchFamily="2" charset="-127"/>
-              </a:rPr>
-              <a:t>옵션 </a:t>
-            </a:r>
-            <a:r>
-              <a:rPr lang="en-US" altLang="ko-KR" sz="3200" dirty="0">
-                <a:latin typeface="프리젠테이션 5 Medium" pitchFamily="2" charset="-127"/>
-                <a:ea typeface="프리젠테이션 5 Medium" pitchFamily="2" charset="-127"/>
-              </a:rPr>
-              <a:t>: CASCADE </a:t>
-            </a:r>
-            <a:r>
-              <a:rPr lang="ko-KR" altLang="en-US" sz="3200" dirty="0">
-                <a:latin typeface="프리젠테이션 5 Medium" pitchFamily="2" charset="-127"/>
-                <a:ea typeface="프리젠테이션 5 Medium" pitchFamily="2" charset="-127"/>
-              </a:rPr>
-              <a:t>확인</a:t>
-            </a:r>
-            <a:endParaRPr lang="en-US" altLang="ko-KR" sz="3200" dirty="0">
-              <a:latin typeface="프리젠테이션 5 Medium" pitchFamily="2" charset="-127"/>
-              <a:ea typeface="프리젠테이션 5 Medium" pitchFamily="2" charset="-127"/>
-            </a:endParaRPr>
-          </a:p>
-          <a:p>
-            <a:pPr lvl="0" algn="ctr">
-              <a:lnSpc>
-                <a:spcPct val="150000"/>
-              </a:lnSpc>
-            </a:pPr>
-            <a:r>
-              <a:rPr lang="ko-KR" altLang="en-US" sz="3200" dirty="0" err="1">
-                <a:latin typeface="프리젠테이션 5 Medium" pitchFamily="2" charset="-127"/>
-                <a:ea typeface="프리젠테이션 5 Medium" pitchFamily="2" charset="-127"/>
-              </a:rPr>
-              <a:t>관계선</a:t>
-            </a:r>
-            <a:r>
-              <a:rPr lang="ko-KR" altLang="en-US" sz="3200" dirty="0">
-                <a:latin typeface="프리젠테이션 5 Medium" pitchFamily="2" charset="-127"/>
-                <a:ea typeface="프리젠테이션 5 Medium" pitchFamily="2" charset="-127"/>
-              </a:rPr>
-              <a:t> </a:t>
-            </a:r>
-            <a:r>
-              <a:rPr lang="en-US" altLang="ko-KR" sz="3200" dirty="0">
-                <a:latin typeface="프리젠테이션 5 Medium" pitchFamily="2" charset="-127"/>
-                <a:ea typeface="프리젠테이션 5 Medium" pitchFamily="2" charset="-127"/>
-              </a:rPr>
-              <a:t>: Dash Line</a:t>
-            </a:r>
-          </a:p>
-          <a:p>
-            <a:pPr lvl="0" algn="ctr">
-              <a:lnSpc>
-                <a:spcPct val="150000"/>
-              </a:lnSpc>
-            </a:pPr>
-            <a:r>
-              <a:rPr lang="ko-KR" altLang="en-US" sz="3200" dirty="0">
-                <a:latin typeface="프리젠테이션 5 Medium" pitchFamily="2" charset="-127"/>
-                <a:ea typeface="프리젠테이션 5 Medium" pitchFamily="2" charset="-127"/>
-              </a:rPr>
-              <a:t>모든 열 </a:t>
-            </a:r>
-            <a:r>
-              <a:rPr lang="en-US" altLang="ko-KR" sz="3200" dirty="0">
-                <a:latin typeface="프리젠테이션 5 Medium" pitchFamily="2" charset="-127"/>
-                <a:ea typeface="프리젠테이션 5 Medium" pitchFamily="2" charset="-127"/>
-              </a:rPr>
-              <a:t>: NOT NULL</a:t>
-            </a:r>
-            <a:endParaRPr lang="en-US" sz="3200" dirty="0">
-              <a:latin typeface="프리젠테이션 5 Medium" pitchFamily="2" charset="-127"/>
-              <a:ea typeface="프리젠테이션 5 Medium" pitchFamily="2" charset="-127"/>
-            </a:endParaRPr>
-          </a:p>
-        </p:txBody>
-      </p:sp>
+          <p:cNvGrpSpPr/>
+          <p:nvPr/>
+        </p:nvGrpSpPr>
+        <p:grpSpPr>
+          <a:xfrm>
+            <a:off x="9484589" y="5894912"/>
+            <a:ext cx="7736611" cy="1354229"/>
+            <a:chOff x="1921328" y="5548993"/>
+            <a:chExt cx="7828531" cy="1522864"/>
+          </a:xfrm>
+        </p:grpSpPr>
+        <p:pic>
+          <p:nvPicPr>
+            <p:cNvPr id="42" name="Picture 5">
+              <a:extLst>
+                <a:ext uri="{FF2B5EF4-FFF2-40B4-BE49-F238E27FC236}">
+                  <a16:creationId xmlns:a16="http://schemas.microsoft.com/office/drawing/2014/main" id="{882FD4F2-0909-4ECD-B481-32DC43827C15}"/>
+                </a:ext>
+              </a:extLst>
+            </p:cNvPr>
+            <p:cNvPicPr>
+              <a:picLocks noChangeAspect="1"/>
+            </p:cNvPicPr>
+            <p:nvPr/>
+          </p:nvPicPr>
+          <p:blipFill>
+            <a:blip r:embed="rId5">
+              <a:alphaModFix amt="60000"/>
+            </a:blip>
+            <a:stretch>
+              <a:fillRect/>
+            </a:stretch>
+          </p:blipFill>
+          <p:spPr>
+            <a:xfrm>
+              <a:off x="1921328" y="5548993"/>
+              <a:ext cx="7527471" cy="1522864"/>
+            </a:xfrm>
+            <a:prstGeom prst="rect">
+              <a:avLst/>
+            </a:prstGeom>
+          </p:spPr>
+        </p:pic>
+        <p:pic>
+          <p:nvPicPr>
+            <p:cNvPr id="43" name="Picture 6">
+              <a:extLst>
+                <a:ext uri="{FF2B5EF4-FFF2-40B4-BE49-F238E27FC236}">
+                  <a16:creationId xmlns:a16="http://schemas.microsoft.com/office/drawing/2014/main" id="{4A67086C-5B86-40CF-B881-9DE2938823F2}"/>
+                </a:ext>
+              </a:extLst>
+            </p:cNvPr>
+            <p:cNvPicPr>
+              <a:picLocks noChangeAspect="1"/>
+            </p:cNvPicPr>
+            <p:nvPr/>
+          </p:nvPicPr>
+          <p:blipFill>
+            <a:blip r:embed="rId6"/>
+            <a:stretch>
+              <a:fillRect/>
+            </a:stretch>
+          </p:blipFill>
+          <p:spPr>
+            <a:xfrm>
+              <a:off x="1921328" y="5548994"/>
+              <a:ext cx="7527471" cy="772048"/>
+            </a:xfrm>
+            <a:prstGeom prst="rect">
+              <a:avLst/>
+            </a:prstGeom>
+          </p:spPr>
+        </p:pic>
+        <p:sp>
+          <p:nvSpPr>
+            <p:cNvPr id="44" name="TextBox 15">
+              <a:extLst>
+                <a:ext uri="{FF2B5EF4-FFF2-40B4-BE49-F238E27FC236}">
+                  <a16:creationId xmlns:a16="http://schemas.microsoft.com/office/drawing/2014/main" id="{30EC0E20-AE00-4A15-8497-3D14403E68A4}"/>
+                </a:ext>
+              </a:extLst>
+            </p:cNvPr>
+            <p:cNvSpPr txBox="1"/>
+            <p:nvPr/>
+          </p:nvSpPr>
+          <p:spPr>
+            <a:xfrm>
+              <a:off x="2801424" y="6348443"/>
+              <a:ext cx="6948435" cy="723413"/>
+            </a:xfrm>
+            <a:prstGeom prst="rect">
+              <a:avLst/>
+            </a:prstGeom>
+          </p:spPr>
+          <p:txBody>
+            <a:bodyPr lIns="0" tIns="0" rIns="0" bIns="0" rtlCol="0" anchor="ctr"/>
+            <a:lstStyle/>
+            <a:p>
+              <a:pPr lvl="0" algn="l">
+                <a:lnSpc>
+                  <a:spcPct val="112050"/>
+                </a:lnSpc>
+              </a:pPr>
+              <a:r>
+                <a:rPr lang="ko-KR" altLang="en-US" sz="2400" b="0" i="0" u="none" strike="noStrike" spc="-100" dirty="0">
+                  <a:solidFill>
+                    <a:srgbClr val="545454">
+                      <a:alpha val="67059"/>
+                    </a:srgbClr>
+                  </a:solidFill>
+                  <a:latin typeface="프리젠테이션 5 Medium" pitchFamily="2" charset="-127"/>
+                  <a:ea typeface="프리젠테이션 5 Medium" pitchFamily="2" charset="-127"/>
+                </a:rPr>
+                <a:t>시스템 오류 및 장애로 인한 데이터 손실 및 결함의 대응</a:t>
+              </a:r>
+              <a:endParaRPr lang="en-US" sz="2400" b="0" i="0" u="none" strike="noStrike" spc="-100" dirty="0">
+                <a:solidFill>
+                  <a:srgbClr val="545454">
+                    <a:alpha val="67059"/>
+                  </a:srgbClr>
+                </a:solidFill>
+                <a:latin typeface="프리젠테이션 5 Medium" pitchFamily="2" charset="-127"/>
+                <a:ea typeface="프리젠테이션 5 Medium" pitchFamily="2" charset="-127"/>
+              </a:endParaRPr>
+            </a:p>
+          </p:txBody>
+        </p:sp>
+        <p:sp>
+          <p:nvSpPr>
+            <p:cNvPr id="45" name="TextBox 16">
+              <a:extLst>
+                <a:ext uri="{FF2B5EF4-FFF2-40B4-BE49-F238E27FC236}">
+                  <a16:creationId xmlns:a16="http://schemas.microsoft.com/office/drawing/2014/main" id="{8318908F-5B43-465E-A6CF-29AB7A8B73BF}"/>
+                </a:ext>
+              </a:extLst>
+            </p:cNvPr>
+            <p:cNvSpPr txBox="1"/>
+            <p:nvPr/>
+          </p:nvSpPr>
+          <p:spPr>
+            <a:xfrm>
+              <a:off x="2266140" y="5823380"/>
+              <a:ext cx="6794025" cy="223276"/>
+            </a:xfrm>
+            <a:prstGeom prst="rect">
+              <a:avLst/>
+            </a:prstGeom>
+          </p:spPr>
+          <p:txBody>
+            <a:bodyPr lIns="0" tIns="0" rIns="0" bIns="0" rtlCol="0" anchor="ctr"/>
+            <a:lstStyle/>
+            <a:p>
+              <a:pPr lvl="0" algn="ctr">
+                <a:lnSpc>
+                  <a:spcPct val="97940"/>
+                </a:lnSpc>
+              </a:pPr>
+              <a:r>
+                <a:rPr lang="ko-KR" altLang="en-US" sz="2800" b="0" i="0" u="none" strike="noStrike" spc="-100" dirty="0">
+                  <a:solidFill>
+                    <a:srgbClr val="FFFFFF"/>
+                  </a:solidFill>
+                  <a:latin typeface="프리젠테이션 5 Medium" pitchFamily="2" charset="-127"/>
+                  <a:ea typeface="프리젠테이션 5 Medium" pitchFamily="2" charset="-127"/>
+                </a:rPr>
+                <a:t>회복 관리</a:t>
+              </a:r>
+              <a:endParaRPr lang="en-US" sz="2800" b="0" i="0" u="none" strike="noStrike" spc="-100" dirty="0">
+                <a:solidFill>
+                  <a:srgbClr val="FFFFFF"/>
+                </a:solidFill>
+                <a:latin typeface="프리젠테이션 5 Medium" pitchFamily="2" charset="-127"/>
+                <a:ea typeface="프리젠테이션 5 Medium" pitchFamily="2" charset="-127"/>
+              </a:endParaRPr>
+            </a:p>
+          </p:txBody>
+        </p:sp>
+      </p:grpSp>
+      <p:grpSp>
+        <p:nvGrpSpPr>
+          <p:cNvPr id="46" name="그룹 45">
+            <a:extLst>
+              <a:ext uri="{FF2B5EF4-FFF2-40B4-BE49-F238E27FC236}">
+                <a16:creationId xmlns:a16="http://schemas.microsoft.com/office/drawing/2014/main" id="{F8769720-5711-4B18-8F34-8E6EF357EAA2}"/>
+              </a:ext>
+            </a:extLst>
+          </p:cNvPr>
+          <p:cNvGrpSpPr/>
+          <p:nvPr/>
+        </p:nvGrpSpPr>
+        <p:grpSpPr>
+          <a:xfrm>
+            <a:off x="1934029" y="7479170"/>
+            <a:ext cx="8214006" cy="1184520"/>
+            <a:chOff x="1921328" y="5548994"/>
+            <a:chExt cx="8227888" cy="1499815"/>
+          </a:xfrm>
+        </p:grpSpPr>
+        <p:pic>
+          <p:nvPicPr>
+            <p:cNvPr id="47" name="Picture 5">
+              <a:extLst>
+                <a:ext uri="{FF2B5EF4-FFF2-40B4-BE49-F238E27FC236}">
+                  <a16:creationId xmlns:a16="http://schemas.microsoft.com/office/drawing/2014/main" id="{CDD4172A-6D7A-44B8-A8A4-E42B9F66A954}"/>
+                </a:ext>
+              </a:extLst>
+            </p:cNvPr>
+            <p:cNvPicPr>
+              <a:picLocks noChangeAspect="1"/>
+            </p:cNvPicPr>
+            <p:nvPr/>
+          </p:nvPicPr>
+          <p:blipFill>
+            <a:blip r:embed="rId5">
+              <a:alphaModFix amt="60000"/>
+            </a:blip>
+            <a:stretch>
+              <a:fillRect/>
+            </a:stretch>
+          </p:blipFill>
+          <p:spPr>
+            <a:xfrm>
+              <a:off x="1921328" y="5548994"/>
+              <a:ext cx="7527471" cy="1499815"/>
+            </a:xfrm>
+            <a:prstGeom prst="rect">
+              <a:avLst/>
+            </a:prstGeom>
+          </p:spPr>
+        </p:pic>
+        <p:pic>
+          <p:nvPicPr>
+            <p:cNvPr id="48" name="Picture 6">
+              <a:extLst>
+                <a:ext uri="{FF2B5EF4-FFF2-40B4-BE49-F238E27FC236}">
+                  <a16:creationId xmlns:a16="http://schemas.microsoft.com/office/drawing/2014/main" id="{5ABBD3F8-0EBF-4A14-AF9B-4104B2BC7449}"/>
+                </a:ext>
+              </a:extLst>
+            </p:cNvPr>
+            <p:cNvPicPr>
+              <a:picLocks noChangeAspect="1"/>
+            </p:cNvPicPr>
+            <p:nvPr/>
+          </p:nvPicPr>
+          <p:blipFill>
+            <a:blip r:embed="rId6"/>
+            <a:stretch>
+              <a:fillRect/>
+            </a:stretch>
+          </p:blipFill>
+          <p:spPr>
+            <a:xfrm>
+              <a:off x="1921328" y="5548994"/>
+              <a:ext cx="7527471" cy="772048"/>
+            </a:xfrm>
+            <a:prstGeom prst="rect">
+              <a:avLst/>
+            </a:prstGeom>
+          </p:spPr>
+        </p:pic>
+        <p:sp>
+          <p:nvSpPr>
+            <p:cNvPr id="49" name="TextBox 15">
+              <a:extLst>
+                <a:ext uri="{FF2B5EF4-FFF2-40B4-BE49-F238E27FC236}">
+                  <a16:creationId xmlns:a16="http://schemas.microsoft.com/office/drawing/2014/main" id="{2F97A4EA-DD53-47DD-8025-43C706032330}"/>
+                </a:ext>
+              </a:extLst>
+            </p:cNvPr>
+            <p:cNvSpPr txBox="1"/>
+            <p:nvPr/>
+          </p:nvSpPr>
+          <p:spPr>
+            <a:xfrm>
+              <a:off x="3200781" y="6314669"/>
+              <a:ext cx="6948435" cy="723413"/>
+            </a:xfrm>
+            <a:prstGeom prst="rect">
+              <a:avLst/>
+            </a:prstGeom>
+          </p:spPr>
+          <p:txBody>
+            <a:bodyPr lIns="0" tIns="0" rIns="0" bIns="0" rtlCol="0" anchor="ctr"/>
+            <a:lstStyle/>
+            <a:p>
+              <a:pPr lvl="0" algn="l">
+                <a:lnSpc>
+                  <a:spcPct val="112050"/>
+                </a:lnSpc>
+              </a:pPr>
+              <a:r>
+                <a:rPr lang="ko-KR" altLang="en-US" sz="2400" b="0" i="0" u="none" strike="noStrike" spc="-100" dirty="0">
+                  <a:solidFill>
+                    <a:srgbClr val="545454">
+                      <a:alpha val="67059"/>
+                    </a:srgbClr>
+                  </a:solidFill>
+                  <a:latin typeface="프리젠테이션 5 Medium" pitchFamily="2" charset="-127"/>
+                  <a:ea typeface="프리젠테이션 5 Medium" pitchFamily="2" charset="-127"/>
+                </a:rPr>
+                <a:t>데이터 처리 속도 확보를 위한 실행 </a:t>
+              </a:r>
+              <a:r>
+                <a:rPr lang="ko-KR" altLang="en-US" sz="2400" spc="-100" dirty="0">
+                  <a:solidFill>
+                    <a:srgbClr val="545454">
+                      <a:alpha val="67059"/>
+                    </a:srgbClr>
+                  </a:solidFill>
+                  <a:latin typeface="프리젠테이션 5 Medium" pitchFamily="2" charset="-127"/>
+                  <a:ea typeface="프리젠테이션 5 Medium" pitchFamily="2" charset="-127"/>
+                </a:rPr>
+                <a:t>계획의 최적화</a:t>
+              </a:r>
+              <a:endParaRPr lang="en-US" sz="2400" b="0" i="0" u="none" strike="noStrike" spc="-100" dirty="0">
+                <a:solidFill>
+                  <a:srgbClr val="545454">
+                    <a:alpha val="67059"/>
+                  </a:srgbClr>
+                </a:solidFill>
+                <a:latin typeface="프리젠테이션 5 Medium" pitchFamily="2" charset="-127"/>
+                <a:ea typeface="프리젠테이션 5 Medium" pitchFamily="2" charset="-127"/>
+              </a:endParaRPr>
+            </a:p>
+          </p:txBody>
+        </p:sp>
+        <p:sp>
+          <p:nvSpPr>
+            <p:cNvPr id="50" name="TextBox 16">
+              <a:extLst>
+                <a:ext uri="{FF2B5EF4-FFF2-40B4-BE49-F238E27FC236}">
+                  <a16:creationId xmlns:a16="http://schemas.microsoft.com/office/drawing/2014/main" id="{D984757A-FE4B-42BD-B450-E1AD0B9B16B9}"/>
+                </a:ext>
+              </a:extLst>
+            </p:cNvPr>
+            <p:cNvSpPr txBox="1"/>
+            <p:nvPr/>
+          </p:nvSpPr>
+          <p:spPr>
+            <a:xfrm>
+              <a:off x="2266140" y="5823380"/>
+              <a:ext cx="6794025" cy="223276"/>
+            </a:xfrm>
+            <a:prstGeom prst="rect">
+              <a:avLst/>
+            </a:prstGeom>
+          </p:spPr>
+          <p:txBody>
+            <a:bodyPr lIns="0" tIns="0" rIns="0" bIns="0" rtlCol="0" anchor="ctr"/>
+            <a:lstStyle/>
+            <a:p>
+              <a:pPr lvl="0" algn="ctr">
+                <a:lnSpc>
+                  <a:spcPct val="97940"/>
+                </a:lnSpc>
+              </a:pPr>
+              <a:r>
+                <a:rPr lang="ko-KR" altLang="en-US" sz="2800" b="0" i="0" u="none" strike="noStrike" spc="-100" dirty="0">
+                  <a:solidFill>
+                    <a:srgbClr val="FFFFFF"/>
+                  </a:solidFill>
+                  <a:latin typeface="프리젠테이션 5 Medium" pitchFamily="2" charset="-127"/>
+                  <a:ea typeface="프리젠테이션 5 Medium" pitchFamily="2" charset="-127"/>
+                </a:rPr>
+                <a:t>성능 관리</a:t>
+              </a:r>
+              <a:endParaRPr lang="en-US" sz="2800" b="0" i="0" u="none" strike="noStrike" spc="-100" dirty="0">
+                <a:solidFill>
+                  <a:srgbClr val="FFFFFF"/>
+                </a:solidFill>
+                <a:latin typeface="프리젠테이션 5 Medium" pitchFamily="2" charset="-127"/>
+                <a:ea typeface="프리젠테이션 5 Medium" pitchFamily="2" charset="-127"/>
+              </a:endParaRPr>
+            </a:p>
+          </p:txBody>
+        </p:sp>
+      </p:grpSp>
     </p:spTree>
   </p:cSld>
   <p:clrMapOvr>
@@ -12312,6 +12819,841 @@
       </p:pic>
       <p:pic>
         <p:nvPicPr>
+          <p:cNvPr id="38" name="그림 37">
+            <a:extLst>
+              <a:ext uri="{FF2B5EF4-FFF2-40B4-BE49-F238E27FC236}">
+                <a16:creationId xmlns:a16="http://schemas.microsoft.com/office/drawing/2014/main" id="{8A08CC84-45EA-469B-A2B0-79A860E3A908}"/>
+              </a:ext>
+            </a:extLst>
+          </p:cNvPr>
+          <p:cNvPicPr>
+            <a:picLocks noChangeAspect="1"/>
+          </p:cNvPicPr>
+          <p:nvPr/>
+        </p:nvPicPr>
+        <p:blipFill rotWithShape="1">
+          <a:blip r:embed="rId5"/>
+          <a:srcRect l="2022" t="4162" r="2808" b="6256"/>
+          <a:stretch/>
+        </p:blipFill>
+        <p:spPr>
+          <a:xfrm>
+            <a:off x="571500" y="3796002"/>
+            <a:ext cx="9010503" cy="3522287"/>
+          </a:xfrm>
+          <a:prstGeom prst="rect">
+            <a:avLst/>
+          </a:prstGeom>
+          <a:solidFill>
+            <a:srgbClr val="FFFFFF">
+              <a:shade val="85000"/>
+            </a:srgbClr>
+          </a:solidFill>
+          <a:ln w="88900" cap="sq">
+            <a:solidFill>
+              <a:srgbClr val="FFFFFF"/>
+            </a:solidFill>
+            <a:miter lim="800000"/>
+          </a:ln>
+          <a:effectLst/>
+        </p:spPr>
+      </p:pic>
+      <p:sp>
+        <p:nvSpPr>
+          <p:cNvPr id="23" name="TextBox 23">
+            <a:extLst>
+              <a:ext uri="{FF2B5EF4-FFF2-40B4-BE49-F238E27FC236}">
+                <a16:creationId xmlns:a16="http://schemas.microsoft.com/office/drawing/2014/main" id="{30BF94BD-9777-4EDE-94D8-191FDB5E37AC}"/>
+              </a:ext>
+            </a:extLst>
+          </p:cNvPr>
+          <p:cNvSpPr txBox="1"/>
+          <p:nvPr/>
+        </p:nvSpPr>
+        <p:spPr>
+          <a:xfrm>
+            <a:off x="1651000" y="1371600"/>
+            <a:ext cx="14986000" cy="1333500"/>
+          </a:xfrm>
+          <a:prstGeom prst="rect">
+            <a:avLst/>
+          </a:prstGeom>
+        </p:spPr>
+        <p:txBody>
+          <a:bodyPr lIns="0" tIns="0" rIns="0" bIns="0" rtlCol="0" anchor="ctr"/>
+          <a:lstStyle/>
+          <a:p>
+            <a:pPr lvl="0" algn="l">
+              <a:lnSpc>
+                <a:spcPct val="112050"/>
+              </a:lnSpc>
+            </a:pPr>
+            <a:r>
+              <a:rPr lang="en-US" altLang="ko-KR" sz="8000" b="0" i="0" u="none" strike="noStrike" spc="-100" dirty="0">
+                <a:solidFill>
+                  <a:srgbClr val="545454"/>
+                </a:solidFill>
+                <a:latin typeface="프리젠테이션 5 Medium" pitchFamily="2" charset="-127"/>
+                <a:ea typeface="프리젠테이션 5 Medium" pitchFamily="2" charset="-127"/>
+              </a:rPr>
+              <a:t>4. Entity-Relationship Diagram </a:t>
+            </a:r>
+            <a:r>
+              <a:rPr lang="ko-KR" altLang="en-US" sz="8000" b="0" i="0" u="none" strike="noStrike" spc="-100" dirty="0">
+                <a:solidFill>
+                  <a:srgbClr val="545454"/>
+                </a:solidFill>
+                <a:latin typeface="프리젠테이션 5 Medium" pitchFamily="2" charset="-127"/>
+                <a:ea typeface="프리젠테이션 5 Medium" pitchFamily="2" charset="-127"/>
+              </a:rPr>
+              <a:t>완성</a:t>
+            </a:r>
+            <a:endParaRPr lang="en-US" altLang="ko-KR" sz="8000" b="0" i="0" u="none" strike="noStrike" spc="-100" dirty="0">
+              <a:solidFill>
+                <a:srgbClr val="545454"/>
+              </a:solidFill>
+              <a:latin typeface="프리젠테이션 5 Medium" pitchFamily="2" charset="-127"/>
+              <a:ea typeface="프리젠테이션 5 Medium" pitchFamily="2" charset="-127"/>
+            </a:endParaRPr>
+          </a:p>
+        </p:txBody>
+      </p:sp>
+      <p:pic>
+        <p:nvPicPr>
+          <p:cNvPr id="14" name="그림 13">
+            <a:extLst>
+              <a:ext uri="{FF2B5EF4-FFF2-40B4-BE49-F238E27FC236}">
+                <a16:creationId xmlns:a16="http://schemas.microsoft.com/office/drawing/2014/main" id="{B3BAB6EF-BE6C-4497-9373-D409DAC3F3D4}"/>
+              </a:ext>
+            </a:extLst>
+          </p:cNvPr>
+          <p:cNvPicPr>
+            <a:picLocks noChangeAspect="1"/>
+          </p:cNvPicPr>
+          <p:nvPr/>
+        </p:nvPicPr>
+        <p:blipFill>
+          <a:blip r:embed="rId6"/>
+          <a:stretch>
+            <a:fillRect/>
+          </a:stretch>
+        </p:blipFill>
+        <p:spPr>
+          <a:xfrm>
+            <a:off x="9829800" y="3692296"/>
+            <a:ext cx="1781175" cy="2676525"/>
+          </a:xfrm>
+          <a:prstGeom prst="rect">
+            <a:avLst/>
+          </a:prstGeom>
+        </p:spPr>
+      </p:pic>
+      <p:pic>
+        <p:nvPicPr>
+          <p:cNvPr id="16" name="그림 15">
+            <a:extLst>
+              <a:ext uri="{FF2B5EF4-FFF2-40B4-BE49-F238E27FC236}">
+                <a16:creationId xmlns:a16="http://schemas.microsoft.com/office/drawing/2014/main" id="{B4124B8B-FF1F-4A63-8446-5C5BF4835A59}"/>
+              </a:ext>
+            </a:extLst>
+          </p:cNvPr>
+          <p:cNvPicPr>
+            <a:picLocks noChangeAspect="1"/>
+          </p:cNvPicPr>
+          <p:nvPr/>
+        </p:nvPicPr>
+        <p:blipFill>
+          <a:blip r:embed="rId7"/>
+          <a:stretch>
+            <a:fillRect/>
+          </a:stretch>
+        </p:blipFill>
+        <p:spPr>
+          <a:xfrm>
+            <a:off x="9715500" y="6040756"/>
+            <a:ext cx="7470775" cy="1800612"/>
+          </a:xfrm>
+          <a:prstGeom prst="rect">
+            <a:avLst/>
+          </a:prstGeom>
+        </p:spPr>
+      </p:pic>
+      <p:pic>
+        <p:nvPicPr>
+          <p:cNvPr id="18" name="그림 17">
+            <a:extLst>
+              <a:ext uri="{FF2B5EF4-FFF2-40B4-BE49-F238E27FC236}">
+                <a16:creationId xmlns:a16="http://schemas.microsoft.com/office/drawing/2014/main" id="{6A4FC711-BD5A-4DB3-91D6-EA380FC7E708}"/>
+              </a:ext>
+            </a:extLst>
+          </p:cNvPr>
+          <p:cNvPicPr>
+            <a:picLocks noChangeAspect="1"/>
+          </p:cNvPicPr>
+          <p:nvPr/>
+        </p:nvPicPr>
+        <p:blipFill>
+          <a:blip r:embed="rId8"/>
+          <a:stretch>
+            <a:fillRect/>
+          </a:stretch>
+        </p:blipFill>
+        <p:spPr>
+          <a:xfrm>
+            <a:off x="9715500" y="7562621"/>
+            <a:ext cx="7470775" cy="1726735"/>
+          </a:xfrm>
+          <a:prstGeom prst="rect">
+            <a:avLst/>
+          </a:prstGeom>
+        </p:spPr>
+      </p:pic>
+      <p:sp>
+        <p:nvSpPr>
+          <p:cNvPr id="25" name="TextBox 24">
+            <a:extLst>
+              <a:ext uri="{FF2B5EF4-FFF2-40B4-BE49-F238E27FC236}">
+                <a16:creationId xmlns:a16="http://schemas.microsoft.com/office/drawing/2014/main" id="{3068E126-B5AC-40E5-99EB-D991D8C3FB95}"/>
+              </a:ext>
+            </a:extLst>
+          </p:cNvPr>
+          <p:cNvSpPr txBox="1"/>
+          <p:nvPr/>
+        </p:nvSpPr>
+        <p:spPr>
+          <a:xfrm>
+            <a:off x="8915400" y="2932384"/>
+            <a:ext cx="4191000" cy="579814"/>
+          </a:xfrm>
+          <a:prstGeom prst="rect">
+            <a:avLst/>
+          </a:prstGeom>
+        </p:spPr>
+        <p:txBody>
+          <a:bodyPr lIns="0" tIns="0" rIns="0" bIns="0" rtlCol="0" anchor="ctr"/>
+          <a:lstStyle/>
+          <a:p>
+            <a:pPr lvl="0" algn="ctr">
+              <a:lnSpc>
+                <a:spcPct val="150000"/>
+              </a:lnSpc>
+            </a:pPr>
+            <a:r>
+              <a:rPr lang="en-US" altLang="ko-KR" sz="3200" dirty="0">
+                <a:latin typeface="프리젠테이션 5 Medium" pitchFamily="2" charset="-127"/>
+                <a:ea typeface="프리젠테이션 5 Medium" pitchFamily="2" charset="-127"/>
+              </a:rPr>
+              <a:t>DB</a:t>
+            </a:r>
+            <a:r>
+              <a:rPr lang="ko-KR" altLang="en-US" sz="3200" dirty="0">
+                <a:latin typeface="프리젠테이션 5 Medium" pitchFamily="2" charset="-127"/>
+                <a:ea typeface="프리젠테이션 5 Medium" pitchFamily="2" charset="-127"/>
+              </a:rPr>
+              <a:t>명 </a:t>
+            </a:r>
+            <a:r>
+              <a:rPr lang="en-US" altLang="ko-KR" sz="3200" dirty="0">
+                <a:latin typeface="프리젠테이션 5 Medium" pitchFamily="2" charset="-127"/>
+                <a:ea typeface="프리젠테이션 5 Medium" pitchFamily="2" charset="-127"/>
+              </a:rPr>
+              <a:t>: </a:t>
+            </a:r>
+            <a:r>
+              <a:rPr lang="en-US" altLang="ko-KR" sz="3200" dirty="0" err="1">
+                <a:latin typeface="프리젠테이션 5 Medium" pitchFamily="2" charset="-127"/>
+                <a:ea typeface="프리젠테이션 5 Medium" pitchFamily="2" charset="-127"/>
+              </a:rPr>
+              <a:t>ShopDB</a:t>
+            </a:r>
+            <a:endParaRPr lang="en-US" altLang="ko-KR" sz="3200" dirty="0">
+              <a:latin typeface="프리젠테이션 5 Medium" pitchFamily="2" charset="-127"/>
+              <a:ea typeface="프리젠테이션 5 Medium" pitchFamily="2" charset="-127"/>
+            </a:endParaRPr>
+          </a:p>
+        </p:txBody>
+      </p:sp>
+      <p:sp>
+        <p:nvSpPr>
+          <p:cNvPr id="24" name="TextBox 24">
+            <a:extLst>
+              <a:ext uri="{FF2B5EF4-FFF2-40B4-BE49-F238E27FC236}">
+                <a16:creationId xmlns:a16="http://schemas.microsoft.com/office/drawing/2014/main" id="{445ED378-183C-4817-B5B9-D0CAA1E9EA7E}"/>
+              </a:ext>
+            </a:extLst>
+          </p:cNvPr>
+          <p:cNvSpPr txBox="1"/>
+          <p:nvPr/>
+        </p:nvSpPr>
+        <p:spPr>
+          <a:xfrm>
+            <a:off x="9434219" y="5340121"/>
+            <a:ext cx="4648200" cy="685800"/>
+          </a:xfrm>
+          <a:prstGeom prst="rect">
+            <a:avLst/>
+          </a:prstGeom>
+        </p:spPr>
+        <p:txBody>
+          <a:bodyPr lIns="0" tIns="0" rIns="0" bIns="0" rtlCol="0" anchor="ctr"/>
+          <a:lstStyle/>
+          <a:p>
+            <a:pPr lvl="0" algn="ctr">
+              <a:lnSpc>
+                <a:spcPct val="150000"/>
+              </a:lnSpc>
+            </a:pPr>
+            <a:r>
+              <a:rPr lang="en-US" sz="3200" dirty="0">
+                <a:latin typeface="프리젠테이션 5 Medium" pitchFamily="2" charset="-127"/>
+                <a:ea typeface="프리젠테이션 5 Medium" pitchFamily="2" charset="-127"/>
+              </a:rPr>
+              <a:t>FK</a:t>
+            </a:r>
+            <a:r>
+              <a:rPr lang="ko-KR" altLang="en-US" sz="3200" dirty="0">
+                <a:latin typeface="프리젠테이션 5 Medium" pitchFamily="2" charset="-127"/>
+                <a:ea typeface="프리젠테이션 5 Medium" pitchFamily="2" charset="-127"/>
+              </a:rPr>
+              <a:t>옵션 </a:t>
+            </a:r>
+            <a:r>
+              <a:rPr lang="en-US" altLang="ko-KR" sz="3200" dirty="0">
+                <a:latin typeface="프리젠테이션 5 Medium" pitchFamily="2" charset="-127"/>
+                <a:ea typeface="프리젠테이션 5 Medium" pitchFamily="2" charset="-127"/>
+              </a:rPr>
+              <a:t>: CASCADE </a:t>
+            </a:r>
+            <a:r>
+              <a:rPr lang="ko-KR" altLang="en-US" sz="3200" dirty="0">
+                <a:latin typeface="프리젠테이션 5 Medium" pitchFamily="2" charset="-127"/>
+                <a:ea typeface="프리젠테이션 5 Medium" pitchFamily="2" charset="-127"/>
+              </a:rPr>
+              <a:t>확인</a:t>
+            </a:r>
+            <a:endParaRPr lang="en-US" altLang="ko-KR" sz="3200" dirty="0">
+              <a:latin typeface="프리젠테이션 5 Medium" pitchFamily="2" charset="-127"/>
+              <a:ea typeface="프리젠테이션 5 Medium" pitchFamily="2" charset="-127"/>
+            </a:endParaRPr>
+          </a:p>
+        </p:txBody>
+      </p:sp>
+      <p:sp>
+        <p:nvSpPr>
+          <p:cNvPr id="19" name="직사각형 18">
+            <a:extLst>
+              <a:ext uri="{FF2B5EF4-FFF2-40B4-BE49-F238E27FC236}">
+                <a16:creationId xmlns:a16="http://schemas.microsoft.com/office/drawing/2014/main" id="{0D41B382-BBF9-4709-9EE7-CF6906C0A0D1}"/>
+              </a:ext>
+            </a:extLst>
+          </p:cNvPr>
+          <p:cNvSpPr/>
+          <p:nvPr/>
+        </p:nvSpPr>
+        <p:spPr>
+          <a:xfrm>
+            <a:off x="15621000" y="6438900"/>
+            <a:ext cx="1565275" cy="685800"/>
+          </a:xfrm>
+          <a:prstGeom prst="rect">
+            <a:avLst/>
+          </a:prstGeom>
+          <a:noFill/>
+          <a:ln w="19050">
+            <a:solidFill>
+              <a:srgbClr val="FF0000"/>
+            </a:solidFill>
+          </a:ln>
+        </p:spPr>
+        <p:style>
+          <a:lnRef idx="2">
+            <a:schemeClr val="accent1">
+              <a:shade val="50000"/>
+            </a:schemeClr>
+          </a:lnRef>
+          <a:fillRef idx="1">
+            <a:schemeClr val="accent1"/>
+          </a:fillRef>
+          <a:effectRef idx="0">
+            <a:schemeClr val="accent1"/>
+          </a:effectRef>
+          <a:fontRef idx="minor">
+            <a:schemeClr val="lt1"/>
+          </a:fontRef>
+        </p:style>
+        <p:txBody>
+          <a:bodyPr rtlCol="0" anchor="ctr"/>
+          <a:lstStyle/>
+          <a:p>
+            <a:pPr algn="ctr"/>
+            <a:endParaRPr lang="ko-KR" altLang="en-US"/>
+          </a:p>
+        </p:txBody>
+      </p:sp>
+      <p:sp>
+        <p:nvSpPr>
+          <p:cNvPr id="26" name="직사각형 25">
+            <a:extLst>
+              <a:ext uri="{FF2B5EF4-FFF2-40B4-BE49-F238E27FC236}">
+                <a16:creationId xmlns:a16="http://schemas.microsoft.com/office/drawing/2014/main" id="{2FF05ED0-913D-4FD0-A3F9-1E5E2B34D226}"/>
+              </a:ext>
+            </a:extLst>
+          </p:cNvPr>
+          <p:cNvSpPr/>
+          <p:nvPr/>
+        </p:nvSpPr>
+        <p:spPr>
+          <a:xfrm>
+            <a:off x="15621000" y="7960765"/>
+            <a:ext cx="1565275" cy="685800"/>
+          </a:xfrm>
+          <a:prstGeom prst="rect">
+            <a:avLst/>
+          </a:prstGeom>
+          <a:noFill/>
+          <a:ln w="19050">
+            <a:solidFill>
+              <a:srgbClr val="FF0000"/>
+            </a:solidFill>
+          </a:ln>
+        </p:spPr>
+        <p:style>
+          <a:lnRef idx="2">
+            <a:schemeClr val="accent1">
+              <a:shade val="50000"/>
+            </a:schemeClr>
+          </a:lnRef>
+          <a:fillRef idx="1">
+            <a:schemeClr val="accent1"/>
+          </a:fillRef>
+          <a:effectRef idx="0">
+            <a:schemeClr val="accent1"/>
+          </a:effectRef>
+          <a:fontRef idx="minor">
+            <a:schemeClr val="lt1"/>
+          </a:fontRef>
+        </p:style>
+        <p:txBody>
+          <a:bodyPr rtlCol="0" anchor="ctr"/>
+          <a:lstStyle/>
+          <a:p>
+            <a:pPr algn="ctr"/>
+            <a:endParaRPr lang="ko-KR" altLang="en-US"/>
+          </a:p>
+        </p:txBody>
+      </p:sp>
+    </p:spTree>
+  </p:cSld>
+  <p:clrMapOvr>
+    <a:masterClrMapping/>
+  </p:clrMapOvr>
+</p:sld>
+</file>
+
+<file path=ppt/slides/slide23.xml><?xml version="1.0" encoding="utf-8"?>
+<p:sld xmlns:a="http://schemas.openxmlformats.org/drawingml/2006/main" xmlns:r="http://schemas.openxmlformats.org/officeDocument/2006/relationships" xmlns:p="http://schemas.openxmlformats.org/presentationml/2006/main">
+  <p:cSld>
+    <p:spTree>
+      <p:nvGrpSpPr>
+        <p:cNvPr id="1" name=""/>
+        <p:cNvGrpSpPr/>
+        <p:nvPr/>
+      </p:nvGrpSpPr>
+      <p:grpSpPr>
+        <a:xfrm>
+          <a:off x="0" y="0"/>
+          <a:ext cx="0" cy="0"/>
+          <a:chOff x="0" y="0"/>
+          <a:chExt cx="0" cy="0"/>
+        </a:xfrm>
+      </p:grpSpPr>
+      <p:pic>
+        <p:nvPicPr>
+          <p:cNvPr id="2" name="Picture 2"/>
+          <p:cNvPicPr>
+            <a:picLocks noChangeAspect="1"/>
+          </p:cNvPicPr>
+          <p:nvPr/>
+        </p:nvPicPr>
+        <p:blipFill>
+          <a:blip r:embed="rId2"/>
+          <a:stretch>
+            <a:fillRect/>
+          </a:stretch>
+        </p:blipFill>
+        <p:spPr>
+          <a:xfrm>
+            <a:off x="0" y="0"/>
+            <a:ext cx="18288000" cy="762000"/>
+          </a:xfrm>
+          <a:prstGeom prst="rect">
+            <a:avLst/>
+          </a:prstGeom>
+        </p:spPr>
+      </p:pic>
+      <p:pic>
+        <p:nvPicPr>
+          <p:cNvPr id="6" name="Picture 6"/>
+          <p:cNvPicPr>
+            <a:picLocks noChangeAspect="1"/>
+          </p:cNvPicPr>
+          <p:nvPr/>
+        </p:nvPicPr>
+        <p:blipFill>
+          <a:blip r:embed="rId3"/>
+          <a:stretch>
+            <a:fillRect/>
+          </a:stretch>
+        </p:blipFill>
+        <p:spPr>
+          <a:xfrm>
+            <a:off x="9144000" y="0"/>
+            <a:ext cx="9144000" cy="762000"/>
+          </a:xfrm>
+          <a:prstGeom prst="rect">
+            <a:avLst/>
+          </a:prstGeom>
+        </p:spPr>
+      </p:pic>
+      <p:pic>
+        <p:nvPicPr>
+          <p:cNvPr id="7" name="Picture 7"/>
+          <p:cNvPicPr>
+            <a:picLocks noChangeAspect="1"/>
+          </p:cNvPicPr>
+          <p:nvPr/>
+        </p:nvPicPr>
+        <p:blipFill>
+          <a:blip r:embed="rId4"/>
+          <a:stretch>
+            <a:fillRect/>
+          </a:stretch>
+        </p:blipFill>
+        <p:spPr>
+          <a:xfrm>
+            <a:off x="571500" y="9512300"/>
+            <a:ext cx="17145000" cy="25400"/>
+          </a:xfrm>
+          <a:prstGeom prst="rect">
+            <a:avLst/>
+          </a:prstGeom>
+        </p:spPr>
+      </p:pic>
+      <p:pic>
+        <p:nvPicPr>
+          <p:cNvPr id="5" name="그림 4">
+            <a:extLst>
+              <a:ext uri="{FF2B5EF4-FFF2-40B4-BE49-F238E27FC236}">
+                <a16:creationId xmlns:a16="http://schemas.microsoft.com/office/drawing/2014/main" id="{B7CF98B4-18BC-42B7-A301-C0CFC9D1D85D}"/>
+              </a:ext>
+            </a:extLst>
+          </p:cNvPr>
+          <p:cNvPicPr>
+            <a:picLocks noChangeAspect="1"/>
+          </p:cNvPicPr>
+          <p:nvPr/>
+        </p:nvPicPr>
+        <p:blipFill>
+          <a:blip r:embed="rId5"/>
+          <a:stretch>
+            <a:fillRect/>
+          </a:stretch>
+        </p:blipFill>
+        <p:spPr>
+          <a:xfrm>
+            <a:off x="1295400" y="2878930"/>
+            <a:ext cx="10048875" cy="1704975"/>
+          </a:xfrm>
+          <a:prstGeom prst="rect">
+            <a:avLst/>
+          </a:prstGeom>
+        </p:spPr>
+      </p:pic>
+      <p:pic>
+        <p:nvPicPr>
+          <p:cNvPr id="9" name="그림 8">
+            <a:extLst>
+              <a:ext uri="{FF2B5EF4-FFF2-40B4-BE49-F238E27FC236}">
+                <a16:creationId xmlns:a16="http://schemas.microsoft.com/office/drawing/2014/main" id="{66C133D8-5660-4439-8A5B-CAFFF324581F}"/>
+              </a:ext>
+            </a:extLst>
+          </p:cNvPr>
+          <p:cNvPicPr>
+            <a:picLocks noChangeAspect="1"/>
+          </p:cNvPicPr>
+          <p:nvPr/>
+        </p:nvPicPr>
+        <p:blipFill>
+          <a:blip r:embed="rId6"/>
+          <a:stretch>
+            <a:fillRect/>
+          </a:stretch>
+        </p:blipFill>
+        <p:spPr>
+          <a:xfrm>
+            <a:off x="1304925" y="7114380"/>
+            <a:ext cx="10058400" cy="2152650"/>
+          </a:xfrm>
+          <a:prstGeom prst="rect">
+            <a:avLst/>
+          </a:prstGeom>
+        </p:spPr>
+      </p:pic>
+      <p:pic>
+        <p:nvPicPr>
+          <p:cNvPr id="11" name="그림 10">
+            <a:extLst>
+              <a:ext uri="{FF2B5EF4-FFF2-40B4-BE49-F238E27FC236}">
+                <a16:creationId xmlns:a16="http://schemas.microsoft.com/office/drawing/2014/main" id="{911DFF0A-D9CF-4803-8C4E-9AAAAF791278}"/>
+              </a:ext>
+            </a:extLst>
+          </p:cNvPr>
+          <p:cNvPicPr>
+            <a:picLocks noChangeAspect="1"/>
+          </p:cNvPicPr>
+          <p:nvPr/>
+        </p:nvPicPr>
+        <p:blipFill>
+          <a:blip r:embed="rId7"/>
+          <a:stretch>
+            <a:fillRect/>
+          </a:stretch>
+        </p:blipFill>
+        <p:spPr>
+          <a:xfrm>
+            <a:off x="1295400" y="4743052"/>
+            <a:ext cx="10067925" cy="2305050"/>
+          </a:xfrm>
+          <a:prstGeom prst="rect">
+            <a:avLst/>
+          </a:prstGeom>
+        </p:spPr>
+      </p:pic>
+      <p:sp>
+        <p:nvSpPr>
+          <p:cNvPr id="12" name="TextBox 23">
+            <a:extLst>
+              <a:ext uri="{FF2B5EF4-FFF2-40B4-BE49-F238E27FC236}">
+                <a16:creationId xmlns:a16="http://schemas.microsoft.com/office/drawing/2014/main" id="{E5F04B36-A2B1-4F45-B440-9FC60BFA9A35}"/>
+              </a:ext>
+            </a:extLst>
+          </p:cNvPr>
+          <p:cNvSpPr txBox="1"/>
+          <p:nvPr/>
+        </p:nvSpPr>
+        <p:spPr>
+          <a:xfrm>
+            <a:off x="1651000" y="1371600"/>
+            <a:ext cx="14986000" cy="1333500"/>
+          </a:xfrm>
+          <a:prstGeom prst="rect">
+            <a:avLst/>
+          </a:prstGeom>
+        </p:spPr>
+        <p:txBody>
+          <a:bodyPr lIns="0" tIns="0" rIns="0" bIns="0" rtlCol="0" anchor="ctr"/>
+          <a:lstStyle/>
+          <a:p>
+            <a:pPr lvl="0" algn="l">
+              <a:lnSpc>
+                <a:spcPct val="112050"/>
+              </a:lnSpc>
+            </a:pPr>
+            <a:r>
+              <a:rPr lang="en-US" altLang="ko-KR" sz="8000" b="0" i="0" u="none" strike="noStrike" spc="-100" dirty="0">
+                <a:solidFill>
+                  <a:srgbClr val="545454"/>
+                </a:solidFill>
+                <a:latin typeface="프리젠테이션 5 Medium" pitchFamily="2" charset="-127"/>
+                <a:ea typeface="프리젠테이션 5 Medium" pitchFamily="2" charset="-127"/>
+              </a:rPr>
+              <a:t>4. Entity-Relationship Diagram </a:t>
+            </a:r>
+            <a:r>
+              <a:rPr lang="ko-KR" altLang="en-US" sz="8000" b="0" i="0" u="none" strike="noStrike" spc="-100" dirty="0">
+                <a:solidFill>
+                  <a:srgbClr val="545454"/>
+                </a:solidFill>
+                <a:latin typeface="프리젠테이션 5 Medium" pitchFamily="2" charset="-127"/>
+                <a:ea typeface="프리젠테이션 5 Medium" pitchFamily="2" charset="-127"/>
+              </a:rPr>
+              <a:t>완성</a:t>
+            </a:r>
+            <a:endParaRPr lang="en-US" altLang="ko-KR" sz="8000" b="0" i="0" u="none" strike="noStrike" spc="-100" dirty="0">
+              <a:solidFill>
+                <a:srgbClr val="545454"/>
+              </a:solidFill>
+              <a:latin typeface="프리젠테이션 5 Medium" pitchFamily="2" charset="-127"/>
+              <a:ea typeface="프리젠테이션 5 Medium" pitchFamily="2" charset="-127"/>
+            </a:endParaRPr>
+          </a:p>
+        </p:txBody>
+      </p:sp>
+      <p:sp>
+        <p:nvSpPr>
+          <p:cNvPr id="13" name="TextBox 24">
+            <a:extLst>
+              <a:ext uri="{FF2B5EF4-FFF2-40B4-BE49-F238E27FC236}">
+                <a16:creationId xmlns:a16="http://schemas.microsoft.com/office/drawing/2014/main" id="{2569D920-6D68-411A-87AE-D84D9850F178}"/>
+              </a:ext>
+            </a:extLst>
+          </p:cNvPr>
+          <p:cNvSpPr txBox="1"/>
+          <p:nvPr/>
+        </p:nvSpPr>
+        <p:spPr>
+          <a:xfrm>
+            <a:off x="11811000" y="5347495"/>
+            <a:ext cx="4648200" cy="685800"/>
+          </a:xfrm>
+          <a:prstGeom prst="rect">
+            <a:avLst/>
+          </a:prstGeom>
+        </p:spPr>
+        <p:txBody>
+          <a:bodyPr lIns="0" tIns="0" rIns="0" bIns="0" rtlCol="0" anchor="ctr"/>
+          <a:lstStyle/>
+          <a:p>
+            <a:pPr lvl="0" algn="ctr">
+              <a:lnSpc>
+                <a:spcPct val="150000"/>
+              </a:lnSpc>
+            </a:pPr>
+            <a:r>
+              <a:rPr lang="ko-KR" altLang="en-US" sz="3200" dirty="0">
+                <a:latin typeface="프리젠테이션 5 Medium" pitchFamily="2" charset="-127"/>
+                <a:ea typeface="프리젠테이션 5 Medium" pitchFamily="2" charset="-127"/>
+              </a:rPr>
+              <a:t>모든 열 </a:t>
+            </a:r>
+            <a:r>
+              <a:rPr lang="en-US" altLang="ko-KR" sz="3200" dirty="0">
+                <a:latin typeface="프리젠테이션 5 Medium" pitchFamily="2" charset="-127"/>
+                <a:ea typeface="프리젠테이션 5 Medium" pitchFamily="2" charset="-127"/>
+              </a:rPr>
+              <a:t>: NOT</a:t>
+            </a:r>
+            <a:r>
+              <a:rPr lang="ko-KR" altLang="en-US" sz="3200" dirty="0">
+                <a:latin typeface="프리젠테이션 5 Medium" pitchFamily="2" charset="-127"/>
+                <a:ea typeface="프리젠테이션 5 Medium" pitchFamily="2" charset="-127"/>
+              </a:rPr>
+              <a:t> </a:t>
+            </a:r>
+            <a:r>
+              <a:rPr lang="en-US" altLang="ko-KR" sz="3200" dirty="0">
+                <a:latin typeface="프리젠테이션 5 Medium" pitchFamily="2" charset="-127"/>
+                <a:ea typeface="프리젠테이션 5 Medium" pitchFamily="2" charset="-127"/>
+              </a:rPr>
+              <a:t>NULL</a:t>
+            </a:r>
+          </a:p>
+        </p:txBody>
+      </p:sp>
+    </p:spTree>
+    <p:extLst>
+      <p:ext uri="{BB962C8B-B14F-4D97-AF65-F5344CB8AC3E}">
+        <p14:creationId xmlns:p14="http://schemas.microsoft.com/office/powerpoint/2010/main" val="3606618451"/>
+      </p:ext>
+    </p:extLst>
+  </p:cSld>
+  <p:clrMapOvr>
+    <a:masterClrMapping/>
+  </p:clrMapOvr>
+</p:sld>
+</file>
+
+<file path=ppt/slides/slide24.xml><?xml version="1.0" encoding="utf-8"?>
+<p:sld xmlns:a="http://schemas.openxmlformats.org/drawingml/2006/main" xmlns:r="http://schemas.openxmlformats.org/officeDocument/2006/relationships" xmlns:p="http://schemas.openxmlformats.org/presentationml/2006/main">
+  <p:cSld>
+    <p:spTree>
+      <p:nvGrpSpPr>
+        <p:cNvPr id="1" name=""/>
+        <p:cNvGrpSpPr/>
+        <p:nvPr/>
+      </p:nvGrpSpPr>
+      <p:grpSpPr>
+        <a:xfrm>
+          <a:off x="0" y="0"/>
+          <a:ext cx="0" cy="0"/>
+          <a:chOff x="0" y="0"/>
+          <a:chExt cx="0" cy="0"/>
+        </a:xfrm>
+      </p:grpSpPr>
+      <p:pic>
+        <p:nvPicPr>
+          <p:cNvPr id="2" name="Picture 2"/>
+          <p:cNvPicPr>
+            <a:picLocks noChangeAspect="1"/>
+          </p:cNvPicPr>
+          <p:nvPr/>
+        </p:nvPicPr>
+        <p:blipFill>
+          <a:blip r:embed="rId2"/>
+          <a:stretch>
+            <a:fillRect/>
+          </a:stretch>
+        </p:blipFill>
+        <p:spPr>
+          <a:xfrm>
+            <a:off x="0" y="0"/>
+            <a:ext cx="18288000" cy="762000"/>
+          </a:xfrm>
+          <a:prstGeom prst="rect">
+            <a:avLst/>
+          </a:prstGeom>
+        </p:spPr>
+      </p:pic>
+      <p:pic>
+        <p:nvPicPr>
+          <p:cNvPr id="3" name="Picture 3"/>
+          <p:cNvPicPr>
+            <a:picLocks noChangeAspect="1"/>
+          </p:cNvPicPr>
+          <p:nvPr/>
+        </p:nvPicPr>
+        <p:blipFill>
+          <a:blip r:embed="rId3"/>
+          <a:stretch>
+            <a:fillRect/>
+          </a:stretch>
+        </p:blipFill>
+        <p:spPr>
+          <a:xfrm>
+            <a:off x="9144000" y="0"/>
+            <a:ext cx="9144000" cy="762000"/>
+          </a:xfrm>
+          <a:prstGeom prst="rect">
+            <a:avLst/>
+          </a:prstGeom>
+        </p:spPr>
+      </p:pic>
+      <p:pic>
+        <p:nvPicPr>
+          <p:cNvPr id="4" name="Picture 4"/>
+          <p:cNvPicPr>
+            <a:picLocks noChangeAspect="1"/>
+          </p:cNvPicPr>
+          <p:nvPr/>
+        </p:nvPicPr>
+        <p:blipFill>
+          <a:blip r:embed="rId4"/>
+          <a:stretch>
+            <a:fillRect/>
+          </a:stretch>
+        </p:blipFill>
+        <p:spPr>
+          <a:xfrm>
+            <a:off x="571500" y="9512300"/>
+            <a:ext cx="17145000" cy="25400"/>
+          </a:xfrm>
+          <a:prstGeom prst="rect">
+            <a:avLst/>
+          </a:prstGeom>
+        </p:spPr>
+      </p:pic>
+      <p:pic>
+        <p:nvPicPr>
           <p:cNvPr id="8" name="Picture 8"/>
           <p:cNvPicPr>
             <a:picLocks noChangeAspect="1"/>
@@ -12329,7 +13671,7 @@
         <p:spPr>
           <a:xfrm>
             <a:off x="4343400" y="2820803"/>
-            <a:ext cx="13106400" cy="6120000"/>
+            <a:ext cx="13677900" cy="6602596"/>
           </a:xfrm>
           <a:prstGeom prst="rect">
             <a:avLst/>
@@ -12384,722 +13726,6 @@
           </a:prstGeom>
         </p:spPr>
       </p:pic>
-      <p:sp>
-        <p:nvSpPr>
-          <p:cNvPr id="30" name="TextBox 30"/>
-          <p:cNvSpPr txBox="1"/>
-          <p:nvPr/>
-        </p:nvSpPr>
-        <p:spPr>
-          <a:xfrm>
-            <a:off x="152400" y="1371600"/>
-            <a:ext cx="13317672" cy="9510905"/>
-          </a:xfrm>
-          <a:prstGeom prst="rect">
-            <a:avLst/>
-          </a:prstGeom>
-        </p:spPr>
-        <p:txBody>
-          <a:bodyPr lIns="0" tIns="0" rIns="0" bIns="0" rtlCol="0" anchor="ctr"/>
-          <a:lstStyle/>
-          <a:p>
-            <a:pPr lvl="0" algn="ctr">
-              <a:lnSpc>
-                <a:spcPct val="112050"/>
-              </a:lnSpc>
-            </a:pPr>
-            <a:r>
-              <a:rPr lang="en-US" dirty="0">
-                <a:latin typeface="프리젠테이션 5 Medium" pitchFamily="2" charset="-127"/>
-                <a:ea typeface="프리젠테이션 5 Medium" pitchFamily="2" charset="-127"/>
-              </a:rPr>
-              <a:t>-- MySQL Workbench Forward </a:t>
-            </a:r>
-            <a:r>
-              <a:rPr lang="en-US" dirty="0" err="1">
-                <a:latin typeface="프리젠테이션 5 Medium" pitchFamily="2" charset="-127"/>
-                <a:ea typeface="프리젠테이션 5 Medium" pitchFamily="2" charset="-127"/>
-              </a:rPr>
-              <a:t>EngineeringSET</a:t>
-            </a:r>
-            <a:r>
-              <a:rPr lang="en-US" dirty="0">
-                <a:latin typeface="프리젠테이션 5 Medium" pitchFamily="2" charset="-127"/>
-                <a:ea typeface="프리젠테이션 5 Medium" pitchFamily="2" charset="-127"/>
-              </a:rPr>
-              <a:t> @OLD_UNIQUE_CHECKS=@@UNIQUE_CHECKS, UNIQUE_CHECKS=0;SET @OLD_FOREIGN_KEY_CHECKS=@@FOREIGN_KEY_CHECKS, FOREIGN_KEY_CHECKS=0;SET @OLD_SQL_MODE=@@SQL_MODE, SQL_MODE='ONLY_FULL_GROUP_BY,STRICT_TRANS_TABLES,NO_ZERO_IN_DATE,NO_ZERO_DATE,ERROR_FOR_DIVISION_BY_ZERO,NO_ENGINE_SUBSTITUTION';-- ------------------------------------------------------- Schema </a:t>
-            </a:r>
-            <a:r>
-              <a:rPr lang="en-US" dirty="0" err="1">
-                <a:latin typeface="프리젠테이션 5 Medium" pitchFamily="2" charset="-127"/>
-                <a:ea typeface="프리젠테이션 5 Medium" pitchFamily="2" charset="-127"/>
-              </a:rPr>
-              <a:t>ShopDB</a:t>
-            </a:r>
-            <a:r>
-              <a:rPr lang="en-US" dirty="0">
-                <a:latin typeface="프리젠테이션 5 Medium" pitchFamily="2" charset="-127"/>
-                <a:ea typeface="프리젠테이션 5 Medium" pitchFamily="2" charset="-127"/>
-              </a:rPr>
-              <a:t>-- ------------------------------------------------------- ------------------------------------------------------- Schema </a:t>
-            </a:r>
-            <a:r>
-              <a:rPr lang="en-US" dirty="0" err="1">
-                <a:latin typeface="프리젠테이션 5 Medium" pitchFamily="2" charset="-127"/>
-                <a:ea typeface="프리젠테이션 5 Medium" pitchFamily="2" charset="-127"/>
-              </a:rPr>
-              <a:t>ShopDB</a:t>
-            </a:r>
-            <a:r>
-              <a:rPr lang="en-US" dirty="0">
-                <a:latin typeface="프리젠테이션 5 Medium" pitchFamily="2" charset="-127"/>
-                <a:ea typeface="프리젠테이션 5 Medium" pitchFamily="2" charset="-127"/>
-              </a:rPr>
-              <a:t>-- -----------------------------------------------------CREATE SCHEMA IF NOT EXISTS `</a:t>
-            </a:r>
-            <a:r>
-              <a:rPr lang="en-US" dirty="0" err="1">
-                <a:latin typeface="프리젠테이션 5 Medium" pitchFamily="2" charset="-127"/>
-                <a:ea typeface="프리젠테이션 5 Medium" pitchFamily="2" charset="-127"/>
-              </a:rPr>
-              <a:t>ShopDB</a:t>
-            </a:r>
-            <a:r>
-              <a:rPr lang="en-US" dirty="0">
-                <a:latin typeface="프리젠테이션 5 Medium" pitchFamily="2" charset="-127"/>
-                <a:ea typeface="프리젠테이션 5 Medium" pitchFamily="2" charset="-127"/>
-              </a:rPr>
-              <a:t>` DEFAULT CHARACTER SET utf8 ;USE `</a:t>
-            </a:r>
-            <a:r>
-              <a:rPr lang="en-US" dirty="0" err="1">
-                <a:latin typeface="프리젠테이션 5 Medium" pitchFamily="2" charset="-127"/>
-                <a:ea typeface="프리젠테이션 5 Medium" pitchFamily="2" charset="-127"/>
-              </a:rPr>
-              <a:t>ShopDB</a:t>
-            </a:r>
-            <a:r>
-              <a:rPr lang="en-US" dirty="0">
-                <a:latin typeface="프리젠테이션 5 Medium" pitchFamily="2" charset="-127"/>
-                <a:ea typeface="프리젠테이션 5 Medium" pitchFamily="2" charset="-127"/>
-              </a:rPr>
-              <a:t>` ;-- ------------------------------------------------------- Table `</a:t>
-            </a:r>
-            <a:r>
-              <a:rPr lang="en-US" dirty="0" err="1">
-                <a:latin typeface="프리젠테이션 5 Medium" pitchFamily="2" charset="-127"/>
-                <a:ea typeface="프리젠테이션 5 Medium" pitchFamily="2" charset="-127"/>
-              </a:rPr>
-              <a:t>ShopDB</a:t>
-            </a:r>
-            <a:r>
-              <a:rPr lang="en-US" dirty="0">
-                <a:latin typeface="프리젠테이션 5 Medium" pitchFamily="2" charset="-127"/>
-                <a:ea typeface="프리젠테이션 5 Medium" pitchFamily="2" charset="-127"/>
-              </a:rPr>
-              <a:t>`.`</a:t>
-            </a:r>
-            <a:r>
-              <a:rPr lang="en-US" dirty="0" err="1">
-                <a:latin typeface="프리젠테이션 5 Medium" pitchFamily="2" charset="-127"/>
-                <a:ea typeface="프리젠테이션 5 Medium" pitchFamily="2" charset="-127"/>
-              </a:rPr>
-              <a:t>prodtbl</a:t>
-            </a:r>
-            <a:r>
-              <a:rPr lang="en-US" dirty="0">
-                <a:latin typeface="프리젠테이션 5 Medium" pitchFamily="2" charset="-127"/>
-                <a:ea typeface="프리젠테이션 5 Medium" pitchFamily="2" charset="-127"/>
-              </a:rPr>
-              <a:t>`-- -----------------------------------------------------CREATE TABLE IF NOT EXISTS `</a:t>
-            </a:r>
-            <a:r>
-              <a:rPr lang="en-US" dirty="0" err="1">
-                <a:latin typeface="프리젠테이션 5 Medium" pitchFamily="2" charset="-127"/>
-                <a:ea typeface="프리젠테이션 5 Medium" pitchFamily="2" charset="-127"/>
-              </a:rPr>
-              <a:t>ShopDB</a:t>
-            </a:r>
-            <a:r>
-              <a:rPr lang="en-US" dirty="0">
-                <a:latin typeface="프리젠테이션 5 Medium" pitchFamily="2" charset="-127"/>
-                <a:ea typeface="프리젠테이션 5 Medium" pitchFamily="2" charset="-127"/>
-              </a:rPr>
-              <a:t>`.`</a:t>
-            </a:r>
-            <a:r>
-              <a:rPr lang="en-US" dirty="0" err="1">
-                <a:latin typeface="프리젠테이션 5 Medium" pitchFamily="2" charset="-127"/>
-                <a:ea typeface="프리젠테이션 5 Medium" pitchFamily="2" charset="-127"/>
-              </a:rPr>
-              <a:t>prodtbl</a:t>
-            </a:r>
-            <a:r>
-              <a:rPr lang="en-US" dirty="0">
-                <a:latin typeface="프리젠테이션 5 Medium" pitchFamily="2" charset="-127"/>
-                <a:ea typeface="프리젠테이션 5 Medium" pitchFamily="2" charset="-127"/>
-              </a:rPr>
-              <a:t>` (  `</a:t>
-            </a:r>
-            <a:r>
-              <a:rPr lang="en-US" dirty="0" err="1">
-                <a:latin typeface="프리젠테이션 5 Medium" pitchFamily="2" charset="-127"/>
-                <a:ea typeface="프리젠테이션 5 Medium" pitchFamily="2" charset="-127"/>
-              </a:rPr>
-              <a:t>prodName</a:t>
-            </a:r>
-            <a:r>
-              <a:rPr lang="en-US" dirty="0">
-                <a:latin typeface="프리젠테이션 5 Medium" pitchFamily="2" charset="-127"/>
-                <a:ea typeface="프리젠테이션 5 Medium" pitchFamily="2" charset="-127"/>
-              </a:rPr>
-              <a:t>` CHAR(10) NOT NULL,  `</a:t>
-            </a:r>
-            <a:r>
-              <a:rPr lang="en-US" dirty="0" err="1">
-                <a:latin typeface="프리젠테이션 5 Medium" pitchFamily="2" charset="-127"/>
-                <a:ea typeface="프리젠테이션 5 Medium" pitchFamily="2" charset="-127"/>
-              </a:rPr>
-              <a:t>groupName</a:t>
-            </a:r>
-            <a:r>
-              <a:rPr lang="en-US" dirty="0">
-                <a:latin typeface="프리젠테이션 5 Medium" pitchFamily="2" charset="-127"/>
-                <a:ea typeface="프리젠테이션 5 Medium" pitchFamily="2" charset="-127"/>
-              </a:rPr>
-              <a:t>` CHAR(20) NOT NULL,  `price` INT NOT NULL,  `save` SMALLINT NOT NULL,  PRIMARY KEY (`</a:t>
-            </a:r>
-            <a:r>
-              <a:rPr lang="en-US" dirty="0" err="1">
-                <a:latin typeface="프리젠테이션 5 Medium" pitchFamily="2" charset="-127"/>
-                <a:ea typeface="프리젠테이션 5 Medium" pitchFamily="2" charset="-127"/>
-              </a:rPr>
-              <a:t>prodName</a:t>
-            </a:r>
-            <a:r>
-              <a:rPr lang="en-US" dirty="0">
-                <a:latin typeface="프리젠테이션 5 Medium" pitchFamily="2" charset="-127"/>
-                <a:ea typeface="프리젠테이션 5 Medium" pitchFamily="2" charset="-127"/>
-              </a:rPr>
-              <a:t>`))ENGINE = </a:t>
-            </a:r>
-            <a:r>
-              <a:rPr lang="en-US" dirty="0" err="1">
-                <a:latin typeface="프리젠테이션 5 Medium" pitchFamily="2" charset="-127"/>
-                <a:ea typeface="프리젠테이션 5 Medium" pitchFamily="2" charset="-127"/>
-              </a:rPr>
-              <a:t>InnoDBCOMMENT</a:t>
-            </a:r>
-            <a:r>
-              <a:rPr lang="en-US" dirty="0">
-                <a:latin typeface="프리젠테이션 5 Medium" pitchFamily="2" charset="-127"/>
-                <a:ea typeface="프리젠테이션 5 Medium" pitchFamily="2" charset="-127"/>
-              </a:rPr>
-              <a:t> = '	';-- ------------------------------------------------------- Table `</a:t>
-            </a:r>
-            <a:r>
-              <a:rPr lang="en-US" dirty="0" err="1">
-                <a:latin typeface="프리젠테이션 5 Medium" pitchFamily="2" charset="-127"/>
-                <a:ea typeface="프리젠테이션 5 Medium" pitchFamily="2" charset="-127"/>
-              </a:rPr>
-              <a:t>ShopDB</a:t>
-            </a:r>
-            <a:r>
-              <a:rPr lang="en-US" dirty="0">
-                <a:latin typeface="프리젠테이션 5 Medium" pitchFamily="2" charset="-127"/>
-                <a:ea typeface="프리젠테이션 5 Medium" pitchFamily="2" charset="-127"/>
-              </a:rPr>
-              <a:t>`.`</a:t>
-            </a:r>
-            <a:r>
-              <a:rPr lang="en-US" dirty="0" err="1">
-                <a:latin typeface="프리젠테이션 5 Medium" pitchFamily="2" charset="-127"/>
-                <a:ea typeface="프리젠테이션 5 Medium" pitchFamily="2" charset="-127"/>
-              </a:rPr>
-              <a:t>usertbl</a:t>
-            </a:r>
-            <a:r>
-              <a:rPr lang="en-US" dirty="0">
-                <a:latin typeface="프리젠테이션 5 Medium" pitchFamily="2" charset="-127"/>
-                <a:ea typeface="프리젠테이션 5 Medium" pitchFamily="2" charset="-127"/>
-              </a:rPr>
-              <a:t>`-- -----------------------------------------------------CREATE TABLE IF NOT EXISTS `</a:t>
-            </a:r>
-            <a:r>
-              <a:rPr lang="en-US" dirty="0" err="1">
-                <a:latin typeface="프리젠테이션 5 Medium" pitchFamily="2" charset="-127"/>
-                <a:ea typeface="프리젠테이션 5 Medium" pitchFamily="2" charset="-127"/>
-              </a:rPr>
-              <a:t>ShopDB</a:t>
-            </a:r>
-            <a:r>
-              <a:rPr lang="en-US" dirty="0">
-                <a:latin typeface="프리젠테이션 5 Medium" pitchFamily="2" charset="-127"/>
-                <a:ea typeface="프리젠테이션 5 Medium" pitchFamily="2" charset="-127"/>
-              </a:rPr>
-              <a:t>`.`</a:t>
-            </a:r>
-            <a:r>
-              <a:rPr lang="en-US" dirty="0" err="1">
-                <a:latin typeface="프리젠테이션 5 Medium" pitchFamily="2" charset="-127"/>
-                <a:ea typeface="프리젠테이션 5 Medium" pitchFamily="2" charset="-127"/>
-              </a:rPr>
-              <a:t>usertbl</a:t>
-            </a:r>
-            <a:r>
-              <a:rPr lang="en-US" dirty="0">
-                <a:latin typeface="프리젠테이션 5 Medium" pitchFamily="2" charset="-127"/>
-                <a:ea typeface="프리젠테이션 5 Medium" pitchFamily="2" charset="-127"/>
-              </a:rPr>
-              <a:t>` (  `</a:t>
-            </a:r>
-            <a:r>
-              <a:rPr lang="en-US" dirty="0" err="1">
-                <a:latin typeface="프리젠테이션 5 Medium" pitchFamily="2" charset="-127"/>
-                <a:ea typeface="프리젠테이션 5 Medium" pitchFamily="2" charset="-127"/>
-              </a:rPr>
-              <a:t>userId</a:t>
-            </a:r>
-            <a:r>
-              <a:rPr lang="en-US" dirty="0">
-                <a:latin typeface="프리젠테이션 5 Medium" pitchFamily="2" charset="-127"/>
-                <a:ea typeface="프리젠테이션 5 Medium" pitchFamily="2" charset="-127"/>
-              </a:rPr>
-              <a:t>` CHAR(8) NOT NULL,  `name` VARCHAR(16) NOT NULL,  `</a:t>
-            </a:r>
-            <a:r>
-              <a:rPr lang="en-US" dirty="0" err="1">
-                <a:latin typeface="프리젠테이션 5 Medium" pitchFamily="2" charset="-127"/>
-                <a:ea typeface="프리젠테이션 5 Medium" pitchFamily="2" charset="-127"/>
-              </a:rPr>
-              <a:t>birthYear</a:t>
-            </a:r>
-            <a:r>
-              <a:rPr lang="en-US" dirty="0">
-                <a:latin typeface="프리젠테이션 5 Medium" pitchFamily="2" charset="-127"/>
-                <a:ea typeface="프리젠테이션 5 Medium" pitchFamily="2" charset="-127"/>
-              </a:rPr>
-              <a:t>` INT NOT NULL,  `</a:t>
-            </a:r>
-            <a:r>
-              <a:rPr lang="en-US" dirty="0" err="1">
-                <a:latin typeface="프리젠테이션 5 Medium" pitchFamily="2" charset="-127"/>
-                <a:ea typeface="프리젠테이션 5 Medium" pitchFamily="2" charset="-127"/>
-              </a:rPr>
-              <a:t>addr</a:t>
-            </a:r>
-            <a:r>
-              <a:rPr lang="en-US" dirty="0">
-                <a:latin typeface="프리젠테이션 5 Medium" pitchFamily="2" charset="-127"/>
-                <a:ea typeface="프리젠테이션 5 Medium" pitchFamily="2" charset="-127"/>
-              </a:rPr>
-              <a:t>` VARCHAR(4) NOT NULL,  `mobile1` CHAR(3) NOT NULL,  `mobile2` CHAR(8) NOT NULL,  `</a:t>
-            </a:r>
-            <a:r>
-              <a:rPr lang="en-US" dirty="0" err="1">
-                <a:latin typeface="프리젠테이션 5 Medium" pitchFamily="2" charset="-127"/>
-                <a:ea typeface="프리젠테이션 5 Medium" pitchFamily="2" charset="-127"/>
-              </a:rPr>
-              <a:t>mDate</a:t>
-            </a:r>
-            <a:r>
-              <a:rPr lang="en-US" dirty="0">
-                <a:latin typeface="프리젠테이션 5 Medium" pitchFamily="2" charset="-127"/>
-                <a:ea typeface="프리젠테이션 5 Medium" pitchFamily="2" charset="-127"/>
-              </a:rPr>
-              <a:t>` DATETIME NOT NULL,  `</a:t>
-            </a:r>
-            <a:r>
-              <a:rPr lang="en-US" dirty="0" err="1">
-                <a:latin typeface="프리젠테이션 5 Medium" pitchFamily="2" charset="-127"/>
-                <a:ea typeface="프리젠테이션 5 Medium" pitchFamily="2" charset="-127"/>
-              </a:rPr>
-              <a:t>usertblcol</a:t>
-            </a:r>
-            <a:r>
-              <a:rPr lang="en-US" dirty="0">
-                <a:latin typeface="프리젠테이션 5 Medium" pitchFamily="2" charset="-127"/>
-                <a:ea typeface="프리젠테이션 5 Medium" pitchFamily="2" charset="-127"/>
-              </a:rPr>
-              <a:t>` VARCHAR(45) NOT NULL,  PRIMARY KEY (`</a:t>
-            </a:r>
-            <a:r>
-              <a:rPr lang="en-US" dirty="0" err="1">
-                <a:latin typeface="프리젠테이션 5 Medium" pitchFamily="2" charset="-127"/>
-                <a:ea typeface="프리젠테이션 5 Medium" pitchFamily="2" charset="-127"/>
-              </a:rPr>
-              <a:t>userId</a:t>
-            </a:r>
-            <a:r>
-              <a:rPr lang="en-US" dirty="0">
-                <a:latin typeface="프리젠테이션 5 Medium" pitchFamily="2" charset="-127"/>
-                <a:ea typeface="프리젠테이션 5 Medium" pitchFamily="2" charset="-127"/>
-              </a:rPr>
-              <a:t>`))ENGINE = </a:t>
-            </a:r>
-            <a:r>
-              <a:rPr lang="en-US" dirty="0" err="1">
-                <a:latin typeface="프리젠테이션 5 Medium" pitchFamily="2" charset="-127"/>
-                <a:ea typeface="프리젠테이션 5 Medium" pitchFamily="2" charset="-127"/>
-              </a:rPr>
-              <a:t>InnoDBCOMMENT</a:t>
-            </a:r>
-            <a:r>
-              <a:rPr lang="en-US" dirty="0">
-                <a:latin typeface="프리젠테이션 5 Medium" pitchFamily="2" charset="-127"/>
-                <a:ea typeface="프리젠테이션 5 Medium" pitchFamily="2" charset="-127"/>
-              </a:rPr>
-              <a:t> = '		';-- ------------------------------------------------------- Table `</a:t>
-            </a:r>
-            <a:r>
-              <a:rPr lang="en-US" dirty="0" err="1">
-                <a:latin typeface="프리젠테이션 5 Medium" pitchFamily="2" charset="-127"/>
-                <a:ea typeface="프리젠테이션 5 Medium" pitchFamily="2" charset="-127"/>
-              </a:rPr>
-              <a:t>ShopDB</a:t>
-            </a:r>
-            <a:r>
-              <a:rPr lang="en-US" dirty="0">
-                <a:latin typeface="프리젠테이션 5 Medium" pitchFamily="2" charset="-127"/>
-                <a:ea typeface="프리젠테이션 5 Medium" pitchFamily="2" charset="-127"/>
-              </a:rPr>
-              <a:t>`.`</a:t>
-            </a:r>
-            <a:r>
-              <a:rPr lang="en-US" dirty="0" err="1">
-                <a:latin typeface="프리젠테이션 5 Medium" pitchFamily="2" charset="-127"/>
-                <a:ea typeface="프리젠테이션 5 Medium" pitchFamily="2" charset="-127"/>
-              </a:rPr>
-              <a:t>ordertbl</a:t>
-            </a:r>
-            <a:r>
-              <a:rPr lang="en-US" dirty="0">
-                <a:latin typeface="프리젠테이션 5 Medium" pitchFamily="2" charset="-127"/>
-                <a:ea typeface="프리젠테이션 5 Medium" pitchFamily="2" charset="-127"/>
-              </a:rPr>
-              <a:t>`-- -----------------------------------------------------CREATE TABLE IF NOT EXISTS `</a:t>
-            </a:r>
-            <a:r>
-              <a:rPr lang="en-US" dirty="0" err="1">
-                <a:latin typeface="프리젠테이션 5 Medium" pitchFamily="2" charset="-127"/>
-                <a:ea typeface="프리젠테이션 5 Medium" pitchFamily="2" charset="-127"/>
-              </a:rPr>
-              <a:t>ShopDB</a:t>
-            </a:r>
-            <a:r>
-              <a:rPr lang="en-US" dirty="0">
-                <a:latin typeface="프리젠테이션 5 Medium" pitchFamily="2" charset="-127"/>
-                <a:ea typeface="프리젠테이션 5 Medium" pitchFamily="2" charset="-127"/>
-              </a:rPr>
-              <a:t>`.`</a:t>
-            </a:r>
-            <a:r>
-              <a:rPr lang="en-US" dirty="0" err="1">
-                <a:latin typeface="프리젠테이션 5 Medium" pitchFamily="2" charset="-127"/>
-                <a:ea typeface="프리젠테이션 5 Medium" pitchFamily="2" charset="-127"/>
-              </a:rPr>
-              <a:t>ordertbl</a:t>
-            </a:r>
-            <a:r>
-              <a:rPr lang="en-US" dirty="0">
-                <a:latin typeface="프리젠테이션 5 Medium" pitchFamily="2" charset="-127"/>
-                <a:ea typeface="프리젠테이션 5 Medium" pitchFamily="2" charset="-127"/>
-              </a:rPr>
-              <a:t>` (  `num` INT NOT NULL,  `</a:t>
-            </a:r>
-            <a:r>
-              <a:rPr lang="en-US" dirty="0" err="1">
-                <a:latin typeface="프리젠테이션 5 Medium" pitchFamily="2" charset="-127"/>
-                <a:ea typeface="프리젠테이션 5 Medium" pitchFamily="2" charset="-127"/>
-              </a:rPr>
-              <a:t>orderDate</a:t>
-            </a:r>
-            <a:r>
-              <a:rPr lang="en-US" dirty="0">
-                <a:latin typeface="프리젠테이션 5 Medium" pitchFamily="2" charset="-127"/>
-                <a:ea typeface="프리젠테이션 5 Medium" pitchFamily="2" charset="-127"/>
-              </a:rPr>
-              <a:t>` DATETIME NOT NULL,  `</a:t>
-            </a:r>
-            <a:r>
-              <a:rPr lang="en-US" dirty="0" err="1">
-                <a:latin typeface="프리젠테이션 5 Medium" pitchFamily="2" charset="-127"/>
-                <a:ea typeface="프리젠테이션 5 Medium" pitchFamily="2" charset="-127"/>
-              </a:rPr>
-              <a:t>userId</a:t>
-            </a:r>
-            <a:r>
-              <a:rPr lang="en-US" dirty="0">
-                <a:latin typeface="프리젠테이션 5 Medium" pitchFamily="2" charset="-127"/>
-                <a:ea typeface="프리젠테이션 5 Medium" pitchFamily="2" charset="-127"/>
-              </a:rPr>
-              <a:t>` CHAR(8) NOT NULL,  `</a:t>
-            </a:r>
-            <a:r>
-              <a:rPr lang="en-US" dirty="0" err="1">
-                <a:latin typeface="프리젠테이션 5 Medium" pitchFamily="2" charset="-127"/>
-                <a:ea typeface="프리젠테이션 5 Medium" pitchFamily="2" charset="-127"/>
-              </a:rPr>
-              <a:t>prodName</a:t>
-            </a:r>
-            <a:r>
-              <a:rPr lang="en-US" dirty="0">
-                <a:latin typeface="프리젠테이션 5 Medium" pitchFamily="2" charset="-127"/>
-                <a:ea typeface="프리젠테이션 5 Medium" pitchFamily="2" charset="-127"/>
-              </a:rPr>
-              <a:t>` CHAR(10) NOT NULL,  `</a:t>
-            </a:r>
-            <a:r>
-              <a:rPr lang="en-US" dirty="0" err="1">
-                <a:latin typeface="프리젠테이션 5 Medium" pitchFamily="2" charset="-127"/>
-                <a:ea typeface="프리젠테이션 5 Medium" pitchFamily="2" charset="-127"/>
-              </a:rPr>
-              <a:t>groupName</a:t>
-            </a:r>
-            <a:r>
-              <a:rPr lang="en-US" dirty="0">
-                <a:latin typeface="프리젠테이션 5 Medium" pitchFamily="2" charset="-127"/>
-                <a:ea typeface="프리젠테이션 5 Medium" pitchFamily="2" charset="-127"/>
-              </a:rPr>
-              <a:t>` CHAR(20) NOT NULL,  `</a:t>
-            </a:r>
-            <a:r>
-              <a:rPr lang="en-US" dirty="0" err="1">
-                <a:latin typeface="프리젠테이션 5 Medium" pitchFamily="2" charset="-127"/>
-                <a:ea typeface="프리젠테이션 5 Medium" pitchFamily="2" charset="-127"/>
-              </a:rPr>
-              <a:t>orderamount</a:t>
-            </a:r>
-            <a:r>
-              <a:rPr lang="en-US" dirty="0">
-                <a:latin typeface="프리젠테이션 5 Medium" pitchFamily="2" charset="-127"/>
-                <a:ea typeface="프리젠테이션 5 Medium" pitchFamily="2" charset="-127"/>
-              </a:rPr>
-              <a:t>` INT NOT NULL,  `price` SMALLINT NOT NULL,  INDEX `fk_prodtbl_has_usertbl_usertbl1_idx` (`</a:t>
-            </a:r>
-            <a:r>
-              <a:rPr lang="en-US" dirty="0" err="1">
-                <a:latin typeface="프리젠테이션 5 Medium" pitchFamily="2" charset="-127"/>
-                <a:ea typeface="프리젠테이션 5 Medium" pitchFamily="2" charset="-127"/>
-              </a:rPr>
-              <a:t>userId</a:t>
-            </a:r>
-            <a:r>
-              <a:rPr lang="en-US" dirty="0">
-                <a:latin typeface="프리젠테이션 5 Medium" pitchFamily="2" charset="-127"/>
-                <a:ea typeface="프리젠테이션 5 Medium" pitchFamily="2" charset="-127"/>
-              </a:rPr>
-              <a:t>` ASC) VISIBLE,  INDEX `</a:t>
-            </a:r>
-            <a:r>
-              <a:rPr lang="en-US" dirty="0" err="1">
-                <a:latin typeface="프리젠테이션 5 Medium" pitchFamily="2" charset="-127"/>
-                <a:ea typeface="프리젠테이션 5 Medium" pitchFamily="2" charset="-127"/>
-              </a:rPr>
-              <a:t>fk_prodtbl_has_usertbl_prodtbl_idx</a:t>
-            </a:r>
-            <a:r>
-              <a:rPr lang="en-US" dirty="0">
-                <a:latin typeface="프리젠테이션 5 Medium" pitchFamily="2" charset="-127"/>
-                <a:ea typeface="프리젠테이션 5 Medium" pitchFamily="2" charset="-127"/>
-              </a:rPr>
-              <a:t>` (`</a:t>
-            </a:r>
-            <a:r>
-              <a:rPr lang="en-US" dirty="0" err="1">
-                <a:latin typeface="프리젠테이션 5 Medium" pitchFamily="2" charset="-127"/>
-                <a:ea typeface="프리젠테이션 5 Medium" pitchFamily="2" charset="-127"/>
-              </a:rPr>
-              <a:t>prodName</a:t>
-            </a:r>
-            <a:r>
-              <a:rPr lang="en-US" dirty="0">
-                <a:latin typeface="프리젠테이션 5 Medium" pitchFamily="2" charset="-127"/>
-                <a:ea typeface="프리젠테이션 5 Medium" pitchFamily="2" charset="-127"/>
-              </a:rPr>
-              <a:t>` ASC) VISIBLE,  PRIMARY KEY (`num`),  CONSTRAINT `</a:t>
-            </a:r>
-            <a:r>
-              <a:rPr lang="en-US" dirty="0" err="1">
-                <a:latin typeface="프리젠테이션 5 Medium" pitchFamily="2" charset="-127"/>
-                <a:ea typeface="프리젠테이션 5 Medium" pitchFamily="2" charset="-127"/>
-              </a:rPr>
-              <a:t>fk_prodtbl_has_usertbl_prodtbl</a:t>
-            </a:r>
-            <a:r>
-              <a:rPr lang="en-US" dirty="0">
-                <a:latin typeface="프리젠테이션 5 Medium" pitchFamily="2" charset="-127"/>
-                <a:ea typeface="프리젠테이션 5 Medium" pitchFamily="2" charset="-127"/>
-              </a:rPr>
-              <a:t>`    FOREIGN KEY (`</a:t>
-            </a:r>
-            <a:r>
-              <a:rPr lang="en-US" dirty="0" err="1">
-                <a:latin typeface="프리젠테이션 5 Medium" pitchFamily="2" charset="-127"/>
-                <a:ea typeface="프리젠테이션 5 Medium" pitchFamily="2" charset="-127"/>
-              </a:rPr>
-              <a:t>prodName</a:t>
-            </a:r>
-            <a:r>
-              <a:rPr lang="en-US" dirty="0">
-                <a:latin typeface="프리젠테이션 5 Medium" pitchFamily="2" charset="-127"/>
-                <a:ea typeface="프리젠테이션 5 Medium" pitchFamily="2" charset="-127"/>
-              </a:rPr>
-              <a:t>`)    REFERENCES `</a:t>
-            </a:r>
-            <a:r>
-              <a:rPr lang="en-US" dirty="0" err="1">
-                <a:latin typeface="프리젠테이션 5 Medium" pitchFamily="2" charset="-127"/>
-                <a:ea typeface="프리젠테이션 5 Medium" pitchFamily="2" charset="-127"/>
-              </a:rPr>
-              <a:t>ShopDB</a:t>
-            </a:r>
-            <a:r>
-              <a:rPr lang="en-US" dirty="0">
-                <a:latin typeface="프리젠테이션 5 Medium" pitchFamily="2" charset="-127"/>
-                <a:ea typeface="프리젠테이션 5 Medium" pitchFamily="2" charset="-127"/>
-              </a:rPr>
-              <a:t>`.`</a:t>
-            </a:r>
-            <a:r>
-              <a:rPr lang="en-US" dirty="0" err="1">
-                <a:latin typeface="프리젠테이션 5 Medium" pitchFamily="2" charset="-127"/>
-                <a:ea typeface="프리젠테이션 5 Medium" pitchFamily="2" charset="-127"/>
-              </a:rPr>
-              <a:t>prodtbl</a:t>
-            </a:r>
-            <a:r>
-              <a:rPr lang="en-US" dirty="0">
-                <a:latin typeface="프리젠테이션 5 Medium" pitchFamily="2" charset="-127"/>
-                <a:ea typeface="프리젠테이션 5 Medium" pitchFamily="2" charset="-127"/>
-              </a:rPr>
-              <a:t>` (`</a:t>
-            </a:r>
-            <a:r>
-              <a:rPr lang="en-US" dirty="0" err="1">
-                <a:latin typeface="프리젠테이션 5 Medium" pitchFamily="2" charset="-127"/>
-                <a:ea typeface="프리젠테이션 5 Medium" pitchFamily="2" charset="-127"/>
-              </a:rPr>
-              <a:t>prodName</a:t>
-            </a:r>
-            <a:r>
-              <a:rPr lang="en-US" dirty="0">
-                <a:latin typeface="프리젠테이션 5 Medium" pitchFamily="2" charset="-127"/>
-                <a:ea typeface="프리젠테이션 5 Medium" pitchFamily="2" charset="-127"/>
-              </a:rPr>
-              <a:t>`)    ON DELETE CASCADE    ON UPDATE CASCADE,  CONSTRAINT `fk_prodtbl_has_usertbl_usertbl1`    FOREIGN KEY (`</a:t>
-            </a:r>
-            <a:r>
-              <a:rPr lang="en-US" dirty="0" err="1">
-                <a:latin typeface="프리젠테이션 5 Medium" pitchFamily="2" charset="-127"/>
-                <a:ea typeface="프리젠테이션 5 Medium" pitchFamily="2" charset="-127"/>
-              </a:rPr>
-              <a:t>userId</a:t>
-            </a:r>
-            <a:r>
-              <a:rPr lang="en-US" dirty="0">
-                <a:latin typeface="프리젠테이션 5 Medium" pitchFamily="2" charset="-127"/>
-                <a:ea typeface="프리젠테이션 5 Medium" pitchFamily="2" charset="-127"/>
-              </a:rPr>
-              <a:t>`)    REFERENCES `</a:t>
-            </a:r>
-            <a:r>
-              <a:rPr lang="en-US" dirty="0" err="1">
-                <a:latin typeface="프리젠테이션 5 Medium" pitchFamily="2" charset="-127"/>
-                <a:ea typeface="프리젠테이션 5 Medium" pitchFamily="2" charset="-127"/>
-              </a:rPr>
-              <a:t>ShopDB</a:t>
-            </a:r>
-            <a:r>
-              <a:rPr lang="en-US" dirty="0">
-                <a:latin typeface="프리젠테이션 5 Medium" pitchFamily="2" charset="-127"/>
-                <a:ea typeface="프리젠테이션 5 Medium" pitchFamily="2" charset="-127"/>
-              </a:rPr>
-              <a:t>`.`</a:t>
-            </a:r>
-            <a:r>
-              <a:rPr lang="en-US" dirty="0" err="1">
-                <a:latin typeface="프리젠테이션 5 Medium" pitchFamily="2" charset="-127"/>
-                <a:ea typeface="프리젠테이션 5 Medium" pitchFamily="2" charset="-127"/>
-              </a:rPr>
-              <a:t>usertbl</a:t>
-            </a:r>
-            <a:r>
-              <a:rPr lang="en-US" dirty="0">
-                <a:latin typeface="프리젠테이션 5 Medium" pitchFamily="2" charset="-127"/>
-                <a:ea typeface="프리젠테이션 5 Medium" pitchFamily="2" charset="-127"/>
-              </a:rPr>
-              <a:t>` (`</a:t>
-            </a:r>
-            <a:r>
-              <a:rPr lang="en-US" dirty="0" err="1">
-                <a:latin typeface="프리젠테이션 5 Medium" pitchFamily="2" charset="-127"/>
-                <a:ea typeface="프리젠테이션 5 Medium" pitchFamily="2" charset="-127"/>
-              </a:rPr>
-              <a:t>userId</a:t>
-            </a:r>
-            <a:r>
-              <a:rPr lang="en-US" dirty="0">
-                <a:latin typeface="프리젠테이션 5 Medium" pitchFamily="2" charset="-127"/>
-                <a:ea typeface="프리젠테이션 5 Medium" pitchFamily="2" charset="-127"/>
-              </a:rPr>
-              <a:t>`)    ON DELETE CASCADE    ON UPDATE CASCADE)ENGINE = </a:t>
-            </a:r>
-            <a:r>
-              <a:rPr lang="en-US" dirty="0" err="1">
-                <a:latin typeface="프리젠테이션 5 Medium" pitchFamily="2" charset="-127"/>
-                <a:ea typeface="프리젠테이션 5 Medium" pitchFamily="2" charset="-127"/>
-              </a:rPr>
-              <a:t>InnoDBCOMMENT</a:t>
-            </a:r>
-            <a:r>
-              <a:rPr lang="en-US" dirty="0">
-                <a:latin typeface="프리젠테이션 5 Medium" pitchFamily="2" charset="-127"/>
-                <a:ea typeface="프리젠테이션 5 Medium" pitchFamily="2" charset="-127"/>
-              </a:rPr>
-              <a:t> = '			';SET SQL_MODE=@OLD_SQL_MODE;SET FOREIGN_KEY_CHECKS=@OLD_FOREIGN_KEY_CHECKS;SET UNIQUE_CHECKS=@OLD_UNIQUE_CHECKS;</a:t>
-            </a:r>
-          </a:p>
-        </p:txBody>
-      </p:sp>
-      <p:sp>
-        <p:nvSpPr>
-          <p:cNvPr id="33" name="TextBox 33"/>
-          <p:cNvSpPr txBox="1"/>
-          <p:nvPr/>
-        </p:nvSpPr>
-        <p:spPr>
-          <a:xfrm>
-            <a:off x="381000" y="241300"/>
-            <a:ext cx="4318000" cy="228600"/>
-          </a:xfrm>
-          <a:prstGeom prst="rect">
-            <a:avLst/>
-          </a:prstGeom>
-        </p:spPr>
-        <p:txBody>
-          <a:bodyPr lIns="0" tIns="0" rIns="0" bIns="0" rtlCol="0" anchor="ctr"/>
-          <a:lstStyle/>
-          <a:p>
-            <a:pPr lvl="0" algn="l">
-              <a:lnSpc>
-                <a:spcPct val="146910"/>
-              </a:lnSpc>
-            </a:pPr>
-            <a:r>
-              <a:rPr lang="en-US" sz="1300" b="0" i="0" u="none" strike="noStrike" spc="100">
-                <a:solidFill>
-                  <a:srgbClr val="F9F9F9">
-                    <a:alpha val="94118"/>
-                  </a:srgbClr>
-                </a:solidFill>
-                <a:latin typeface="Montserrat SemiBold"/>
-              </a:rPr>
-              <a:t>Mechanical Engineering Lab</a:t>
-            </a:r>
-          </a:p>
-        </p:txBody>
-      </p:sp>
       <p:sp>
         <p:nvSpPr>
           <p:cNvPr id="23" name="TextBox 23">
@@ -13331,6 +13957,535 @@
           </p:txBody>
         </p:sp>
       </p:grpSp>
+      <p:sp>
+        <p:nvSpPr>
+          <p:cNvPr id="21" name="TextBox 30">
+            <a:extLst>
+              <a:ext uri="{FF2B5EF4-FFF2-40B4-BE49-F238E27FC236}">
+                <a16:creationId xmlns:a16="http://schemas.microsoft.com/office/drawing/2014/main" id="{C37A984D-255C-48E4-8385-24DCBA9FD241}"/>
+              </a:ext>
+            </a:extLst>
+          </p:cNvPr>
+          <p:cNvSpPr txBox="1"/>
+          <p:nvPr/>
+        </p:nvSpPr>
+        <p:spPr>
+          <a:xfrm>
+            <a:off x="4491764" y="2553401"/>
+            <a:ext cx="13529536" cy="7137399"/>
+          </a:xfrm>
+          <a:prstGeom prst="rect">
+            <a:avLst/>
+          </a:prstGeom>
+        </p:spPr>
+        <p:txBody>
+          <a:bodyPr lIns="0" tIns="0" rIns="0" bIns="0" rtlCol="0" anchor="ctr"/>
+          <a:lstStyle/>
+          <a:p>
+            <a:pPr lvl="0">
+              <a:lnSpc>
+                <a:spcPct val="112050"/>
+              </a:lnSpc>
+            </a:pPr>
+            <a:r>
+              <a:rPr lang="en-US" sz="1400" dirty="0">
+                <a:latin typeface="프리젠테이션 5 Medium" pitchFamily="2" charset="-127"/>
+                <a:ea typeface="프리젠테이션 5 Medium" pitchFamily="2" charset="-127"/>
+              </a:rPr>
+              <a:t>-- MySQL Workbench Forward Engineering</a:t>
+            </a:r>
+          </a:p>
+          <a:p>
+            <a:pPr lvl="0">
+              <a:lnSpc>
+                <a:spcPct val="112050"/>
+              </a:lnSpc>
+            </a:pPr>
+            <a:r>
+              <a:rPr lang="en-US" sz="1400" dirty="0">
+                <a:latin typeface="프리젠테이션 5 Medium" pitchFamily="2" charset="-127"/>
+                <a:ea typeface="프리젠테이션 5 Medium" pitchFamily="2" charset="-127"/>
+              </a:rPr>
+              <a:t>SET @OLD_UNIQUE_CHECKS=@@UNIQUE_CHECKS, UNIQUE_CHECKS=0;</a:t>
+            </a:r>
+          </a:p>
+          <a:p>
+            <a:pPr lvl="0">
+              <a:lnSpc>
+                <a:spcPct val="112050"/>
+              </a:lnSpc>
+            </a:pPr>
+            <a:r>
+              <a:rPr lang="en-US" sz="1400" dirty="0">
+                <a:latin typeface="프리젠테이션 5 Medium" pitchFamily="2" charset="-127"/>
+                <a:ea typeface="프리젠테이션 5 Medium" pitchFamily="2" charset="-127"/>
+              </a:rPr>
+              <a:t>SET @OLD_FOREIGN_KEY_CHECKS=@@FOREIGN_KEY_CHECKS, FOREIGN_KEY_CHECKS=0;</a:t>
+            </a:r>
+          </a:p>
+          <a:p>
+            <a:pPr lvl="0">
+              <a:lnSpc>
+                <a:spcPct val="112050"/>
+              </a:lnSpc>
+            </a:pPr>
+            <a:r>
+              <a:rPr lang="en-US" sz="1400" dirty="0">
+                <a:latin typeface="프리젠테이션 5 Medium" pitchFamily="2" charset="-127"/>
+                <a:ea typeface="프리젠테이션 5 Medium" pitchFamily="2" charset="-127"/>
+              </a:rPr>
+              <a:t>SET @OLD_SQL_MODE=@@SQL_MODE, SQL_MODE='ONLY_FULL_GROUP_BY,STRICT_TRANS_TABLES,NO_ZERO_IN_DATE,NO_ZERO_DATE,ERROR_FOR_DIVISION_BY_ZERO,NO_ENGINE_SUBSTITUTION’;</a:t>
+            </a:r>
+          </a:p>
+          <a:p>
+            <a:pPr lvl="0">
+              <a:lnSpc>
+                <a:spcPct val="112050"/>
+              </a:lnSpc>
+            </a:pPr>
+            <a:endParaRPr lang="en-US" sz="1400" dirty="0">
+              <a:latin typeface="프리젠테이션 5 Medium" pitchFamily="2" charset="-127"/>
+              <a:ea typeface="프리젠테이션 5 Medium" pitchFamily="2" charset="-127"/>
+            </a:endParaRPr>
+          </a:p>
+          <a:p>
+            <a:pPr lvl="0">
+              <a:lnSpc>
+                <a:spcPct val="112050"/>
+              </a:lnSpc>
+            </a:pPr>
+            <a:r>
+              <a:rPr lang="en-US" sz="1400" dirty="0">
+                <a:latin typeface="프리젠테이션 5 Medium" pitchFamily="2" charset="-127"/>
+                <a:ea typeface="프리젠테이션 5 Medium" pitchFamily="2" charset="-127"/>
+              </a:rPr>
+              <a:t>-- -----------------------------------------------------</a:t>
+            </a:r>
+          </a:p>
+          <a:p>
+            <a:pPr lvl="0">
+              <a:lnSpc>
+                <a:spcPct val="112050"/>
+              </a:lnSpc>
+            </a:pPr>
+            <a:r>
+              <a:rPr lang="en-US" sz="1400" dirty="0">
+                <a:latin typeface="프리젠테이션 5 Medium" pitchFamily="2" charset="-127"/>
+                <a:ea typeface="프리젠테이션 5 Medium" pitchFamily="2" charset="-127"/>
+              </a:rPr>
+              <a:t>-- Schema </a:t>
+            </a:r>
+            <a:r>
+              <a:rPr lang="en-US" sz="1400" dirty="0" err="1">
+                <a:latin typeface="프리젠테이션 5 Medium" pitchFamily="2" charset="-127"/>
+                <a:ea typeface="프리젠테이션 5 Medium" pitchFamily="2" charset="-127"/>
+              </a:rPr>
+              <a:t>ShopDB</a:t>
+            </a:r>
+            <a:endParaRPr lang="en-US" sz="1400" dirty="0">
+              <a:latin typeface="프리젠테이션 5 Medium" pitchFamily="2" charset="-127"/>
+              <a:ea typeface="프리젠테이션 5 Medium" pitchFamily="2" charset="-127"/>
+            </a:endParaRPr>
+          </a:p>
+          <a:p>
+            <a:pPr lvl="0">
+              <a:lnSpc>
+                <a:spcPct val="112050"/>
+              </a:lnSpc>
+            </a:pPr>
+            <a:r>
+              <a:rPr lang="en-US" sz="1400" dirty="0">
+                <a:latin typeface="프리젠테이션 5 Medium" pitchFamily="2" charset="-127"/>
+                <a:ea typeface="프리젠테이션 5 Medium" pitchFamily="2" charset="-127"/>
+              </a:rPr>
+              <a:t>-- -----------------------------------------------------</a:t>
+            </a:r>
+          </a:p>
+          <a:p>
+            <a:pPr lvl="0">
+              <a:lnSpc>
+                <a:spcPct val="112050"/>
+              </a:lnSpc>
+            </a:pPr>
+            <a:endParaRPr lang="en-US" sz="1400" dirty="0">
+              <a:latin typeface="프리젠테이션 5 Medium" pitchFamily="2" charset="-127"/>
+              <a:ea typeface="프리젠테이션 5 Medium" pitchFamily="2" charset="-127"/>
+            </a:endParaRPr>
+          </a:p>
+          <a:p>
+            <a:pPr lvl="0">
+              <a:lnSpc>
+                <a:spcPct val="112050"/>
+              </a:lnSpc>
+            </a:pPr>
+            <a:r>
+              <a:rPr lang="en-US" sz="1400" dirty="0">
+                <a:latin typeface="프리젠테이션 5 Medium" pitchFamily="2" charset="-127"/>
+                <a:ea typeface="프리젠테이션 5 Medium" pitchFamily="2" charset="-127"/>
+              </a:rPr>
+              <a:t>-- -----------------------------------------------------</a:t>
+            </a:r>
+          </a:p>
+          <a:p>
+            <a:pPr lvl="0">
+              <a:lnSpc>
+                <a:spcPct val="112050"/>
+              </a:lnSpc>
+            </a:pPr>
+            <a:r>
+              <a:rPr lang="en-US" sz="1400" dirty="0">
+                <a:latin typeface="프리젠테이션 5 Medium" pitchFamily="2" charset="-127"/>
+                <a:ea typeface="프리젠테이션 5 Medium" pitchFamily="2" charset="-127"/>
+              </a:rPr>
+              <a:t>-- Schema </a:t>
+            </a:r>
+            <a:r>
+              <a:rPr lang="en-US" sz="1400" dirty="0" err="1">
+                <a:latin typeface="프리젠테이션 5 Medium" pitchFamily="2" charset="-127"/>
+                <a:ea typeface="프리젠테이션 5 Medium" pitchFamily="2" charset="-127"/>
+              </a:rPr>
+              <a:t>ShopDB</a:t>
+            </a:r>
+            <a:endParaRPr lang="en-US" sz="1400" dirty="0">
+              <a:latin typeface="프리젠테이션 5 Medium" pitchFamily="2" charset="-127"/>
+              <a:ea typeface="프리젠테이션 5 Medium" pitchFamily="2" charset="-127"/>
+            </a:endParaRPr>
+          </a:p>
+          <a:p>
+            <a:pPr lvl="0">
+              <a:lnSpc>
+                <a:spcPct val="112050"/>
+              </a:lnSpc>
+            </a:pPr>
+            <a:r>
+              <a:rPr lang="en-US" sz="1400" dirty="0">
+                <a:latin typeface="프리젠테이션 5 Medium" pitchFamily="2" charset="-127"/>
+                <a:ea typeface="프리젠테이션 5 Medium" pitchFamily="2" charset="-127"/>
+              </a:rPr>
+              <a:t>-- -----------------------------------------------------</a:t>
+            </a:r>
+          </a:p>
+          <a:p>
+            <a:pPr lvl="0">
+              <a:lnSpc>
+                <a:spcPct val="112050"/>
+              </a:lnSpc>
+            </a:pPr>
+            <a:r>
+              <a:rPr lang="en-US" sz="1400" dirty="0">
+                <a:latin typeface="프리젠테이션 5 Medium" pitchFamily="2" charset="-127"/>
+                <a:ea typeface="프리젠테이션 5 Medium" pitchFamily="2" charset="-127"/>
+              </a:rPr>
+              <a:t>CREATE SCHEMA IF NOT EXISTS `</a:t>
+            </a:r>
+            <a:r>
+              <a:rPr lang="en-US" sz="1400" dirty="0" err="1">
+                <a:latin typeface="프리젠테이션 5 Medium" pitchFamily="2" charset="-127"/>
+                <a:ea typeface="프리젠테이션 5 Medium" pitchFamily="2" charset="-127"/>
+              </a:rPr>
+              <a:t>ShopDB</a:t>
+            </a:r>
+            <a:r>
+              <a:rPr lang="en-US" sz="1400" dirty="0">
+                <a:latin typeface="프리젠테이션 5 Medium" pitchFamily="2" charset="-127"/>
+                <a:ea typeface="프리젠테이션 5 Medium" pitchFamily="2" charset="-127"/>
+              </a:rPr>
+              <a:t>` DEFAULT CHARACTER SET utf8 ;</a:t>
+            </a:r>
+          </a:p>
+          <a:p>
+            <a:pPr lvl="0">
+              <a:lnSpc>
+                <a:spcPct val="112050"/>
+              </a:lnSpc>
+            </a:pPr>
+            <a:r>
+              <a:rPr lang="en-US" sz="1400" dirty="0">
+                <a:latin typeface="프리젠테이션 5 Medium" pitchFamily="2" charset="-127"/>
+                <a:ea typeface="프리젠테이션 5 Medium" pitchFamily="2" charset="-127"/>
+              </a:rPr>
+              <a:t>USE `</a:t>
+            </a:r>
+            <a:r>
+              <a:rPr lang="en-US" sz="1400" dirty="0" err="1">
+                <a:latin typeface="프리젠테이션 5 Medium" pitchFamily="2" charset="-127"/>
+                <a:ea typeface="프리젠테이션 5 Medium" pitchFamily="2" charset="-127"/>
+              </a:rPr>
+              <a:t>ShopDB</a:t>
+            </a:r>
+            <a:r>
+              <a:rPr lang="en-US" sz="1400" dirty="0">
+                <a:latin typeface="프리젠테이션 5 Medium" pitchFamily="2" charset="-127"/>
+                <a:ea typeface="프리젠테이션 5 Medium" pitchFamily="2" charset="-127"/>
+              </a:rPr>
+              <a:t>` ;</a:t>
+            </a:r>
+          </a:p>
+          <a:p>
+            <a:pPr lvl="0">
+              <a:lnSpc>
+                <a:spcPct val="112050"/>
+              </a:lnSpc>
+            </a:pPr>
+            <a:endParaRPr lang="en-US" sz="1400" dirty="0">
+              <a:latin typeface="프리젠테이션 5 Medium" pitchFamily="2" charset="-127"/>
+              <a:ea typeface="프리젠테이션 5 Medium" pitchFamily="2" charset="-127"/>
+            </a:endParaRPr>
+          </a:p>
+          <a:p>
+            <a:pPr lvl="0">
+              <a:lnSpc>
+                <a:spcPct val="112050"/>
+              </a:lnSpc>
+            </a:pPr>
+            <a:r>
+              <a:rPr lang="en-US" sz="1400" dirty="0">
+                <a:latin typeface="프리젠테이션 5 Medium" pitchFamily="2" charset="-127"/>
+                <a:ea typeface="프리젠테이션 5 Medium" pitchFamily="2" charset="-127"/>
+              </a:rPr>
+              <a:t>-- -----------------------------------------------------</a:t>
+            </a:r>
+          </a:p>
+          <a:p>
+            <a:pPr lvl="0">
+              <a:lnSpc>
+                <a:spcPct val="112050"/>
+              </a:lnSpc>
+            </a:pPr>
+            <a:r>
+              <a:rPr lang="en-US" sz="1400" dirty="0">
+                <a:latin typeface="프리젠테이션 5 Medium" pitchFamily="2" charset="-127"/>
+                <a:ea typeface="프리젠테이션 5 Medium" pitchFamily="2" charset="-127"/>
+              </a:rPr>
+              <a:t>-- Table `</a:t>
+            </a:r>
+            <a:r>
+              <a:rPr lang="en-US" sz="1400" dirty="0" err="1">
+                <a:latin typeface="프리젠테이션 5 Medium" pitchFamily="2" charset="-127"/>
+                <a:ea typeface="프리젠테이션 5 Medium" pitchFamily="2" charset="-127"/>
+              </a:rPr>
+              <a:t>ShopDB</a:t>
+            </a:r>
+            <a:r>
+              <a:rPr lang="en-US" sz="1400" dirty="0">
+                <a:latin typeface="프리젠테이션 5 Medium" pitchFamily="2" charset="-127"/>
+                <a:ea typeface="프리젠테이션 5 Medium" pitchFamily="2" charset="-127"/>
+              </a:rPr>
+              <a:t>`.`</a:t>
+            </a:r>
+            <a:r>
+              <a:rPr lang="en-US" sz="1400" dirty="0" err="1">
+                <a:latin typeface="프리젠테이션 5 Medium" pitchFamily="2" charset="-127"/>
+                <a:ea typeface="프리젠테이션 5 Medium" pitchFamily="2" charset="-127"/>
+              </a:rPr>
+              <a:t>prodtbl</a:t>
+            </a:r>
+            <a:r>
+              <a:rPr lang="en-US" sz="1400" dirty="0">
+                <a:latin typeface="프리젠테이션 5 Medium" pitchFamily="2" charset="-127"/>
+                <a:ea typeface="프리젠테이션 5 Medium" pitchFamily="2" charset="-127"/>
+              </a:rPr>
+              <a:t>`</a:t>
+            </a:r>
+          </a:p>
+          <a:p>
+            <a:pPr lvl="0">
+              <a:lnSpc>
+                <a:spcPct val="112050"/>
+              </a:lnSpc>
+            </a:pPr>
+            <a:r>
+              <a:rPr lang="en-US" sz="1400" dirty="0">
+                <a:latin typeface="프리젠테이션 5 Medium" pitchFamily="2" charset="-127"/>
+                <a:ea typeface="프리젠테이션 5 Medium" pitchFamily="2" charset="-127"/>
+              </a:rPr>
+              <a:t>-- -----------------------------------------------------</a:t>
+            </a:r>
+          </a:p>
+          <a:p>
+            <a:pPr lvl="0">
+              <a:lnSpc>
+                <a:spcPct val="112050"/>
+              </a:lnSpc>
+            </a:pPr>
+            <a:r>
+              <a:rPr lang="en-US" sz="1400" dirty="0">
+                <a:latin typeface="프리젠테이션 5 Medium" pitchFamily="2" charset="-127"/>
+                <a:ea typeface="프리젠테이션 5 Medium" pitchFamily="2" charset="-127"/>
+              </a:rPr>
+              <a:t>CREATE TABLE IF NOT EXISTS `</a:t>
+            </a:r>
+            <a:r>
+              <a:rPr lang="en-US" sz="1400" dirty="0" err="1">
+                <a:latin typeface="프리젠테이션 5 Medium" pitchFamily="2" charset="-127"/>
+                <a:ea typeface="프리젠테이션 5 Medium" pitchFamily="2" charset="-127"/>
+              </a:rPr>
+              <a:t>ShopDB</a:t>
+            </a:r>
+            <a:r>
+              <a:rPr lang="en-US" sz="1400" dirty="0">
+                <a:latin typeface="프리젠테이션 5 Medium" pitchFamily="2" charset="-127"/>
+                <a:ea typeface="프리젠테이션 5 Medium" pitchFamily="2" charset="-127"/>
+              </a:rPr>
+              <a:t>`.`</a:t>
+            </a:r>
+            <a:r>
+              <a:rPr lang="en-US" sz="1400" dirty="0" err="1">
+                <a:latin typeface="프리젠테이션 5 Medium" pitchFamily="2" charset="-127"/>
+                <a:ea typeface="프리젠테이션 5 Medium" pitchFamily="2" charset="-127"/>
+              </a:rPr>
+              <a:t>prodtbl</a:t>
+            </a:r>
+            <a:r>
+              <a:rPr lang="en-US" sz="1400" dirty="0">
+                <a:latin typeface="프리젠테이션 5 Medium" pitchFamily="2" charset="-127"/>
+                <a:ea typeface="프리젠테이션 5 Medium" pitchFamily="2" charset="-127"/>
+              </a:rPr>
+              <a:t>` (</a:t>
+            </a:r>
+          </a:p>
+          <a:p>
+            <a:pPr lvl="0">
+              <a:lnSpc>
+                <a:spcPct val="112050"/>
+              </a:lnSpc>
+            </a:pPr>
+            <a:r>
+              <a:rPr lang="en-US" sz="1400" dirty="0">
+                <a:latin typeface="프리젠테이션 5 Medium" pitchFamily="2" charset="-127"/>
+                <a:ea typeface="프리젠테이션 5 Medium" pitchFamily="2" charset="-127"/>
+              </a:rPr>
+              <a:t>  `</a:t>
+            </a:r>
+            <a:r>
+              <a:rPr lang="en-US" sz="1400" dirty="0" err="1">
+                <a:latin typeface="프리젠테이션 5 Medium" pitchFamily="2" charset="-127"/>
+                <a:ea typeface="프리젠테이션 5 Medium" pitchFamily="2" charset="-127"/>
+              </a:rPr>
+              <a:t>prodName</a:t>
+            </a:r>
+            <a:r>
+              <a:rPr lang="en-US" sz="1400" dirty="0">
+                <a:latin typeface="프리젠테이션 5 Medium" pitchFamily="2" charset="-127"/>
+                <a:ea typeface="프리젠테이션 5 Medium" pitchFamily="2" charset="-127"/>
+              </a:rPr>
+              <a:t>` CHAR(10) NOT NULL,</a:t>
+            </a:r>
+          </a:p>
+          <a:p>
+            <a:pPr lvl="0">
+              <a:lnSpc>
+                <a:spcPct val="112050"/>
+              </a:lnSpc>
+            </a:pPr>
+            <a:r>
+              <a:rPr lang="en-US" sz="1400" dirty="0">
+                <a:latin typeface="프리젠테이션 5 Medium" pitchFamily="2" charset="-127"/>
+                <a:ea typeface="프리젠테이션 5 Medium" pitchFamily="2" charset="-127"/>
+              </a:rPr>
+              <a:t>  `</a:t>
+            </a:r>
+            <a:r>
+              <a:rPr lang="en-US" sz="1400" dirty="0" err="1">
+                <a:latin typeface="프리젠테이션 5 Medium" pitchFamily="2" charset="-127"/>
+                <a:ea typeface="프리젠테이션 5 Medium" pitchFamily="2" charset="-127"/>
+              </a:rPr>
+              <a:t>groupName</a:t>
+            </a:r>
+            <a:r>
+              <a:rPr lang="en-US" sz="1400" dirty="0">
+                <a:latin typeface="프리젠테이션 5 Medium" pitchFamily="2" charset="-127"/>
+                <a:ea typeface="프리젠테이션 5 Medium" pitchFamily="2" charset="-127"/>
+              </a:rPr>
+              <a:t>` CHAR(20) NOT NULL, </a:t>
+            </a:r>
+          </a:p>
+          <a:p>
+            <a:pPr lvl="0">
+              <a:lnSpc>
+                <a:spcPct val="112050"/>
+              </a:lnSpc>
+            </a:pPr>
+            <a:r>
+              <a:rPr lang="en-US" sz="1400" dirty="0">
+                <a:latin typeface="프리젠테이션 5 Medium" pitchFamily="2" charset="-127"/>
+                <a:ea typeface="프리젠테이션 5 Medium" pitchFamily="2" charset="-127"/>
+              </a:rPr>
+              <a:t>  `price` INT NOT NULL,</a:t>
+            </a:r>
+          </a:p>
+          <a:p>
+            <a:pPr lvl="0">
+              <a:lnSpc>
+                <a:spcPct val="112050"/>
+              </a:lnSpc>
+            </a:pPr>
+            <a:r>
+              <a:rPr lang="en-US" sz="1400" dirty="0">
+                <a:latin typeface="프리젠테이션 5 Medium" pitchFamily="2" charset="-127"/>
+                <a:ea typeface="프리젠테이션 5 Medium" pitchFamily="2" charset="-127"/>
+              </a:rPr>
+              <a:t>  `save` SMALLINT NOT NULL,</a:t>
+            </a:r>
+          </a:p>
+          <a:p>
+            <a:pPr lvl="0">
+              <a:lnSpc>
+                <a:spcPct val="112050"/>
+              </a:lnSpc>
+            </a:pPr>
+            <a:r>
+              <a:rPr lang="en-US" sz="1400" dirty="0">
+                <a:latin typeface="프리젠테이션 5 Medium" pitchFamily="2" charset="-127"/>
+                <a:ea typeface="프리젠테이션 5 Medium" pitchFamily="2" charset="-127"/>
+              </a:rPr>
+              <a:t>  PRIMARY KEY (`</a:t>
+            </a:r>
+            <a:r>
+              <a:rPr lang="en-US" sz="1400" dirty="0" err="1">
+                <a:latin typeface="프리젠테이션 5 Medium" pitchFamily="2" charset="-127"/>
+                <a:ea typeface="프리젠테이션 5 Medium" pitchFamily="2" charset="-127"/>
+              </a:rPr>
+              <a:t>prodName</a:t>
+            </a:r>
+            <a:r>
+              <a:rPr lang="en-US" sz="1400" dirty="0">
+                <a:latin typeface="프리젠테이션 5 Medium" pitchFamily="2" charset="-127"/>
+                <a:ea typeface="프리젠테이션 5 Medium" pitchFamily="2" charset="-127"/>
+              </a:rPr>
+              <a:t>`))</a:t>
+            </a:r>
+          </a:p>
+          <a:p>
+            <a:pPr lvl="0">
+              <a:lnSpc>
+                <a:spcPct val="112050"/>
+              </a:lnSpc>
+            </a:pPr>
+            <a:r>
+              <a:rPr lang="en-US" sz="1400" dirty="0">
+                <a:latin typeface="프리젠테이션 5 Medium" pitchFamily="2" charset="-127"/>
+                <a:ea typeface="프리젠테이션 5 Medium" pitchFamily="2" charset="-127"/>
+              </a:rPr>
+              <a:t>ENGINE = </a:t>
+            </a:r>
+            <a:r>
+              <a:rPr lang="en-US" sz="1400" dirty="0" err="1">
+                <a:latin typeface="프리젠테이션 5 Medium" pitchFamily="2" charset="-127"/>
+                <a:ea typeface="프리젠테이션 5 Medium" pitchFamily="2" charset="-127"/>
+              </a:rPr>
+              <a:t>InnoDBCOMMENT</a:t>
+            </a:r>
+            <a:r>
+              <a:rPr lang="en-US" sz="1400" dirty="0">
+                <a:latin typeface="프리젠테이션 5 Medium" pitchFamily="2" charset="-127"/>
+                <a:ea typeface="프리젠테이션 5 Medium" pitchFamily="2" charset="-127"/>
+              </a:rPr>
+              <a:t> = '	‘;</a:t>
+            </a:r>
+          </a:p>
+        </p:txBody>
+      </p:sp>
     </p:spTree>
     <p:extLst>
       <p:ext uri="{BB962C8B-B14F-4D97-AF65-F5344CB8AC3E}">
@@ -13344,7 +14499,7 @@
 </p:sld>
 </file>
 
-<file path=ppt/slides/slide23.xml><?xml version="1.0" encoding="utf-8"?>
+<file path=ppt/slides/slide25.xml><?xml version="1.0" encoding="utf-8"?>
 <p:sld xmlns:a="http://schemas.openxmlformats.org/drawingml/2006/main" xmlns:r="http://schemas.openxmlformats.org/officeDocument/2006/relationships" xmlns:p="http://schemas.openxmlformats.org/presentationml/2006/main">
   <p:cSld>
     <p:spTree>
@@ -13387,7 +14542,7 @@
       </p:pic>
       <p:pic>
         <p:nvPicPr>
-          <p:cNvPr id="6" name="Picture 6"/>
+          <p:cNvPr id="3" name="Picture 3"/>
           <p:cNvPicPr>
             <a:picLocks noChangeAspect="1"/>
           </p:cNvPicPr>
@@ -13411,7 +14566,7 @@
       </p:pic>
       <p:pic>
         <p:nvPicPr>
-          <p:cNvPr id="7" name="Picture 7"/>
+          <p:cNvPr id="4" name="Picture 4"/>
           <p:cNvPicPr>
             <a:picLocks noChangeAspect="1"/>
           </p:cNvPicPr>
@@ -13433,12 +14588,86 @@
           </a:prstGeom>
         </p:spPr>
       </p:pic>
+      <p:pic>
+        <p:nvPicPr>
+          <p:cNvPr id="8" name="Picture 8"/>
+          <p:cNvPicPr>
+            <a:picLocks noChangeAspect="1"/>
+          </p:cNvPicPr>
+          <p:nvPr/>
+        </p:nvPicPr>
+        <p:blipFill>
+          <a:blip r:embed="rId5">
+            <a:alphaModFix amt="43000"/>
+          </a:blip>
+          <a:stretch>
+            <a:fillRect/>
+          </a:stretch>
+        </p:blipFill>
+        <p:spPr>
+          <a:xfrm>
+            <a:off x="4343400" y="2705100"/>
+            <a:ext cx="13677900" cy="6832600"/>
+          </a:xfrm>
+          <a:prstGeom prst="rect">
+            <a:avLst/>
+          </a:prstGeom>
+        </p:spPr>
+      </p:pic>
+      <p:pic>
+        <p:nvPicPr>
+          <p:cNvPr id="16" name="Picture 16"/>
+          <p:cNvPicPr>
+            <a:picLocks noChangeAspect="1"/>
+          </p:cNvPicPr>
+          <p:nvPr/>
+        </p:nvPicPr>
+        <p:blipFill>
+          <a:blip r:embed="rId6"/>
+          <a:stretch>
+            <a:fillRect/>
+          </a:stretch>
+        </p:blipFill>
+        <p:spPr>
+          <a:xfrm rot="-3120000">
+            <a:off x="3131957" y="4240561"/>
+            <a:ext cx="1231900" cy="12700"/>
+          </a:xfrm>
+          <a:prstGeom prst="rect">
+            <a:avLst/>
+          </a:prstGeom>
+        </p:spPr>
+      </p:pic>
+      <p:pic>
+        <p:nvPicPr>
+          <p:cNvPr id="18" name="Picture 18"/>
+          <p:cNvPicPr>
+            <a:picLocks noChangeAspect="1"/>
+          </p:cNvPicPr>
+          <p:nvPr/>
+        </p:nvPicPr>
+        <p:blipFill>
+          <a:blip r:embed="rId7"/>
+          <a:stretch>
+            <a:fillRect/>
+          </a:stretch>
+        </p:blipFill>
+        <p:spPr>
+          <a:xfrm rot="3120000">
+            <a:off x="3131957" y="7148861"/>
+            <a:ext cx="1231900" cy="12700"/>
+          </a:xfrm>
+          <a:prstGeom prst="rect">
+            <a:avLst/>
+          </a:prstGeom>
+        </p:spPr>
+      </p:pic>
       <p:sp>
         <p:nvSpPr>
-          <p:cNvPr id="5" name="TextBox 4">
+          <p:cNvPr id="23" name="TextBox 23">
             <a:extLst>
               <a:ext uri="{FF2B5EF4-FFF2-40B4-BE49-F238E27FC236}">
-                <a16:creationId xmlns:a16="http://schemas.microsoft.com/office/drawing/2014/main" id="{9F4CD05B-0C88-4913-A59F-BC8129489693}"/>
+                <a16:creationId xmlns:a16="http://schemas.microsoft.com/office/drawing/2014/main" id="{30BF94BD-9777-4EDE-94D8-191FDB5E37AC}"/>
               </a:ext>
             </a:extLst>
           </p:cNvPr>
@@ -13447,796 +14676,1329 @@
         </p:nvSpPr>
         <p:spPr>
           <a:xfrm>
-            <a:off x="1371600" y="2019300"/>
-            <a:ext cx="12344400" cy="21421249"/>
-          </a:xfrm>
-          <a:prstGeom prst="rect">
-            <a:avLst/>
-          </a:prstGeom>
-          <a:noFill/>
+            <a:off x="1651000" y="1371600"/>
+            <a:ext cx="14986000" cy="1333500"/>
+          </a:xfrm>
+          <a:prstGeom prst="rect">
+            <a:avLst/>
+          </a:prstGeom>
         </p:spPr>
         <p:txBody>
-          <a:bodyPr wrap="square" rtlCol="0">
-            <a:spAutoFit/>
-          </a:bodyPr>
+          <a:bodyPr lIns="0" tIns="0" rIns="0" bIns="0" rtlCol="0" anchor="ctr"/>
           <a:lstStyle/>
           <a:p>
-            <a:r>
-              <a:rPr lang="en-US" altLang="ko-KR" dirty="0"/>
-              <a:t>-- MySQL Workbench Forward Engineering</a:t>
-            </a:r>
-          </a:p>
-          <a:p>
-            <a:endParaRPr lang="en-US" altLang="ko-KR" dirty="0"/>
-          </a:p>
-          <a:p>
-            <a:r>
-              <a:rPr lang="en-US" altLang="ko-KR" dirty="0"/>
-              <a:t>SET @OLD_UNIQUE_CHECKS=@@UNIQUE_CHECKS, UNIQUE_CHECKS=0;</a:t>
-            </a:r>
-          </a:p>
-          <a:p>
-            <a:r>
-              <a:rPr lang="en-US" altLang="ko-KR" dirty="0"/>
-              <a:t>SET @OLD_FOREIGN_KEY_CHECKS=@@FOREIGN_KEY_CHECKS, FOREIGN_KEY_CHECKS=0;</a:t>
-            </a:r>
-          </a:p>
-          <a:p>
-            <a:r>
-              <a:rPr lang="en-US" altLang="ko-KR" dirty="0"/>
-              <a:t>SET @OLD_SQL_MODE=@@SQL_MODE, SQL_MODE='ONLY_FULL_GROUP_BY,STRICT_TRANS_TABLES,NO_ZERO_IN_DATE,NO_ZERO_DATE,ERROR_FOR_DIVISION_BY_ZERO,NO_ENGINE_SUBSTITUTION';</a:t>
-            </a:r>
-          </a:p>
-          <a:p>
-            <a:endParaRPr lang="en-US" altLang="ko-KR" dirty="0"/>
-          </a:p>
-          <a:p>
-            <a:r>
-              <a:rPr lang="en-US" altLang="ko-KR" dirty="0"/>
+            <a:pPr lvl="0" algn="l">
+              <a:lnSpc>
+                <a:spcPct val="112050"/>
+              </a:lnSpc>
+            </a:pPr>
+            <a:r>
+              <a:rPr lang="en-US" altLang="ko-KR" sz="8000" b="0" i="0" u="none" strike="noStrike" spc="-100" dirty="0">
+                <a:solidFill>
+                  <a:srgbClr val="545454"/>
+                </a:solidFill>
+                <a:latin typeface="프리젠테이션 5 Medium" pitchFamily="2" charset="-127"/>
+                <a:ea typeface="프리젠테이션 5 Medium" pitchFamily="2" charset="-127"/>
+              </a:rPr>
+              <a:t>4. Entity-Relationship Diagram </a:t>
+            </a:r>
+            <a:r>
+              <a:rPr lang="ko-KR" altLang="en-US" sz="8000" b="0" i="0" u="none" strike="noStrike" spc="-100" dirty="0">
+                <a:solidFill>
+                  <a:srgbClr val="545454"/>
+                </a:solidFill>
+                <a:latin typeface="프리젠테이션 5 Medium" pitchFamily="2" charset="-127"/>
+                <a:ea typeface="프리젠테이션 5 Medium" pitchFamily="2" charset="-127"/>
+              </a:rPr>
+              <a:t>완성</a:t>
+            </a:r>
+            <a:endParaRPr lang="en-US" altLang="ko-KR" sz="8000" b="0" i="0" u="none" strike="noStrike" spc="-100" dirty="0">
+              <a:solidFill>
+                <a:srgbClr val="545454"/>
+              </a:solidFill>
+              <a:latin typeface="프리젠테이션 5 Medium" pitchFamily="2" charset="-127"/>
+              <a:ea typeface="프리젠테이션 5 Medium" pitchFamily="2" charset="-127"/>
+            </a:endParaRPr>
+          </a:p>
+        </p:txBody>
+      </p:sp>
+      <p:grpSp>
+        <p:nvGrpSpPr>
+          <p:cNvPr id="17" name="그룹 16">
+            <a:extLst>
+              <a:ext uri="{FF2B5EF4-FFF2-40B4-BE49-F238E27FC236}">
+                <a16:creationId xmlns:a16="http://schemas.microsoft.com/office/drawing/2014/main" id="{5CB69B7F-A736-41FB-B7BD-F48C30F757AD}"/>
+              </a:ext>
+            </a:extLst>
+          </p:cNvPr>
+          <p:cNvGrpSpPr/>
+          <p:nvPr/>
+        </p:nvGrpSpPr>
+        <p:grpSpPr>
+          <a:xfrm>
+            <a:off x="990600" y="4838700"/>
+            <a:ext cx="2387600" cy="1766204"/>
+            <a:chOff x="7956550" y="5232400"/>
+            <a:chExt cx="2387600" cy="1766204"/>
+          </a:xfrm>
+        </p:grpSpPr>
+        <p:pic>
+          <p:nvPicPr>
+            <p:cNvPr id="19" name="Picture 11">
+              <a:extLst>
+                <a:ext uri="{FF2B5EF4-FFF2-40B4-BE49-F238E27FC236}">
+                  <a16:creationId xmlns:a16="http://schemas.microsoft.com/office/drawing/2014/main" id="{8675C7ED-2800-4536-9442-8D925104C22F}"/>
+                </a:ext>
+              </a:extLst>
+            </p:cNvPr>
+            <p:cNvPicPr>
+              <a:picLocks noChangeAspect="1"/>
+            </p:cNvPicPr>
+            <p:nvPr/>
+          </p:nvPicPr>
+          <p:blipFill>
+            <a:blip r:embed="rId8"/>
+            <a:stretch>
+              <a:fillRect/>
+            </a:stretch>
+          </p:blipFill>
+          <p:spPr>
+            <a:xfrm>
+              <a:off x="8318500" y="5257800"/>
+              <a:ext cx="1612900" cy="38100"/>
+            </a:xfrm>
+            <a:prstGeom prst="rect">
+              <a:avLst/>
+            </a:prstGeom>
+          </p:spPr>
+        </p:pic>
+        <p:pic>
+          <p:nvPicPr>
+            <p:cNvPr id="20" name="Picture 12">
+              <a:extLst>
+                <a:ext uri="{FF2B5EF4-FFF2-40B4-BE49-F238E27FC236}">
+                  <a16:creationId xmlns:a16="http://schemas.microsoft.com/office/drawing/2014/main" id="{D54B477F-68A2-425B-9B78-86CAB21F409A}"/>
+                </a:ext>
+              </a:extLst>
+            </p:cNvPr>
+            <p:cNvPicPr>
+              <a:picLocks noChangeAspect="1"/>
+            </p:cNvPicPr>
+            <p:nvPr/>
+          </p:nvPicPr>
+          <p:blipFill>
+            <a:blip r:embed="rId9"/>
+            <a:stretch>
+              <a:fillRect/>
+            </a:stretch>
+          </p:blipFill>
+          <p:spPr>
+            <a:xfrm>
+              <a:off x="8318500" y="6807200"/>
+              <a:ext cx="1612900" cy="38100"/>
+            </a:xfrm>
+            <a:prstGeom prst="rect">
+              <a:avLst/>
+            </a:prstGeom>
+          </p:spPr>
+        </p:pic>
+        <p:sp>
+          <p:nvSpPr>
+            <p:cNvPr id="24" name="TextBox 21">
+              <a:extLst>
+                <a:ext uri="{FF2B5EF4-FFF2-40B4-BE49-F238E27FC236}">
+                  <a16:creationId xmlns:a16="http://schemas.microsoft.com/office/drawing/2014/main" id="{0C4A2F0D-2FAD-464D-BF69-317C7B81AE79}"/>
+                </a:ext>
+              </a:extLst>
+            </p:cNvPr>
+            <p:cNvSpPr txBox="1"/>
+            <p:nvPr/>
+          </p:nvSpPr>
+          <p:spPr>
+            <a:xfrm>
+              <a:off x="8001000" y="5232400"/>
+              <a:ext cx="2286000" cy="1016000"/>
+            </a:xfrm>
+            <a:prstGeom prst="rect">
+              <a:avLst/>
+            </a:prstGeom>
+          </p:spPr>
+          <p:txBody>
+            <a:bodyPr lIns="0" tIns="0" rIns="0" bIns="0" rtlCol="0" anchor="ctr"/>
+            <a:lstStyle/>
+            <a:p>
+              <a:pPr lvl="0" algn="ctr">
+                <a:lnSpc>
+                  <a:spcPct val="76360"/>
+                </a:lnSpc>
+              </a:pPr>
+              <a:r>
+                <a:rPr lang="en-US" sz="5700" spc="-200" dirty="0">
+                  <a:solidFill>
+                    <a:srgbClr val="617995"/>
+                  </a:solidFill>
+                  <a:latin typeface="Montserrat Bold"/>
+                </a:rPr>
+                <a:t>SQL</a:t>
+              </a:r>
+              <a:endParaRPr lang="en-US" sz="5700" b="0" i="0" u="none" strike="noStrike" spc="-200" dirty="0">
+                <a:solidFill>
+                  <a:srgbClr val="617995"/>
+                </a:solidFill>
+                <a:latin typeface="Montserrat Bold"/>
+              </a:endParaRPr>
+            </a:p>
+          </p:txBody>
+        </p:sp>
+        <p:sp>
+          <p:nvSpPr>
+            <p:cNvPr id="25" name="TextBox 22">
+              <a:extLst>
+                <a:ext uri="{FF2B5EF4-FFF2-40B4-BE49-F238E27FC236}">
+                  <a16:creationId xmlns:a16="http://schemas.microsoft.com/office/drawing/2014/main" id="{D424475D-90A1-4795-8F29-B92DC6885E20}"/>
+                </a:ext>
+              </a:extLst>
+            </p:cNvPr>
+            <p:cNvSpPr txBox="1"/>
+            <p:nvPr/>
+          </p:nvSpPr>
+          <p:spPr>
+            <a:xfrm>
+              <a:off x="7956550" y="5944504"/>
+              <a:ext cx="2387600" cy="1054100"/>
+            </a:xfrm>
+            <a:prstGeom prst="rect">
+              <a:avLst/>
+            </a:prstGeom>
+          </p:spPr>
+          <p:txBody>
+            <a:bodyPr lIns="0" tIns="0" rIns="0" bIns="0" rtlCol="0" anchor="ctr"/>
+            <a:lstStyle/>
+            <a:p>
+              <a:pPr lvl="0" algn="ctr">
+                <a:lnSpc>
+                  <a:spcPct val="76360"/>
+                </a:lnSpc>
+              </a:pPr>
+              <a:r>
+                <a:rPr lang="en-US" sz="5400" b="0" i="0" u="none" strike="noStrike" spc="200" dirty="0">
+                  <a:solidFill>
+                    <a:srgbClr val="C5C0BC"/>
+                  </a:solidFill>
+                  <a:latin typeface="Montserrat Bold"/>
+                </a:rPr>
+                <a:t>CODE</a:t>
+              </a:r>
+            </a:p>
+          </p:txBody>
+        </p:sp>
+      </p:grpSp>
+      <p:sp>
+        <p:nvSpPr>
+          <p:cNvPr id="22" name="TextBox 30">
+            <a:extLst>
+              <a:ext uri="{FF2B5EF4-FFF2-40B4-BE49-F238E27FC236}">
+                <a16:creationId xmlns:a16="http://schemas.microsoft.com/office/drawing/2014/main" id="{17ADE876-3C5E-4BD1-BC3B-23444D9F34FD}"/>
+              </a:ext>
+            </a:extLst>
+          </p:cNvPr>
+          <p:cNvSpPr txBox="1"/>
+          <p:nvPr/>
+        </p:nvSpPr>
+        <p:spPr>
+          <a:xfrm>
+            <a:off x="4686300" y="2667902"/>
+            <a:ext cx="4495800" cy="3556001"/>
+          </a:xfrm>
+          <a:prstGeom prst="rect">
+            <a:avLst/>
+          </a:prstGeom>
+        </p:spPr>
+        <p:txBody>
+          <a:bodyPr lIns="0" tIns="0" rIns="0" bIns="0" rtlCol="0" anchor="ctr"/>
+          <a:lstStyle/>
+          <a:p>
+            <a:pPr lvl="0">
+              <a:lnSpc>
+                <a:spcPct val="112050"/>
+              </a:lnSpc>
+            </a:pPr>
+            <a:r>
+              <a:rPr lang="en-US" sz="1400" dirty="0">
+                <a:latin typeface="프리젠테이션 5 Medium" pitchFamily="2" charset="-127"/>
+                <a:ea typeface="프리젠테이션 5 Medium" pitchFamily="2" charset="-127"/>
+              </a:rPr>
               <a:t>-- -----------------------------------------------------</a:t>
             </a:r>
           </a:p>
           <a:p>
-            <a:r>
-              <a:rPr lang="en-US" altLang="ko-KR" dirty="0"/>
-              <a:t>-- Schema </a:t>
-            </a:r>
-            <a:r>
-              <a:rPr lang="en-US" altLang="ko-KR" dirty="0" err="1"/>
+            <a:pPr lvl="0">
+              <a:lnSpc>
+                <a:spcPct val="112050"/>
+              </a:lnSpc>
+            </a:pPr>
+            <a:r>
+              <a:rPr lang="en-US" sz="1400" dirty="0">
+                <a:latin typeface="프리젠테이션 5 Medium" pitchFamily="2" charset="-127"/>
+                <a:ea typeface="프리젠테이션 5 Medium" pitchFamily="2" charset="-127"/>
+              </a:rPr>
+              <a:t>-- Table `</a:t>
+            </a:r>
+            <a:r>
+              <a:rPr lang="en-US" sz="1400" dirty="0" err="1">
+                <a:latin typeface="프리젠테이션 5 Medium" pitchFamily="2" charset="-127"/>
+                <a:ea typeface="프리젠테이션 5 Medium" pitchFamily="2" charset="-127"/>
+              </a:rPr>
               <a:t>ShopDB</a:t>
             </a:r>
-            <a:endParaRPr lang="en-US" altLang="ko-KR" dirty="0"/>
-          </a:p>
-          <a:p>
-            <a:r>
-              <a:rPr lang="en-US" altLang="ko-KR" dirty="0"/>
+            <a:r>
+              <a:rPr lang="en-US" sz="1400" dirty="0">
+                <a:latin typeface="프리젠테이션 5 Medium" pitchFamily="2" charset="-127"/>
+                <a:ea typeface="프리젠테이션 5 Medium" pitchFamily="2" charset="-127"/>
+              </a:rPr>
+              <a:t>`.`</a:t>
+            </a:r>
+            <a:r>
+              <a:rPr lang="en-US" sz="1400" dirty="0" err="1">
+                <a:latin typeface="프리젠테이션 5 Medium" pitchFamily="2" charset="-127"/>
+                <a:ea typeface="프리젠테이션 5 Medium" pitchFamily="2" charset="-127"/>
+              </a:rPr>
+              <a:t>usertbl</a:t>
+            </a:r>
+            <a:r>
+              <a:rPr lang="en-US" sz="1400" dirty="0">
+                <a:latin typeface="프리젠테이션 5 Medium" pitchFamily="2" charset="-127"/>
+                <a:ea typeface="프리젠테이션 5 Medium" pitchFamily="2" charset="-127"/>
+              </a:rPr>
+              <a:t>`</a:t>
+            </a:r>
+          </a:p>
+          <a:p>
+            <a:pPr lvl="0">
+              <a:lnSpc>
+                <a:spcPct val="112050"/>
+              </a:lnSpc>
+            </a:pPr>
+            <a:r>
+              <a:rPr lang="en-US" sz="1400" dirty="0">
+                <a:latin typeface="프리젠테이션 5 Medium" pitchFamily="2" charset="-127"/>
+                <a:ea typeface="프리젠테이션 5 Medium" pitchFamily="2" charset="-127"/>
+              </a:rPr>
               <a:t>-- -----------------------------------------------------</a:t>
             </a:r>
           </a:p>
           <a:p>
-            <a:endParaRPr lang="en-US" altLang="ko-KR" dirty="0"/>
-          </a:p>
-          <a:p>
-            <a:r>
-              <a:rPr lang="en-US" altLang="ko-KR" dirty="0"/>
+            <a:pPr lvl="0">
+              <a:lnSpc>
+                <a:spcPct val="112050"/>
+              </a:lnSpc>
+            </a:pPr>
+            <a:r>
+              <a:rPr lang="en-US" sz="1400" dirty="0">
+                <a:latin typeface="프리젠테이션 5 Medium" pitchFamily="2" charset="-127"/>
+                <a:ea typeface="프리젠테이션 5 Medium" pitchFamily="2" charset="-127"/>
+              </a:rPr>
+              <a:t>CREATE TABLE IF NOT EXISTS `</a:t>
+            </a:r>
+            <a:r>
+              <a:rPr lang="en-US" sz="1400" dirty="0" err="1">
+                <a:latin typeface="프리젠테이션 5 Medium" pitchFamily="2" charset="-127"/>
+                <a:ea typeface="프리젠테이션 5 Medium" pitchFamily="2" charset="-127"/>
+              </a:rPr>
+              <a:t>ShopDB</a:t>
+            </a:r>
+            <a:r>
+              <a:rPr lang="en-US" sz="1400" dirty="0">
+                <a:latin typeface="프리젠테이션 5 Medium" pitchFamily="2" charset="-127"/>
+                <a:ea typeface="프리젠테이션 5 Medium" pitchFamily="2" charset="-127"/>
+              </a:rPr>
+              <a:t>`.`</a:t>
+            </a:r>
+            <a:r>
+              <a:rPr lang="en-US" sz="1400" dirty="0" err="1">
+                <a:latin typeface="프리젠테이션 5 Medium" pitchFamily="2" charset="-127"/>
+                <a:ea typeface="프리젠테이션 5 Medium" pitchFamily="2" charset="-127"/>
+              </a:rPr>
+              <a:t>usertbl</a:t>
+            </a:r>
+            <a:r>
+              <a:rPr lang="en-US" sz="1400" dirty="0">
+                <a:latin typeface="프리젠테이션 5 Medium" pitchFamily="2" charset="-127"/>
+                <a:ea typeface="프리젠테이션 5 Medium" pitchFamily="2" charset="-127"/>
+              </a:rPr>
+              <a:t>` (</a:t>
+            </a:r>
+          </a:p>
+          <a:p>
+            <a:pPr lvl="0">
+              <a:lnSpc>
+                <a:spcPct val="112050"/>
+              </a:lnSpc>
+            </a:pPr>
+            <a:r>
+              <a:rPr lang="en-US" sz="1400" dirty="0">
+                <a:latin typeface="프리젠테이션 5 Medium" pitchFamily="2" charset="-127"/>
+                <a:ea typeface="프리젠테이션 5 Medium" pitchFamily="2" charset="-127"/>
+              </a:rPr>
+              <a:t>  `</a:t>
+            </a:r>
+            <a:r>
+              <a:rPr lang="en-US" sz="1400" dirty="0" err="1">
+                <a:latin typeface="프리젠테이션 5 Medium" pitchFamily="2" charset="-127"/>
+                <a:ea typeface="프리젠테이션 5 Medium" pitchFamily="2" charset="-127"/>
+              </a:rPr>
+              <a:t>userId</a:t>
+            </a:r>
+            <a:r>
+              <a:rPr lang="en-US" sz="1400" dirty="0">
+                <a:latin typeface="프리젠테이션 5 Medium" pitchFamily="2" charset="-127"/>
+                <a:ea typeface="프리젠테이션 5 Medium" pitchFamily="2" charset="-127"/>
+              </a:rPr>
+              <a:t>` CHAR(8) NOT NULL,</a:t>
+            </a:r>
+          </a:p>
+          <a:p>
+            <a:pPr lvl="0">
+              <a:lnSpc>
+                <a:spcPct val="112050"/>
+              </a:lnSpc>
+            </a:pPr>
+            <a:r>
+              <a:rPr lang="en-US" sz="1400" dirty="0">
+                <a:latin typeface="프리젠테이션 5 Medium" pitchFamily="2" charset="-127"/>
+                <a:ea typeface="프리젠테이션 5 Medium" pitchFamily="2" charset="-127"/>
+              </a:rPr>
+              <a:t>  `name` VARCHAR(16) NOT NULL,</a:t>
+            </a:r>
+          </a:p>
+          <a:p>
+            <a:pPr lvl="0">
+              <a:lnSpc>
+                <a:spcPct val="112050"/>
+              </a:lnSpc>
+            </a:pPr>
+            <a:r>
+              <a:rPr lang="en-US" sz="1400" dirty="0">
+                <a:latin typeface="프리젠테이션 5 Medium" pitchFamily="2" charset="-127"/>
+                <a:ea typeface="프리젠테이션 5 Medium" pitchFamily="2" charset="-127"/>
+              </a:rPr>
+              <a:t>  `</a:t>
+            </a:r>
+            <a:r>
+              <a:rPr lang="en-US" sz="1400" dirty="0" err="1">
+                <a:latin typeface="프리젠테이션 5 Medium" pitchFamily="2" charset="-127"/>
+                <a:ea typeface="프리젠테이션 5 Medium" pitchFamily="2" charset="-127"/>
+              </a:rPr>
+              <a:t>birthYear</a:t>
+            </a:r>
+            <a:r>
+              <a:rPr lang="en-US" sz="1400" dirty="0">
+                <a:latin typeface="프리젠테이션 5 Medium" pitchFamily="2" charset="-127"/>
+                <a:ea typeface="프리젠테이션 5 Medium" pitchFamily="2" charset="-127"/>
+              </a:rPr>
+              <a:t>` INT NOT NULL,</a:t>
+            </a:r>
+          </a:p>
+          <a:p>
+            <a:pPr lvl="0">
+              <a:lnSpc>
+                <a:spcPct val="112050"/>
+              </a:lnSpc>
+            </a:pPr>
+            <a:r>
+              <a:rPr lang="en-US" sz="1400" dirty="0">
+                <a:latin typeface="프리젠테이션 5 Medium" pitchFamily="2" charset="-127"/>
+                <a:ea typeface="프리젠테이션 5 Medium" pitchFamily="2" charset="-127"/>
+              </a:rPr>
+              <a:t>  `</a:t>
+            </a:r>
+            <a:r>
+              <a:rPr lang="en-US" sz="1400" dirty="0" err="1">
+                <a:latin typeface="프리젠테이션 5 Medium" pitchFamily="2" charset="-127"/>
+                <a:ea typeface="프리젠테이션 5 Medium" pitchFamily="2" charset="-127"/>
+              </a:rPr>
+              <a:t>addr</a:t>
+            </a:r>
+            <a:r>
+              <a:rPr lang="en-US" sz="1400" dirty="0">
+                <a:latin typeface="프리젠테이션 5 Medium" pitchFamily="2" charset="-127"/>
+                <a:ea typeface="프리젠테이션 5 Medium" pitchFamily="2" charset="-127"/>
+              </a:rPr>
+              <a:t>` VARCHAR(4) NOT NULL,</a:t>
+            </a:r>
+          </a:p>
+          <a:p>
+            <a:pPr lvl="0">
+              <a:lnSpc>
+                <a:spcPct val="112050"/>
+              </a:lnSpc>
+            </a:pPr>
+            <a:r>
+              <a:rPr lang="en-US" sz="1400" dirty="0">
+                <a:latin typeface="프리젠테이션 5 Medium" pitchFamily="2" charset="-127"/>
+                <a:ea typeface="프리젠테이션 5 Medium" pitchFamily="2" charset="-127"/>
+              </a:rPr>
+              <a:t>  `mobile1` CHAR(3) NOT NULL,</a:t>
+            </a:r>
+          </a:p>
+          <a:p>
+            <a:pPr lvl="0">
+              <a:lnSpc>
+                <a:spcPct val="112050"/>
+              </a:lnSpc>
+            </a:pPr>
+            <a:r>
+              <a:rPr lang="en-US" sz="1400" dirty="0">
+                <a:latin typeface="프리젠테이션 5 Medium" pitchFamily="2" charset="-127"/>
+                <a:ea typeface="프리젠테이션 5 Medium" pitchFamily="2" charset="-127"/>
+              </a:rPr>
+              <a:t>  `mobile2` CHAR(8) NOT NULL,</a:t>
+            </a:r>
+          </a:p>
+          <a:p>
+            <a:pPr lvl="0">
+              <a:lnSpc>
+                <a:spcPct val="112050"/>
+              </a:lnSpc>
+            </a:pPr>
+            <a:r>
+              <a:rPr lang="en-US" sz="1400" dirty="0">
+                <a:latin typeface="프리젠테이션 5 Medium" pitchFamily="2" charset="-127"/>
+                <a:ea typeface="프리젠테이션 5 Medium" pitchFamily="2" charset="-127"/>
+              </a:rPr>
+              <a:t>  `</a:t>
+            </a:r>
+            <a:r>
+              <a:rPr lang="en-US" sz="1400" dirty="0" err="1">
+                <a:latin typeface="프리젠테이션 5 Medium" pitchFamily="2" charset="-127"/>
+                <a:ea typeface="프리젠테이션 5 Medium" pitchFamily="2" charset="-127"/>
+              </a:rPr>
+              <a:t>mDate</a:t>
+            </a:r>
+            <a:r>
+              <a:rPr lang="en-US" sz="1400" dirty="0">
+                <a:latin typeface="프리젠테이션 5 Medium" pitchFamily="2" charset="-127"/>
+                <a:ea typeface="프리젠테이션 5 Medium" pitchFamily="2" charset="-127"/>
+              </a:rPr>
+              <a:t>` DATETIME NOT NULL,</a:t>
+            </a:r>
+          </a:p>
+          <a:p>
+            <a:pPr lvl="0">
+              <a:lnSpc>
+                <a:spcPct val="112050"/>
+              </a:lnSpc>
+            </a:pPr>
+            <a:r>
+              <a:rPr lang="en-US" sz="1400" dirty="0">
+                <a:latin typeface="프리젠테이션 5 Medium" pitchFamily="2" charset="-127"/>
+                <a:ea typeface="프리젠테이션 5 Medium" pitchFamily="2" charset="-127"/>
+              </a:rPr>
+              <a:t>  `</a:t>
+            </a:r>
+            <a:r>
+              <a:rPr lang="en-US" sz="1400" dirty="0" err="1">
+                <a:latin typeface="프리젠테이션 5 Medium" pitchFamily="2" charset="-127"/>
+                <a:ea typeface="프리젠테이션 5 Medium" pitchFamily="2" charset="-127"/>
+              </a:rPr>
+              <a:t>usertblcol</a:t>
+            </a:r>
+            <a:r>
+              <a:rPr lang="en-US" sz="1400" dirty="0">
+                <a:latin typeface="프리젠테이션 5 Medium" pitchFamily="2" charset="-127"/>
+                <a:ea typeface="프리젠테이션 5 Medium" pitchFamily="2" charset="-127"/>
+              </a:rPr>
+              <a:t>` VARCHAR(45) NOT NULL,</a:t>
+            </a:r>
+          </a:p>
+          <a:p>
+            <a:pPr lvl="0">
+              <a:lnSpc>
+                <a:spcPct val="112050"/>
+              </a:lnSpc>
+            </a:pPr>
+            <a:r>
+              <a:rPr lang="en-US" sz="1400" dirty="0">
+                <a:latin typeface="프리젠테이션 5 Medium" pitchFamily="2" charset="-127"/>
+                <a:ea typeface="프리젠테이션 5 Medium" pitchFamily="2" charset="-127"/>
+              </a:rPr>
+              <a:t>  PRIMARY KEY (`</a:t>
+            </a:r>
+            <a:r>
+              <a:rPr lang="en-US" sz="1400" dirty="0" err="1">
+                <a:latin typeface="프리젠테이션 5 Medium" pitchFamily="2" charset="-127"/>
+                <a:ea typeface="프리젠테이션 5 Medium" pitchFamily="2" charset="-127"/>
+              </a:rPr>
+              <a:t>userId</a:t>
+            </a:r>
+            <a:r>
+              <a:rPr lang="en-US" sz="1400" dirty="0">
+                <a:latin typeface="프리젠테이션 5 Medium" pitchFamily="2" charset="-127"/>
+                <a:ea typeface="프리젠테이션 5 Medium" pitchFamily="2" charset="-127"/>
+              </a:rPr>
+              <a:t>`))</a:t>
+            </a:r>
+          </a:p>
+          <a:p>
+            <a:pPr lvl="0">
+              <a:lnSpc>
+                <a:spcPct val="112050"/>
+              </a:lnSpc>
+            </a:pPr>
+            <a:r>
+              <a:rPr lang="en-US" sz="1400" dirty="0">
+                <a:latin typeface="프리젠테이션 5 Medium" pitchFamily="2" charset="-127"/>
+                <a:ea typeface="프리젠테이션 5 Medium" pitchFamily="2" charset="-127"/>
+              </a:rPr>
+              <a:t>ENGINE = </a:t>
+            </a:r>
+            <a:r>
+              <a:rPr lang="en-US" sz="1400" dirty="0" err="1">
+                <a:latin typeface="프리젠테이션 5 Medium" pitchFamily="2" charset="-127"/>
+                <a:ea typeface="프리젠테이션 5 Medium" pitchFamily="2" charset="-127"/>
+              </a:rPr>
+              <a:t>InnoDBCOMMENT</a:t>
+            </a:r>
+            <a:r>
+              <a:rPr lang="en-US" sz="1400" dirty="0">
+                <a:latin typeface="프리젠테이션 5 Medium" pitchFamily="2" charset="-127"/>
+                <a:ea typeface="프리젠테이션 5 Medium" pitchFamily="2" charset="-127"/>
+              </a:rPr>
+              <a:t> = '		‘;</a:t>
+            </a:r>
+          </a:p>
+        </p:txBody>
+      </p:sp>
+      <p:sp>
+        <p:nvSpPr>
+          <p:cNvPr id="26" name="TextBox 30">
+            <a:extLst>
+              <a:ext uri="{FF2B5EF4-FFF2-40B4-BE49-F238E27FC236}">
+                <a16:creationId xmlns:a16="http://schemas.microsoft.com/office/drawing/2014/main" id="{07BB6E2E-7766-49F1-BD0D-3490663BCE53}"/>
+              </a:ext>
+            </a:extLst>
+          </p:cNvPr>
+          <p:cNvSpPr txBox="1"/>
+          <p:nvPr/>
+        </p:nvSpPr>
+        <p:spPr>
+          <a:xfrm>
+            <a:off x="9182100" y="2770201"/>
+            <a:ext cx="7486650" cy="6615305"/>
+          </a:xfrm>
+          <a:prstGeom prst="rect">
+            <a:avLst/>
+          </a:prstGeom>
+        </p:spPr>
+        <p:txBody>
+          <a:bodyPr lIns="0" tIns="0" rIns="0" bIns="0" rtlCol="0" anchor="ctr"/>
+          <a:lstStyle/>
+          <a:p>
+            <a:pPr lvl="0">
+              <a:lnSpc>
+                <a:spcPct val="112050"/>
+              </a:lnSpc>
+            </a:pPr>
+            <a:r>
+              <a:rPr lang="en-US" sz="1400" dirty="0">
+                <a:latin typeface="프리젠테이션 5 Medium" pitchFamily="2" charset="-127"/>
+                <a:ea typeface="프리젠테이션 5 Medium" pitchFamily="2" charset="-127"/>
+              </a:rPr>
               <a:t>-- -----------------------------------------------------</a:t>
             </a:r>
           </a:p>
           <a:p>
-            <a:r>
-              <a:rPr lang="en-US" altLang="ko-KR" dirty="0"/>
-              <a:t>-- Schema </a:t>
-            </a:r>
-            <a:r>
-              <a:rPr lang="en-US" altLang="ko-KR" dirty="0" err="1"/>
+            <a:pPr lvl="0">
+              <a:lnSpc>
+                <a:spcPct val="112050"/>
+              </a:lnSpc>
+            </a:pPr>
+            <a:r>
+              <a:rPr lang="en-US" sz="1400" dirty="0">
+                <a:latin typeface="프리젠테이션 5 Medium" pitchFamily="2" charset="-127"/>
+                <a:ea typeface="프리젠테이션 5 Medium" pitchFamily="2" charset="-127"/>
+              </a:rPr>
+              <a:t>-- Table `</a:t>
+            </a:r>
+            <a:r>
+              <a:rPr lang="en-US" sz="1400" dirty="0" err="1">
+                <a:latin typeface="프리젠테이션 5 Medium" pitchFamily="2" charset="-127"/>
+                <a:ea typeface="프리젠테이션 5 Medium" pitchFamily="2" charset="-127"/>
+              </a:rPr>
               <a:t>ShopDB</a:t>
             </a:r>
-            <a:endParaRPr lang="en-US" altLang="ko-KR" dirty="0"/>
-          </a:p>
-          <a:p>
-            <a:r>
-              <a:rPr lang="en-US" altLang="ko-KR" dirty="0"/>
+            <a:r>
+              <a:rPr lang="en-US" sz="1400" dirty="0">
+                <a:latin typeface="프리젠테이션 5 Medium" pitchFamily="2" charset="-127"/>
+                <a:ea typeface="프리젠테이션 5 Medium" pitchFamily="2" charset="-127"/>
+              </a:rPr>
+              <a:t>`.`</a:t>
+            </a:r>
+            <a:r>
+              <a:rPr lang="en-US" sz="1400" dirty="0" err="1">
+                <a:latin typeface="프리젠테이션 5 Medium" pitchFamily="2" charset="-127"/>
+                <a:ea typeface="프리젠테이션 5 Medium" pitchFamily="2" charset="-127"/>
+              </a:rPr>
+              <a:t>ordertbl</a:t>
+            </a:r>
+            <a:r>
+              <a:rPr lang="en-US" sz="1400" dirty="0">
+                <a:latin typeface="프리젠테이션 5 Medium" pitchFamily="2" charset="-127"/>
+                <a:ea typeface="프리젠테이션 5 Medium" pitchFamily="2" charset="-127"/>
+              </a:rPr>
+              <a:t>`</a:t>
+            </a:r>
+          </a:p>
+          <a:p>
+            <a:pPr lvl="0">
+              <a:lnSpc>
+                <a:spcPct val="112050"/>
+              </a:lnSpc>
+            </a:pPr>
+            <a:r>
+              <a:rPr lang="en-US" sz="1400" dirty="0">
+                <a:latin typeface="프리젠테이션 5 Medium" pitchFamily="2" charset="-127"/>
+                <a:ea typeface="프리젠테이션 5 Medium" pitchFamily="2" charset="-127"/>
+              </a:rPr>
               <a:t>-- -----------------------------------------------------</a:t>
             </a:r>
           </a:p>
           <a:p>
-            <a:r>
-              <a:rPr lang="en-US" altLang="ko-KR" dirty="0"/>
-              <a:t>CREATE SCHEMA IF NOT EXISTS `</a:t>
-            </a:r>
-            <a:r>
-              <a:rPr lang="en-US" altLang="ko-KR" dirty="0" err="1"/>
+            <a:pPr lvl="0">
+              <a:lnSpc>
+                <a:spcPct val="112050"/>
+              </a:lnSpc>
+            </a:pPr>
+            <a:r>
+              <a:rPr lang="en-US" sz="1400" dirty="0">
+                <a:latin typeface="프리젠테이션 5 Medium" pitchFamily="2" charset="-127"/>
+                <a:ea typeface="프리젠테이션 5 Medium" pitchFamily="2" charset="-127"/>
+              </a:rPr>
+              <a:t>CREATE TABLE IF NOT EXISTS `</a:t>
+            </a:r>
+            <a:r>
+              <a:rPr lang="en-US" sz="1400" dirty="0" err="1">
+                <a:latin typeface="프리젠테이션 5 Medium" pitchFamily="2" charset="-127"/>
+                <a:ea typeface="프리젠테이션 5 Medium" pitchFamily="2" charset="-127"/>
+              </a:rPr>
               <a:t>ShopDB</a:t>
             </a:r>
             <a:r>
-              <a:rPr lang="en-US" altLang="ko-KR" dirty="0"/>
-              <a:t>` DEFAULT CHARACTER SET utf8 ;</a:t>
-            </a:r>
-          </a:p>
-          <a:p>
-            <a:r>
-              <a:rPr lang="en-US" altLang="ko-KR" dirty="0"/>
-              <a:t>USE `</a:t>
-            </a:r>
-            <a:r>
-              <a:rPr lang="en-US" altLang="ko-KR" dirty="0" err="1"/>
+              <a:rPr lang="en-US" sz="1400" dirty="0">
+                <a:latin typeface="프리젠테이션 5 Medium" pitchFamily="2" charset="-127"/>
+                <a:ea typeface="프리젠테이션 5 Medium" pitchFamily="2" charset="-127"/>
+              </a:rPr>
+              <a:t>`.`</a:t>
+            </a:r>
+            <a:r>
+              <a:rPr lang="en-US" sz="1400" dirty="0" err="1">
+                <a:latin typeface="프리젠테이션 5 Medium" pitchFamily="2" charset="-127"/>
+                <a:ea typeface="프리젠테이션 5 Medium" pitchFamily="2" charset="-127"/>
+              </a:rPr>
+              <a:t>ordertbl</a:t>
+            </a:r>
+            <a:r>
+              <a:rPr lang="en-US" sz="1400" dirty="0">
+                <a:latin typeface="프리젠테이션 5 Medium" pitchFamily="2" charset="-127"/>
+                <a:ea typeface="프리젠테이션 5 Medium" pitchFamily="2" charset="-127"/>
+              </a:rPr>
+              <a:t>` (</a:t>
+            </a:r>
+          </a:p>
+          <a:p>
+            <a:pPr lvl="0">
+              <a:lnSpc>
+                <a:spcPct val="112050"/>
+              </a:lnSpc>
+            </a:pPr>
+            <a:r>
+              <a:rPr lang="en-US" sz="1400" dirty="0">
+                <a:latin typeface="프리젠테이션 5 Medium" pitchFamily="2" charset="-127"/>
+                <a:ea typeface="프리젠테이션 5 Medium" pitchFamily="2" charset="-127"/>
+              </a:rPr>
+              <a:t>  `num` INT NOT NULL,</a:t>
+            </a:r>
+          </a:p>
+          <a:p>
+            <a:pPr lvl="0">
+              <a:lnSpc>
+                <a:spcPct val="112050"/>
+              </a:lnSpc>
+            </a:pPr>
+            <a:r>
+              <a:rPr lang="en-US" sz="1400" dirty="0">
+                <a:latin typeface="프리젠테이션 5 Medium" pitchFamily="2" charset="-127"/>
+                <a:ea typeface="프리젠테이션 5 Medium" pitchFamily="2" charset="-127"/>
+              </a:rPr>
+              <a:t>  `</a:t>
+            </a:r>
+            <a:r>
+              <a:rPr lang="en-US" sz="1400" dirty="0" err="1">
+                <a:latin typeface="프리젠테이션 5 Medium" pitchFamily="2" charset="-127"/>
+                <a:ea typeface="프리젠테이션 5 Medium" pitchFamily="2" charset="-127"/>
+              </a:rPr>
+              <a:t>orderDate</a:t>
+            </a:r>
+            <a:r>
+              <a:rPr lang="en-US" sz="1400" dirty="0">
+                <a:latin typeface="프리젠테이션 5 Medium" pitchFamily="2" charset="-127"/>
+                <a:ea typeface="프리젠테이션 5 Medium" pitchFamily="2" charset="-127"/>
+              </a:rPr>
+              <a:t>` DATETIME NOT NULL,</a:t>
+            </a:r>
+          </a:p>
+          <a:p>
+            <a:pPr lvl="0">
+              <a:lnSpc>
+                <a:spcPct val="112050"/>
+              </a:lnSpc>
+            </a:pPr>
+            <a:r>
+              <a:rPr lang="en-US" sz="1400" dirty="0">
+                <a:latin typeface="프리젠테이션 5 Medium" pitchFamily="2" charset="-127"/>
+                <a:ea typeface="프리젠테이션 5 Medium" pitchFamily="2" charset="-127"/>
+              </a:rPr>
+              <a:t>  `</a:t>
+            </a:r>
+            <a:r>
+              <a:rPr lang="en-US" sz="1400" dirty="0" err="1">
+                <a:latin typeface="프리젠테이션 5 Medium" pitchFamily="2" charset="-127"/>
+                <a:ea typeface="프리젠테이션 5 Medium" pitchFamily="2" charset="-127"/>
+              </a:rPr>
+              <a:t>userId</a:t>
+            </a:r>
+            <a:r>
+              <a:rPr lang="en-US" sz="1400" dirty="0">
+                <a:latin typeface="프리젠테이션 5 Medium" pitchFamily="2" charset="-127"/>
+                <a:ea typeface="프리젠테이션 5 Medium" pitchFamily="2" charset="-127"/>
+              </a:rPr>
+              <a:t>` CHAR(8) NOT NULL,</a:t>
+            </a:r>
+          </a:p>
+          <a:p>
+            <a:pPr lvl="0">
+              <a:lnSpc>
+                <a:spcPct val="112050"/>
+              </a:lnSpc>
+            </a:pPr>
+            <a:r>
+              <a:rPr lang="en-US" sz="1400" dirty="0">
+                <a:latin typeface="프리젠테이션 5 Medium" pitchFamily="2" charset="-127"/>
+                <a:ea typeface="프리젠테이션 5 Medium" pitchFamily="2" charset="-127"/>
+              </a:rPr>
+              <a:t>  `</a:t>
+            </a:r>
+            <a:r>
+              <a:rPr lang="en-US" sz="1400" dirty="0" err="1">
+                <a:latin typeface="프리젠테이션 5 Medium" pitchFamily="2" charset="-127"/>
+                <a:ea typeface="프리젠테이션 5 Medium" pitchFamily="2" charset="-127"/>
+              </a:rPr>
+              <a:t>prodName</a:t>
+            </a:r>
+            <a:r>
+              <a:rPr lang="en-US" sz="1400" dirty="0">
+                <a:latin typeface="프리젠테이션 5 Medium" pitchFamily="2" charset="-127"/>
+                <a:ea typeface="프리젠테이션 5 Medium" pitchFamily="2" charset="-127"/>
+              </a:rPr>
+              <a:t>` CHAR(10) NOT NULL,</a:t>
+            </a:r>
+          </a:p>
+          <a:p>
+            <a:pPr lvl="0">
+              <a:lnSpc>
+                <a:spcPct val="112050"/>
+              </a:lnSpc>
+            </a:pPr>
+            <a:r>
+              <a:rPr lang="en-US" sz="1400" dirty="0">
+                <a:latin typeface="프리젠테이션 5 Medium" pitchFamily="2" charset="-127"/>
+                <a:ea typeface="프리젠테이션 5 Medium" pitchFamily="2" charset="-127"/>
+              </a:rPr>
+              <a:t>  `</a:t>
+            </a:r>
+            <a:r>
+              <a:rPr lang="en-US" sz="1400" dirty="0" err="1">
+                <a:latin typeface="프리젠테이션 5 Medium" pitchFamily="2" charset="-127"/>
+                <a:ea typeface="프리젠테이션 5 Medium" pitchFamily="2" charset="-127"/>
+              </a:rPr>
+              <a:t>groupName</a:t>
+            </a:r>
+            <a:r>
+              <a:rPr lang="en-US" sz="1400" dirty="0">
+                <a:latin typeface="프리젠테이션 5 Medium" pitchFamily="2" charset="-127"/>
+                <a:ea typeface="프리젠테이션 5 Medium" pitchFamily="2" charset="-127"/>
+              </a:rPr>
+              <a:t>` CHAR(20) NOT NULL,</a:t>
+            </a:r>
+          </a:p>
+          <a:p>
+            <a:pPr lvl="0">
+              <a:lnSpc>
+                <a:spcPct val="112050"/>
+              </a:lnSpc>
+            </a:pPr>
+            <a:r>
+              <a:rPr lang="en-US" sz="1400" dirty="0">
+                <a:latin typeface="프리젠테이션 5 Medium" pitchFamily="2" charset="-127"/>
+                <a:ea typeface="프리젠테이션 5 Medium" pitchFamily="2" charset="-127"/>
+              </a:rPr>
+              <a:t>  `</a:t>
+            </a:r>
+            <a:r>
+              <a:rPr lang="en-US" sz="1400" dirty="0" err="1">
+                <a:latin typeface="프리젠테이션 5 Medium" pitchFamily="2" charset="-127"/>
+                <a:ea typeface="프리젠테이션 5 Medium" pitchFamily="2" charset="-127"/>
+              </a:rPr>
+              <a:t>orderamount</a:t>
+            </a:r>
+            <a:r>
+              <a:rPr lang="en-US" sz="1400" dirty="0">
+                <a:latin typeface="프리젠테이션 5 Medium" pitchFamily="2" charset="-127"/>
+                <a:ea typeface="프리젠테이션 5 Medium" pitchFamily="2" charset="-127"/>
+              </a:rPr>
+              <a:t>` INT NOT NULL,</a:t>
+            </a:r>
+          </a:p>
+          <a:p>
+            <a:pPr lvl="0">
+              <a:lnSpc>
+                <a:spcPct val="112050"/>
+              </a:lnSpc>
+            </a:pPr>
+            <a:r>
+              <a:rPr lang="en-US" sz="1400" dirty="0">
+                <a:latin typeface="프리젠테이션 5 Medium" pitchFamily="2" charset="-127"/>
+                <a:ea typeface="프리젠테이션 5 Medium" pitchFamily="2" charset="-127"/>
+              </a:rPr>
+              <a:t>  `price` SMALLINT NOT NULL,</a:t>
+            </a:r>
+          </a:p>
+          <a:p>
+            <a:pPr lvl="0">
+              <a:lnSpc>
+                <a:spcPct val="112050"/>
+              </a:lnSpc>
+            </a:pPr>
+            <a:r>
+              <a:rPr lang="en-US" sz="1400" dirty="0">
+                <a:latin typeface="프리젠테이션 5 Medium" pitchFamily="2" charset="-127"/>
+                <a:ea typeface="프리젠테이션 5 Medium" pitchFamily="2" charset="-127"/>
+              </a:rPr>
+              <a:t>  INDEX `fk_prodtbl_has_usertbl_usertbl1_idx` (`</a:t>
+            </a:r>
+            <a:r>
+              <a:rPr lang="en-US" sz="1400" dirty="0" err="1">
+                <a:latin typeface="프리젠테이션 5 Medium" pitchFamily="2" charset="-127"/>
+                <a:ea typeface="프리젠테이션 5 Medium" pitchFamily="2" charset="-127"/>
+              </a:rPr>
+              <a:t>userId</a:t>
+            </a:r>
+            <a:r>
+              <a:rPr lang="en-US" sz="1400" dirty="0">
+                <a:latin typeface="프리젠테이션 5 Medium" pitchFamily="2" charset="-127"/>
+                <a:ea typeface="프리젠테이션 5 Medium" pitchFamily="2" charset="-127"/>
+              </a:rPr>
+              <a:t>` ASC) VISIBLE,</a:t>
+            </a:r>
+          </a:p>
+          <a:p>
+            <a:pPr lvl="0">
+              <a:lnSpc>
+                <a:spcPct val="112050"/>
+              </a:lnSpc>
+            </a:pPr>
+            <a:r>
+              <a:rPr lang="en-US" sz="1400" dirty="0">
+                <a:latin typeface="프리젠테이션 5 Medium" pitchFamily="2" charset="-127"/>
+                <a:ea typeface="프리젠테이션 5 Medium" pitchFamily="2" charset="-127"/>
+              </a:rPr>
+              <a:t>  INDEX `</a:t>
+            </a:r>
+            <a:r>
+              <a:rPr lang="en-US" sz="1400" dirty="0" err="1">
+                <a:latin typeface="프리젠테이션 5 Medium" pitchFamily="2" charset="-127"/>
+                <a:ea typeface="프리젠테이션 5 Medium" pitchFamily="2" charset="-127"/>
+              </a:rPr>
+              <a:t>fk_prodtbl_has_usertbl_prodtbl_idx</a:t>
+            </a:r>
+            <a:r>
+              <a:rPr lang="en-US" sz="1400" dirty="0">
+                <a:latin typeface="프리젠테이션 5 Medium" pitchFamily="2" charset="-127"/>
+                <a:ea typeface="프리젠테이션 5 Medium" pitchFamily="2" charset="-127"/>
+              </a:rPr>
+              <a:t>` (`</a:t>
+            </a:r>
+            <a:r>
+              <a:rPr lang="en-US" sz="1400" dirty="0" err="1">
+                <a:latin typeface="프리젠테이션 5 Medium" pitchFamily="2" charset="-127"/>
+                <a:ea typeface="프리젠테이션 5 Medium" pitchFamily="2" charset="-127"/>
+              </a:rPr>
+              <a:t>prodName</a:t>
+            </a:r>
+            <a:r>
+              <a:rPr lang="en-US" sz="1400" dirty="0">
+                <a:latin typeface="프리젠테이션 5 Medium" pitchFamily="2" charset="-127"/>
+                <a:ea typeface="프리젠테이션 5 Medium" pitchFamily="2" charset="-127"/>
+              </a:rPr>
+              <a:t>` ASC) VISIBLE,</a:t>
+            </a:r>
+          </a:p>
+          <a:p>
+            <a:pPr lvl="0">
+              <a:lnSpc>
+                <a:spcPct val="112050"/>
+              </a:lnSpc>
+            </a:pPr>
+            <a:r>
+              <a:rPr lang="en-US" sz="1400" dirty="0">
+                <a:latin typeface="프리젠테이션 5 Medium" pitchFamily="2" charset="-127"/>
+                <a:ea typeface="프리젠테이션 5 Medium" pitchFamily="2" charset="-127"/>
+              </a:rPr>
+              <a:t>  PRIMARY KEY (`num`),</a:t>
+            </a:r>
+          </a:p>
+          <a:p>
+            <a:pPr lvl="0">
+              <a:lnSpc>
+                <a:spcPct val="112050"/>
+              </a:lnSpc>
+            </a:pPr>
+            <a:r>
+              <a:rPr lang="en-US" sz="1400" dirty="0">
+                <a:latin typeface="프리젠테이션 5 Medium" pitchFamily="2" charset="-127"/>
+                <a:ea typeface="프리젠테이션 5 Medium" pitchFamily="2" charset="-127"/>
+              </a:rPr>
+              <a:t>  CONSTRAINT `</a:t>
+            </a:r>
+            <a:r>
+              <a:rPr lang="en-US" sz="1400" dirty="0" err="1">
+                <a:latin typeface="프리젠테이션 5 Medium" pitchFamily="2" charset="-127"/>
+                <a:ea typeface="프리젠테이션 5 Medium" pitchFamily="2" charset="-127"/>
+              </a:rPr>
+              <a:t>fk_prodtbl_has_usertbl_prodtbl</a:t>
+            </a:r>
+            <a:r>
+              <a:rPr lang="en-US" sz="1400" dirty="0">
+                <a:latin typeface="프리젠테이션 5 Medium" pitchFamily="2" charset="-127"/>
+                <a:ea typeface="프리젠테이션 5 Medium" pitchFamily="2" charset="-127"/>
+              </a:rPr>
+              <a:t>`</a:t>
+            </a:r>
+          </a:p>
+          <a:p>
+            <a:pPr lvl="0">
+              <a:lnSpc>
+                <a:spcPct val="112050"/>
+              </a:lnSpc>
+            </a:pPr>
+            <a:r>
+              <a:rPr lang="en-US" sz="1400" dirty="0">
+                <a:latin typeface="프리젠테이션 5 Medium" pitchFamily="2" charset="-127"/>
+                <a:ea typeface="프리젠테이션 5 Medium" pitchFamily="2" charset="-127"/>
+              </a:rPr>
+              <a:t>    FOREIGN KEY (`</a:t>
+            </a:r>
+            <a:r>
+              <a:rPr lang="en-US" sz="1400" dirty="0" err="1">
+                <a:latin typeface="프리젠테이션 5 Medium" pitchFamily="2" charset="-127"/>
+                <a:ea typeface="프리젠테이션 5 Medium" pitchFamily="2" charset="-127"/>
+              </a:rPr>
+              <a:t>prodName</a:t>
+            </a:r>
+            <a:r>
+              <a:rPr lang="en-US" sz="1400" dirty="0">
+                <a:latin typeface="프리젠테이션 5 Medium" pitchFamily="2" charset="-127"/>
+                <a:ea typeface="프리젠테이션 5 Medium" pitchFamily="2" charset="-127"/>
+              </a:rPr>
+              <a:t>`)</a:t>
+            </a:r>
+          </a:p>
+          <a:p>
+            <a:pPr lvl="0">
+              <a:lnSpc>
+                <a:spcPct val="112050"/>
+              </a:lnSpc>
+            </a:pPr>
+            <a:r>
+              <a:rPr lang="en-US" sz="1400" dirty="0">
+                <a:latin typeface="프리젠테이션 5 Medium" pitchFamily="2" charset="-127"/>
+                <a:ea typeface="프리젠테이션 5 Medium" pitchFamily="2" charset="-127"/>
+              </a:rPr>
+              <a:t>    REFERENCES `</a:t>
+            </a:r>
+            <a:r>
+              <a:rPr lang="en-US" sz="1400" dirty="0" err="1">
+                <a:latin typeface="프리젠테이션 5 Medium" pitchFamily="2" charset="-127"/>
+                <a:ea typeface="프리젠테이션 5 Medium" pitchFamily="2" charset="-127"/>
+              </a:rPr>
               <a:t>ShopDB</a:t>
             </a:r>
             <a:r>
-              <a:rPr lang="en-US" altLang="ko-KR" dirty="0"/>
-              <a:t>` ;</a:t>
-            </a:r>
-          </a:p>
-          <a:p>
-            <a:endParaRPr lang="en-US" altLang="ko-KR" dirty="0"/>
-          </a:p>
-          <a:p>
-            <a:r>
-              <a:rPr lang="en-US" altLang="ko-KR" dirty="0"/>
-              <a:t>-- -----------------------------------------------------</a:t>
-            </a:r>
-          </a:p>
-          <a:p>
-            <a:r>
-              <a:rPr lang="en-US" altLang="ko-KR" dirty="0"/>
-              <a:t>-- Table `</a:t>
-            </a:r>
-            <a:r>
-              <a:rPr lang="en-US" altLang="ko-KR" dirty="0" err="1"/>
+              <a:rPr lang="en-US" sz="1400" dirty="0">
+                <a:latin typeface="프리젠테이션 5 Medium" pitchFamily="2" charset="-127"/>
+                <a:ea typeface="프리젠테이션 5 Medium" pitchFamily="2" charset="-127"/>
+              </a:rPr>
+              <a:t>`.`</a:t>
+            </a:r>
+            <a:r>
+              <a:rPr lang="en-US" sz="1400" dirty="0" err="1">
+                <a:latin typeface="프리젠테이션 5 Medium" pitchFamily="2" charset="-127"/>
+                <a:ea typeface="프리젠테이션 5 Medium" pitchFamily="2" charset="-127"/>
+              </a:rPr>
+              <a:t>prodtbl</a:t>
+            </a:r>
+            <a:r>
+              <a:rPr lang="en-US" sz="1400" dirty="0">
+                <a:latin typeface="프리젠테이션 5 Medium" pitchFamily="2" charset="-127"/>
+                <a:ea typeface="프리젠테이션 5 Medium" pitchFamily="2" charset="-127"/>
+              </a:rPr>
+              <a:t>` (`</a:t>
+            </a:r>
+            <a:r>
+              <a:rPr lang="en-US" sz="1400" dirty="0" err="1">
+                <a:latin typeface="프리젠테이션 5 Medium" pitchFamily="2" charset="-127"/>
+                <a:ea typeface="프리젠테이션 5 Medium" pitchFamily="2" charset="-127"/>
+              </a:rPr>
+              <a:t>prodName</a:t>
+            </a:r>
+            <a:r>
+              <a:rPr lang="en-US" sz="1400" dirty="0">
+                <a:latin typeface="프리젠테이션 5 Medium" pitchFamily="2" charset="-127"/>
+                <a:ea typeface="프리젠테이션 5 Medium" pitchFamily="2" charset="-127"/>
+              </a:rPr>
+              <a:t>`)</a:t>
+            </a:r>
+          </a:p>
+          <a:p>
+            <a:pPr lvl="0">
+              <a:lnSpc>
+                <a:spcPct val="112050"/>
+              </a:lnSpc>
+            </a:pPr>
+            <a:r>
+              <a:rPr lang="en-US" sz="1400" dirty="0">
+                <a:latin typeface="프리젠테이션 5 Medium" pitchFamily="2" charset="-127"/>
+                <a:ea typeface="프리젠테이션 5 Medium" pitchFamily="2" charset="-127"/>
+              </a:rPr>
+              <a:t>    ON DELETE CASCADE</a:t>
+            </a:r>
+          </a:p>
+          <a:p>
+            <a:pPr lvl="0">
+              <a:lnSpc>
+                <a:spcPct val="112050"/>
+              </a:lnSpc>
+            </a:pPr>
+            <a:r>
+              <a:rPr lang="en-US" sz="1400" dirty="0">
+                <a:latin typeface="프리젠테이션 5 Medium" pitchFamily="2" charset="-127"/>
+                <a:ea typeface="프리젠테이션 5 Medium" pitchFamily="2" charset="-127"/>
+              </a:rPr>
+              <a:t>    ON UPDATE CASCADE,</a:t>
+            </a:r>
+          </a:p>
+          <a:p>
+            <a:pPr lvl="0">
+              <a:lnSpc>
+                <a:spcPct val="112050"/>
+              </a:lnSpc>
+            </a:pPr>
+            <a:r>
+              <a:rPr lang="en-US" sz="1400" dirty="0">
+                <a:latin typeface="프리젠테이션 5 Medium" pitchFamily="2" charset="-127"/>
+                <a:ea typeface="프리젠테이션 5 Medium" pitchFamily="2" charset="-127"/>
+              </a:rPr>
+              <a:t>  CONSTRAINT `fk_prodtbl_has_usertbl_usertbl1`</a:t>
+            </a:r>
+          </a:p>
+          <a:p>
+            <a:pPr lvl="0">
+              <a:lnSpc>
+                <a:spcPct val="112050"/>
+              </a:lnSpc>
+            </a:pPr>
+            <a:r>
+              <a:rPr lang="en-US" sz="1400" dirty="0">
+                <a:latin typeface="프리젠테이션 5 Medium" pitchFamily="2" charset="-127"/>
+                <a:ea typeface="프리젠테이션 5 Medium" pitchFamily="2" charset="-127"/>
+              </a:rPr>
+              <a:t>    FOREIGN KEY (`</a:t>
+            </a:r>
+            <a:r>
+              <a:rPr lang="en-US" sz="1400" dirty="0" err="1">
+                <a:latin typeface="프리젠테이션 5 Medium" pitchFamily="2" charset="-127"/>
+                <a:ea typeface="프리젠테이션 5 Medium" pitchFamily="2" charset="-127"/>
+              </a:rPr>
+              <a:t>userId</a:t>
+            </a:r>
+            <a:r>
+              <a:rPr lang="en-US" sz="1400" dirty="0">
+                <a:latin typeface="프리젠테이션 5 Medium" pitchFamily="2" charset="-127"/>
+                <a:ea typeface="프리젠테이션 5 Medium" pitchFamily="2" charset="-127"/>
+              </a:rPr>
+              <a:t>`)</a:t>
+            </a:r>
+          </a:p>
+          <a:p>
+            <a:pPr lvl="0">
+              <a:lnSpc>
+                <a:spcPct val="112050"/>
+              </a:lnSpc>
+            </a:pPr>
+            <a:r>
+              <a:rPr lang="en-US" sz="1400" dirty="0">
+                <a:latin typeface="프리젠테이션 5 Medium" pitchFamily="2" charset="-127"/>
+                <a:ea typeface="프리젠테이션 5 Medium" pitchFamily="2" charset="-127"/>
+              </a:rPr>
+              <a:t>    REFERENCES `</a:t>
+            </a:r>
+            <a:r>
+              <a:rPr lang="en-US" sz="1400" dirty="0" err="1">
+                <a:latin typeface="프리젠테이션 5 Medium" pitchFamily="2" charset="-127"/>
+                <a:ea typeface="프리젠테이션 5 Medium" pitchFamily="2" charset="-127"/>
+              </a:rPr>
               <a:t>ShopDB</a:t>
             </a:r>
             <a:r>
-              <a:rPr lang="en-US" altLang="ko-KR" dirty="0"/>
+              <a:rPr lang="en-US" sz="1400" dirty="0">
+                <a:latin typeface="프리젠테이션 5 Medium" pitchFamily="2" charset="-127"/>
+                <a:ea typeface="프리젠테이션 5 Medium" pitchFamily="2" charset="-127"/>
+              </a:rPr>
               <a:t>`.`</a:t>
             </a:r>
             <a:r>
-              <a:rPr lang="en-US" altLang="ko-KR" dirty="0" err="1"/>
-              <a:t>prodtbl</a:t>
-            </a:r>
-            <a:r>
-              <a:rPr lang="en-US" altLang="ko-KR" dirty="0"/>
-              <a:t>`</a:t>
-            </a:r>
-          </a:p>
-          <a:p>
-            <a:r>
-              <a:rPr lang="en-US" altLang="ko-KR" dirty="0"/>
-              <a:t>-- -----------------------------------------------------</a:t>
-            </a:r>
-          </a:p>
-          <a:p>
-            <a:r>
-              <a:rPr lang="en-US" altLang="ko-KR" dirty="0"/>
-              <a:t>CREATE TABLE IF NOT EXISTS `</a:t>
-            </a:r>
-            <a:r>
-              <a:rPr lang="en-US" altLang="ko-KR" dirty="0" err="1"/>
-              <a:t>ShopDB</a:t>
-            </a:r>
-            <a:r>
-              <a:rPr lang="en-US" altLang="ko-KR" dirty="0"/>
-              <a:t>`.`</a:t>
-            </a:r>
-            <a:r>
-              <a:rPr lang="en-US" altLang="ko-KR" dirty="0" err="1"/>
-              <a:t>prodtbl</a:t>
-            </a:r>
-            <a:r>
-              <a:rPr lang="en-US" altLang="ko-KR" dirty="0"/>
-              <a:t>` (</a:t>
-            </a:r>
-          </a:p>
-          <a:p>
-            <a:r>
-              <a:rPr lang="en-US" altLang="ko-KR" dirty="0"/>
-              <a:t>  `</a:t>
-            </a:r>
-            <a:r>
-              <a:rPr lang="en-US" altLang="ko-KR" dirty="0" err="1"/>
-              <a:t>prodName</a:t>
-            </a:r>
-            <a:r>
-              <a:rPr lang="en-US" altLang="ko-KR" dirty="0"/>
-              <a:t>` CHAR(10) NOT NULL,</a:t>
-            </a:r>
-          </a:p>
-          <a:p>
-            <a:r>
-              <a:rPr lang="en-US" altLang="ko-KR" dirty="0"/>
-              <a:t>  `</a:t>
-            </a:r>
-            <a:r>
-              <a:rPr lang="en-US" altLang="ko-KR" dirty="0" err="1"/>
-              <a:t>groupName</a:t>
-            </a:r>
-            <a:r>
-              <a:rPr lang="en-US" altLang="ko-KR" dirty="0"/>
-              <a:t>` CHAR(10) NOT NULL,</a:t>
-            </a:r>
-          </a:p>
-          <a:p>
-            <a:r>
-              <a:rPr lang="en-US" altLang="ko-KR" dirty="0"/>
-              <a:t>  `price` INT NOT NULL,</a:t>
-            </a:r>
-          </a:p>
-          <a:p>
-            <a:r>
-              <a:rPr lang="en-US" altLang="ko-KR" dirty="0"/>
-              <a:t>  `save` SMALLINT NOT NULL,</a:t>
-            </a:r>
-          </a:p>
-          <a:p>
-            <a:r>
-              <a:rPr lang="en-US" altLang="ko-KR" dirty="0"/>
-              <a:t>  PRIMARY KEY (`</a:t>
-            </a:r>
-            <a:r>
-              <a:rPr lang="en-US" altLang="ko-KR" dirty="0" err="1"/>
-              <a:t>prodName</a:t>
-            </a:r>
-            <a:r>
-              <a:rPr lang="en-US" altLang="ko-KR" dirty="0"/>
-              <a:t>`))</a:t>
-            </a:r>
-          </a:p>
-          <a:p>
-            <a:r>
-              <a:rPr lang="en-US" altLang="ko-KR" dirty="0"/>
+              <a:rPr lang="en-US" sz="1400" dirty="0" err="1">
+                <a:latin typeface="프리젠테이션 5 Medium" pitchFamily="2" charset="-127"/>
+                <a:ea typeface="프리젠테이션 5 Medium" pitchFamily="2" charset="-127"/>
+              </a:rPr>
+              <a:t>usertbl</a:t>
+            </a:r>
+            <a:r>
+              <a:rPr lang="en-US" sz="1400" dirty="0">
+                <a:latin typeface="프리젠테이션 5 Medium" pitchFamily="2" charset="-127"/>
+                <a:ea typeface="프리젠테이션 5 Medium" pitchFamily="2" charset="-127"/>
+              </a:rPr>
+              <a:t>` (`</a:t>
+            </a:r>
+            <a:r>
+              <a:rPr lang="en-US" sz="1400" dirty="0" err="1">
+                <a:latin typeface="프리젠테이션 5 Medium" pitchFamily="2" charset="-127"/>
+                <a:ea typeface="프리젠테이션 5 Medium" pitchFamily="2" charset="-127"/>
+              </a:rPr>
+              <a:t>userId</a:t>
+            </a:r>
+            <a:r>
+              <a:rPr lang="en-US" sz="1400" dirty="0">
+                <a:latin typeface="프리젠테이션 5 Medium" pitchFamily="2" charset="-127"/>
+                <a:ea typeface="프리젠테이션 5 Medium" pitchFamily="2" charset="-127"/>
+              </a:rPr>
+              <a:t>`)</a:t>
+            </a:r>
+          </a:p>
+          <a:p>
+            <a:pPr lvl="0">
+              <a:lnSpc>
+                <a:spcPct val="112050"/>
+              </a:lnSpc>
+            </a:pPr>
+            <a:r>
+              <a:rPr lang="en-US" sz="1400" dirty="0">
+                <a:latin typeface="프리젠테이션 5 Medium" pitchFamily="2" charset="-127"/>
+                <a:ea typeface="프리젠테이션 5 Medium" pitchFamily="2" charset="-127"/>
+              </a:rPr>
+              <a:t>    ON DELETE CASCADE</a:t>
+            </a:r>
+          </a:p>
+          <a:p>
+            <a:pPr lvl="0">
+              <a:lnSpc>
+                <a:spcPct val="112050"/>
+              </a:lnSpc>
+            </a:pPr>
+            <a:r>
+              <a:rPr lang="en-US" sz="1400" dirty="0">
+                <a:latin typeface="프리젠테이션 5 Medium" pitchFamily="2" charset="-127"/>
+                <a:ea typeface="프리젠테이션 5 Medium" pitchFamily="2" charset="-127"/>
+              </a:rPr>
+              <a:t>    ON UPDATE CASCADE)</a:t>
+            </a:r>
+          </a:p>
+          <a:p>
+            <a:pPr lvl="0">
+              <a:lnSpc>
+                <a:spcPct val="112050"/>
+              </a:lnSpc>
+            </a:pPr>
+            <a:r>
+              <a:rPr lang="en-US" sz="1400" dirty="0">
+                <a:latin typeface="프리젠테이션 5 Medium" pitchFamily="2" charset="-127"/>
+                <a:ea typeface="프리젠테이션 5 Medium" pitchFamily="2" charset="-127"/>
+              </a:rPr>
               <a:t>ENGINE = </a:t>
             </a:r>
             <a:r>
-              <a:rPr lang="en-US" altLang="ko-KR" dirty="0" err="1"/>
-              <a:t>InnoDB</a:t>
-            </a:r>
-            <a:r>
-              <a:rPr lang="en-US" altLang="ko-KR" dirty="0"/>
-              <a:t>;</a:t>
-            </a:r>
-          </a:p>
-          <a:p>
-            <a:endParaRPr lang="en-US" altLang="ko-KR" dirty="0"/>
-          </a:p>
-          <a:p>
-            <a:endParaRPr lang="en-US" altLang="ko-KR" dirty="0"/>
-          </a:p>
-          <a:p>
-            <a:r>
-              <a:rPr lang="en-US" altLang="ko-KR" dirty="0"/>
-              <a:t>-- -----------------------------------------------------</a:t>
-            </a:r>
-          </a:p>
-          <a:p>
-            <a:r>
-              <a:rPr lang="en-US" altLang="ko-KR" dirty="0"/>
-              <a:t>-- Table `</a:t>
-            </a:r>
-            <a:r>
-              <a:rPr lang="en-US" altLang="ko-KR" dirty="0" err="1"/>
-              <a:t>ShopDB</a:t>
-            </a:r>
-            <a:r>
-              <a:rPr lang="en-US" altLang="ko-KR" dirty="0"/>
-              <a:t>`.`</a:t>
-            </a:r>
-            <a:r>
-              <a:rPr lang="en-US" altLang="ko-KR" dirty="0" err="1"/>
-              <a:t>usertbl</a:t>
-            </a:r>
-            <a:r>
-              <a:rPr lang="en-US" altLang="ko-KR" dirty="0"/>
-              <a:t>`</a:t>
-            </a:r>
-          </a:p>
-          <a:p>
-            <a:r>
-              <a:rPr lang="en-US" altLang="ko-KR" dirty="0"/>
-              <a:t>-- -----------------------------------------------------</a:t>
-            </a:r>
-          </a:p>
-          <a:p>
-            <a:r>
-              <a:rPr lang="en-US" altLang="ko-KR" dirty="0"/>
-              <a:t>CREATE TABLE IF NOT EXISTS `</a:t>
-            </a:r>
-            <a:r>
-              <a:rPr lang="en-US" altLang="ko-KR" dirty="0" err="1"/>
-              <a:t>ShopDB</a:t>
-            </a:r>
-            <a:r>
-              <a:rPr lang="en-US" altLang="ko-KR" dirty="0"/>
-              <a:t>`.`</a:t>
-            </a:r>
-            <a:r>
-              <a:rPr lang="en-US" altLang="ko-KR" dirty="0" err="1"/>
-              <a:t>usertbl</a:t>
-            </a:r>
-            <a:r>
-              <a:rPr lang="en-US" altLang="ko-KR" dirty="0"/>
-              <a:t>` (</a:t>
-            </a:r>
-          </a:p>
-          <a:p>
-            <a:r>
-              <a:rPr lang="en-US" altLang="ko-KR" dirty="0"/>
-              <a:t>  `</a:t>
-            </a:r>
-            <a:r>
-              <a:rPr lang="en-US" altLang="ko-KR" dirty="0" err="1"/>
-              <a:t>userid</a:t>
-            </a:r>
-            <a:r>
-              <a:rPr lang="en-US" altLang="ko-KR" dirty="0"/>
-              <a:t>` CHAR(8) NOT NULL,</a:t>
-            </a:r>
-          </a:p>
-          <a:p>
-            <a:r>
-              <a:rPr lang="en-US" altLang="ko-KR" dirty="0"/>
-              <a:t>  `name` VARCHAR(16) NOT NULL,</a:t>
-            </a:r>
-          </a:p>
-          <a:p>
-            <a:r>
-              <a:rPr lang="en-US" altLang="ko-KR" dirty="0"/>
-              <a:t>  `</a:t>
-            </a:r>
-            <a:r>
-              <a:rPr lang="en-US" altLang="ko-KR" dirty="0" err="1"/>
-              <a:t>birthYear</a:t>
-            </a:r>
-            <a:r>
-              <a:rPr lang="en-US" altLang="ko-KR" dirty="0"/>
-              <a:t>` INT NOT NULL,</a:t>
-            </a:r>
-          </a:p>
-          <a:p>
-            <a:r>
-              <a:rPr lang="en-US" altLang="ko-KR" dirty="0"/>
-              <a:t>  `</a:t>
-            </a:r>
-            <a:r>
-              <a:rPr lang="en-US" altLang="ko-KR" dirty="0" err="1"/>
-              <a:t>addr</a:t>
-            </a:r>
-            <a:r>
-              <a:rPr lang="en-US" altLang="ko-KR" dirty="0"/>
-              <a:t>` VARCHAR(4) NOT NULL,</a:t>
-            </a:r>
-          </a:p>
-          <a:p>
-            <a:r>
-              <a:rPr lang="en-US" altLang="ko-KR" dirty="0"/>
-              <a:t>  `mobile1` CHAR(3) NOT NULL,</a:t>
-            </a:r>
-          </a:p>
-          <a:p>
-            <a:r>
-              <a:rPr lang="en-US" altLang="ko-KR" dirty="0"/>
-              <a:t>  `mobile2` CHAR(8) NOT NULL,</a:t>
-            </a:r>
-          </a:p>
-          <a:p>
-            <a:r>
-              <a:rPr lang="en-US" altLang="ko-KR" dirty="0"/>
-              <a:t>  `</a:t>
-            </a:r>
-            <a:r>
-              <a:rPr lang="en-US" altLang="ko-KR" dirty="0" err="1"/>
-              <a:t>mDate</a:t>
-            </a:r>
-            <a:r>
-              <a:rPr lang="en-US" altLang="ko-KR" dirty="0"/>
-              <a:t>` DATE NOT NULL,</a:t>
-            </a:r>
-          </a:p>
-          <a:p>
-            <a:r>
-              <a:rPr lang="en-US" altLang="ko-KR" dirty="0"/>
-              <a:t>  `</a:t>
-            </a:r>
-            <a:r>
-              <a:rPr lang="en-US" altLang="ko-KR" dirty="0" err="1"/>
-              <a:t>usertblcol</a:t>
-            </a:r>
-            <a:r>
-              <a:rPr lang="en-US" altLang="ko-KR" dirty="0"/>
-              <a:t>` VARCHAR(45) NOT NULL,</a:t>
-            </a:r>
-          </a:p>
-          <a:p>
-            <a:r>
-              <a:rPr lang="en-US" altLang="ko-KR" dirty="0"/>
-              <a:t>  PRIMARY KEY (`</a:t>
-            </a:r>
-            <a:r>
-              <a:rPr lang="en-US" altLang="ko-KR" dirty="0" err="1"/>
-              <a:t>userid</a:t>
-            </a:r>
-            <a:r>
-              <a:rPr lang="en-US" altLang="ko-KR" dirty="0"/>
-              <a:t>`))</a:t>
-            </a:r>
-          </a:p>
-          <a:p>
-            <a:r>
-              <a:rPr lang="en-US" altLang="ko-KR" dirty="0"/>
-              <a:t>ENGINE = </a:t>
-            </a:r>
-            <a:r>
-              <a:rPr lang="en-US" altLang="ko-KR" dirty="0" err="1"/>
-              <a:t>InnoDB</a:t>
-            </a:r>
-            <a:r>
-              <a:rPr lang="en-US" altLang="ko-KR" dirty="0"/>
-              <a:t>;</a:t>
-            </a:r>
-          </a:p>
-          <a:p>
-            <a:endParaRPr lang="en-US" altLang="ko-KR" dirty="0"/>
-          </a:p>
-          <a:p>
-            <a:endParaRPr lang="en-US" altLang="ko-KR" dirty="0"/>
-          </a:p>
-          <a:p>
-            <a:r>
-              <a:rPr lang="en-US" altLang="ko-KR" dirty="0"/>
-              <a:t>-- -----------------------------------------------------</a:t>
-            </a:r>
-          </a:p>
-          <a:p>
-            <a:r>
-              <a:rPr lang="en-US" altLang="ko-KR" dirty="0"/>
-              <a:t>-- Table `</a:t>
-            </a:r>
-            <a:r>
-              <a:rPr lang="en-US" altLang="ko-KR" dirty="0" err="1"/>
-              <a:t>ShopDB</a:t>
-            </a:r>
-            <a:r>
-              <a:rPr lang="en-US" altLang="ko-KR" dirty="0"/>
-              <a:t>`.`</a:t>
-            </a:r>
-            <a:r>
-              <a:rPr lang="en-US" altLang="ko-KR" dirty="0" err="1"/>
-              <a:t>ordertbl</a:t>
-            </a:r>
-            <a:r>
-              <a:rPr lang="en-US" altLang="ko-KR" dirty="0"/>
-              <a:t>`</a:t>
-            </a:r>
-          </a:p>
-          <a:p>
-            <a:r>
-              <a:rPr lang="en-US" altLang="ko-KR" dirty="0"/>
-              <a:t>-- -----------------------------------------------------</a:t>
-            </a:r>
-          </a:p>
-          <a:p>
-            <a:r>
-              <a:rPr lang="en-US" altLang="ko-KR" dirty="0"/>
-              <a:t>CREATE TABLE IF NOT EXISTS `</a:t>
-            </a:r>
-            <a:r>
-              <a:rPr lang="en-US" altLang="ko-KR" dirty="0" err="1"/>
-              <a:t>ShopDB</a:t>
-            </a:r>
-            <a:r>
-              <a:rPr lang="en-US" altLang="ko-KR" dirty="0"/>
-              <a:t>`.`</a:t>
-            </a:r>
-            <a:r>
-              <a:rPr lang="en-US" altLang="ko-KR" dirty="0" err="1"/>
-              <a:t>ordertbl</a:t>
-            </a:r>
-            <a:r>
-              <a:rPr lang="en-US" altLang="ko-KR" dirty="0"/>
-              <a:t>` (</a:t>
-            </a:r>
-          </a:p>
-          <a:p>
-            <a:r>
-              <a:rPr lang="en-US" altLang="ko-KR" dirty="0"/>
-              <a:t>  `name` INT NOT NULL,</a:t>
-            </a:r>
-          </a:p>
-          <a:p>
-            <a:r>
-              <a:rPr lang="en-US" altLang="ko-KR" dirty="0"/>
-              <a:t>  `</a:t>
-            </a:r>
-            <a:r>
-              <a:rPr lang="en-US" altLang="ko-KR" dirty="0" err="1"/>
-              <a:t>prodtbl_prodName</a:t>
-            </a:r>
-            <a:r>
-              <a:rPr lang="en-US" altLang="ko-KR" dirty="0"/>
-              <a:t>` CHAR(10) NOT NULL,</a:t>
-            </a:r>
-          </a:p>
-          <a:p>
-            <a:r>
-              <a:rPr lang="en-US" altLang="ko-KR" dirty="0"/>
-              <a:t>  `</a:t>
-            </a:r>
-            <a:r>
-              <a:rPr lang="en-US" altLang="ko-KR" dirty="0" err="1"/>
-              <a:t>usertbl_userid</a:t>
-            </a:r>
-            <a:r>
-              <a:rPr lang="en-US" altLang="ko-KR" dirty="0"/>
-              <a:t>` CHAR(8) NOT NULL,</a:t>
-            </a:r>
-          </a:p>
-          <a:p>
-            <a:r>
-              <a:rPr lang="en-US" altLang="ko-KR" dirty="0"/>
-              <a:t>  `</a:t>
-            </a:r>
-            <a:r>
-              <a:rPr lang="en-US" altLang="ko-KR" dirty="0" err="1"/>
-              <a:t>groupName</a:t>
-            </a:r>
-            <a:r>
-              <a:rPr lang="en-US" altLang="ko-KR" dirty="0"/>
-              <a:t>` CHAR(10) NOT NULL,</a:t>
-            </a:r>
-          </a:p>
-          <a:p>
-            <a:r>
-              <a:rPr lang="en-US" altLang="ko-KR" dirty="0"/>
-              <a:t>  `</a:t>
-            </a:r>
-            <a:r>
-              <a:rPr lang="en-US" altLang="ko-KR" dirty="0" err="1"/>
-              <a:t>orderAmount</a:t>
-            </a:r>
-            <a:r>
-              <a:rPr lang="en-US" altLang="ko-KR" dirty="0"/>
-              <a:t>` INT NOT NULL,</a:t>
-            </a:r>
-          </a:p>
-          <a:p>
-            <a:r>
-              <a:rPr lang="en-US" altLang="ko-KR" dirty="0"/>
-              <a:t>  `price` SMALLINT NOT NULL,</a:t>
-            </a:r>
-          </a:p>
-          <a:p>
-            <a:r>
-              <a:rPr lang="en-US" altLang="ko-KR" dirty="0"/>
-              <a:t>  `</a:t>
-            </a:r>
-            <a:r>
-              <a:rPr lang="en-US" altLang="ko-KR" dirty="0" err="1"/>
-              <a:t>orderDate</a:t>
-            </a:r>
-            <a:r>
-              <a:rPr lang="en-US" altLang="ko-KR" dirty="0"/>
-              <a:t>` DATETIME NOT NULL,</a:t>
-            </a:r>
-          </a:p>
-          <a:p>
-            <a:r>
-              <a:rPr lang="en-US" altLang="ko-KR" dirty="0"/>
-              <a:t>  PRIMARY KEY (`name`),</a:t>
-            </a:r>
-          </a:p>
-          <a:p>
-            <a:r>
-              <a:rPr lang="en-US" altLang="ko-KR" dirty="0"/>
-              <a:t>  INDEX `fk_prodtbl_has_usertbl_usertbl1_idx` (`</a:t>
-            </a:r>
-            <a:r>
-              <a:rPr lang="en-US" altLang="ko-KR" dirty="0" err="1"/>
-              <a:t>usertbl_userid</a:t>
-            </a:r>
-            <a:r>
-              <a:rPr lang="en-US" altLang="ko-KR" dirty="0"/>
-              <a:t>` ASC) VISIBLE,</a:t>
-            </a:r>
-          </a:p>
-          <a:p>
-            <a:r>
-              <a:rPr lang="en-US" altLang="ko-KR" dirty="0"/>
-              <a:t>  INDEX `</a:t>
-            </a:r>
-            <a:r>
-              <a:rPr lang="en-US" altLang="ko-KR" dirty="0" err="1"/>
-              <a:t>fk_prodtbl_has_usertbl_prodtbl_idx</a:t>
-            </a:r>
-            <a:r>
-              <a:rPr lang="en-US" altLang="ko-KR" dirty="0"/>
-              <a:t>` (`</a:t>
-            </a:r>
-            <a:r>
-              <a:rPr lang="en-US" altLang="ko-KR" dirty="0" err="1"/>
-              <a:t>prodtbl_prodName</a:t>
-            </a:r>
-            <a:r>
-              <a:rPr lang="en-US" altLang="ko-KR" dirty="0"/>
-              <a:t>` ASC) VISIBLE,</a:t>
-            </a:r>
-          </a:p>
-          <a:p>
-            <a:r>
-              <a:rPr lang="en-US" altLang="ko-KR" dirty="0"/>
-              <a:t>  CONSTRAINT `</a:t>
-            </a:r>
-            <a:r>
-              <a:rPr lang="en-US" altLang="ko-KR" dirty="0" err="1"/>
-              <a:t>fk_prodtbl_has_usertbl_prodtbl</a:t>
-            </a:r>
-            <a:r>
-              <a:rPr lang="en-US" altLang="ko-KR" dirty="0"/>
-              <a:t>`</a:t>
-            </a:r>
-          </a:p>
-          <a:p>
-            <a:r>
-              <a:rPr lang="en-US" altLang="ko-KR" dirty="0"/>
-              <a:t>    FOREIGN KEY (`</a:t>
-            </a:r>
-            <a:r>
-              <a:rPr lang="en-US" altLang="ko-KR" dirty="0" err="1"/>
-              <a:t>prodtbl_prodName</a:t>
-            </a:r>
-            <a:r>
-              <a:rPr lang="en-US" altLang="ko-KR" dirty="0"/>
-              <a:t>`)</a:t>
-            </a:r>
-          </a:p>
-          <a:p>
-            <a:r>
-              <a:rPr lang="en-US" altLang="ko-KR" dirty="0"/>
-              <a:t>    REFERENCES `</a:t>
-            </a:r>
-            <a:r>
-              <a:rPr lang="en-US" altLang="ko-KR" dirty="0" err="1"/>
-              <a:t>ShopDB</a:t>
-            </a:r>
-            <a:r>
-              <a:rPr lang="en-US" altLang="ko-KR" dirty="0"/>
-              <a:t>`.`</a:t>
-            </a:r>
-            <a:r>
-              <a:rPr lang="en-US" altLang="ko-KR" dirty="0" err="1"/>
-              <a:t>prodtbl</a:t>
-            </a:r>
-            <a:r>
-              <a:rPr lang="en-US" altLang="ko-KR" dirty="0"/>
-              <a:t>` (`</a:t>
-            </a:r>
-            <a:r>
-              <a:rPr lang="en-US" altLang="ko-KR" dirty="0" err="1"/>
-              <a:t>prodName</a:t>
-            </a:r>
-            <a:r>
-              <a:rPr lang="en-US" altLang="ko-KR" dirty="0"/>
-              <a:t>`)</a:t>
-            </a:r>
-          </a:p>
-          <a:p>
-            <a:r>
-              <a:rPr lang="en-US" altLang="ko-KR" dirty="0"/>
-              <a:t>    ON DELETE CASCADE</a:t>
-            </a:r>
-          </a:p>
-          <a:p>
-            <a:r>
-              <a:rPr lang="en-US" altLang="ko-KR" dirty="0"/>
-              <a:t>    ON UPDATE CASCADE,</a:t>
-            </a:r>
-          </a:p>
-          <a:p>
-            <a:r>
-              <a:rPr lang="en-US" altLang="ko-KR" dirty="0"/>
-              <a:t>  CONSTRAINT `fk_prodtbl_has_usertbl_usertbl1`</a:t>
-            </a:r>
-          </a:p>
-          <a:p>
-            <a:r>
-              <a:rPr lang="en-US" altLang="ko-KR" dirty="0"/>
-              <a:t>    FOREIGN KEY (`</a:t>
-            </a:r>
-            <a:r>
-              <a:rPr lang="en-US" altLang="ko-KR" dirty="0" err="1"/>
-              <a:t>usertbl_userid</a:t>
-            </a:r>
-            <a:r>
-              <a:rPr lang="en-US" altLang="ko-KR" dirty="0"/>
-              <a:t>`)</a:t>
-            </a:r>
-          </a:p>
-          <a:p>
-            <a:r>
-              <a:rPr lang="en-US" altLang="ko-KR" dirty="0"/>
-              <a:t>    REFERENCES `</a:t>
-            </a:r>
-            <a:r>
-              <a:rPr lang="en-US" altLang="ko-KR" dirty="0" err="1"/>
-              <a:t>ShopDB</a:t>
-            </a:r>
-            <a:r>
-              <a:rPr lang="en-US" altLang="ko-KR" dirty="0"/>
-              <a:t>`.`</a:t>
-            </a:r>
-            <a:r>
-              <a:rPr lang="en-US" altLang="ko-KR" dirty="0" err="1"/>
-              <a:t>usertbl</a:t>
-            </a:r>
-            <a:r>
-              <a:rPr lang="en-US" altLang="ko-KR" dirty="0"/>
-              <a:t>` (`</a:t>
-            </a:r>
-            <a:r>
-              <a:rPr lang="en-US" altLang="ko-KR" dirty="0" err="1"/>
-              <a:t>userid</a:t>
-            </a:r>
-            <a:r>
-              <a:rPr lang="en-US" altLang="ko-KR" dirty="0"/>
-              <a:t>`)</a:t>
-            </a:r>
-          </a:p>
-          <a:p>
-            <a:r>
-              <a:rPr lang="en-US" altLang="ko-KR" dirty="0"/>
-              <a:t>    ON DELETE CASCADE</a:t>
-            </a:r>
-          </a:p>
-          <a:p>
-            <a:r>
-              <a:rPr lang="en-US" altLang="ko-KR" dirty="0"/>
-              <a:t>    ON UPDATE CASCADE)</a:t>
-            </a:r>
-          </a:p>
-          <a:p>
-            <a:r>
-              <a:rPr lang="en-US" altLang="ko-KR" dirty="0"/>
-              <a:t>ENGINE = </a:t>
-            </a:r>
-            <a:r>
-              <a:rPr lang="en-US" altLang="ko-KR" dirty="0" err="1"/>
-              <a:t>InnoDB</a:t>
-            </a:r>
-            <a:r>
-              <a:rPr lang="en-US" altLang="ko-KR" dirty="0"/>
-              <a:t>;</a:t>
-            </a:r>
-          </a:p>
-          <a:p>
-            <a:endParaRPr lang="en-US" altLang="ko-KR" dirty="0"/>
-          </a:p>
-          <a:p>
-            <a:endParaRPr lang="en-US" altLang="ko-KR" dirty="0"/>
-          </a:p>
-          <a:p>
-            <a:r>
-              <a:rPr lang="en-US" altLang="ko-KR" dirty="0"/>
+              <a:rPr lang="en-US" sz="1400" dirty="0" err="1">
+                <a:latin typeface="프리젠테이션 5 Medium" pitchFamily="2" charset="-127"/>
+                <a:ea typeface="프리젠테이션 5 Medium" pitchFamily="2" charset="-127"/>
+              </a:rPr>
+              <a:t>InnoDBCOMMENT</a:t>
+            </a:r>
+            <a:r>
+              <a:rPr lang="en-US" sz="1400" dirty="0">
+                <a:latin typeface="프리젠테이션 5 Medium" pitchFamily="2" charset="-127"/>
+                <a:ea typeface="프리젠테이션 5 Medium" pitchFamily="2" charset="-127"/>
+              </a:rPr>
+              <a:t> = '			‘;</a:t>
+            </a:r>
+          </a:p>
+          <a:p>
+            <a:pPr lvl="0">
+              <a:lnSpc>
+                <a:spcPct val="112050"/>
+              </a:lnSpc>
+            </a:pPr>
+            <a:r>
+              <a:rPr lang="en-US" sz="1400" dirty="0">
+                <a:latin typeface="프리젠테이션 5 Medium" pitchFamily="2" charset="-127"/>
+                <a:ea typeface="프리젠테이션 5 Medium" pitchFamily="2" charset="-127"/>
+              </a:rPr>
               <a:t>SET SQL_MODE=@OLD_SQL_MODE;</a:t>
             </a:r>
           </a:p>
           <a:p>
-            <a:r>
-              <a:rPr lang="en-US" altLang="ko-KR" dirty="0"/>
+            <a:pPr lvl="0">
+              <a:lnSpc>
+                <a:spcPct val="112050"/>
+              </a:lnSpc>
+            </a:pPr>
+            <a:r>
+              <a:rPr lang="en-US" sz="1400" dirty="0">
+                <a:latin typeface="프리젠테이션 5 Medium" pitchFamily="2" charset="-127"/>
+                <a:ea typeface="프리젠테이션 5 Medium" pitchFamily="2" charset="-127"/>
+              </a:rPr>
               <a:t>SET FOREIGN_KEY_CHECKS=@OLD_FOREIGN_KEY_CHECKS;</a:t>
             </a:r>
           </a:p>
           <a:p>
-            <a:r>
-              <a:rPr lang="en-US" altLang="ko-KR" dirty="0"/>
+            <a:pPr lvl="0">
+              <a:lnSpc>
+                <a:spcPct val="112050"/>
+              </a:lnSpc>
+            </a:pPr>
+            <a:r>
+              <a:rPr lang="en-US" sz="1400" dirty="0">
+                <a:latin typeface="프리젠테이션 5 Medium" pitchFamily="2" charset="-127"/>
+                <a:ea typeface="프리젠테이션 5 Medium" pitchFamily="2" charset="-127"/>
+              </a:rPr>
               <a:t>SET UNIQUE_CHECKS=@OLD_UNIQUE_CHECKS;</a:t>
             </a:r>
-          </a:p>
-          <a:p>
-            <a:endParaRPr lang="ko-KR" altLang="en-US" dirty="0"/>
           </a:p>
         </p:txBody>
       </p:sp>
     </p:spTree>
     <p:extLst>
       <p:ext uri="{BB962C8B-B14F-4D97-AF65-F5344CB8AC3E}">
-        <p14:creationId xmlns:p14="http://schemas.microsoft.com/office/powerpoint/2010/main" val="2912286771"/>
+        <p14:creationId xmlns:p14="http://schemas.microsoft.com/office/powerpoint/2010/main" val="2860930116"/>
       </p:ext>
     </p:extLst>
   </p:cSld>
@@ -14246,7 +16008,7 @@
 </p:sld>
 </file>
 
-<file path=ppt/slides/slide24.xml><?xml version="1.0" encoding="utf-8"?>
+<file path=ppt/slides/slide26.xml><?xml version="1.0" encoding="utf-8"?>
 <p:sld xmlns:a="http://schemas.openxmlformats.org/drawingml/2006/main" xmlns:r="http://schemas.openxmlformats.org/officeDocument/2006/relationships" xmlns:p="http://schemas.openxmlformats.org/presentationml/2006/main">
   <p:cSld>
     <p:bg>
@@ -14641,8 +16403,8 @@
         </p:nvSpPr>
         <p:spPr>
           <a:xfrm>
-            <a:off x="12373303" y="3848100"/>
-            <a:ext cx="4979276" cy="3916682"/>
+            <a:off x="10062542" y="2969868"/>
+            <a:ext cx="3733800" cy="1451664"/>
           </a:xfrm>
           <a:prstGeom prst="rect">
             <a:avLst/>
@@ -14662,20 +16424,6 @@
                 <a:latin typeface="프리젠테이션 5 Medium" pitchFamily="2" charset="-127"/>
                 <a:ea typeface="프리젠테이션 5 Medium" pitchFamily="2" charset="-127"/>
               </a:rPr>
-              <a:t>Router0,</a:t>
-            </a:r>
-            <a:r>
-              <a:rPr lang="ko-KR" altLang="en-US" sz="3200" spc="-200" dirty="0">
-                <a:latin typeface="프리젠테이션 5 Medium" pitchFamily="2" charset="-127"/>
-                <a:ea typeface="프리젠테이션 5 Medium" pitchFamily="2" charset="-127"/>
-              </a:rPr>
-              <a:t>  </a:t>
-            </a:r>
-            <a:r>
-              <a:rPr lang="en-US" altLang="ko-KR" sz="3200" spc="-200" dirty="0">
-                <a:latin typeface="프리젠테이션 5 Medium" pitchFamily="2" charset="-127"/>
-                <a:ea typeface="프리젠테이션 5 Medium" pitchFamily="2" charset="-127"/>
-              </a:rPr>
               <a:t>Router3</a:t>
             </a:r>
           </a:p>
@@ -14700,13 +16448,46 @@
               <a:t>Default Routing </a:t>
             </a:r>
           </a:p>
+        </p:txBody>
+      </p:sp>
+      <p:sp>
+        <p:nvSpPr>
+          <p:cNvPr id="15" name="TextBox 21">
+            <a:extLst>
+              <a:ext uri="{FF2B5EF4-FFF2-40B4-BE49-F238E27FC236}">
+                <a16:creationId xmlns:a16="http://schemas.microsoft.com/office/drawing/2014/main" id="{62B44D6A-D945-4D23-88AD-54D26C679053}"/>
+              </a:ext>
+            </a:extLst>
+          </p:cNvPr>
+          <p:cNvSpPr txBox="1"/>
+          <p:nvPr/>
+        </p:nvSpPr>
+        <p:spPr>
+          <a:xfrm>
+            <a:off x="12725400" y="4922609"/>
+            <a:ext cx="4114800" cy="1928407"/>
+          </a:xfrm>
+          <a:prstGeom prst="rect">
+            <a:avLst/>
+          </a:prstGeom>
+        </p:spPr>
+        <p:txBody>
+          <a:bodyPr lIns="0" tIns="0" rIns="0" bIns="0" rtlCol="0" anchor="ctr"/>
+          <a:lstStyle/>
           <a:p>
             <a:pPr lvl="0" algn="ctr">
               <a:lnSpc>
                 <a:spcPct val="150000"/>
               </a:lnSpc>
             </a:pPr>
-            <a:endParaRPr lang="en-US" altLang="ko-KR" sz="3200" spc="-200" dirty="0">
+            <a:r>
+              <a:rPr lang="en-US" sz="3200" b="0" i="0" u="none" strike="noStrike" spc="-200" dirty="0">
+                <a:latin typeface="프리젠테이션 5 Medium" pitchFamily="2" charset="-127"/>
+                <a:ea typeface="프리젠테이션 5 Medium" pitchFamily="2" charset="-127"/>
+              </a:rPr>
+              <a:t>Router1, Router2</a:t>
+            </a:r>
+            <a:endParaRPr lang="en-US" sz="3200" spc="-200" dirty="0">
               <a:latin typeface="프리젠테이션 5 Medium" pitchFamily="2" charset="-127"/>
               <a:ea typeface="프리젠테이션 5 Medium" pitchFamily="2" charset="-127"/>
             </a:endParaRPr>
@@ -14718,17 +16499,154 @@
               </a:lnSpc>
             </a:pPr>
             <a:r>
-              <a:rPr lang="en-US" sz="3200" b="0" i="0" u="none" strike="noStrike" spc="-200" dirty="0">
-                <a:latin typeface="프리젠테이션 5 Medium" pitchFamily="2" charset="-127"/>
-                <a:ea typeface="프리젠테이션 5 Medium" pitchFamily="2" charset="-127"/>
-              </a:rPr>
-              <a:t>Router1, Router2</a:t>
-            </a:r>
-            <a:endParaRPr lang="en-US" sz="3200" spc="-200" dirty="0">
+              <a:rPr lang="ko-KR" altLang="en-US" sz="3200" b="0" i="0" u="none" strike="noStrike" spc="-200" dirty="0">
+                <a:latin typeface="프리젠테이션 5 Medium" pitchFamily="2" charset="-127"/>
+                <a:ea typeface="프리젠테이션 5 Medium" pitchFamily="2" charset="-127"/>
+              </a:rPr>
+              <a:t> </a:t>
+            </a:r>
+            <a:r>
+              <a:rPr lang="en-US" altLang="ko-KR" sz="3200" b="0" i="0" u="none" strike="noStrike" spc="-200" dirty="0">
+                <a:latin typeface="프리젠테이션 5 Medium" pitchFamily="2" charset="-127"/>
+                <a:ea typeface="프리젠테이션 5 Medium" pitchFamily="2" charset="-127"/>
+              </a:rPr>
+              <a:t>Static Routing</a:t>
+            </a:r>
+            <a:endParaRPr lang="en-US" sz="3200" b="0" i="0" u="none" strike="noStrike" spc="-200" dirty="0">
               <a:latin typeface="프리젠테이션 5 Medium" pitchFamily="2" charset="-127"/>
               <a:ea typeface="프리젠테이션 5 Medium" pitchFamily="2" charset="-127"/>
             </a:endParaRPr>
           </a:p>
+        </p:txBody>
+      </p:sp>
+      <p:sp>
+        <p:nvSpPr>
+          <p:cNvPr id="17" name="직사각형 16">
+            <a:extLst>
+              <a:ext uri="{FF2B5EF4-FFF2-40B4-BE49-F238E27FC236}">
+                <a16:creationId xmlns:a16="http://schemas.microsoft.com/office/drawing/2014/main" id="{B3B91B7D-4920-490B-8697-F04DF8764BFF}"/>
+              </a:ext>
+            </a:extLst>
+          </p:cNvPr>
+          <p:cNvSpPr/>
+          <p:nvPr/>
+        </p:nvSpPr>
+        <p:spPr>
+          <a:xfrm>
+            <a:off x="5960165" y="3695700"/>
+            <a:ext cx="3945835" cy="185418"/>
+          </a:xfrm>
+          <a:prstGeom prst="rect">
+            <a:avLst/>
+          </a:prstGeom>
+          <a:noFill/>
+          <a:ln>
+            <a:solidFill>
+              <a:srgbClr val="FF0000"/>
+            </a:solidFill>
+          </a:ln>
+        </p:spPr>
+        <p:style>
+          <a:lnRef idx="2">
+            <a:schemeClr val="accent1">
+              <a:shade val="50000"/>
+            </a:schemeClr>
+          </a:lnRef>
+          <a:fillRef idx="1">
+            <a:schemeClr val="accent1"/>
+          </a:fillRef>
+          <a:effectRef idx="0">
+            <a:schemeClr val="accent1"/>
+          </a:effectRef>
+          <a:fontRef idx="minor">
+            <a:schemeClr val="lt1"/>
+          </a:fontRef>
+        </p:style>
+        <p:txBody>
+          <a:bodyPr rtlCol="0" anchor="ctr"/>
+          <a:lstStyle/>
+          <a:p>
+            <a:pPr algn="ctr"/>
+            <a:endParaRPr lang="ko-KR" altLang="en-US"/>
+          </a:p>
+        </p:txBody>
+      </p:sp>
+      <p:sp>
+        <p:nvSpPr>
+          <p:cNvPr id="22" name="직사각형 21">
+            <a:extLst>
+              <a:ext uri="{FF2B5EF4-FFF2-40B4-BE49-F238E27FC236}">
+                <a16:creationId xmlns:a16="http://schemas.microsoft.com/office/drawing/2014/main" id="{63912F2B-41CA-4C99-9A16-01AD1B725187}"/>
+              </a:ext>
+            </a:extLst>
+          </p:cNvPr>
+          <p:cNvSpPr/>
+          <p:nvPr/>
+        </p:nvSpPr>
+        <p:spPr>
+          <a:xfrm>
+            <a:off x="3657600" y="8039100"/>
+            <a:ext cx="3945835" cy="185418"/>
+          </a:xfrm>
+          <a:prstGeom prst="rect">
+            <a:avLst/>
+          </a:prstGeom>
+          <a:noFill/>
+          <a:ln>
+            <a:solidFill>
+              <a:srgbClr val="FF0000"/>
+            </a:solidFill>
+          </a:ln>
+        </p:spPr>
+        <p:style>
+          <a:lnRef idx="2">
+            <a:schemeClr val="accent1">
+              <a:shade val="50000"/>
+            </a:schemeClr>
+          </a:lnRef>
+          <a:fillRef idx="1">
+            <a:schemeClr val="accent1"/>
+          </a:fillRef>
+          <a:effectRef idx="0">
+            <a:schemeClr val="accent1"/>
+          </a:effectRef>
+          <a:fontRef idx="minor">
+            <a:schemeClr val="lt1"/>
+          </a:fontRef>
+        </p:style>
+        <p:txBody>
+          <a:bodyPr rtlCol="0" anchor="ctr"/>
+          <a:lstStyle/>
+          <a:p>
+            <a:pPr algn="ctr"/>
+            <a:endParaRPr lang="ko-KR" altLang="en-US"/>
+          </a:p>
+        </p:txBody>
+      </p:sp>
+      <p:sp>
+        <p:nvSpPr>
+          <p:cNvPr id="23" name="TextBox 21">
+            <a:extLst>
+              <a:ext uri="{FF2B5EF4-FFF2-40B4-BE49-F238E27FC236}">
+                <a16:creationId xmlns:a16="http://schemas.microsoft.com/office/drawing/2014/main" id="{E6B19706-40B2-4C48-91D9-A9A473D5294B}"/>
+              </a:ext>
+            </a:extLst>
+          </p:cNvPr>
+          <p:cNvSpPr txBox="1"/>
+          <p:nvPr/>
+        </p:nvSpPr>
+        <p:spPr>
+          <a:xfrm>
+            <a:off x="7961985" y="7405977"/>
+            <a:ext cx="3733800" cy="1451664"/>
+          </a:xfrm>
+          <a:prstGeom prst="rect">
+            <a:avLst/>
+          </a:prstGeom>
+        </p:spPr>
+        <p:txBody>
+          <a:bodyPr lIns="0" tIns="0" rIns="0" bIns="0" rtlCol="0" anchor="ctr"/>
+          <a:lstStyle/>
           <a:p>
             <a:pPr lvl="0" algn="ctr">
               <a:lnSpc>
@@ -14736,23 +16654,29 @@
               </a:lnSpc>
             </a:pPr>
             <a:r>
-              <a:rPr lang="ko-KR" altLang="en-US" sz="3200" b="0" i="0" u="none" strike="noStrike" spc="-200" dirty="0">
+              <a:rPr lang="en-US" altLang="ko-KR" sz="3200" spc="-200" dirty="0">
+                <a:latin typeface="프리젠테이션 5 Medium" pitchFamily="2" charset="-127"/>
+                <a:ea typeface="프리젠테이션 5 Medium" pitchFamily="2" charset="-127"/>
+              </a:rPr>
+              <a:t>Router0 </a:t>
+            </a:r>
+          </a:p>
+          <a:p>
+            <a:pPr lvl="0" algn="ctr"/>
+            <a:r>
+              <a:rPr lang="ko-KR" altLang="en-US" sz="3200" spc="-200" dirty="0">
                 <a:latin typeface="프리젠테이션 5 Medium" pitchFamily="2" charset="-127"/>
                 <a:ea typeface="프리젠테이션 5 Medium" pitchFamily="2" charset="-127"/>
               </a:rPr>
               <a:t> </a:t>
             </a:r>
             <a:r>
-              <a:rPr lang="en-US" altLang="ko-KR" sz="3200" b="0" i="0" u="none" strike="noStrike" spc="-200" dirty="0">
-                <a:latin typeface="프리젠테이션 5 Medium" pitchFamily="2" charset="-127"/>
-                <a:ea typeface="프리젠테이션 5 Medium" pitchFamily="2" charset="-127"/>
-              </a:rPr>
-              <a:t>Static Routing</a:t>
-            </a:r>
-            <a:endParaRPr lang="en-US" sz="3200" b="0" i="0" u="none" strike="noStrike" spc="-200" dirty="0">
-              <a:latin typeface="프리젠테이션 5 Medium" pitchFamily="2" charset="-127"/>
-              <a:ea typeface="프리젠테이션 5 Medium" pitchFamily="2" charset="-127"/>
-            </a:endParaRPr>
+              <a:rPr lang="en-US" altLang="ko-KR" sz="3200" spc="-200" dirty="0">
+                <a:latin typeface="프리젠테이션 5 Medium" pitchFamily="2" charset="-127"/>
+                <a:ea typeface="프리젠테이션 5 Medium" pitchFamily="2" charset="-127"/>
+              </a:rPr>
+              <a:t>Default Routing </a:t>
+            </a:r>
           </a:p>
         </p:txBody>
       </p:sp>
@@ -15222,6 +17146,214 @@
           </a:prstGeom>
         </p:spPr>
       </p:pic>
+      <p:sp>
+        <p:nvSpPr>
+          <p:cNvPr id="14" name="직사각형 13">
+            <a:extLst>
+              <a:ext uri="{FF2B5EF4-FFF2-40B4-BE49-F238E27FC236}">
+                <a16:creationId xmlns:a16="http://schemas.microsoft.com/office/drawing/2014/main" id="{3758682B-D30C-400A-BF8F-D668917BB344}"/>
+              </a:ext>
+            </a:extLst>
+          </p:cNvPr>
+          <p:cNvSpPr/>
+          <p:nvPr/>
+        </p:nvSpPr>
+        <p:spPr>
+          <a:xfrm>
+            <a:off x="546100" y="6306868"/>
+            <a:ext cx="1282699" cy="152400"/>
+          </a:xfrm>
+          <a:prstGeom prst="rect">
+            <a:avLst/>
+          </a:prstGeom>
+          <a:noFill/>
+          <a:ln>
+            <a:solidFill>
+              <a:srgbClr val="FF0000"/>
+            </a:solidFill>
+          </a:ln>
+        </p:spPr>
+        <p:style>
+          <a:lnRef idx="2">
+            <a:schemeClr val="accent1">
+              <a:shade val="50000"/>
+            </a:schemeClr>
+          </a:lnRef>
+          <a:fillRef idx="1">
+            <a:schemeClr val="accent1"/>
+          </a:fillRef>
+          <a:effectRef idx="0">
+            <a:schemeClr val="accent1"/>
+          </a:effectRef>
+          <a:fontRef idx="minor">
+            <a:schemeClr val="lt1"/>
+          </a:fontRef>
+        </p:style>
+        <p:txBody>
+          <a:bodyPr rtlCol="0" anchor="ctr"/>
+          <a:lstStyle/>
+          <a:p>
+            <a:pPr algn="ctr"/>
+            <a:endParaRPr lang="ko-KR" altLang="en-US"/>
+          </a:p>
+        </p:txBody>
+      </p:sp>
+      <p:sp>
+        <p:nvSpPr>
+          <p:cNvPr id="16" name="직사각형 15">
+            <a:extLst>
+              <a:ext uri="{FF2B5EF4-FFF2-40B4-BE49-F238E27FC236}">
+                <a16:creationId xmlns:a16="http://schemas.microsoft.com/office/drawing/2014/main" id="{D1E4AB46-04FE-4A59-A8C9-F3337DC2BC9D}"/>
+              </a:ext>
+            </a:extLst>
+          </p:cNvPr>
+          <p:cNvSpPr/>
+          <p:nvPr/>
+        </p:nvSpPr>
+        <p:spPr>
+          <a:xfrm>
+            <a:off x="6227940" y="6378037"/>
+            <a:ext cx="1620660" cy="137063"/>
+          </a:xfrm>
+          <a:prstGeom prst="rect">
+            <a:avLst/>
+          </a:prstGeom>
+          <a:noFill/>
+          <a:ln>
+            <a:solidFill>
+              <a:srgbClr val="FF0000"/>
+            </a:solidFill>
+          </a:ln>
+        </p:spPr>
+        <p:style>
+          <a:lnRef idx="2">
+            <a:schemeClr val="accent1">
+              <a:shade val="50000"/>
+            </a:schemeClr>
+          </a:lnRef>
+          <a:fillRef idx="1">
+            <a:schemeClr val="accent1"/>
+          </a:fillRef>
+          <a:effectRef idx="0">
+            <a:schemeClr val="accent1"/>
+          </a:effectRef>
+          <a:fontRef idx="minor">
+            <a:schemeClr val="lt1"/>
+          </a:fontRef>
+        </p:style>
+        <p:txBody>
+          <a:bodyPr rtlCol="0" anchor="ctr"/>
+          <a:lstStyle/>
+          <a:p>
+            <a:pPr algn="ctr"/>
+            <a:endParaRPr lang="ko-KR" altLang="en-US"/>
+          </a:p>
+        </p:txBody>
+      </p:sp>
+      <p:sp>
+        <p:nvSpPr>
+          <p:cNvPr id="18" name="직사각형 17">
+            <a:extLst>
+              <a:ext uri="{FF2B5EF4-FFF2-40B4-BE49-F238E27FC236}">
+                <a16:creationId xmlns:a16="http://schemas.microsoft.com/office/drawing/2014/main" id="{0CD2B831-2DCA-429E-AF4D-7460E8A4CD6A}"/>
+              </a:ext>
+            </a:extLst>
+          </p:cNvPr>
+          <p:cNvSpPr/>
+          <p:nvPr/>
+        </p:nvSpPr>
+        <p:spPr>
+          <a:xfrm>
+            <a:off x="12223750" y="5595122"/>
+            <a:ext cx="1620660" cy="137063"/>
+          </a:xfrm>
+          <a:prstGeom prst="rect">
+            <a:avLst/>
+          </a:prstGeom>
+          <a:noFill/>
+          <a:ln>
+            <a:solidFill>
+              <a:srgbClr val="FF0000"/>
+            </a:solidFill>
+          </a:ln>
+        </p:spPr>
+        <p:style>
+          <a:lnRef idx="2">
+            <a:schemeClr val="accent1">
+              <a:shade val="50000"/>
+            </a:schemeClr>
+          </a:lnRef>
+          <a:fillRef idx="1">
+            <a:schemeClr val="accent1"/>
+          </a:fillRef>
+          <a:effectRef idx="0">
+            <a:schemeClr val="accent1"/>
+          </a:effectRef>
+          <a:fontRef idx="minor">
+            <a:schemeClr val="lt1"/>
+          </a:fontRef>
+        </p:style>
+        <p:txBody>
+          <a:bodyPr rtlCol="0" anchor="ctr"/>
+          <a:lstStyle/>
+          <a:p>
+            <a:pPr algn="ctr"/>
+            <a:endParaRPr lang="ko-KR" altLang="en-US"/>
+          </a:p>
+        </p:txBody>
+      </p:sp>
+      <p:sp>
+        <p:nvSpPr>
+          <p:cNvPr id="19" name="직사각형 18">
+            <a:extLst>
+              <a:ext uri="{FF2B5EF4-FFF2-40B4-BE49-F238E27FC236}">
+                <a16:creationId xmlns:a16="http://schemas.microsoft.com/office/drawing/2014/main" id="{00A3DF84-15DC-437D-8186-236A3261E9F8}"/>
+              </a:ext>
+            </a:extLst>
+          </p:cNvPr>
+          <p:cNvSpPr/>
+          <p:nvPr/>
+        </p:nvSpPr>
+        <p:spPr>
+          <a:xfrm>
+            <a:off x="12223750" y="7487968"/>
+            <a:ext cx="1620660" cy="137063"/>
+          </a:xfrm>
+          <a:prstGeom prst="rect">
+            <a:avLst/>
+          </a:prstGeom>
+          <a:noFill/>
+          <a:ln>
+            <a:solidFill>
+              <a:srgbClr val="FF0000"/>
+            </a:solidFill>
+          </a:ln>
+        </p:spPr>
+        <p:style>
+          <a:lnRef idx="2">
+            <a:schemeClr val="accent1">
+              <a:shade val="50000"/>
+            </a:schemeClr>
+          </a:lnRef>
+          <a:fillRef idx="1">
+            <a:schemeClr val="accent1"/>
+          </a:fillRef>
+          <a:effectRef idx="0">
+            <a:schemeClr val="accent1"/>
+          </a:effectRef>
+          <a:fontRef idx="minor">
+            <a:schemeClr val="lt1"/>
+          </a:fontRef>
+        </p:style>
+        <p:txBody>
+          <a:bodyPr rtlCol="0" anchor="ctr"/>
+          <a:lstStyle/>
+          <a:p>
+            <a:pPr algn="ctr"/>
+            <a:endParaRPr lang="ko-KR" altLang="en-US"/>
+          </a:p>
+        </p:txBody>
+      </p:sp>
     </p:spTree>
     <p:extLst>
       <p:ext uri="{BB962C8B-B14F-4D97-AF65-F5344CB8AC3E}">
@@ -16693,9 +18825,9 @@
           <a:solidFill>
             <a:srgbClr val="617995"/>
           </a:solidFill>
-          <a:ln w="57150" cap="flat">
+          <a:ln w="28575" cap="flat">
             <a:solidFill>
-              <a:srgbClr val="617995"/>
+              <a:srgbClr val="FF0000"/>
             </a:solidFill>
           </a:ln>
           <a:effectLst>
